--- a/Team4_PPT_01.pptx
+++ b/Team4_PPT_01.pptx
@@ -1,20 +1,23 @@
 
 <file path=ppt/presentation.xml><?xml version="1.0" encoding="utf-8"?>
-<p:presentation xmlns:a="http://schemas.openxmlformats.org/drawingml/2006/main" xmlns:r="http://schemas.openxmlformats.org/officeDocument/2006/relationships" xmlns:p="http://schemas.openxmlformats.org/presentationml/2006/main" xmlns:m="http://schemas.openxmlformats.org/officeDocument/2006/math" xmlns:a14="http://schemas.microsoft.com/office/drawing/2010/main">
+<p:presentation xmlns:a="http://schemas.openxmlformats.org/drawingml/2006/main" xmlns:r="http://schemas.openxmlformats.org/officeDocument/2006/relationships" xmlns:p="http://schemas.openxmlformats.org/presentationml/2006/main">
   <p:sldMasterIdLst>
-    <p:sldMasterId id="2147483648" r:id="rId5"/>
+    <p:sldMasterId id="2147483648" r:id="rId1"/>
   </p:sldMasterIdLst>
   <p:notesMasterIdLst>
-    <p:notesMasterId r:id="rId7"/>
+    <p:notesMasterId r:id="rId12"/>
   </p:notesMasterIdLst>
   <p:sldIdLst>
-    <p:sldId id="256" r:id="rId8"/>
-    <p:sldId id="257" r:id="rId9"/>
-    <p:sldId id="258" r:id="rId10"/>
-    <p:sldId id="259" r:id="rId11"/>
-    <p:sldId id="260" r:id="rId12"/>
-    <p:sldId id="261" r:id="rId13"/>
-    <p:sldId id="262" r:id="rId14"/>
+    <p:sldId id="256" r:id="rId2"/>
+    <p:sldId id="257" r:id="rId3"/>
+    <p:sldId id="259" r:id="rId4"/>
+    <p:sldId id="264" r:id="rId5"/>
+    <p:sldId id="268" r:id="rId6"/>
+    <p:sldId id="265" r:id="rId7"/>
+    <p:sldId id="260" r:id="rId8"/>
+    <p:sldId id="261" r:id="rId9"/>
+    <p:sldId id="267" r:id="rId10"/>
+    <p:sldId id="262" r:id="rId11"/>
   </p:sldIdLst>
   <p:sldSz cx="13004800" cy="9753600"/>
   <p:notesSz cx="6858000" cy="9144000"/>
@@ -34,7 +37,7 @@
       <a:buFontTx/>
       <a:buNone/>
       <a:tabLst/>
-      <a:defRPr b="0" baseline="0" cap="none" i="0" spc="0" strike="noStrike" sz="1800" u="none" kumimoji="0" normalizeH="0">
+      <a:defRPr kumimoji="0" sz="1800" b="0" i="0" u="none" strike="noStrike" cap="none" spc="0" normalizeH="0" baseline="0">
         <a:ln>
           <a:noFill/>
         </a:ln>
@@ -60,7 +63,7 @@
       <a:buFontTx/>
       <a:buNone/>
       <a:tabLst/>
-      <a:defRPr b="0" baseline="0" cap="none" i="0" spc="0" strike="noStrike" sz="2400" u="none" kumimoji="0" normalizeH="0">
+      <a:defRPr kumimoji="0" sz="2400" b="0" i="0" u="none" strike="noStrike" cap="none" spc="0" normalizeH="0" baseline="0">
         <a:ln>
           <a:noFill/>
         </a:ln>
@@ -90,7 +93,7 @@
       <a:buFontTx/>
       <a:buNone/>
       <a:tabLst/>
-      <a:defRPr b="0" baseline="0" cap="none" i="0" spc="0" strike="noStrike" sz="2400" u="none" kumimoji="0" normalizeH="0">
+      <a:defRPr kumimoji="0" sz="2400" b="0" i="0" u="none" strike="noStrike" cap="none" spc="0" normalizeH="0" baseline="0">
         <a:ln>
           <a:noFill/>
         </a:ln>
@@ -120,7 +123,7 @@
       <a:buFontTx/>
       <a:buNone/>
       <a:tabLst/>
-      <a:defRPr b="0" baseline="0" cap="none" i="0" spc="0" strike="noStrike" sz="2400" u="none" kumimoji="0" normalizeH="0">
+      <a:defRPr kumimoji="0" sz="2400" b="0" i="0" u="none" strike="noStrike" cap="none" spc="0" normalizeH="0" baseline="0">
         <a:ln>
           <a:noFill/>
         </a:ln>
@@ -150,7 +153,7 @@
       <a:buFontTx/>
       <a:buNone/>
       <a:tabLst/>
-      <a:defRPr b="0" baseline="0" cap="none" i="0" spc="0" strike="noStrike" sz="2400" u="none" kumimoji="0" normalizeH="0">
+      <a:defRPr kumimoji="0" sz="2400" b="0" i="0" u="none" strike="noStrike" cap="none" spc="0" normalizeH="0" baseline="0">
         <a:ln>
           <a:noFill/>
         </a:ln>
@@ -180,7 +183,7 @@
       <a:buFontTx/>
       <a:buNone/>
       <a:tabLst/>
-      <a:defRPr b="0" baseline="0" cap="none" i="0" spc="0" strike="noStrike" sz="2400" u="none" kumimoji="0" normalizeH="0">
+      <a:defRPr kumimoji="0" sz="2400" b="0" i="0" u="none" strike="noStrike" cap="none" spc="0" normalizeH="0" baseline="0">
         <a:ln>
           <a:noFill/>
         </a:ln>
@@ -210,7 +213,7 @@
       <a:buFontTx/>
       <a:buNone/>
       <a:tabLst/>
-      <a:defRPr b="0" baseline="0" cap="none" i="0" spc="0" strike="noStrike" sz="2400" u="none" kumimoji="0" normalizeH="0">
+      <a:defRPr kumimoji="0" sz="2400" b="0" i="0" u="none" strike="noStrike" cap="none" spc="0" normalizeH="0" baseline="0">
         <a:ln>
           <a:noFill/>
         </a:ln>
@@ -240,7 +243,7 @@
       <a:buFontTx/>
       <a:buNone/>
       <a:tabLst/>
-      <a:defRPr b="0" baseline="0" cap="none" i="0" spc="0" strike="noStrike" sz="2400" u="none" kumimoji="0" normalizeH="0">
+      <a:defRPr kumimoji="0" sz="2400" b="0" i="0" u="none" strike="noStrike" cap="none" spc="0" normalizeH="0" baseline="0">
         <a:ln>
           <a:noFill/>
         </a:ln>
@@ -270,7 +273,7 @@
       <a:buFontTx/>
       <a:buNone/>
       <a:tabLst/>
-      <a:defRPr b="0" baseline="0" cap="none" i="0" spc="0" strike="noStrike" sz="2400" u="none" kumimoji="0" normalizeH="0">
+      <a:defRPr kumimoji="0" sz="2400" b="0" i="0" u="none" strike="noStrike" cap="none" spc="0" normalizeH="0" baseline="0">
         <a:ln>
           <a:noFill/>
         </a:ln>
@@ -300,7 +303,7 @@
       <a:buFontTx/>
       <a:buNone/>
       <a:tabLst/>
-      <a:defRPr b="0" baseline="0" cap="none" i="0" spc="0" strike="noStrike" sz="2400" u="none" kumimoji="0" normalizeH="0">
+      <a:defRPr kumimoji="0" sz="2400" b="0" i="0" u="none" strike="noStrike" cap="none" spc="0" normalizeH="0" baseline="0">
         <a:ln>
           <a:noFill/>
         </a:ln>
@@ -319,13 +322,14 @@
 </p:presentation>
 </file>
 
-<file path=ppt/commentAuthors.xml><?xml version="1.0" encoding="utf-8"?>
-<p:cmAuthorLst xmlns:a="http://schemas.openxmlformats.org/drawingml/2006/main" xmlns:r="http://schemas.openxmlformats.org/officeDocument/2006/relationships" xmlns:p="http://schemas.openxmlformats.org/presentationml/2006/main" xmlns:m="http://schemas.openxmlformats.org/officeDocument/2006/math" xmlns:a14="http://schemas.microsoft.com/office/drawing/2010/main"/>
-</file>
-
 <file path=ppt/notesMasters/notesMaster1.xml><?xml version="1.0" encoding="utf-8"?>
-<p:notesMaster xmlns:a="http://schemas.openxmlformats.org/drawingml/2006/main" xmlns:r="http://schemas.openxmlformats.org/officeDocument/2006/relationships" xmlns:p="http://schemas.openxmlformats.org/presentationml/2006/main" xmlns:m="http://schemas.openxmlformats.org/officeDocument/2006/math" xmlns:a14="http://schemas.microsoft.com/office/drawing/2010/main">
+<p:notesMaster xmlns:a="http://schemas.openxmlformats.org/drawingml/2006/main" xmlns:r="http://schemas.openxmlformats.org/officeDocument/2006/relationships" xmlns:p="http://schemas.openxmlformats.org/presentationml/2006/main">
   <p:cSld>
+    <p:bg>
+      <p:bgRef idx="1001">
+        <a:schemeClr val="bg1"/>
+      </p:bgRef>
+    </p:bg>
     <p:spTree>
       <p:nvGrpSpPr>
         <p:cNvPr id="1" name=""/>
@@ -343,7 +347,9 @@
       <p:sp>
         <p:nvSpPr>
           <p:cNvPr id="130" name="Shape 130"/>
-          <p:cNvSpPr/>
+          <p:cNvSpPr>
+            <a:spLocks noGrp="1" noRot="1" noChangeAspect="1"/>
+          </p:cNvSpPr>
           <p:nvPr>
             <p:ph type="sldImg"/>
           </p:nvPr>
@@ -361,14 +367,16 @@
           <a:bodyPr/>
           <a:lstStyle/>
           <a:p>
-            <a:pPr/>
+            <a:endParaRPr/>
           </a:p>
         </p:txBody>
       </p:sp>
       <p:sp>
         <p:nvSpPr>
           <p:cNvPr id="131" name="Shape 131"/>
-          <p:cNvSpPr/>
+          <p:cNvSpPr>
+            <a:spLocks noGrp="1"/>
+          </p:cNvSpPr>
           <p:nvPr>
             <p:ph type="body" sz="quarter" idx="1"/>
           </p:nvPr>
@@ -386,11 +394,16 @@
           <a:bodyPr/>
           <a:lstStyle/>
           <a:p>
-            <a:pPr/>
+            <a:endParaRPr/>
           </a:p>
         </p:txBody>
       </p:sp>
     </p:spTree>
+    <p:extLst>
+      <p:ext uri="{BB962C8B-B14F-4D97-AF65-F5344CB8AC3E}">
+        <p14:creationId xmlns:p14="http://schemas.microsoft.com/office/powerpoint/2010/main" val="1645565496"/>
+      </p:ext>
+    </p:extLst>
   </p:cSld>
   <p:clrMap bg1="lt1" tx1="dk1" bg2="lt2" tx2="dk2" accent1="accent1" accent2="accent2" accent3="accent3" accent4="accent4" accent5="accent5" accent6="accent6" hlink="hlink" folHlink="folHlink"/>
   <p:notesStyle>
@@ -498,7 +511,7 @@
 </file>
 
 <file path=ppt/slideLayouts/slideLayout1.xml><?xml version="1.0" encoding="utf-8"?>
-<p:sldLayout xmlns:a="http://schemas.openxmlformats.org/drawingml/2006/main" xmlns:r="http://schemas.openxmlformats.org/officeDocument/2006/relationships" xmlns:p="http://schemas.openxmlformats.org/presentationml/2006/main" xmlns:m="http://schemas.openxmlformats.org/officeDocument/2006/math" xmlns:a14="http://schemas.microsoft.com/office/drawing/2010/main" type="title" showMasterSp="0" showMasterPhAnim="1">
+<p:sldLayout xmlns:a="http://schemas.openxmlformats.org/drawingml/2006/main" xmlns:r="http://schemas.openxmlformats.org/officeDocument/2006/relationships" xmlns:p="http://schemas.openxmlformats.org/presentationml/2006/main" showMasterSp="0" type="title">
   <p:cSld name="Title &amp; Subtitle">
     <p:spTree>
       <p:nvGrpSpPr>
@@ -552,6 +565,7 @@
                 <a:sym typeface="Helvetica"/>
               </a:defRPr>
             </a:pPr>
+            <a:endParaRPr/>
           </a:p>
         </p:txBody>
       </p:sp>
@@ -593,6 +607,7 @@
                 <a:sym typeface="Helvetica"/>
               </a:defRPr>
             </a:pPr>
+            <a:endParaRPr/>
           </a:p>
         </p:txBody>
       </p:sp>
@@ -634,13 +649,16 @@
                 <a:sym typeface="Helvetica"/>
               </a:defRPr>
             </a:pPr>
+            <a:endParaRPr/>
           </a:p>
         </p:txBody>
       </p:sp>
       <p:sp>
         <p:nvSpPr>
           <p:cNvPr id="16" name="Lorem Ipsum Dolor"/>
-          <p:cNvSpPr txBox="1"/>
+          <p:cNvSpPr txBox="1">
+            <a:spLocks noGrp="1"/>
+          </p:cNvSpPr>
           <p:nvPr>
             <p:ph type="body" sz="quarter" idx="13"/>
           </p:nvPr>
@@ -670,11 +688,10 @@
               <a:buSzTx/>
               <a:buFontTx/>
               <a:buNone/>
-              <a:defRPr i="1" sz="2400"/>
+              <a:defRPr sz="2400" i="1"/>
             </a:lvl1pPr>
           </a:lstStyle>
           <a:p>
-            <a:pPr/>
             <a:r>
               <a:t>Lorem Ipsum Dolor</a:t>
             </a:r>
@@ -684,7 +701,9 @@
       <p:sp>
         <p:nvSpPr>
           <p:cNvPr id="17" name="Title Text"/>
-          <p:cNvSpPr txBox="1"/>
+          <p:cNvSpPr txBox="1">
+            <a:spLocks noGrp="1"/>
+          </p:cNvSpPr>
           <p:nvPr>
             <p:ph type="title"/>
           </p:nvPr>
@@ -704,7 +723,6 @@
             <a:lvl1pPr algn="l"/>
           </a:lstStyle>
           <a:p>
-            <a:pPr/>
             <a:r>
               <a:t>Title Text</a:t>
             </a:r>
@@ -714,7 +732,9 @@
       <p:sp>
         <p:nvSpPr>
           <p:cNvPr id="18" name="Body Level One…"/>
-          <p:cNvSpPr txBox="1"/>
+          <p:cNvSpPr txBox="1">
+            <a:spLocks noGrp="1"/>
+          </p:cNvSpPr>
           <p:nvPr>
             <p:ph type="body" sz="quarter" idx="1"/>
           </p:nvPr>
@@ -783,7 +803,6 @@
             </a:lvl5pPr>
           </a:lstStyle>
           <a:p>
-            <a:pPr/>
             <a:r>
               <a:t>Body Level One</a:t>
             </a:r>
@@ -817,7 +836,9 @@
       <p:sp>
         <p:nvSpPr>
           <p:cNvPr id="19" name="Slide Number"/>
-          <p:cNvSpPr txBox="1"/>
+          <p:cNvSpPr txBox="1">
+            <a:spLocks noGrp="1"/>
+          </p:cNvSpPr>
           <p:nvPr>
             <p:ph type="sldNum" sz="quarter" idx="2"/>
           </p:nvPr>
@@ -831,8 +852,10 @@
           <a:bodyPr/>
           <a:lstStyle/>
           <a:p>
-            <a:pPr/>
-            <a:fld id="{86CB4B4D-7CA3-9044-876B-883B54F8677D}" type="slidenum"/>
+            <a:fld id="{86CB4B4D-7CA3-9044-876B-883B54F8677D}" type="slidenum">
+              <a:t>‹#›</a:t>
+            </a:fld>
+            <a:endParaRPr/>
           </a:p>
         </p:txBody>
       </p:sp>
@@ -841,12 +864,12 @@
   <p:clrMapOvr>
     <a:masterClrMapping/>
   </p:clrMapOvr>
-  <p:transition xmlns:p14="http://schemas.microsoft.com/office/powerpoint/2010/main" spd="med" advClick="1"/>
+  <p:transition spd="med"/>
 </p:sldLayout>
 </file>
 
 <file path=ppt/slideLayouts/slideLayout10.xml><?xml version="1.0" encoding="utf-8"?>
-<p:sldLayout xmlns:a="http://schemas.openxmlformats.org/drawingml/2006/main" xmlns:r="http://schemas.openxmlformats.org/officeDocument/2006/relationships" xmlns:p="http://schemas.openxmlformats.org/presentationml/2006/main" xmlns:m="http://schemas.openxmlformats.org/officeDocument/2006/math" xmlns:a14="http://schemas.microsoft.com/office/drawing/2010/main" type="tx" showMasterSp="0" showMasterPhAnim="1">
+<p:sldLayout xmlns:a="http://schemas.openxmlformats.org/drawingml/2006/main" xmlns:r="http://schemas.openxmlformats.org/officeDocument/2006/relationships" xmlns:p="http://schemas.openxmlformats.org/presentationml/2006/main" showMasterSp="0" type="tx">
   <p:cSld name="Quote">
     <p:spTree>
       <p:nvGrpSpPr>
@@ -865,7 +888,9 @@
       <p:sp>
         <p:nvSpPr>
           <p:cNvPr id="107" name="–Johnny Appleseed"/>
-          <p:cNvSpPr txBox="1"/>
+          <p:cNvSpPr txBox="1">
+            <a:spLocks noGrp="1"/>
+          </p:cNvSpPr>
           <p:nvPr>
             <p:ph type="body" sz="quarter" idx="13"/>
           </p:nvPr>
@@ -892,11 +917,10 @@
               <a:buSzTx/>
               <a:buFontTx/>
               <a:buNone/>
-              <a:defRPr i="1" sz="3000"/>
+              <a:defRPr sz="3000" i="1"/>
             </a:lvl1pPr>
           </a:lstStyle>
           <a:p>
-            <a:pPr/>
             <a:r>
               <a:t>–Johnny Appleseed</a:t>
             </a:r>
@@ -906,7 +930,9 @@
       <p:sp>
         <p:nvSpPr>
           <p:cNvPr id="108" name="“Type a quote here.”"/>
-          <p:cNvSpPr txBox="1"/>
+          <p:cNvSpPr txBox="1">
+            <a:spLocks noGrp="1"/>
+          </p:cNvSpPr>
           <p:nvPr>
             <p:ph type="body" sz="quarter" idx="14"/>
           </p:nvPr>
@@ -936,7 +962,6 @@
             </a:lvl1pPr>
           </a:lstStyle>
           <a:p>
-            <a:pPr/>
             <a:r>
               <a:t>“Type a quote here.” </a:t>
             </a:r>
@@ -946,7 +971,9 @@
       <p:sp>
         <p:nvSpPr>
           <p:cNvPr id="109" name="Slide Number"/>
-          <p:cNvSpPr txBox="1"/>
+          <p:cNvSpPr txBox="1">
+            <a:spLocks noGrp="1"/>
+          </p:cNvSpPr>
           <p:nvPr>
             <p:ph type="sldNum" sz="quarter" idx="2"/>
           </p:nvPr>
@@ -960,8 +987,10 @@
           <a:bodyPr/>
           <a:lstStyle/>
           <a:p>
-            <a:pPr/>
-            <a:fld id="{86CB4B4D-7CA3-9044-876B-883B54F8677D}" type="slidenum"/>
+            <a:fld id="{86CB4B4D-7CA3-9044-876B-883B54F8677D}" type="slidenum">
+              <a:t>‹#›</a:t>
+            </a:fld>
+            <a:endParaRPr/>
           </a:p>
         </p:txBody>
       </p:sp>
@@ -970,12 +999,12 @@
   <p:clrMapOvr>
     <a:masterClrMapping/>
   </p:clrMapOvr>
-  <p:transition xmlns:p14="http://schemas.microsoft.com/office/powerpoint/2010/main" spd="med" advClick="1"/>
+  <p:transition spd="med"/>
 </p:sldLayout>
 </file>
 
 <file path=ppt/slideLayouts/slideLayout11.xml><?xml version="1.0" encoding="utf-8"?>
-<p:sldLayout xmlns:a="http://schemas.openxmlformats.org/drawingml/2006/main" xmlns:r="http://schemas.openxmlformats.org/officeDocument/2006/relationships" xmlns:p="http://schemas.openxmlformats.org/presentationml/2006/main" xmlns:m="http://schemas.openxmlformats.org/officeDocument/2006/math" xmlns:a14="http://schemas.microsoft.com/office/drawing/2010/main" type="tx" showMasterSp="0" showMasterPhAnim="1">
+<p:sldLayout xmlns:a="http://schemas.openxmlformats.org/drawingml/2006/main" xmlns:r="http://schemas.openxmlformats.org/officeDocument/2006/relationships" xmlns:p="http://schemas.openxmlformats.org/presentationml/2006/main" showMasterSp="0" type="tx">
   <p:cSld name="Photo">
     <p:spTree>
       <p:nvGrpSpPr>
@@ -994,7 +1023,9 @@
       <p:sp>
         <p:nvSpPr>
           <p:cNvPr id="116" name="Image"/>
-          <p:cNvSpPr/>
+          <p:cNvSpPr>
+            <a:spLocks noGrp="1"/>
+          </p:cNvSpPr>
           <p:nvPr>
             <p:ph type="pic" idx="13"/>
           </p:nvPr>
@@ -1014,14 +1045,16 @@
           </a:bodyPr>
           <a:lstStyle/>
           <a:p>
-            <a:pPr/>
+            <a:endParaRPr/>
           </a:p>
         </p:txBody>
       </p:sp>
       <p:sp>
         <p:nvSpPr>
           <p:cNvPr id="117" name="Slide Number"/>
-          <p:cNvSpPr txBox="1"/>
+          <p:cNvSpPr txBox="1">
+            <a:spLocks noGrp="1"/>
+          </p:cNvSpPr>
           <p:nvPr>
             <p:ph type="sldNum" sz="quarter" idx="2"/>
           </p:nvPr>
@@ -1035,8 +1068,10 @@
           <a:bodyPr/>
           <a:lstStyle/>
           <a:p>
-            <a:pPr/>
-            <a:fld id="{86CB4B4D-7CA3-9044-876B-883B54F8677D}" type="slidenum"/>
+            <a:fld id="{86CB4B4D-7CA3-9044-876B-883B54F8677D}" type="slidenum">
+              <a:t>‹#›</a:t>
+            </a:fld>
+            <a:endParaRPr/>
           </a:p>
         </p:txBody>
       </p:sp>
@@ -1045,12 +1080,12 @@
   <p:clrMapOvr>
     <a:masterClrMapping/>
   </p:clrMapOvr>
-  <p:transition xmlns:p14="http://schemas.microsoft.com/office/powerpoint/2010/main" spd="med" advClick="1"/>
+  <p:transition spd="med"/>
 </p:sldLayout>
 </file>
 
 <file path=ppt/slideLayouts/slideLayout12.xml><?xml version="1.0" encoding="utf-8"?>
-<p:sldLayout xmlns:a="http://schemas.openxmlformats.org/drawingml/2006/main" xmlns:r="http://schemas.openxmlformats.org/officeDocument/2006/relationships" xmlns:p="http://schemas.openxmlformats.org/presentationml/2006/main" xmlns:m="http://schemas.openxmlformats.org/officeDocument/2006/math" xmlns:a14="http://schemas.microsoft.com/office/drawing/2010/main" type="tx" showMasterSp="0" showMasterPhAnim="1">
+<p:sldLayout xmlns:a="http://schemas.openxmlformats.org/drawingml/2006/main" xmlns:r="http://schemas.openxmlformats.org/officeDocument/2006/relationships" xmlns:p="http://schemas.openxmlformats.org/presentationml/2006/main" showMasterSp="0" type="tx">
   <p:cSld name="Blank">
     <p:spTree>
       <p:nvGrpSpPr>
@@ -1069,7 +1104,9 @@
       <p:sp>
         <p:nvSpPr>
           <p:cNvPr id="124" name="Slide Number"/>
-          <p:cNvSpPr txBox="1"/>
+          <p:cNvSpPr txBox="1">
+            <a:spLocks noGrp="1"/>
+          </p:cNvSpPr>
           <p:nvPr>
             <p:ph type="sldNum" sz="quarter" idx="2"/>
           </p:nvPr>
@@ -1083,8 +1120,10 @@
           <a:bodyPr/>
           <a:lstStyle/>
           <a:p>
-            <a:pPr/>
-            <a:fld id="{86CB4B4D-7CA3-9044-876B-883B54F8677D}" type="slidenum"/>
+            <a:fld id="{86CB4B4D-7CA3-9044-876B-883B54F8677D}" type="slidenum">
+              <a:t>‹#›</a:t>
+            </a:fld>
+            <a:endParaRPr/>
           </a:p>
         </p:txBody>
       </p:sp>
@@ -1093,12 +1132,12 @@
   <p:clrMapOvr>
     <a:masterClrMapping/>
   </p:clrMapOvr>
-  <p:transition xmlns:p14="http://schemas.microsoft.com/office/powerpoint/2010/main" spd="med" advClick="1"/>
+  <p:transition spd="med"/>
 </p:sldLayout>
 </file>
 
 <file path=ppt/slideLayouts/slideLayout2.xml><?xml version="1.0" encoding="utf-8"?>
-<p:sldLayout xmlns:a="http://schemas.openxmlformats.org/drawingml/2006/main" xmlns:r="http://schemas.openxmlformats.org/officeDocument/2006/relationships" xmlns:p="http://schemas.openxmlformats.org/presentationml/2006/main" xmlns:m="http://schemas.openxmlformats.org/officeDocument/2006/math" xmlns:a14="http://schemas.microsoft.com/office/drawing/2010/main" type="tx" showMasterSp="0" showMasterPhAnim="1">
+<p:sldLayout xmlns:a="http://schemas.openxmlformats.org/drawingml/2006/main" xmlns:r="http://schemas.openxmlformats.org/officeDocument/2006/relationships" xmlns:p="http://schemas.openxmlformats.org/presentationml/2006/main" showMasterSp="0" type="tx">
   <p:cSld name="Photo - Horizontal">
     <p:spTree>
       <p:nvGrpSpPr>
@@ -1152,6 +1191,7 @@
                 <a:sym typeface="Helvetica"/>
               </a:defRPr>
             </a:pPr>
+            <a:endParaRPr/>
           </a:p>
         </p:txBody>
       </p:sp>
@@ -1193,6 +1233,7 @@
                 <a:sym typeface="Helvetica"/>
               </a:defRPr>
             </a:pPr>
+            <a:endParaRPr/>
           </a:p>
         </p:txBody>
       </p:sp>
@@ -1234,6 +1275,7 @@
                 <a:sym typeface="Helvetica"/>
               </a:defRPr>
             </a:pPr>
+            <a:endParaRPr/>
           </a:p>
         </p:txBody>
       </p:sp>
@@ -1275,13 +1317,16 @@
                 <a:sym typeface="Helvetica"/>
               </a:defRPr>
             </a:pPr>
+            <a:endParaRPr/>
           </a:p>
         </p:txBody>
       </p:sp>
       <p:sp>
         <p:nvSpPr>
           <p:cNvPr id="30" name="Lorem Ipsum Dolor"/>
-          <p:cNvSpPr txBox="1"/>
+          <p:cNvSpPr txBox="1">
+            <a:spLocks noGrp="1"/>
+          </p:cNvSpPr>
           <p:nvPr>
             <p:ph type="body" sz="quarter" idx="13"/>
           </p:nvPr>
@@ -1311,11 +1356,10 @@
               <a:buSzTx/>
               <a:buFontTx/>
               <a:buNone/>
-              <a:defRPr i="1" sz="2400"/>
+              <a:defRPr sz="2400" i="1"/>
             </a:lvl1pPr>
           </a:lstStyle>
           <a:p>
-            <a:pPr/>
             <a:r>
               <a:t>Lorem Ipsum Dolor</a:t>
             </a:r>
@@ -1325,7 +1369,9 @@
       <p:sp>
         <p:nvSpPr>
           <p:cNvPr id="31" name="Image"/>
-          <p:cNvSpPr/>
+          <p:cNvSpPr>
+            <a:spLocks noGrp="1"/>
+          </p:cNvSpPr>
           <p:nvPr>
             <p:ph type="pic" idx="14"/>
           </p:nvPr>
@@ -1348,14 +1394,16 @@
           </a:bodyPr>
           <a:lstStyle/>
           <a:p>
-            <a:pPr/>
+            <a:endParaRPr/>
           </a:p>
         </p:txBody>
       </p:sp>
       <p:sp>
         <p:nvSpPr>
           <p:cNvPr id="32" name="Title Text"/>
-          <p:cNvSpPr txBox="1"/>
+          <p:cNvSpPr txBox="1">
+            <a:spLocks noGrp="1"/>
+          </p:cNvSpPr>
           <p:nvPr>
             <p:ph type="title"/>
           </p:nvPr>
@@ -1375,7 +1423,6 @@
             <a:lvl1pPr algn="l"/>
           </a:lstStyle>
           <a:p>
-            <a:pPr/>
             <a:r>
               <a:t>Title Text</a:t>
             </a:r>
@@ -1385,7 +1432,9 @@
       <p:sp>
         <p:nvSpPr>
           <p:cNvPr id="33" name="Body Level One…"/>
-          <p:cNvSpPr txBox="1"/>
+          <p:cNvSpPr txBox="1">
+            <a:spLocks noGrp="1"/>
+          </p:cNvSpPr>
           <p:nvPr>
             <p:ph type="body" sz="quarter" idx="1"/>
           </p:nvPr>
@@ -1454,7 +1503,6 @@
             </a:lvl5pPr>
           </a:lstStyle>
           <a:p>
-            <a:pPr/>
             <a:r>
               <a:t>Body Level One</a:t>
             </a:r>
@@ -1488,7 +1536,9 @@
       <p:sp>
         <p:nvSpPr>
           <p:cNvPr id="34" name="Slide Number"/>
-          <p:cNvSpPr txBox="1"/>
+          <p:cNvSpPr txBox="1">
+            <a:spLocks noGrp="1"/>
+          </p:cNvSpPr>
           <p:nvPr>
             <p:ph type="sldNum" sz="quarter" idx="2"/>
           </p:nvPr>
@@ -1502,8 +1552,10 @@
           <a:bodyPr/>
           <a:lstStyle/>
           <a:p>
-            <a:pPr/>
-            <a:fld id="{86CB4B4D-7CA3-9044-876B-883B54F8677D}" type="slidenum"/>
+            <a:fld id="{86CB4B4D-7CA3-9044-876B-883B54F8677D}" type="slidenum">
+              <a:t>‹#›</a:t>
+            </a:fld>
+            <a:endParaRPr/>
           </a:p>
         </p:txBody>
       </p:sp>
@@ -1512,12 +1564,12 @@
   <p:clrMapOvr>
     <a:masterClrMapping/>
   </p:clrMapOvr>
-  <p:transition xmlns:p14="http://schemas.microsoft.com/office/powerpoint/2010/main" spd="med" advClick="1"/>
+  <p:transition spd="med"/>
 </p:sldLayout>
 </file>
 
 <file path=ppt/slideLayouts/slideLayout3.xml><?xml version="1.0" encoding="utf-8"?>
-<p:sldLayout xmlns:a="http://schemas.openxmlformats.org/drawingml/2006/main" xmlns:r="http://schemas.openxmlformats.org/officeDocument/2006/relationships" xmlns:p="http://schemas.openxmlformats.org/presentationml/2006/main" xmlns:m="http://schemas.openxmlformats.org/officeDocument/2006/math" xmlns:a14="http://schemas.microsoft.com/office/drawing/2010/main" type="tx" showMasterSp="0" showMasterPhAnim="1">
+<p:sldLayout xmlns:a="http://schemas.openxmlformats.org/drawingml/2006/main" xmlns:r="http://schemas.openxmlformats.org/officeDocument/2006/relationships" xmlns:p="http://schemas.openxmlformats.org/presentationml/2006/main" showMasterSp="0" type="tx">
   <p:cSld name="Title - Center">
     <p:spTree>
       <p:nvGrpSpPr>
@@ -1536,7 +1588,9 @@
       <p:sp>
         <p:nvSpPr>
           <p:cNvPr id="41" name="Title Text"/>
-          <p:cNvSpPr txBox="1"/>
+          <p:cNvSpPr txBox="1">
+            <a:spLocks noGrp="1"/>
+          </p:cNvSpPr>
           <p:nvPr>
             <p:ph type="title"/>
           </p:nvPr>
@@ -1554,7 +1608,6 @@
           <a:bodyPr/>
           <a:lstStyle/>
           <a:p>
-            <a:pPr/>
             <a:r>
               <a:t>Title Text</a:t>
             </a:r>
@@ -1564,7 +1617,9 @@
       <p:sp>
         <p:nvSpPr>
           <p:cNvPr id="42" name="Slide Number"/>
-          <p:cNvSpPr txBox="1"/>
+          <p:cNvSpPr txBox="1">
+            <a:spLocks noGrp="1"/>
+          </p:cNvSpPr>
           <p:nvPr>
             <p:ph type="sldNum" sz="quarter" idx="2"/>
           </p:nvPr>
@@ -1578,8 +1633,10 @@
           <a:bodyPr/>
           <a:lstStyle/>
           <a:p>
-            <a:pPr/>
-            <a:fld id="{86CB4B4D-7CA3-9044-876B-883B54F8677D}" type="slidenum"/>
+            <a:fld id="{86CB4B4D-7CA3-9044-876B-883B54F8677D}" type="slidenum">
+              <a:t>‹#›</a:t>
+            </a:fld>
+            <a:endParaRPr/>
           </a:p>
         </p:txBody>
       </p:sp>
@@ -1588,12 +1645,12 @@
   <p:clrMapOvr>
     <a:masterClrMapping/>
   </p:clrMapOvr>
-  <p:transition xmlns:p14="http://schemas.microsoft.com/office/powerpoint/2010/main" spd="med" advClick="1"/>
+  <p:transition spd="med"/>
 </p:sldLayout>
 </file>
 
 <file path=ppt/slideLayouts/slideLayout4.xml><?xml version="1.0" encoding="utf-8"?>
-<p:sldLayout xmlns:a="http://schemas.openxmlformats.org/drawingml/2006/main" xmlns:r="http://schemas.openxmlformats.org/officeDocument/2006/relationships" xmlns:p="http://schemas.openxmlformats.org/presentationml/2006/main" xmlns:m="http://schemas.openxmlformats.org/officeDocument/2006/math" xmlns:a14="http://schemas.microsoft.com/office/drawing/2010/main" type="tx" showMasterSp="0" showMasterPhAnim="1">
+<p:sldLayout xmlns:a="http://schemas.openxmlformats.org/drawingml/2006/main" xmlns:r="http://schemas.openxmlformats.org/officeDocument/2006/relationships" xmlns:p="http://schemas.openxmlformats.org/presentationml/2006/main" showMasterSp="0" type="tx">
   <p:cSld name="Photo - Vertical">
     <p:spTree>
       <p:nvGrpSpPr>
@@ -1647,6 +1704,7 @@
                 <a:sym typeface="Helvetica"/>
               </a:defRPr>
             </a:pPr>
+            <a:endParaRPr/>
           </a:p>
         </p:txBody>
       </p:sp>
@@ -1688,13 +1746,16 @@
                 <a:sym typeface="Helvetica"/>
               </a:defRPr>
             </a:pPr>
+            <a:endParaRPr/>
           </a:p>
         </p:txBody>
       </p:sp>
       <p:sp>
         <p:nvSpPr>
           <p:cNvPr id="51" name="Lorem Ipsum Dolor"/>
-          <p:cNvSpPr txBox="1"/>
+          <p:cNvSpPr txBox="1">
+            <a:spLocks noGrp="1"/>
+          </p:cNvSpPr>
           <p:nvPr>
             <p:ph type="body" sz="quarter" idx="13"/>
           </p:nvPr>
@@ -1724,11 +1785,10 @@
               <a:buSzTx/>
               <a:buFontTx/>
               <a:buNone/>
-              <a:defRPr i="1" sz="2400"/>
+              <a:defRPr sz="2400" i="1"/>
             </a:lvl1pPr>
           </a:lstStyle>
           <a:p>
-            <a:pPr/>
             <a:r>
               <a:t>Lorem Ipsum Dolor</a:t>
             </a:r>
@@ -1738,7 +1798,9 @@
       <p:sp>
         <p:nvSpPr>
           <p:cNvPr id="52" name="Image"/>
-          <p:cNvSpPr/>
+          <p:cNvSpPr>
+            <a:spLocks noGrp="1"/>
+          </p:cNvSpPr>
           <p:nvPr>
             <p:ph type="pic" sz="half" idx="14"/>
           </p:nvPr>
@@ -1761,14 +1823,16 @@
           </a:bodyPr>
           <a:lstStyle/>
           <a:p>
-            <a:pPr/>
+            <a:endParaRPr/>
           </a:p>
         </p:txBody>
       </p:sp>
       <p:sp>
         <p:nvSpPr>
           <p:cNvPr id="53" name="Title Text"/>
-          <p:cNvSpPr txBox="1"/>
+          <p:cNvSpPr txBox="1">
+            <a:spLocks noGrp="1"/>
+          </p:cNvSpPr>
           <p:nvPr>
             <p:ph type="title"/>
           </p:nvPr>
@@ -1790,7 +1854,6 @@
             </a:lvl1pPr>
           </a:lstStyle>
           <a:p>
-            <a:pPr/>
             <a:r>
               <a:t>Title Text</a:t>
             </a:r>
@@ -1800,7 +1863,9 @@
       <p:sp>
         <p:nvSpPr>
           <p:cNvPr id="54" name="Body Level One…"/>
-          <p:cNvSpPr txBox="1"/>
+          <p:cNvSpPr txBox="1">
+            <a:spLocks noGrp="1"/>
+          </p:cNvSpPr>
           <p:nvPr>
             <p:ph type="body" sz="quarter" idx="1"/>
           </p:nvPr>
@@ -1869,7 +1934,6 @@
             </a:lvl5pPr>
           </a:lstStyle>
           <a:p>
-            <a:pPr/>
             <a:r>
               <a:t>Body Level One</a:t>
             </a:r>
@@ -1903,7 +1967,9 @@
       <p:sp>
         <p:nvSpPr>
           <p:cNvPr id="55" name="Slide Number"/>
-          <p:cNvSpPr txBox="1"/>
+          <p:cNvSpPr txBox="1">
+            <a:spLocks noGrp="1"/>
+          </p:cNvSpPr>
           <p:nvPr>
             <p:ph type="sldNum" sz="quarter" idx="2"/>
           </p:nvPr>
@@ -1917,8 +1983,10 @@
           <a:bodyPr/>
           <a:lstStyle/>
           <a:p>
-            <a:pPr/>
-            <a:fld id="{86CB4B4D-7CA3-9044-876B-883B54F8677D}" type="slidenum"/>
+            <a:fld id="{86CB4B4D-7CA3-9044-876B-883B54F8677D}" type="slidenum">
+              <a:t>‹#›</a:t>
+            </a:fld>
+            <a:endParaRPr/>
           </a:p>
         </p:txBody>
       </p:sp>
@@ -1927,12 +1995,12 @@
   <p:clrMapOvr>
     <a:masterClrMapping/>
   </p:clrMapOvr>
-  <p:transition xmlns:p14="http://schemas.microsoft.com/office/powerpoint/2010/main" spd="med" advClick="1"/>
+  <p:transition spd="med"/>
 </p:sldLayout>
 </file>
 
 <file path=ppt/slideLayouts/slideLayout5.xml><?xml version="1.0" encoding="utf-8"?>
-<p:sldLayout xmlns:a="http://schemas.openxmlformats.org/drawingml/2006/main" xmlns:r="http://schemas.openxmlformats.org/officeDocument/2006/relationships" xmlns:p="http://schemas.openxmlformats.org/presentationml/2006/main" xmlns:m="http://schemas.openxmlformats.org/officeDocument/2006/math" xmlns:a14="http://schemas.microsoft.com/office/drawing/2010/main" type="tx" showMasterSp="1" showMasterPhAnim="1">
+<p:sldLayout xmlns:a="http://schemas.openxmlformats.org/drawingml/2006/main" xmlns:r="http://schemas.openxmlformats.org/officeDocument/2006/relationships" xmlns:p="http://schemas.openxmlformats.org/presentationml/2006/main" type="tx">
   <p:cSld name="Title - Top">
     <p:spTree>
       <p:nvGrpSpPr>
@@ -1951,7 +2019,9 @@
       <p:sp>
         <p:nvSpPr>
           <p:cNvPr id="62" name="Title Text"/>
-          <p:cNvSpPr txBox="1"/>
+          <p:cNvSpPr txBox="1">
+            <a:spLocks noGrp="1"/>
+          </p:cNvSpPr>
           <p:nvPr>
             <p:ph type="title"/>
           </p:nvPr>
@@ -1965,7 +2035,6 @@
           <a:bodyPr/>
           <a:lstStyle/>
           <a:p>
-            <a:pPr/>
             <a:r>
               <a:t>Title Text</a:t>
             </a:r>
@@ -1975,7 +2044,9 @@
       <p:sp>
         <p:nvSpPr>
           <p:cNvPr id="63" name="Slide Number"/>
-          <p:cNvSpPr txBox="1"/>
+          <p:cNvSpPr txBox="1">
+            <a:spLocks noGrp="1"/>
+          </p:cNvSpPr>
           <p:nvPr>
             <p:ph type="sldNum" sz="quarter" idx="2"/>
           </p:nvPr>
@@ -1989,8 +2060,10 @@
           <a:bodyPr/>
           <a:lstStyle/>
           <a:p>
-            <a:pPr/>
-            <a:fld id="{86CB4B4D-7CA3-9044-876B-883B54F8677D}" type="slidenum"/>
+            <a:fld id="{86CB4B4D-7CA3-9044-876B-883B54F8677D}" type="slidenum">
+              <a:t>‹#›</a:t>
+            </a:fld>
+            <a:endParaRPr/>
           </a:p>
         </p:txBody>
       </p:sp>
@@ -1999,12 +2072,12 @@
   <p:clrMapOvr>
     <a:masterClrMapping/>
   </p:clrMapOvr>
-  <p:transition xmlns:p14="http://schemas.microsoft.com/office/powerpoint/2010/main" spd="med" advClick="1"/>
+  <p:transition spd="med"/>
 </p:sldLayout>
 </file>
 
 <file path=ppt/slideLayouts/slideLayout6.xml><?xml version="1.0" encoding="utf-8"?>
-<p:sldLayout xmlns:a="http://schemas.openxmlformats.org/drawingml/2006/main" xmlns:r="http://schemas.openxmlformats.org/officeDocument/2006/relationships" xmlns:p="http://schemas.openxmlformats.org/presentationml/2006/main" xmlns:m="http://schemas.openxmlformats.org/officeDocument/2006/math" xmlns:a14="http://schemas.microsoft.com/office/drawing/2010/main" type="tx" showMasterSp="1" showMasterPhAnim="1">
+<p:sldLayout xmlns:a="http://schemas.openxmlformats.org/drawingml/2006/main" xmlns:r="http://schemas.openxmlformats.org/officeDocument/2006/relationships" xmlns:p="http://schemas.openxmlformats.org/presentationml/2006/main" type="tx">
   <p:cSld name="Title &amp; Bullets">
     <p:spTree>
       <p:nvGrpSpPr>
@@ -2023,7 +2096,9 @@
       <p:sp>
         <p:nvSpPr>
           <p:cNvPr id="70" name="Title Text"/>
-          <p:cNvSpPr txBox="1"/>
+          <p:cNvSpPr txBox="1">
+            <a:spLocks noGrp="1"/>
+          </p:cNvSpPr>
           <p:nvPr>
             <p:ph type="title"/>
           </p:nvPr>
@@ -2037,7 +2112,6 @@
           <a:bodyPr/>
           <a:lstStyle/>
           <a:p>
-            <a:pPr/>
             <a:r>
               <a:t>Title Text</a:t>
             </a:r>
@@ -2047,7 +2121,9 @@
       <p:sp>
         <p:nvSpPr>
           <p:cNvPr id="71" name="Body Level One…"/>
-          <p:cNvSpPr txBox="1"/>
+          <p:cNvSpPr txBox="1">
+            <a:spLocks noGrp="1"/>
+          </p:cNvSpPr>
           <p:nvPr>
             <p:ph type="body" idx="1"/>
           </p:nvPr>
@@ -2061,7 +2137,6 @@
           <a:bodyPr/>
           <a:lstStyle/>
           <a:p>
-            <a:pPr/>
             <a:r>
               <a:t>Body Level One</a:t>
             </a:r>
@@ -2095,7 +2170,9 @@
       <p:sp>
         <p:nvSpPr>
           <p:cNvPr id="72" name="Slide Number"/>
-          <p:cNvSpPr txBox="1"/>
+          <p:cNvSpPr txBox="1">
+            <a:spLocks noGrp="1"/>
+          </p:cNvSpPr>
           <p:nvPr>
             <p:ph type="sldNum" sz="quarter" idx="2"/>
           </p:nvPr>
@@ -2109,8 +2186,10 @@
           <a:bodyPr/>
           <a:lstStyle/>
           <a:p>
-            <a:pPr/>
-            <a:fld id="{86CB4B4D-7CA3-9044-876B-883B54F8677D}" type="slidenum"/>
+            <a:fld id="{86CB4B4D-7CA3-9044-876B-883B54F8677D}" type="slidenum">
+              <a:t>‹#›</a:t>
+            </a:fld>
+            <a:endParaRPr/>
           </a:p>
         </p:txBody>
       </p:sp>
@@ -2119,12 +2198,12 @@
   <p:clrMapOvr>
     <a:masterClrMapping/>
   </p:clrMapOvr>
-  <p:transition xmlns:p14="http://schemas.microsoft.com/office/powerpoint/2010/main" spd="med" advClick="1"/>
+  <p:transition spd="med"/>
 </p:sldLayout>
 </file>
 
 <file path=ppt/slideLayouts/slideLayout7.xml><?xml version="1.0" encoding="utf-8"?>
-<p:sldLayout xmlns:a="http://schemas.openxmlformats.org/drawingml/2006/main" xmlns:r="http://schemas.openxmlformats.org/officeDocument/2006/relationships" xmlns:p="http://schemas.openxmlformats.org/presentationml/2006/main" xmlns:m="http://schemas.openxmlformats.org/officeDocument/2006/math" xmlns:a14="http://schemas.microsoft.com/office/drawing/2010/main" type="tx" showMasterSp="1" showMasterPhAnim="1">
+<p:sldLayout xmlns:a="http://schemas.openxmlformats.org/drawingml/2006/main" xmlns:r="http://schemas.openxmlformats.org/officeDocument/2006/relationships" xmlns:p="http://schemas.openxmlformats.org/presentationml/2006/main" type="tx">
   <p:cSld name="Title, Bullets &amp; Photo">
     <p:spTree>
       <p:nvGrpSpPr>
@@ -2143,7 +2222,9 @@
       <p:sp>
         <p:nvSpPr>
           <p:cNvPr id="79" name="Image"/>
-          <p:cNvSpPr/>
+          <p:cNvSpPr>
+            <a:spLocks noGrp="1"/>
+          </p:cNvSpPr>
           <p:nvPr>
             <p:ph type="pic" sz="half" idx="13"/>
           </p:nvPr>
@@ -2166,14 +2247,16 @@
           </a:bodyPr>
           <a:lstStyle/>
           <a:p>
-            <a:pPr/>
+            <a:endParaRPr/>
           </a:p>
         </p:txBody>
       </p:sp>
       <p:sp>
         <p:nvSpPr>
           <p:cNvPr id="80" name="Title Text"/>
-          <p:cNvSpPr txBox="1"/>
+          <p:cNvSpPr txBox="1">
+            <a:spLocks noGrp="1"/>
+          </p:cNvSpPr>
           <p:nvPr>
             <p:ph type="title"/>
           </p:nvPr>
@@ -2187,7 +2270,6 @@
           <a:bodyPr/>
           <a:lstStyle/>
           <a:p>
-            <a:pPr/>
             <a:r>
               <a:t>Title Text</a:t>
             </a:r>
@@ -2197,7 +2279,9 @@
       <p:sp>
         <p:nvSpPr>
           <p:cNvPr id="81" name="Body Level One…"/>
-          <p:cNvSpPr txBox="1"/>
+          <p:cNvSpPr txBox="1">
+            <a:spLocks noGrp="1"/>
+          </p:cNvSpPr>
           <p:nvPr>
             <p:ph type="body" sz="half" idx="1"/>
           </p:nvPr>
@@ -2251,7 +2335,6 @@
             </a:lvl5pPr>
           </a:lstStyle>
           <a:p>
-            <a:pPr/>
             <a:r>
               <a:t>Body Level One</a:t>
             </a:r>
@@ -2285,7 +2368,9 @@
       <p:sp>
         <p:nvSpPr>
           <p:cNvPr id="82" name="Slide Number"/>
-          <p:cNvSpPr txBox="1"/>
+          <p:cNvSpPr txBox="1">
+            <a:spLocks noGrp="1"/>
+          </p:cNvSpPr>
           <p:nvPr>
             <p:ph type="sldNum" sz="quarter" idx="2"/>
           </p:nvPr>
@@ -2299,8 +2384,10 @@
           <a:bodyPr/>
           <a:lstStyle/>
           <a:p>
-            <a:pPr/>
-            <a:fld id="{86CB4B4D-7CA3-9044-876B-883B54F8677D}" type="slidenum"/>
+            <a:fld id="{86CB4B4D-7CA3-9044-876B-883B54F8677D}" type="slidenum">
+              <a:t>‹#›</a:t>
+            </a:fld>
+            <a:endParaRPr/>
           </a:p>
         </p:txBody>
       </p:sp>
@@ -2309,12 +2396,12 @@
   <p:clrMapOvr>
     <a:masterClrMapping/>
   </p:clrMapOvr>
-  <p:transition xmlns:p14="http://schemas.microsoft.com/office/powerpoint/2010/main" spd="med" advClick="1"/>
+  <p:transition spd="med"/>
 </p:sldLayout>
 </file>
 
 <file path=ppt/slideLayouts/slideLayout8.xml><?xml version="1.0" encoding="utf-8"?>
-<p:sldLayout xmlns:a="http://schemas.openxmlformats.org/drawingml/2006/main" xmlns:r="http://schemas.openxmlformats.org/officeDocument/2006/relationships" xmlns:p="http://schemas.openxmlformats.org/presentationml/2006/main" xmlns:m="http://schemas.openxmlformats.org/officeDocument/2006/math" xmlns:a14="http://schemas.microsoft.com/office/drawing/2010/main" type="tx" showMasterSp="0" showMasterPhAnim="1">
+<p:sldLayout xmlns:a="http://schemas.openxmlformats.org/drawingml/2006/main" xmlns:r="http://schemas.openxmlformats.org/officeDocument/2006/relationships" xmlns:p="http://schemas.openxmlformats.org/presentationml/2006/main" showMasterSp="0" type="tx">
   <p:cSld name="Bullets">
     <p:spTree>
       <p:nvGrpSpPr>
@@ -2333,7 +2420,9 @@
       <p:sp>
         <p:nvSpPr>
           <p:cNvPr id="89" name="Body Level One…"/>
-          <p:cNvSpPr txBox="1"/>
+          <p:cNvSpPr txBox="1">
+            <a:spLocks noGrp="1"/>
+          </p:cNvSpPr>
           <p:nvPr>
             <p:ph type="body" idx="1"/>
           </p:nvPr>
@@ -2351,7 +2440,6 @@
           <a:bodyPr/>
           <a:lstStyle/>
           <a:p>
-            <a:pPr/>
             <a:r>
               <a:t>Body Level One</a:t>
             </a:r>
@@ -2385,7 +2473,9 @@
       <p:sp>
         <p:nvSpPr>
           <p:cNvPr id="90" name="Slide Number"/>
-          <p:cNvSpPr txBox="1"/>
+          <p:cNvSpPr txBox="1">
+            <a:spLocks noGrp="1"/>
+          </p:cNvSpPr>
           <p:nvPr>
             <p:ph type="sldNum" sz="quarter" idx="2"/>
           </p:nvPr>
@@ -2399,8 +2489,10 @@
           <a:bodyPr/>
           <a:lstStyle/>
           <a:p>
-            <a:pPr/>
-            <a:fld id="{86CB4B4D-7CA3-9044-876B-883B54F8677D}" type="slidenum"/>
+            <a:fld id="{86CB4B4D-7CA3-9044-876B-883B54F8677D}" type="slidenum">
+              <a:t>‹#›</a:t>
+            </a:fld>
+            <a:endParaRPr/>
           </a:p>
         </p:txBody>
       </p:sp>
@@ -2409,12 +2501,12 @@
   <p:clrMapOvr>
     <a:masterClrMapping/>
   </p:clrMapOvr>
-  <p:transition xmlns:p14="http://schemas.microsoft.com/office/powerpoint/2010/main" spd="med" advClick="1"/>
+  <p:transition spd="med"/>
 </p:sldLayout>
 </file>
 
 <file path=ppt/slideLayouts/slideLayout9.xml><?xml version="1.0" encoding="utf-8"?>
-<p:sldLayout xmlns:a="http://schemas.openxmlformats.org/drawingml/2006/main" xmlns:r="http://schemas.openxmlformats.org/officeDocument/2006/relationships" xmlns:p="http://schemas.openxmlformats.org/presentationml/2006/main" xmlns:m="http://schemas.openxmlformats.org/officeDocument/2006/math" xmlns:a14="http://schemas.microsoft.com/office/drawing/2010/main" type="tx" showMasterSp="0" showMasterPhAnim="1">
+<p:sldLayout xmlns:a="http://schemas.openxmlformats.org/drawingml/2006/main" xmlns:r="http://schemas.openxmlformats.org/officeDocument/2006/relationships" xmlns:p="http://schemas.openxmlformats.org/presentationml/2006/main" showMasterSp="0" type="tx">
   <p:cSld name="Photo - 3 Up">
     <p:spTree>
       <p:nvGrpSpPr>
@@ -2433,7 +2525,9 @@
       <p:sp>
         <p:nvSpPr>
           <p:cNvPr id="97" name="Image"/>
-          <p:cNvSpPr/>
+          <p:cNvSpPr>
+            <a:spLocks noGrp="1"/>
+          </p:cNvSpPr>
           <p:nvPr>
             <p:ph type="pic" sz="half" idx="13"/>
           </p:nvPr>
@@ -2456,14 +2550,16 @@
           </a:bodyPr>
           <a:lstStyle/>
           <a:p>
-            <a:pPr/>
+            <a:endParaRPr/>
           </a:p>
         </p:txBody>
       </p:sp>
       <p:sp>
         <p:nvSpPr>
           <p:cNvPr id="98" name="Image"/>
-          <p:cNvSpPr/>
+          <p:cNvSpPr>
+            <a:spLocks noGrp="1"/>
+          </p:cNvSpPr>
           <p:nvPr>
             <p:ph type="pic" sz="quarter" idx="14"/>
           </p:nvPr>
@@ -2486,14 +2582,16 @@
           </a:bodyPr>
           <a:lstStyle/>
           <a:p>
-            <a:pPr/>
+            <a:endParaRPr/>
           </a:p>
         </p:txBody>
       </p:sp>
       <p:sp>
         <p:nvSpPr>
           <p:cNvPr id="99" name="Image"/>
-          <p:cNvSpPr/>
+          <p:cNvSpPr>
+            <a:spLocks noGrp="1"/>
+          </p:cNvSpPr>
           <p:nvPr>
             <p:ph type="pic" sz="half" idx="15"/>
           </p:nvPr>
@@ -2516,14 +2614,16 @@
           </a:bodyPr>
           <a:lstStyle/>
           <a:p>
-            <a:pPr/>
+            <a:endParaRPr/>
           </a:p>
         </p:txBody>
       </p:sp>
       <p:sp>
         <p:nvSpPr>
           <p:cNvPr id="100" name="Slide Number"/>
-          <p:cNvSpPr txBox="1"/>
+          <p:cNvSpPr txBox="1">
+            <a:spLocks noGrp="1"/>
+          </p:cNvSpPr>
           <p:nvPr>
             <p:ph type="sldNum" sz="quarter" idx="2"/>
           </p:nvPr>
@@ -2537,8 +2637,10 @@
           <a:bodyPr/>
           <a:lstStyle/>
           <a:p>
-            <a:pPr/>
-            <a:fld id="{86CB4B4D-7CA3-9044-876B-883B54F8677D}" type="slidenum"/>
+            <a:fld id="{86CB4B4D-7CA3-9044-876B-883B54F8677D}" type="slidenum">
+              <a:t>‹#›</a:t>
+            </a:fld>
+            <a:endParaRPr/>
           </a:p>
         </p:txBody>
       </p:sp>
@@ -2547,22 +2649,23 @@
   <p:clrMapOvr>
     <a:masterClrMapping/>
   </p:clrMapOvr>
-  <p:transition xmlns:p14="http://schemas.microsoft.com/office/powerpoint/2010/main" spd="med" advClick="1"/>
+  <p:transition spd="med"/>
 </p:sldLayout>
 </file>
 
 <file path=ppt/slideMasters/slideMaster1.xml><?xml version="1.0" encoding="utf-8"?>
-<p:sldMaster xmlns:a="http://schemas.openxmlformats.org/drawingml/2006/main" xmlns:r="http://schemas.openxmlformats.org/officeDocument/2006/relationships" xmlns:p="http://schemas.openxmlformats.org/presentationml/2006/main" xmlns:m="http://schemas.openxmlformats.org/officeDocument/2006/math" xmlns:a14="http://schemas.microsoft.com/office/drawing/2010/main">
+<p:sldMaster xmlns:a="http://schemas.openxmlformats.org/drawingml/2006/main" xmlns:r="http://schemas.openxmlformats.org/officeDocument/2006/relationships" xmlns:p="http://schemas.openxmlformats.org/presentationml/2006/main">
   <p:cSld>
     <p:bg>
       <p:bgPr>
         <a:blipFill rotWithShape="1">
-          <a:blip r:embed="rId2"/>
-          <a:srcRect l="0" t="0" r="0" b="0"/>
+          <a:blip r:embed="rId14"/>
+          <a:srcRect/>
           <a:stretch>
             <a:fillRect/>
           </a:stretch>
         </a:blipFill>
+        <a:effectLst/>
       </p:bgPr>
     </p:bg>
     <p:spTree>
@@ -2617,6 +2720,7 @@
                 <a:sym typeface="Helvetica"/>
               </a:defRPr>
             </a:pPr>
+            <a:endParaRPr/>
           </a:p>
         </p:txBody>
       </p:sp>
@@ -2658,13 +2762,16 @@
                 <a:sym typeface="Helvetica"/>
               </a:defRPr>
             </a:pPr>
+            <a:endParaRPr/>
           </a:p>
         </p:txBody>
       </p:sp>
       <p:sp>
         <p:nvSpPr>
           <p:cNvPr id="4" name="Title Text"/>
-          <p:cNvSpPr txBox="1"/>
+          <p:cNvSpPr txBox="1">
+            <a:spLocks noGrp="1"/>
+          </p:cNvSpPr>
           <p:nvPr>
             <p:ph type="title"/>
           </p:nvPr>
@@ -2682,17 +2789,16 @@
           </a:ln>
           <a:extLst>
             <a:ext uri="{C572A759-6A51-4108-AA02-DFA0A04FC94B}">
-              <ma14:wrappingTextBoxFlag xmlns:ma14="http://schemas.microsoft.com/office/mac/drawingml/2011/main" val="1"/>
+              <ma14:wrappingTextBoxFlag xmlns:ma14="http://schemas.microsoft.com/office/mac/drawingml/2011/main" xmlns:a14="http://schemas.microsoft.com/office/drawing/2010/main" xmlns:m="http://schemas.openxmlformats.org/officeDocument/2006/math" xmlns="" val="1"/>
             </a:ext>
           </a:extLst>
         </p:spPr>
         <p:txBody>
           <a:bodyPr lIns="50800" tIns="50800" rIns="50800" bIns="50800" anchor="ctr">
-            <a:normAutofit fontScale="100000" lnSpcReduction="0"/>
+            <a:normAutofit/>
           </a:bodyPr>
           <a:lstStyle/>
           <a:p>
-            <a:pPr/>
             <a:r>
               <a:t>Title Text</a:t>
             </a:r>
@@ -2702,7 +2808,9 @@
       <p:sp>
         <p:nvSpPr>
           <p:cNvPr id="5" name="Body Level One…"/>
-          <p:cNvSpPr txBox="1"/>
+          <p:cNvSpPr txBox="1">
+            <a:spLocks noGrp="1"/>
+          </p:cNvSpPr>
           <p:nvPr>
             <p:ph type="body" idx="1"/>
           </p:nvPr>
@@ -2720,17 +2828,16 @@
           </a:ln>
           <a:extLst>
             <a:ext uri="{C572A759-6A51-4108-AA02-DFA0A04FC94B}">
-              <ma14:wrappingTextBoxFlag xmlns:ma14="http://schemas.microsoft.com/office/mac/drawingml/2011/main" val="1"/>
+              <ma14:wrappingTextBoxFlag xmlns:ma14="http://schemas.microsoft.com/office/mac/drawingml/2011/main" xmlns:a14="http://schemas.microsoft.com/office/drawing/2010/main" xmlns:m="http://schemas.openxmlformats.org/officeDocument/2006/math" xmlns="" val="1"/>
             </a:ext>
           </a:extLst>
         </p:spPr>
         <p:txBody>
           <a:bodyPr lIns="50800" tIns="50800" rIns="50800" bIns="50800" anchor="ctr">
-            <a:normAutofit fontScale="100000" lnSpcReduction="0"/>
+            <a:normAutofit/>
           </a:bodyPr>
           <a:lstStyle/>
           <a:p>
-            <a:pPr/>
             <a:r>
               <a:t>Body Level One</a:t>
             </a:r>
@@ -2764,7 +2871,9 @@
       <p:sp>
         <p:nvSpPr>
           <p:cNvPr id="6" name="Slide Number"/>
-          <p:cNvSpPr txBox="1"/>
+          <p:cNvSpPr txBox="1">
+            <a:spLocks noGrp="1"/>
+          </p:cNvSpPr>
           <p:nvPr>
             <p:ph type="sldNum" sz="quarter" idx="2"/>
           </p:nvPr>
@@ -2795,8 +2904,10 @@
             </a:lvl1pPr>
           </a:lstStyle>
           <a:p>
-            <a:pPr/>
-            <a:fld id="{86CB4B4D-7CA3-9044-876B-883B54F8677D}" type="slidenum"/>
+            <a:fld id="{86CB4B4D-7CA3-9044-876B-883B54F8677D}" type="slidenum">
+              <a:t>‹#›</a:t>
+            </a:fld>
+            <a:endParaRPr/>
           </a:p>
         </p:txBody>
       </p:sp>
@@ -2804,20 +2915,20 @@
   </p:cSld>
   <p:clrMap bg1="lt1" tx1="dk1" bg2="lt2" tx2="dk2" accent1="accent1" accent2="accent2" accent3="accent3" accent4="accent4" accent5="accent5" accent6="accent6" hlink="hlink" folHlink="folHlink"/>
   <p:sldLayoutIdLst>
-    <p:sldLayoutId id="2147483649" r:id="rId3"/>
-    <p:sldLayoutId id="2147483650" r:id="rId4"/>
-    <p:sldLayoutId id="2147483651" r:id="rId5"/>
-    <p:sldLayoutId id="2147483652" r:id="rId6"/>
-    <p:sldLayoutId id="2147483653" r:id="rId7"/>
-    <p:sldLayoutId id="2147483654" r:id="rId8"/>
-    <p:sldLayoutId id="2147483655" r:id="rId9"/>
-    <p:sldLayoutId id="2147483656" r:id="rId10"/>
-    <p:sldLayoutId id="2147483657" r:id="rId11"/>
-    <p:sldLayoutId id="2147483658" r:id="rId12"/>
-    <p:sldLayoutId id="2147483659" r:id="rId13"/>
-    <p:sldLayoutId id="2147483660" r:id="rId14"/>
+    <p:sldLayoutId id="2147483649" r:id="rId1"/>
+    <p:sldLayoutId id="2147483650" r:id="rId2"/>
+    <p:sldLayoutId id="2147483651" r:id="rId3"/>
+    <p:sldLayoutId id="2147483652" r:id="rId4"/>
+    <p:sldLayoutId id="2147483653" r:id="rId5"/>
+    <p:sldLayoutId id="2147483654" r:id="rId6"/>
+    <p:sldLayoutId id="2147483655" r:id="rId7"/>
+    <p:sldLayoutId id="2147483656" r:id="rId8"/>
+    <p:sldLayoutId id="2147483657" r:id="rId9"/>
+    <p:sldLayoutId id="2147483658" r:id="rId10"/>
+    <p:sldLayoutId id="2147483659" r:id="rId11"/>
+    <p:sldLayoutId id="2147483660" r:id="rId12"/>
   </p:sldLayoutIdLst>
-  <p:transition xmlns:p14="http://schemas.microsoft.com/office/powerpoint/2010/main" spd="med" advClick="1"/>
+  <p:transition spd="med"/>
   <p:txStyles>
     <p:titleStyle>
       <a:lvl1pPr marL="0" marR="0" indent="0" algn="ctr" defTabSz="584200" rtl="0" latinLnBrk="0">
@@ -2835,7 +2946,7 @@
         <a:buFontTx/>
         <a:buNone/>
         <a:tabLst/>
-        <a:defRPr b="0" baseline="0" cap="none" i="0" spc="0" strike="noStrike" sz="7000" u="none">
+        <a:defRPr sz="7000" b="0" i="0" u="none" strike="noStrike" cap="none" spc="0" baseline="0">
           <a:solidFill>
             <a:srgbClr val="D93E2B"/>
           </a:solidFill>
@@ -2861,7 +2972,7 @@
         <a:buFontTx/>
         <a:buNone/>
         <a:tabLst/>
-        <a:defRPr b="0" baseline="0" cap="none" i="0" spc="0" strike="noStrike" sz="7000" u="none">
+        <a:defRPr sz="7000" b="0" i="0" u="none" strike="noStrike" cap="none" spc="0" baseline="0">
           <a:solidFill>
             <a:srgbClr val="D93E2B"/>
           </a:solidFill>
@@ -2887,7 +2998,7 @@
         <a:buFontTx/>
         <a:buNone/>
         <a:tabLst/>
-        <a:defRPr b="0" baseline="0" cap="none" i="0" spc="0" strike="noStrike" sz="7000" u="none">
+        <a:defRPr sz="7000" b="0" i="0" u="none" strike="noStrike" cap="none" spc="0" baseline="0">
           <a:solidFill>
             <a:srgbClr val="D93E2B"/>
           </a:solidFill>
@@ -2913,7 +3024,7 @@
         <a:buFontTx/>
         <a:buNone/>
         <a:tabLst/>
-        <a:defRPr b="0" baseline="0" cap="none" i="0" spc="0" strike="noStrike" sz="7000" u="none">
+        <a:defRPr sz="7000" b="0" i="0" u="none" strike="noStrike" cap="none" spc="0" baseline="0">
           <a:solidFill>
             <a:srgbClr val="D93E2B"/>
           </a:solidFill>
@@ -2939,7 +3050,7 @@
         <a:buFontTx/>
         <a:buNone/>
         <a:tabLst/>
-        <a:defRPr b="0" baseline="0" cap="none" i="0" spc="0" strike="noStrike" sz="7000" u="none">
+        <a:defRPr sz="7000" b="0" i="0" u="none" strike="noStrike" cap="none" spc="0" baseline="0">
           <a:solidFill>
             <a:srgbClr val="D93E2B"/>
           </a:solidFill>
@@ -2965,7 +3076,7 @@
         <a:buFontTx/>
         <a:buNone/>
         <a:tabLst/>
-        <a:defRPr b="0" baseline="0" cap="none" i="0" spc="0" strike="noStrike" sz="7000" u="none">
+        <a:defRPr sz="7000" b="0" i="0" u="none" strike="noStrike" cap="none" spc="0" baseline="0">
           <a:solidFill>
             <a:srgbClr val="D93E2B"/>
           </a:solidFill>
@@ -2991,7 +3102,7 @@
         <a:buFontTx/>
         <a:buNone/>
         <a:tabLst/>
-        <a:defRPr b="0" baseline="0" cap="none" i="0" spc="0" strike="noStrike" sz="7000" u="none">
+        <a:defRPr sz="7000" b="0" i="0" u="none" strike="noStrike" cap="none" spc="0" baseline="0">
           <a:solidFill>
             <a:srgbClr val="D93E2B"/>
           </a:solidFill>
@@ -3017,7 +3128,7 @@
         <a:buFontTx/>
         <a:buNone/>
         <a:tabLst/>
-        <a:defRPr b="0" baseline="0" cap="none" i="0" spc="0" strike="noStrike" sz="7000" u="none">
+        <a:defRPr sz="7000" b="0" i="0" u="none" strike="noStrike" cap="none" spc="0" baseline="0">
           <a:solidFill>
             <a:srgbClr val="D93E2B"/>
           </a:solidFill>
@@ -3043,7 +3154,7 @@
         <a:buFontTx/>
         <a:buNone/>
         <a:tabLst/>
-        <a:defRPr b="0" baseline="0" cap="none" i="0" spc="0" strike="noStrike" sz="7000" u="none">
+        <a:defRPr sz="7000" b="0" i="0" u="none" strike="noStrike" cap="none" spc="0" baseline="0">
           <a:solidFill>
             <a:srgbClr val="D93E2B"/>
           </a:solidFill>
@@ -3073,7 +3184,7 @@
         <a:buFont typeface="Zapf Dingbats"/>
         <a:buChar char="❖"/>
         <a:tabLst/>
-        <a:defRPr b="0" baseline="0" cap="none" i="0" spc="0" strike="noStrike" sz="3600" u="none">
+        <a:defRPr sz="3600" b="0" i="0" u="none" strike="noStrike" cap="none" spc="0" baseline="0">
           <a:solidFill>
             <a:srgbClr val="414141"/>
           </a:solidFill>
@@ -3101,7 +3212,7 @@
         <a:buFont typeface="Zapf Dingbats"/>
         <a:buChar char="❖"/>
         <a:tabLst/>
-        <a:defRPr b="0" baseline="0" cap="none" i="0" spc="0" strike="noStrike" sz="3600" u="none">
+        <a:defRPr sz="3600" b="0" i="0" u="none" strike="noStrike" cap="none" spc="0" baseline="0">
           <a:solidFill>
             <a:srgbClr val="414141"/>
           </a:solidFill>
@@ -3129,7 +3240,7 @@
         <a:buFont typeface="Zapf Dingbats"/>
         <a:buChar char="❖"/>
         <a:tabLst/>
-        <a:defRPr b="0" baseline="0" cap="none" i="0" spc="0" strike="noStrike" sz="3600" u="none">
+        <a:defRPr sz="3600" b="0" i="0" u="none" strike="noStrike" cap="none" spc="0" baseline="0">
           <a:solidFill>
             <a:srgbClr val="414141"/>
           </a:solidFill>
@@ -3157,7 +3268,7 @@
         <a:buFont typeface="Zapf Dingbats"/>
         <a:buChar char="❖"/>
         <a:tabLst/>
-        <a:defRPr b="0" baseline="0" cap="none" i="0" spc="0" strike="noStrike" sz="3600" u="none">
+        <a:defRPr sz="3600" b="0" i="0" u="none" strike="noStrike" cap="none" spc="0" baseline="0">
           <a:solidFill>
             <a:srgbClr val="414141"/>
           </a:solidFill>
@@ -3185,7 +3296,7 @@
         <a:buFont typeface="Zapf Dingbats"/>
         <a:buChar char="❖"/>
         <a:tabLst/>
-        <a:defRPr b="0" baseline="0" cap="none" i="0" spc="0" strike="noStrike" sz="3600" u="none">
+        <a:defRPr sz="3600" b="0" i="0" u="none" strike="noStrike" cap="none" spc="0" baseline="0">
           <a:solidFill>
             <a:srgbClr val="414141"/>
           </a:solidFill>
@@ -3213,7 +3324,7 @@
         <a:buFont typeface="Zapf Dingbats"/>
         <a:buChar char="❖"/>
         <a:tabLst/>
-        <a:defRPr b="0" baseline="0" cap="none" i="0" spc="0" strike="noStrike" sz="3600" u="none">
+        <a:defRPr sz="3600" b="0" i="0" u="none" strike="noStrike" cap="none" spc="0" baseline="0">
           <a:solidFill>
             <a:srgbClr val="414141"/>
           </a:solidFill>
@@ -3241,7 +3352,7 @@
         <a:buFont typeface="Zapf Dingbats"/>
         <a:buChar char="❖"/>
         <a:tabLst/>
-        <a:defRPr b="0" baseline="0" cap="none" i="0" spc="0" strike="noStrike" sz="3600" u="none">
+        <a:defRPr sz="3600" b="0" i="0" u="none" strike="noStrike" cap="none" spc="0" baseline="0">
           <a:solidFill>
             <a:srgbClr val="414141"/>
           </a:solidFill>
@@ -3269,7 +3380,7 @@
         <a:buFont typeface="Zapf Dingbats"/>
         <a:buChar char="❖"/>
         <a:tabLst/>
-        <a:defRPr b="0" baseline="0" cap="none" i="0" spc="0" strike="noStrike" sz="3600" u="none">
+        <a:defRPr sz="3600" b="0" i="0" u="none" strike="noStrike" cap="none" spc="0" baseline="0">
           <a:solidFill>
             <a:srgbClr val="414141"/>
           </a:solidFill>
@@ -3297,7 +3408,7 @@
         <a:buFont typeface="Zapf Dingbats"/>
         <a:buChar char="❖"/>
         <a:tabLst/>
-        <a:defRPr b="0" baseline="0" cap="none" i="0" spc="0" strike="noStrike" sz="3600" u="none">
+        <a:defRPr sz="3600" b="0" i="0" u="none" strike="noStrike" cap="none" spc="0" baseline="0">
           <a:solidFill>
             <a:srgbClr val="414141"/>
           </a:solidFill>
@@ -3325,7 +3436,7 @@
         <a:buFontTx/>
         <a:buNone/>
         <a:tabLst/>
-        <a:defRPr b="0" baseline="0" cap="none" i="0" spc="0" strike="noStrike" sz="1800" u="none">
+        <a:defRPr sz="1800" b="0" i="0" u="none" strike="noStrike" cap="none" spc="0" baseline="0">
           <a:solidFill>
             <a:schemeClr val="tx1"/>
           </a:solidFill>
@@ -3351,7 +3462,7 @@
         <a:buFontTx/>
         <a:buNone/>
         <a:tabLst/>
-        <a:defRPr b="0" baseline="0" cap="none" i="0" spc="0" strike="noStrike" sz="1800" u="none">
+        <a:defRPr sz="1800" b="0" i="0" u="none" strike="noStrike" cap="none" spc="0" baseline="0">
           <a:solidFill>
             <a:schemeClr val="tx1"/>
           </a:solidFill>
@@ -3377,7 +3488,7 @@
         <a:buFontTx/>
         <a:buNone/>
         <a:tabLst/>
-        <a:defRPr b="0" baseline="0" cap="none" i="0" spc="0" strike="noStrike" sz="1800" u="none">
+        <a:defRPr sz="1800" b="0" i="0" u="none" strike="noStrike" cap="none" spc="0" baseline="0">
           <a:solidFill>
             <a:schemeClr val="tx1"/>
           </a:solidFill>
@@ -3403,7 +3514,7 @@
         <a:buFontTx/>
         <a:buNone/>
         <a:tabLst/>
-        <a:defRPr b="0" baseline="0" cap="none" i="0" spc="0" strike="noStrike" sz="1800" u="none">
+        <a:defRPr sz="1800" b="0" i="0" u="none" strike="noStrike" cap="none" spc="0" baseline="0">
           <a:solidFill>
             <a:schemeClr val="tx1"/>
           </a:solidFill>
@@ -3429,7 +3540,7 @@
         <a:buFontTx/>
         <a:buNone/>
         <a:tabLst/>
-        <a:defRPr b="0" baseline="0" cap="none" i="0" spc="0" strike="noStrike" sz="1800" u="none">
+        <a:defRPr sz="1800" b="0" i="0" u="none" strike="noStrike" cap="none" spc="0" baseline="0">
           <a:solidFill>
             <a:schemeClr val="tx1"/>
           </a:solidFill>
@@ -3455,7 +3566,7 @@
         <a:buFontTx/>
         <a:buNone/>
         <a:tabLst/>
-        <a:defRPr b="0" baseline="0" cap="none" i="0" spc="0" strike="noStrike" sz="1800" u="none">
+        <a:defRPr sz="1800" b="0" i="0" u="none" strike="noStrike" cap="none" spc="0" baseline="0">
           <a:solidFill>
             <a:schemeClr val="tx1"/>
           </a:solidFill>
@@ -3481,7 +3592,7 @@
         <a:buFontTx/>
         <a:buNone/>
         <a:tabLst/>
-        <a:defRPr b="0" baseline="0" cap="none" i="0" spc="0" strike="noStrike" sz="1800" u="none">
+        <a:defRPr sz="1800" b="0" i="0" u="none" strike="noStrike" cap="none" spc="0" baseline="0">
           <a:solidFill>
             <a:schemeClr val="tx1"/>
           </a:solidFill>
@@ -3507,7 +3618,7 @@
         <a:buFontTx/>
         <a:buNone/>
         <a:tabLst/>
-        <a:defRPr b="0" baseline="0" cap="none" i="0" spc="0" strike="noStrike" sz="1800" u="none">
+        <a:defRPr sz="1800" b="0" i="0" u="none" strike="noStrike" cap="none" spc="0" baseline="0">
           <a:solidFill>
             <a:schemeClr val="tx1"/>
           </a:solidFill>
@@ -3533,7 +3644,7 @@
         <a:buFontTx/>
         <a:buNone/>
         <a:tabLst/>
-        <a:defRPr b="0" baseline="0" cap="none" i="0" spc="0" strike="noStrike" sz="1800" u="none">
+        <a:defRPr sz="1800" b="0" i="0" u="none" strike="noStrike" cap="none" spc="0" baseline="0">
           <a:solidFill>
             <a:schemeClr val="tx1"/>
           </a:solidFill>
@@ -3550,7 +3661,7 @@
 </file>
 
 <file path=ppt/slides/slide1.xml><?xml version="1.0" encoding="utf-8"?>
-<p:sld xmlns:a="http://schemas.openxmlformats.org/drawingml/2006/main" xmlns:r="http://schemas.openxmlformats.org/officeDocument/2006/relationships" xmlns:p="http://schemas.openxmlformats.org/presentationml/2006/main" xmlns:m="http://schemas.openxmlformats.org/officeDocument/2006/math" xmlns:a14="http://schemas.microsoft.com/office/drawing/2010/main" showMasterSp="1" showMasterPhAnim="1">
+<p:sld xmlns:a="http://schemas.openxmlformats.org/drawingml/2006/main" xmlns:r="http://schemas.openxmlformats.org/officeDocument/2006/relationships" xmlns:p="http://schemas.openxmlformats.org/presentationml/2006/main">
   <p:cSld>
     <p:spTree>
       <p:nvGrpSpPr>
@@ -3569,7 +3680,9 @@
       <p:sp>
         <p:nvSpPr>
           <p:cNvPr id="133" name="Team 4 Project"/>
-          <p:cNvSpPr txBox="1"/>
+          <p:cNvSpPr txBox="1">
+            <a:spLocks noGrp="1"/>
+          </p:cNvSpPr>
           <p:nvPr>
             <p:ph type="body" idx="13"/>
           </p:nvPr>
@@ -3583,7 +3696,6 @@
           <a:bodyPr/>
           <a:lstStyle/>
           <a:p>
-            <a:pPr/>
             <a:r>
               <a:t>Team 4 Project</a:t>
             </a:r>
@@ -3593,7 +3705,9 @@
       <p:sp>
         <p:nvSpPr>
           <p:cNvPr id="134" name="Medical Appointment No Shows"/>
-          <p:cNvSpPr txBox="1"/>
+          <p:cNvSpPr txBox="1">
+            <a:spLocks noGrp="1"/>
+          </p:cNvSpPr>
           <p:nvPr>
             <p:ph type="ctrTitle"/>
           </p:nvPr>
@@ -3604,7 +3718,9 @@
           </a:prstGeom>
         </p:spPr>
         <p:txBody>
-          <a:bodyPr/>
+          <a:bodyPr>
+            <a:normAutofit fontScale="90000"/>
+          </a:bodyPr>
           <a:lstStyle>
             <a:lvl1pPr defTabSz="572516">
               <a:spcBef>
@@ -3614,7 +3730,6 @@
             </a:lvl1pPr>
           </a:lstStyle>
           <a:p>
-            <a:pPr/>
             <a:r>
               <a:t>Medical Appointment No Shows</a:t>
             </a:r>
@@ -3624,7 +3739,9 @@
       <p:sp>
         <p:nvSpPr>
           <p:cNvPr id="135" name="Arthur Sowinski…"/>
-          <p:cNvSpPr txBox="1"/>
+          <p:cNvSpPr txBox="1">
+            <a:spLocks noGrp="1"/>
+          </p:cNvSpPr>
           <p:nvPr>
             <p:ph type="subTitle" sz="quarter" idx="1"/>
           </p:nvPr>
@@ -3638,25 +3755,21 @@
           <a:bodyPr/>
           <a:lstStyle/>
           <a:p>
-            <a:pPr/>
             <a:r>
               <a:t>Arthur Sowinski</a:t>
             </a:r>
           </a:p>
           <a:p>
-            <a:pPr/>
             <a:r>
               <a:t>Ibrahim Abu Nameh</a:t>
             </a:r>
           </a:p>
           <a:p>
-            <a:pPr/>
             <a:r>
               <a:t>Michel Tayzon</a:t>
             </a:r>
           </a:p>
           <a:p>
-            <a:pPr/>
             <a:r>
               <a:t>Vishal Valentine</a:t>
             </a:r>
@@ -3689,7 +3802,7 @@
             <a:blip r:embed="rId2">
               <a:extLst/>
             </a:blip>
-            <a:srcRect l="0" t="15109" r="0" b="15109"/>
+            <a:srcRect t="15109" b="15109"/>
             <a:stretch>
               <a:fillRect/>
             </a:stretch>
@@ -3731,7 +3844,7 @@
             <a:effectLst/>
             <a:extLst>
               <a:ext uri="{C572A759-6A51-4108-AA02-DFA0A04FC94B}">
-                <ma14:wrappingTextBoxFlag xmlns:ma14="http://schemas.microsoft.com/office/mac/drawingml/2011/main" val="1"/>
+                <ma14:wrappingTextBoxFlag xmlns:ma14="http://schemas.microsoft.com/office/mac/drawingml/2011/main" xmlns:a14="http://schemas.microsoft.com/office/drawing/2010/main" xmlns:m="http://schemas.openxmlformats.org/officeDocument/2006/math" xmlns="" val="1"/>
               </a:ext>
             </a:extLst>
           </p:spPr>
@@ -3745,7 +3858,6 @@
               </a:lvl1pPr>
             </a:lstStyle>
             <a:p>
-              <a:pPr/>
               <a:r>
                 <a:t>Type to enter a caption.</a:t>
               </a:r>
@@ -3758,12 +3870,110 @@
   <p:clrMapOvr>
     <a:masterClrMapping/>
   </p:clrMapOvr>
-  <p:transition xmlns:p14="http://schemas.microsoft.com/office/powerpoint/2010/main" spd="med" advClick="1"/>
+  <p:transition spd="med"/>
+</p:sld>
+</file>
+
+<file path=ppt/slides/slide10.xml><?xml version="1.0" encoding="utf-8"?>
+<p:sld xmlns:a="http://schemas.openxmlformats.org/drawingml/2006/main" xmlns:r="http://schemas.openxmlformats.org/officeDocument/2006/relationships" xmlns:p="http://schemas.openxmlformats.org/presentationml/2006/main">
+  <p:cSld>
+    <p:spTree>
+      <p:nvGrpSpPr>
+        <p:cNvPr id="1" name=""/>
+        <p:cNvGrpSpPr/>
+        <p:nvPr/>
+      </p:nvGrpSpPr>
+      <p:grpSpPr>
+        <a:xfrm>
+          <a:off x="0" y="0"/>
+          <a:ext cx="0" cy="0"/>
+          <a:chOff x="0" y="0"/>
+          <a:chExt cx="0" cy="0"/>
+        </a:xfrm>
+      </p:grpSpPr>
+      <p:sp>
+        <p:nvSpPr>
+          <p:cNvPr id="167" name="Conclusion (Contd….)"/>
+          <p:cNvSpPr txBox="1">
+            <a:spLocks noGrp="1"/>
+          </p:cNvSpPr>
+          <p:nvPr>
+            <p:ph type="title"/>
+          </p:nvPr>
+        </p:nvSpPr>
+        <p:spPr>
+          <a:prstGeom prst="rect">
+            <a:avLst/>
+          </a:prstGeom>
+        </p:spPr>
+        <p:txBody>
+          <a:bodyPr/>
+          <a:lstStyle/>
+          <a:p>
+            <a:pPr lvl="1"/>
+            <a:r>
+              <a:rPr dirty="0" smtClean="0"/>
+              <a:t>Conclusion</a:t>
+            </a:r>
+            <a:endParaRPr dirty="0"/>
+          </a:p>
+        </p:txBody>
+      </p:sp>
+      <p:sp>
+        <p:nvSpPr>
+          <p:cNvPr id="168" name="Remedial Measures:…"/>
+          <p:cNvSpPr txBox="1">
+            <a:spLocks noGrp="1"/>
+          </p:cNvSpPr>
+          <p:nvPr>
+            <p:ph type="body" idx="1"/>
+          </p:nvPr>
+        </p:nvSpPr>
+        <p:spPr>
+          <a:prstGeom prst="rect">
+            <a:avLst/>
+          </a:prstGeom>
+        </p:spPr>
+        <p:txBody>
+          <a:bodyPr/>
+          <a:lstStyle/>
+          <a:p>
+            <a:pPr marL="0" indent="0">
+              <a:buSzTx/>
+              <a:buNone/>
+            </a:pPr>
+            <a:r>
+              <a:t>Remedial Measures:</a:t>
+            </a:r>
+          </a:p>
+          <a:p>
+            <a:r>
+              <a:t>More booking: Using the predictive model, schedule more appointments</a:t>
+            </a:r>
+          </a:p>
+          <a:p>
+            <a:r>
+              <a:t>No-Show fees: Charging fees  for a no-show appointment</a:t>
+            </a:r>
+          </a:p>
+          <a:p>
+            <a:r>
+              <a:t>Incentives: by collecting fees upfront might provide an incentive fo a patient to show-up</a:t>
+            </a:r>
+          </a:p>
+        </p:txBody>
+      </p:sp>
+    </p:spTree>
+  </p:cSld>
+  <p:clrMapOvr>
+    <a:masterClrMapping/>
+  </p:clrMapOvr>
+  <p:transition spd="med"/>
 </p:sld>
 </file>
 
 <file path=ppt/slides/slide2.xml><?xml version="1.0" encoding="utf-8"?>
-<p:sld xmlns:a="http://schemas.openxmlformats.org/drawingml/2006/main" xmlns:r="http://schemas.openxmlformats.org/officeDocument/2006/relationships" xmlns:p="http://schemas.openxmlformats.org/presentationml/2006/main" xmlns:m="http://schemas.openxmlformats.org/officeDocument/2006/math" xmlns:a14="http://schemas.microsoft.com/office/drawing/2010/main" showMasterSp="1" showMasterPhAnim="1">
+<p:sld xmlns:a="http://schemas.openxmlformats.org/drawingml/2006/main" xmlns:r="http://schemas.openxmlformats.org/officeDocument/2006/relationships" xmlns:p="http://schemas.openxmlformats.org/presentationml/2006/main">
   <p:cSld>
     <p:spTree>
       <p:nvGrpSpPr>
@@ -3782,7 +3992,9 @@
       <p:sp>
         <p:nvSpPr>
           <p:cNvPr id="140" name="Introduction"/>
-          <p:cNvSpPr txBox="1"/>
+          <p:cNvSpPr txBox="1">
+            <a:spLocks noGrp="1"/>
+          </p:cNvSpPr>
           <p:nvPr>
             <p:ph type="title"/>
           </p:nvPr>
@@ -3796,7 +4008,6 @@
           <a:bodyPr/>
           <a:lstStyle/>
           <a:p>
-            <a:pPr/>
             <a:r>
               <a:t>Introduction</a:t>
             </a:r>
@@ -3806,7 +4017,9 @@
       <p:sp>
         <p:nvSpPr>
           <p:cNvPr id="141" name="What is No-Show ?…"/>
-          <p:cNvSpPr txBox="1"/>
+          <p:cNvSpPr txBox="1">
+            <a:spLocks noGrp="1"/>
+          </p:cNvSpPr>
           <p:nvPr>
             <p:ph type="body" idx="1"/>
           </p:nvPr>
@@ -3820,25 +4033,22 @@
           <a:bodyPr/>
           <a:lstStyle/>
           <a:p>
-            <a:pPr/>
             <a:r>
               <a:t>What is No-Show ?</a:t>
             </a:r>
           </a:p>
           <a:p>
-            <a:pPr/>
             <a:r>
               <a:t>No-Shows cost the healthcare industry more than $150 billion annually</a:t>
             </a:r>
           </a:p>
           <a:p>
-            <a:pPr/>
             <a:r>
               <a:t>Dataset source (</a:t>
             </a:r>
             <a:r>
               <a:rPr u="sng">
-                <a:hlinkClick r:id="rId2" invalidUrl="" action="" tgtFrame="" tooltip="" history="1" highlightClick="0" endSnd="0"/>
+                <a:hlinkClick r:id="rId2"/>
               </a:rPr>
               <a:t>https://www.kaggle.com/joniarroba/noshowappointments/data</a:t>
             </a:r>
@@ -3847,7 +4057,6 @@
             </a:r>
           </a:p>
           <a:p>
-            <a:pPr/>
             <a:r>
               <a:t>110527 rows x 14 columns</a:t>
             </a:r>
@@ -3859,280 +4068,12 @@
   <p:clrMapOvr>
     <a:masterClrMapping/>
   </p:clrMapOvr>
-  <p:transition xmlns:p14="http://schemas.microsoft.com/office/powerpoint/2010/main" spd="med" advClick="1"/>
+  <p:transition spd="med"/>
 </p:sld>
 </file>
 
 <file path=ppt/slides/slide3.xml><?xml version="1.0" encoding="utf-8"?>
-<p:sld xmlns:a="http://schemas.openxmlformats.org/drawingml/2006/main" xmlns:r="http://schemas.openxmlformats.org/officeDocument/2006/relationships" xmlns:p="http://schemas.openxmlformats.org/presentationml/2006/main" xmlns:m="http://schemas.openxmlformats.org/officeDocument/2006/math" xmlns:a14="http://schemas.microsoft.com/office/drawing/2010/main" showMasterSp="1" showMasterPhAnim="1">
-  <p:cSld>
-    <p:spTree>
-      <p:nvGrpSpPr>
-        <p:cNvPr id="1" name=""/>
-        <p:cNvGrpSpPr/>
-        <p:nvPr/>
-      </p:nvGrpSpPr>
-      <p:grpSpPr>
-        <a:xfrm>
-          <a:off x="0" y="0"/>
-          <a:ext cx="0" cy="0"/>
-          <a:chOff x="0" y="0"/>
-          <a:chExt cx="0" cy="0"/>
-        </a:xfrm>
-      </p:grpSpPr>
-      <p:sp>
-        <p:nvSpPr>
-          <p:cNvPr id="143" name="Feature Engineering"/>
-          <p:cNvSpPr txBox="1"/>
-          <p:nvPr>
-            <p:ph type="title"/>
-          </p:nvPr>
-        </p:nvSpPr>
-        <p:spPr>
-          <a:prstGeom prst="rect">
-            <a:avLst/>
-          </a:prstGeom>
-        </p:spPr>
-        <p:txBody>
-          <a:bodyPr/>
-          <a:lstStyle/>
-          <a:p>
-            <a:pPr/>
-            <a:r>
-              <a:t>Feature Engineering</a:t>
-            </a:r>
-          </a:p>
-        </p:txBody>
-      </p:sp>
-      <p:sp>
-        <p:nvSpPr>
-          <p:cNvPr id="144" name="Patient Gender…"/>
-          <p:cNvSpPr txBox="1"/>
-          <p:nvPr>
-            <p:ph type="body" idx="1"/>
-          </p:nvPr>
-        </p:nvSpPr>
-        <p:spPr>
-          <a:prstGeom prst="rect">
-            <a:avLst/>
-          </a:prstGeom>
-        </p:spPr>
-        <p:txBody>
-          <a:bodyPr/>
-          <a:lstStyle/>
-          <a:p>
-            <a:pPr marL="324231" indent="-324231" defTabSz="403097">
-              <a:spcBef>
-                <a:spcPts val="1600"/>
-              </a:spcBef>
-              <a:defRPr sz="2484"/>
-            </a:pPr>
-            <a:r>
-              <a:t>Patient Gender</a:t>
-            </a:r>
-          </a:p>
-          <a:p>
-            <a:pPr marL="324231" indent="-324231" defTabSz="403097">
-              <a:spcBef>
-                <a:spcPts val="1600"/>
-              </a:spcBef>
-              <a:defRPr sz="2484"/>
-            </a:pPr>
-            <a:r>
-              <a:t>ScheduledDay</a:t>
-            </a:r>
-          </a:p>
-          <a:p>
-            <a:pPr marL="324231" indent="-324231" defTabSz="403097">
-              <a:spcBef>
-                <a:spcPts val="1600"/>
-              </a:spcBef>
-              <a:defRPr sz="2484"/>
-            </a:pPr>
-            <a:r>
-              <a:t>AppointmentDay</a:t>
-            </a:r>
-          </a:p>
-          <a:p>
-            <a:pPr marL="324231" indent="-324231" defTabSz="403097">
-              <a:spcBef>
-                <a:spcPts val="1600"/>
-              </a:spcBef>
-              <a:defRPr sz="2484"/>
-            </a:pPr>
-            <a:r>
-              <a:t>Patient Age</a:t>
-            </a:r>
-          </a:p>
-          <a:p>
-            <a:pPr marL="324231" indent="-324231" defTabSz="403097">
-              <a:spcBef>
-                <a:spcPts val="1600"/>
-              </a:spcBef>
-              <a:defRPr sz="2484"/>
-            </a:pPr>
-            <a:r>
-              <a:t>Neighbourhood</a:t>
-            </a:r>
-          </a:p>
-          <a:p>
-            <a:pPr marL="324231" indent="-324231" defTabSz="403097">
-              <a:spcBef>
-                <a:spcPts val="1600"/>
-              </a:spcBef>
-              <a:defRPr sz="2484"/>
-            </a:pPr>
-            <a:r>
-              <a:t>Scholarship</a:t>
-            </a:r>
-          </a:p>
-          <a:p>
-            <a:pPr marL="324231" indent="-324231" defTabSz="403097">
-              <a:spcBef>
-                <a:spcPts val="1600"/>
-              </a:spcBef>
-              <a:defRPr sz="2484"/>
-            </a:pPr>
-            <a:r>
-              <a:t>Hipertension, Diabetes &amp; Alchoholism</a:t>
-            </a:r>
-          </a:p>
-          <a:p>
-            <a:pPr marL="324231" indent="-324231" defTabSz="403097">
-              <a:spcBef>
-                <a:spcPts val="1600"/>
-              </a:spcBef>
-              <a:defRPr sz="2484"/>
-            </a:pPr>
-            <a:r>
-              <a:t>Handicap</a:t>
-            </a:r>
-          </a:p>
-          <a:p>
-            <a:pPr marL="324231" indent="-324231" defTabSz="403097">
-              <a:spcBef>
-                <a:spcPts val="1600"/>
-              </a:spcBef>
-              <a:defRPr sz="2484"/>
-            </a:pPr>
-            <a:r>
-              <a:t>Sms_received</a:t>
-            </a:r>
-          </a:p>
-          <a:p>
-            <a:pPr marL="324231" indent="-324231" defTabSz="403097">
-              <a:spcBef>
-                <a:spcPts val="1600"/>
-              </a:spcBef>
-              <a:defRPr sz="2484"/>
-            </a:pPr>
-            <a:r>
-              <a:t>No-show</a:t>
-            </a:r>
-          </a:p>
-        </p:txBody>
-      </p:sp>
-      <p:grpSp>
-        <p:nvGrpSpPr>
-          <p:cNvPr id="147" name="Image Gallery"/>
-          <p:cNvGrpSpPr/>
-          <p:nvPr/>
-        </p:nvGrpSpPr>
-        <p:grpSpPr>
-          <a:xfrm>
-            <a:off x="6515100" y="2628900"/>
-            <a:ext cx="5981700" cy="6172200"/>
-            <a:chOff x="0" y="0"/>
-            <a:chExt cx="5981700" cy="6172200"/>
-          </a:xfrm>
-        </p:grpSpPr>
-        <p:pic>
-          <p:nvPicPr>
-            <p:cNvPr id="145" name="Screen Shot 2019-12-01 at 9.51.28 AM.png" descr="Screen Shot 2019-12-01 at 9.51.28 AM.png"/>
-            <p:cNvPicPr>
-              <a:picLocks noChangeAspect="1"/>
-            </p:cNvPicPr>
-            <p:nvPr/>
-          </p:nvPicPr>
-          <p:blipFill>
-            <a:blip r:embed="rId2">
-              <a:extLst/>
-            </a:blip>
-            <a:srcRect l="9269" t="0" r="9269" b="0"/>
-            <a:stretch>
-              <a:fillRect/>
-            </a:stretch>
-          </p:blipFill>
-          <p:spPr>
-            <a:xfrm>
-              <a:off x="0" y="0"/>
-              <a:ext cx="5981700" cy="5613400"/>
-            </a:xfrm>
-            <a:prstGeom prst="rect">
-              <a:avLst/>
-            </a:prstGeom>
-            <a:ln w="12700" cap="flat">
-              <a:noFill/>
-              <a:miter lim="400000"/>
-            </a:ln>
-            <a:effectLst/>
-          </p:spPr>
-        </p:pic>
-        <p:sp>
-          <p:nvSpPr>
-            <p:cNvPr id="146" name="Heat"/>
-            <p:cNvSpPr/>
-            <p:nvPr/>
-          </p:nvSpPr>
-          <p:spPr>
-            <a:xfrm>
-              <a:off x="0" y="5689599"/>
-              <a:ext cx="5981700" cy="482601"/>
-            </a:xfrm>
-            <a:prstGeom prst="rect">
-              <a:avLst/>
-            </a:prstGeom>
-            <a:noFill/>
-            <a:ln w="12700" cap="flat">
-              <a:noFill/>
-              <a:miter lim="400000"/>
-            </a:ln>
-            <a:effectLst/>
-            <a:extLst>
-              <a:ext uri="{C572A759-6A51-4108-AA02-DFA0A04FC94B}">
-                <ma14:wrappingTextBoxFlag xmlns:ma14="http://schemas.microsoft.com/office/mac/drawingml/2011/main" val="1"/>
-              </a:ext>
-            </a:extLst>
-          </p:spPr>
-          <p:txBody>
-            <a:bodyPr wrap="square" lIns="76200" tIns="76200" rIns="76200" bIns="76200" numCol="1" anchor="t">
-              <a:noAutofit/>
-            </a:bodyPr>
-            <a:lstStyle>
-              <a:lvl1pPr>
-                <a:defRPr sz="2000"/>
-              </a:lvl1pPr>
-            </a:lstStyle>
-            <a:p>
-              <a:pPr/>
-              <a:r>
-                <a:t>Heat</a:t>
-              </a:r>
-            </a:p>
-          </p:txBody>
-        </p:sp>
-      </p:grpSp>
-    </p:spTree>
-  </p:cSld>
-  <p:clrMapOvr>
-    <a:masterClrMapping/>
-  </p:clrMapOvr>
-  <p:transition xmlns:p14="http://schemas.microsoft.com/office/powerpoint/2010/main" spd="med" advClick="1"/>
-</p:sld>
-</file>
-
-<file path=ppt/slides/slide4.xml><?xml version="1.0" encoding="utf-8"?>
-<p:sld xmlns:a="http://schemas.openxmlformats.org/drawingml/2006/main" xmlns:r="http://schemas.openxmlformats.org/officeDocument/2006/relationships" xmlns:p="http://schemas.openxmlformats.org/presentationml/2006/main" xmlns:m="http://schemas.openxmlformats.org/officeDocument/2006/math" xmlns:a14="http://schemas.microsoft.com/office/drawing/2010/main" showMasterSp="1" showMasterPhAnim="1">
+<p:sld xmlns:a="http://schemas.openxmlformats.org/drawingml/2006/main" xmlns:r="http://schemas.openxmlformats.org/officeDocument/2006/relationships" xmlns:p="http://schemas.openxmlformats.org/presentationml/2006/main">
   <p:cSld>
     <p:spTree>
       <p:nvGrpSpPr>
@@ -4151,7 +4092,9 @@
       <p:sp>
         <p:nvSpPr>
           <p:cNvPr id="149" name="Feature Labels Table"/>
-          <p:cNvSpPr txBox="1"/>
+          <p:cNvSpPr txBox="1">
+            <a:spLocks noGrp="1"/>
+          </p:cNvSpPr>
           <p:nvPr>
             <p:ph type="title"/>
           </p:nvPr>
@@ -4165,17 +4108,24 @@
           <a:bodyPr/>
           <a:lstStyle/>
           <a:p>
-            <a:pPr/>
-            <a:r>
-              <a:t>Feature Labels Table</a:t>
-            </a:r>
+            <a:r>
+              <a:rPr dirty="0"/>
+              <a:t>Feature </a:t>
+            </a:r>
+            <a:r>
+              <a:rPr lang="en-US" dirty="0" smtClean="0"/>
+              <a:t>Engineering</a:t>
+            </a:r>
+            <a:endParaRPr dirty="0"/>
           </a:p>
         </p:txBody>
       </p:sp>
       <p:sp>
         <p:nvSpPr>
           <p:cNvPr id="150" name="Body"/>
-          <p:cNvSpPr txBox="1"/>
+          <p:cNvSpPr txBox="1">
+            <a:spLocks noGrp="1"/>
+          </p:cNvSpPr>
           <p:nvPr>
             <p:ph type="body" idx="1"/>
           </p:nvPr>
@@ -4189,7 +4139,7 @@
           <a:bodyPr/>
           <a:lstStyle/>
           <a:p>
-            <a:pPr/>
+            <a:endParaRPr/>
           </a:p>
         </p:txBody>
       </p:sp>
@@ -4219,7 +4169,7 @@
             <a:blip r:embed="rId2">
               <a:extLst/>
             </a:blip>
-            <a:srcRect l="0" t="743" r="0" b="743"/>
+            <a:srcRect t="743" b="743"/>
             <a:stretch>
               <a:fillRect/>
             </a:stretch>
@@ -4261,7 +4211,7 @@
             <a:effectLst/>
             <a:extLst>
               <a:ext uri="{C572A759-6A51-4108-AA02-DFA0A04FC94B}">
-                <ma14:wrappingTextBoxFlag xmlns:ma14="http://schemas.microsoft.com/office/mac/drawingml/2011/main" val="1"/>
+                <ma14:wrappingTextBoxFlag xmlns:ma14="http://schemas.microsoft.com/office/mac/drawingml/2011/main" xmlns:a14="http://schemas.microsoft.com/office/drawing/2010/main" xmlns:m="http://schemas.openxmlformats.org/officeDocument/2006/math" xmlns="" val="1"/>
               </a:ext>
             </a:extLst>
           </p:spPr>
@@ -4275,7 +4225,6 @@
               </a:lvl1pPr>
             </a:lstStyle>
             <a:p>
-              <a:pPr/>
               <a:r>
                 <a:t>Feature Labels Table</a:t>
               </a:r>
@@ -4288,12 +4237,398 @@
   <p:clrMapOvr>
     <a:masterClrMapping/>
   </p:clrMapOvr>
-  <p:transition xmlns:p14="http://schemas.microsoft.com/office/powerpoint/2010/main" spd="med" advClick="1"/>
+  <p:transition spd="med"/>
+</p:sld>
+</file>
+
+<file path=ppt/slides/slide4.xml><?xml version="1.0" encoding="utf-8"?>
+<p:sld xmlns:a="http://schemas.openxmlformats.org/drawingml/2006/main" xmlns:r="http://schemas.openxmlformats.org/officeDocument/2006/relationships" xmlns:p="http://schemas.openxmlformats.org/presentationml/2006/main">
+  <p:cSld>
+    <p:spTree>
+      <p:nvGrpSpPr>
+        <p:cNvPr id="1" name=""/>
+        <p:cNvGrpSpPr/>
+        <p:nvPr/>
+      </p:nvGrpSpPr>
+      <p:grpSpPr>
+        <a:xfrm>
+          <a:off x="0" y="0"/>
+          <a:ext cx="0" cy="0"/>
+          <a:chOff x="0" y="0"/>
+          <a:chExt cx="0" cy="0"/>
+        </a:xfrm>
+      </p:grpSpPr>
+      <p:sp>
+        <p:nvSpPr>
+          <p:cNvPr id="149" name="Feature Labels Table"/>
+          <p:cNvSpPr txBox="1">
+            <a:spLocks noGrp="1"/>
+          </p:cNvSpPr>
+          <p:nvPr>
+            <p:ph type="title"/>
+          </p:nvPr>
+        </p:nvSpPr>
+        <p:spPr>
+          <a:prstGeom prst="rect">
+            <a:avLst/>
+          </a:prstGeom>
+        </p:spPr>
+        <p:txBody>
+          <a:bodyPr/>
+          <a:lstStyle/>
+          <a:p>
+            <a:r>
+              <a:rPr lang="en-US" dirty="0" smtClean="0"/>
+              <a:t>Analysis Correlations</a:t>
+            </a:r>
+            <a:endParaRPr dirty="0"/>
+          </a:p>
+        </p:txBody>
+      </p:sp>
+      <p:sp>
+        <p:nvSpPr>
+          <p:cNvPr id="150" name="Body"/>
+          <p:cNvSpPr txBox="1">
+            <a:spLocks noGrp="1"/>
+          </p:cNvSpPr>
+          <p:nvPr>
+            <p:ph type="body" idx="1"/>
+          </p:nvPr>
+        </p:nvSpPr>
+        <p:spPr>
+          <a:prstGeom prst="rect">
+            <a:avLst/>
+          </a:prstGeom>
+        </p:spPr>
+        <p:txBody>
+          <a:bodyPr/>
+          <a:lstStyle/>
+          <a:p>
+            <a:r>
+              <a:rPr lang="en-US" dirty="0" smtClean="0"/>
+              <a:t>Very poor correlations versus label</a:t>
+            </a:r>
+            <a:endParaRPr dirty="0"/>
+          </a:p>
+        </p:txBody>
+      </p:sp>
+      <p:pic>
+        <p:nvPicPr>
+          <p:cNvPr id="1026" name="Picture 2"/>
+          <p:cNvPicPr>
+            <a:picLocks noChangeAspect="1" noChangeArrowheads="1"/>
+          </p:cNvPicPr>
+          <p:nvPr/>
+        </p:nvPicPr>
+        <p:blipFill>
+          <a:blip r:embed="rId2">
+            <a:extLst>
+              <a:ext uri="{28A0092B-C50C-407E-A947-70E740481C1C}">
+                <a14:useLocalDpi xmlns:a14="http://schemas.microsoft.com/office/drawing/2010/main" val="0"/>
+              </a:ext>
+            </a:extLst>
+          </a:blip>
+          <a:srcRect/>
+          <a:stretch>
+            <a:fillRect/>
+          </a:stretch>
+        </p:blipFill>
+        <p:spPr bwMode="auto">
+          <a:xfrm>
+            <a:off x="8102600" y="2659380"/>
+            <a:ext cx="4360945" cy="6172200"/>
+          </a:xfrm>
+          <a:prstGeom prst="rect">
+            <a:avLst/>
+          </a:prstGeom>
+          <a:noFill/>
+          <a:ln>
+            <a:noFill/>
+          </a:ln>
+          <a:effectLst/>
+          <a:extLst>
+            <a:ext uri="{909E8E84-426E-40DD-AFC4-6F175D3DCCD1}">
+              <a14:hiddenFill xmlns:a14="http://schemas.microsoft.com/office/drawing/2010/main">
+                <a:solidFill>
+                  <a:schemeClr val="accent1"/>
+                </a:solidFill>
+              </a14:hiddenFill>
+            </a:ext>
+            <a:ext uri="{91240B29-F687-4F45-9708-019B960494DF}">
+              <a14:hiddenLine xmlns:a14="http://schemas.microsoft.com/office/drawing/2010/main" w="9525">
+                <a:solidFill>
+                  <a:schemeClr val="tx1"/>
+                </a:solidFill>
+                <a:miter lim="800000"/>
+                <a:headEnd/>
+                <a:tailEnd/>
+              </a14:hiddenLine>
+            </a:ext>
+            <a:ext uri="{AF507438-7753-43E0-B8FC-AC1667EBCBE1}">
+              <a14:hiddenEffects xmlns:a14="http://schemas.microsoft.com/office/drawing/2010/main">
+                <a:effectLst>
+                  <a:outerShdw dist="35921" dir="2700000" algn="ctr" rotWithShape="0">
+                    <a:schemeClr val="bg2"/>
+                  </a:outerShdw>
+                </a:effectLst>
+              </a14:hiddenEffects>
+            </a:ext>
+          </a:extLst>
+        </p:spPr>
+      </p:pic>
+    </p:spTree>
+    <p:extLst>
+      <p:ext uri="{BB962C8B-B14F-4D97-AF65-F5344CB8AC3E}">
+        <p14:creationId xmlns:p14="http://schemas.microsoft.com/office/powerpoint/2010/main" val="131258133"/>
+      </p:ext>
+    </p:extLst>
+  </p:cSld>
+  <p:clrMapOvr>
+    <a:masterClrMapping/>
+  </p:clrMapOvr>
+  <p:transition spd="med"/>
 </p:sld>
 </file>
 
 <file path=ppt/slides/slide5.xml><?xml version="1.0" encoding="utf-8"?>
-<p:sld xmlns:a="http://schemas.openxmlformats.org/drawingml/2006/main" xmlns:r="http://schemas.openxmlformats.org/officeDocument/2006/relationships" xmlns:p="http://schemas.openxmlformats.org/presentationml/2006/main" xmlns:m="http://schemas.openxmlformats.org/officeDocument/2006/math" xmlns:a14="http://schemas.microsoft.com/office/drawing/2010/main" showMasterSp="1" showMasterPhAnim="1">
+<p:sld xmlns:a="http://schemas.openxmlformats.org/drawingml/2006/main" xmlns:r="http://schemas.openxmlformats.org/officeDocument/2006/relationships" xmlns:p="http://schemas.openxmlformats.org/presentationml/2006/main">
+  <p:cSld>
+    <p:spTree>
+      <p:nvGrpSpPr>
+        <p:cNvPr id="1" name=""/>
+        <p:cNvGrpSpPr/>
+        <p:nvPr/>
+      </p:nvGrpSpPr>
+      <p:grpSpPr>
+        <a:xfrm>
+          <a:off x="0" y="0"/>
+          <a:ext cx="0" cy="0"/>
+          <a:chOff x="0" y="0"/>
+          <a:chExt cx="0" cy="0"/>
+        </a:xfrm>
+      </p:grpSpPr>
+      <p:sp>
+        <p:nvSpPr>
+          <p:cNvPr id="2" name="Title 1"/>
+          <p:cNvSpPr>
+            <a:spLocks noGrp="1"/>
+          </p:cNvSpPr>
+          <p:nvPr>
+            <p:ph type="title"/>
+          </p:nvPr>
+        </p:nvSpPr>
+        <p:spPr/>
+        <p:txBody>
+          <a:bodyPr/>
+          <a:lstStyle/>
+          <a:p>
+            <a:r>
+              <a:rPr lang="en-US" dirty="0" smtClean="0"/>
+              <a:t>Analysis</a:t>
+            </a:r>
+            <a:endParaRPr lang="en-US" dirty="0"/>
+          </a:p>
+        </p:txBody>
+      </p:sp>
+      <p:sp>
+        <p:nvSpPr>
+          <p:cNvPr id="3" name="Text Placeholder 2"/>
+          <p:cNvSpPr>
+            <a:spLocks noGrp="1"/>
+          </p:cNvSpPr>
+          <p:nvPr>
+            <p:ph type="body" idx="1"/>
+          </p:nvPr>
+        </p:nvSpPr>
+        <p:spPr/>
+        <p:txBody>
+          <a:bodyPr/>
+          <a:lstStyle/>
+          <a:p>
+            <a:endParaRPr lang="en-US" dirty="0"/>
+          </a:p>
+        </p:txBody>
+      </p:sp>
+    </p:spTree>
+    <p:extLst>
+      <p:ext uri="{BB962C8B-B14F-4D97-AF65-F5344CB8AC3E}">
+        <p14:creationId xmlns:p14="http://schemas.microsoft.com/office/powerpoint/2010/main" val="1324395071"/>
+      </p:ext>
+    </p:extLst>
+  </p:cSld>
+  <p:clrMapOvr>
+    <a:masterClrMapping/>
+  </p:clrMapOvr>
+  <p:transition spd="med"/>
+</p:sld>
+</file>
+
+<file path=ppt/slides/slide6.xml><?xml version="1.0" encoding="utf-8"?>
+<p:sld xmlns:a="http://schemas.openxmlformats.org/drawingml/2006/main" xmlns:r="http://schemas.openxmlformats.org/officeDocument/2006/relationships" xmlns:p="http://schemas.openxmlformats.org/presentationml/2006/main">
+  <p:cSld>
+    <p:spTree>
+      <p:nvGrpSpPr>
+        <p:cNvPr id="1" name=""/>
+        <p:cNvGrpSpPr/>
+        <p:nvPr/>
+      </p:nvGrpSpPr>
+      <p:grpSpPr>
+        <a:xfrm>
+          <a:off x="0" y="0"/>
+          <a:ext cx="0" cy="0"/>
+          <a:chOff x="0" y="0"/>
+          <a:chExt cx="0" cy="0"/>
+        </a:xfrm>
+      </p:grpSpPr>
+      <p:sp>
+        <p:nvSpPr>
+          <p:cNvPr id="2" name="Title 1"/>
+          <p:cNvSpPr>
+            <a:spLocks noGrp="1"/>
+          </p:cNvSpPr>
+          <p:nvPr>
+            <p:ph type="title"/>
+          </p:nvPr>
+        </p:nvSpPr>
+        <p:spPr/>
+        <p:txBody>
+          <a:bodyPr/>
+          <a:lstStyle/>
+          <a:p>
+            <a:r>
+              <a:rPr lang="en-US" dirty="0" smtClean="0"/>
+              <a:t>Model Selection</a:t>
+            </a:r>
+            <a:endParaRPr lang="en-US" dirty="0"/>
+          </a:p>
+        </p:txBody>
+      </p:sp>
+      <p:sp>
+        <p:nvSpPr>
+          <p:cNvPr id="3" name="Text Placeholder 2"/>
+          <p:cNvSpPr>
+            <a:spLocks noGrp="1"/>
+          </p:cNvSpPr>
+          <p:nvPr>
+            <p:ph type="body" idx="1"/>
+          </p:nvPr>
+        </p:nvSpPr>
+        <p:spPr/>
+        <p:txBody>
+          <a:bodyPr>
+            <a:normAutofit fontScale="70000" lnSpcReduction="20000"/>
+          </a:bodyPr>
+          <a:lstStyle/>
+          <a:p>
+            <a:r>
+              <a:rPr lang="en-US" dirty="0"/>
+              <a:t>Individual models - </a:t>
+            </a:r>
+            <a:r>
+              <a:rPr lang="en-US" sz="2600" dirty="0"/>
+              <a:t>LOG,DTC,RFC,KNN,XGB,</a:t>
+            </a:r>
+            <a:r>
+              <a:rPr lang="en-US" sz="2800" dirty="0"/>
+              <a:t> SGD,SVC</a:t>
+            </a:r>
+            <a:endParaRPr lang="en-US" sz="2600" dirty="0"/>
+          </a:p>
+          <a:p>
+            <a:pPr lvl="1"/>
+            <a:r>
+              <a:rPr lang="en-US" dirty="0"/>
+              <a:t>Best individual model - RFC</a:t>
+            </a:r>
+          </a:p>
+          <a:p>
+            <a:pPr lvl="2"/>
+            <a:r>
+              <a:rPr lang="en-US" dirty="0"/>
+              <a:t>Accuracy: 0.8</a:t>
+            </a:r>
+          </a:p>
+          <a:p>
+            <a:pPr lvl="2"/>
+            <a:r>
+              <a:rPr lang="en-US" b="1" dirty="0"/>
+              <a:t>Precision</a:t>
+            </a:r>
+            <a:r>
+              <a:rPr lang="en-US" dirty="0"/>
+              <a:t>:  0.5</a:t>
+            </a:r>
+          </a:p>
+          <a:p>
+            <a:pPr lvl="2"/>
+            <a:r>
+              <a:rPr lang="en-US" dirty="0"/>
+              <a:t>Recall:  0.02</a:t>
+            </a:r>
+          </a:p>
+          <a:p>
+            <a:r>
+              <a:rPr lang="en-US" dirty="0"/>
+              <a:t>Best model - </a:t>
+            </a:r>
+            <a:r>
+              <a:rPr lang="en-US" sz="2800" dirty="0"/>
+              <a:t>Voting Classifier (LOG, KNN,XGB,RFC)</a:t>
+            </a:r>
+          </a:p>
+          <a:p>
+            <a:pPr lvl="1"/>
+            <a:r>
+              <a:rPr lang="en-US" dirty="0"/>
+              <a:t>Scores</a:t>
+            </a:r>
+          </a:p>
+          <a:p>
+            <a:pPr lvl="2"/>
+            <a:r>
+              <a:rPr lang="en-US" dirty="0"/>
+              <a:t>Accuracy: 0.8</a:t>
+            </a:r>
+          </a:p>
+          <a:p>
+            <a:pPr lvl="2"/>
+            <a:r>
+              <a:rPr lang="en-US" b="1" dirty="0"/>
+              <a:t>Precision</a:t>
+            </a:r>
+            <a:r>
+              <a:rPr lang="en-US" dirty="0"/>
+              <a:t>:  0.7</a:t>
+            </a:r>
+          </a:p>
+          <a:p>
+            <a:pPr lvl="2"/>
+            <a:r>
+              <a:rPr lang="en-US" dirty="0"/>
+              <a:t>Recall:  0.3</a:t>
+            </a:r>
+          </a:p>
+          <a:p>
+            <a:endParaRPr lang="en-US" dirty="0"/>
+          </a:p>
+        </p:txBody>
+      </p:sp>
+    </p:spTree>
+    <p:extLst>
+      <p:ext uri="{BB962C8B-B14F-4D97-AF65-F5344CB8AC3E}">
+        <p14:creationId xmlns:p14="http://schemas.microsoft.com/office/powerpoint/2010/main" val="2683268282"/>
+      </p:ext>
+    </p:extLst>
+  </p:cSld>
+  <p:clrMapOvr>
+    <a:masterClrMapping/>
+  </p:clrMapOvr>
+  <p:transition spd="med"/>
+</p:sld>
+</file>
+
+<file path=ppt/slides/slide7.xml><?xml version="1.0" encoding="utf-8"?>
+<p:sld xmlns:a="http://schemas.openxmlformats.org/drawingml/2006/main" xmlns:r="http://schemas.openxmlformats.org/officeDocument/2006/relationships" xmlns:p="http://schemas.openxmlformats.org/presentationml/2006/main">
   <p:cSld>
     <p:spTree>
       <p:nvGrpSpPr>
@@ -4312,7 +4647,9 @@
       <p:sp>
         <p:nvSpPr>
           <p:cNvPr id="155" name="Current Model"/>
-          <p:cNvSpPr txBox="1"/>
+          <p:cNvSpPr txBox="1">
+            <a:spLocks noGrp="1"/>
+          </p:cNvSpPr>
           <p:nvPr>
             <p:ph type="title"/>
           </p:nvPr>
@@ -4326,7 +4663,6 @@
           <a:bodyPr/>
           <a:lstStyle/>
           <a:p>
-            <a:pPr/>
             <a:r>
               <a:t>Current Model</a:t>
             </a:r>
@@ -4336,7 +4672,9 @@
       <p:sp>
         <p:nvSpPr>
           <p:cNvPr id="156" name="Body"/>
-          <p:cNvSpPr txBox="1"/>
+          <p:cNvSpPr txBox="1">
+            <a:spLocks noGrp="1"/>
+          </p:cNvSpPr>
           <p:nvPr>
             <p:ph type="body" idx="1"/>
           </p:nvPr>
@@ -4350,7 +4688,7 @@
           <a:bodyPr/>
           <a:lstStyle/>
           <a:p>
-            <a:pPr/>
+            <a:endParaRPr/>
           </a:p>
         </p:txBody>
       </p:sp>
@@ -4380,7 +4718,7 @@
             <a:blip r:embed="rId2">
               <a:extLst/>
             </a:blip>
-            <a:srcRect l="0" t="3745" r="0" b="3745"/>
+            <a:srcRect t="3745" b="3745"/>
             <a:stretch>
               <a:fillRect/>
             </a:stretch>
@@ -4422,7 +4760,7 @@
             <a:effectLst/>
             <a:extLst>
               <a:ext uri="{C572A759-6A51-4108-AA02-DFA0A04FC94B}">
-                <ma14:wrappingTextBoxFlag xmlns:ma14="http://schemas.microsoft.com/office/mac/drawingml/2011/main" val="1"/>
+                <ma14:wrappingTextBoxFlag xmlns:ma14="http://schemas.microsoft.com/office/mac/drawingml/2011/main" xmlns:a14="http://schemas.microsoft.com/office/drawing/2010/main" xmlns:m="http://schemas.openxmlformats.org/officeDocument/2006/math" xmlns="" val="1"/>
               </a:ext>
             </a:extLst>
           </p:spPr>
@@ -4436,7 +4774,6 @@
               </a:lvl1pPr>
             </a:lstStyle>
             <a:p>
-              <a:pPr/>
               <a:r>
                 <a:t>Type to enter a caption.</a:t>
               </a:r>
@@ -4449,12 +4786,12 @@
   <p:clrMapOvr>
     <a:masterClrMapping/>
   </p:clrMapOvr>
-  <p:transition xmlns:p14="http://schemas.microsoft.com/office/powerpoint/2010/main" spd="med" advClick="1"/>
+  <p:transition spd="med"/>
 </p:sld>
 </file>
 
-<file path=ppt/slides/slide6.xml><?xml version="1.0" encoding="utf-8"?>
-<p:sld xmlns:a="http://schemas.openxmlformats.org/drawingml/2006/main" xmlns:r="http://schemas.openxmlformats.org/officeDocument/2006/relationships" xmlns:p="http://schemas.openxmlformats.org/presentationml/2006/main" xmlns:m="http://schemas.openxmlformats.org/officeDocument/2006/math" xmlns:a14="http://schemas.microsoft.com/office/drawing/2010/main" showMasterSp="1" showMasterPhAnim="1">
+<file path=ppt/slides/slide8.xml><?xml version="1.0" encoding="utf-8"?>
+<p:sld xmlns:a="http://schemas.openxmlformats.org/drawingml/2006/main" xmlns:r="http://schemas.openxmlformats.org/officeDocument/2006/relationships" xmlns:p="http://schemas.openxmlformats.org/presentationml/2006/main">
   <p:cSld>
     <p:spTree>
       <p:nvGrpSpPr>
@@ -4473,7 +4810,9 @@
       <p:sp>
         <p:nvSpPr>
           <p:cNvPr id="161" name="Conclusion"/>
-          <p:cNvSpPr txBox="1"/>
+          <p:cNvSpPr txBox="1">
+            <a:spLocks noGrp="1"/>
+          </p:cNvSpPr>
           <p:nvPr>
             <p:ph type="title"/>
           </p:nvPr>
@@ -4487,17 +4826,20 @@
           <a:bodyPr/>
           <a:lstStyle/>
           <a:p>
-            <a:pPr/>
-            <a:r>
-              <a:t>Conclusion</a:t>
-            </a:r>
+            <a:r>
+              <a:rPr lang="en-US" dirty="0" smtClean="0"/>
+              <a:t>Implementation</a:t>
+            </a:r>
+            <a:endParaRPr dirty="0"/>
           </a:p>
         </p:txBody>
       </p:sp>
       <p:sp>
         <p:nvSpPr>
           <p:cNvPr id="162" name="Best model has a accuracy of 80% &amp; precision of 70%.…"/>
-          <p:cNvSpPr txBox="1"/>
+          <p:cNvSpPr txBox="1">
+            <a:spLocks noGrp="1"/>
+          </p:cNvSpPr>
           <p:nvPr>
             <p:ph type="body" idx="1"/>
           </p:nvPr>
@@ -4511,32 +4853,193 @@
           <a:bodyPr/>
           <a:lstStyle/>
           <a:p>
-            <a:pPr/>
-            <a:r>
+            <a:r>
+              <a:rPr lang="en-US" dirty="0" smtClean="0"/>
+              <a:t>Send extra reminders to the predicted no shows.</a:t>
+            </a:r>
+          </a:p>
+          <a:p>
+            <a:pPr marL="0" indent="0">
+              <a:buNone/>
+            </a:pPr>
+            <a:r>
+              <a:rPr lang="en-US" b="1" dirty="0" smtClean="0"/>
+              <a:t>Potential Savings</a:t>
+            </a:r>
+          </a:p>
+          <a:p>
+            <a:r>
+              <a:rPr lang="en-US" dirty="0" smtClean="0"/>
+              <a:t>Every 2 months the model predicts </a:t>
+            </a:r>
+            <a:r>
+              <a:rPr lang="en-US" dirty="0" smtClean="0">
+                <a:solidFill>
+                  <a:srgbClr val="00B0F0"/>
+                </a:solidFill>
+              </a:rPr>
+              <a:t>150</a:t>
+            </a:r>
+            <a:r>
+              <a:rPr lang="en-US" dirty="0" smtClean="0"/>
+              <a:t> no shows</a:t>
+            </a:r>
+          </a:p>
+          <a:p>
+            <a:r>
+              <a:rPr lang="en-US" dirty="0" smtClean="0"/>
+              <a:t>Assume $</a:t>
+            </a:r>
+            <a:r>
+              <a:rPr lang="en-US" dirty="0" smtClean="0">
+                <a:solidFill>
+                  <a:srgbClr val="00B050"/>
+                </a:solidFill>
+              </a:rPr>
+              <a:t>50 </a:t>
+            </a:r>
+            <a:r>
+              <a:rPr lang="en-US" dirty="0" smtClean="0"/>
+              <a:t>per visit</a:t>
+            </a:r>
+          </a:p>
+          <a:p>
+            <a:r>
+              <a:rPr lang="en-US" dirty="0" smtClean="0"/>
+              <a:t>These extra reminders could save up to </a:t>
+            </a:r>
+            <a:r>
+              <a:rPr lang="en-US" dirty="0" smtClean="0">
+                <a:solidFill>
+                  <a:srgbClr val="00B0F0"/>
+                </a:solidFill>
+              </a:rPr>
+              <a:t>150</a:t>
+            </a:r>
+            <a:r>
+              <a:rPr lang="en-US" dirty="0" smtClean="0"/>
+              <a:t>*</a:t>
+            </a:r>
+            <a:r>
+              <a:rPr lang="en-US" dirty="0" smtClean="0">
+                <a:solidFill>
+                  <a:srgbClr val="00B050"/>
+                </a:solidFill>
+              </a:rPr>
+              <a:t>50</a:t>
+            </a:r>
+            <a:r>
+              <a:rPr lang="en-US" dirty="0" smtClean="0"/>
+              <a:t> = </a:t>
+            </a:r>
+            <a:r>
+              <a:rPr lang="en-US" b="1" dirty="0" smtClean="0"/>
+              <a:t>$7500 </a:t>
+            </a:r>
+            <a:r>
+              <a:rPr lang="en-US" dirty="0" smtClean="0"/>
+              <a:t>per quarter</a:t>
+            </a:r>
+            <a:endParaRPr b="1" dirty="0"/>
+          </a:p>
+        </p:txBody>
+      </p:sp>
+    </p:spTree>
+  </p:cSld>
+  <p:clrMapOvr>
+    <a:masterClrMapping/>
+  </p:clrMapOvr>
+  <p:transition spd="med"/>
+</p:sld>
+</file>
+
+<file path=ppt/slides/slide9.xml><?xml version="1.0" encoding="utf-8"?>
+<p:sld xmlns:a="http://schemas.openxmlformats.org/drawingml/2006/main" xmlns:r="http://schemas.openxmlformats.org/officeDocument/2006/relationships" xmlns:p="http://schemas.openxmlformats.org/presentationml/2006/main">
+  <p:cSld>
+    <p:spTree>
+      <p:nvGrpSpPr>
+        <p:cNvPr id="1" name=""/>
+        <p:cNvGrpSpPr/>
+        <p:nvPr/>
+      </p:nvGrpSpPr>
+      <p:grpSpPr>
+        <a:xfrm>
+          <a:off x="0" y="0"/>
+          <a:ext cx="0" cy="0"/>
+          <a:chOff x="0" y="0"/>
+          <a:chExt cx="0" cy="0"/>
+        </a:xfrm>
+      </p:grpSpPr>
+      <p:sp>
+        <p:nvSpPr>
+          <p:cNvPr id="161" name="Conclusion"/>
+          <p:cNvSpPr txBox="1">
+            <a:spLocks noGrp="1"/>
+          </p:cNvSpPr>
+          <p:nvPr>
+            <p:ph type="title"/>
+          </p:nvPr>
+        </p:nvSpPr>
+        <p:spPr>
+          <a:prstGeom prst="rect">
+            <a:avLst/>
+          </a:prstGeom>
+        </p:spPr>
+        <p:txBody>
+          <a:bodyPr/>
+          <a:lstStyle/>
+          <a:p>
+            <a:r>
+              <a:t>Conclusion</a:t>
+            </a:r>
+          </a:p>
+        </p:txBody>
+      </p:sp>
+      <p:sp>
+        <p:nvSpPr>
+          <p:cNvPr id="162" name="Best model has a accuracy of 80% &amp; precision of 70%.…"/>
+          <p:cNvSpPr txBox="1">
+            <a:spLocks noGrp="1"/>
+          </p:cNvSpPr>
+          <p:nvPr>
+            <p:ph type="body" idx="1"/>
+          </p:nvPr>
+        </p:nvSpPr>
+        <p:spPr>
+          <a:prstGeom prst="rect">
+            <a:avLst/>
+          </a:prstGeom>
+        </p:spPr>
+        <p:txBody>
+          <a:bodyPr/>
+          <a:lstStyle/>
+          <a:p>
+            <a:r>
+              <a:rPr dirty="0"/>
               <a:t>Best model has a accuracy of 80% &amp; precision of 70%.</a:t>
             </a:r>
           </a:p>
           <a:p>
-            <a:pPr/>
-            <a:r>
+            <a:r>
+              <a:rPr dirty="0"/>
               <a:t>Additional variables that would have helped in model prediction:</a:t>
             </a:r>
           </a:p>
           <a:p>
-            <a:pPr/>
-            <a:r>
+            <a:r>
+              <a:rPr dirty="0"/>
               <a:t>Appointment Time</a:t>
             </a:r>
           </a:p>
           <a:p>
-            <a:pPr/>
-            <a:r>
+            <a:r>
+              <a:rPr dirty="0"/>
               <a:t>Type of reminders issued</a:t>
             </a:r>
           </a:p>
           <a:p>
-            <a:pPr/>
-            <a:r>
+            <a:r>
+              <a:rPr dirty="0"/>
               <a:t>Distance between patient’s house to clinic</a:t>
             </a:r>
           </a:p>
@@ -4568,7 +5071,7 @@
             <a:blip r:embed="rId2">
               <a:extLst/>
             </a:blip>
-            <a:srcRect l="0" t="1258" r="0" b="1258"/>
+            <a:srcRect t="1258" b="1258"/>
             <a:stretch>
               <a:fillRect/>
             </a:stretch>
@@ -4610,7 +5113,7 @@
             <a:effectLst/>
             <a:extLst>
               <a:ext uri="{C572A759-6A51-4108-AA02-DFA0A04FC94B}">
-                <ma14:wrappingTextBoxFlag xmlns:ma14="http://schemas.microsoft.com/office/mac/drawingml/2011/main" val="1"/>
+                <ma14:wrappingTextBoxFlag xmlns:ma14="http://schemas.microsoft.com/office/mac/drawingml/2011/main" xmlns:a14="http://schemas.microsoft.com/office/drawing/2010/main" xmlns:m="http://schemas.openxmlformats.org/officeDocument/2006/math" xmlns="" val="1"/>
               </a:ext>
             </a:extLst>
           </p:spPr>
@@ -4624,7 +5127,6 @@
               </a:lvl1pPr>
             </a:lstStyle>
             <a:p>
-              <a:pPr/>
               <a:r>
                 <a:t>Type to enter a caption.</a:t>
               </a:r>
@@ -4633,111 +5135,21 @@
         </p:sp>
       </p:grpSp>
     </p:spTree>
+    <p:extLst>
+      <p:ext uri="{BB962C8B-B14F-4D97-AF65-F5344CB8AC3E}">
+        <p14:creationId xmlns:p14="http://schemas.microsoft.com/office/powerpoint/2010/main" val="2534794392"/>
+      </p:ext>
+    </p:extLst>
   </p:cSld>
   <p:clrMapOvr>
     <a:masterClrMapping/>
   </p:clrMapOvr>
-  <p:transition xmlns:p14="http://schemas.microsoft.com/office/powerpoint/2010/main" spd="med" advClick="1"/>
-</p:sld>
-</file>
-
-<file path=ppt/slides/slide7.xml><?xml version="1.0" encoding="utf-8"?>
-<p:sld xmlns:a="http://schemas.openxmlformats.org/drawingml/2006/main" xmlns:r="http://schemas.openxmlformats.org/officeDocument/2006/relationships" xmlns:p="http://schemas.openxmlformats.org/presentationml/2006/main" xmlns:m="http://schemas.openxmlformats.org/officeDocument/2006/math" xmlns:a14="http://schemas.microsoft.com/office/drawing/2010/main" showMasterSp="1" showMasterPhAnim="1">
-  <p:cSld>
-    <p:spTree>
-      <p:nvGrpSpPr>
-        <p:cNvPr id="1" name=""/>
-        <p:cNvGrpSpPr/>
-        <p:nvPr/>
-      </p:nvGrpSpPr>
-      <p:grpSpPr>
-        <a:xfrm>
-          <a:off x="0" y="0"/>
-          <a:ext cx="0" cy="0"/>
-          <a:chOff x="0" y="0"/>
-          <a:chExt cx="0" cy="0"/>
-        </a:xfrm>
-      </p:grpSpPr>
-      <p:sp>
-        <p:nvSpPr>
-          <p:cNvPr id="167" name="Conclusion (Contd….)"/>
-          <p:cNvSpPr txBox="1"/>
-          <p:nvPr>
-            <p:ph type="title"/>
-          </p:nvPr>
-        </p:nvSpPr>
-        <p:spPr>
-          <a:prstGeom prst="rect">
-            <a:avLst/>
-          </a:prstGeom>
-        </p:spPr>
-        <p:txBody>
-          <a:bodyPr/>
-          <a:lstStyle/>
-          <a:p>
-            <a:pPr lvl="1"/>
-            <a:r>
-              <a:t>Conclusion (Contd….)</a:t>
-            </a:r>
-          </a:p>
-        </p:txBody>
-      </p:sp>
-      <p:sp>
-        <p:nvSpPr>
-          <p:cNvPr id="168" name="Remedial Measures:…"/>
-          <p:cNvSpPr txBox="1"/>
-          <p:nvPr>
-            <p:ph type="body" idx="1"/>
-          </p:nvPr>
-        </p:nvSpPr>
-        <p:spPr>
-          <a:prstGeom prst="rect">
-            <a:avLst/>
-          </a:prstGeom>
-        </p:spPr>
-        <p:txBody>
-          <a:bodyPr/>
-          <a:lstStyle/>
-          <a:p>
-            <a:pPr marL="0" indent="0">
-              <a:buSzTx/>
-              <a:buNone/>
-            </a:pPr>
-            <a:r>
-              <a:t>Remedial Measures:</a:t>
-            </a:r>
-          </a:p>
-          <a:p>
-            <a:pPr/>
-            <a:r>
-              <a:t>More booking: Using the predictive model, schedule more appointments</a:t>
-            </a:r>
-          </a:p>
-          <a:p>
-            <a:pPr/>
-            <a:r>
-              <a:t>No-Show fees: Charging fees  for a no-show appointment</a:t>
-            </a:r>
-          </a:p>
-          <a:p>
-            <a:pPr/>
-            <a:r>
-              <a:t>Incentives: by collecting fees upfront might provide an incentive fo a patient to show-up</a:t>
-            </a:r>
-          </a:p>
-        </p:txBody>
-      </p:sp>
-    </p:spTree>
-  </p:cSld>
-  <p:clrMapOvr>
-    <a:masterClrMapping/>
-  </p:clrMapOvr>
-  <p:transition xmlns:p14="http://schemas.microsoft.com/office/powerpoint/2010/main" spd="med" advClick="1"/>
+  <p:transition spd="med"/>
 </p:sld>
 </file>
 
 <file path=ppt/theme/theme1.xml><?xml version="1.0" encoding="utf-8"?>
-<a:theme xmlns:a="http://schemas.openxmlformats.org/drawingml/2006/main" xmlns:r="http://schemas.openxmlformats.org/officeDocument/2006/relationships" name="New_Template4">
+<a:theme xmlns:a="http://schemas.openxmlformats.org/drawingml/2006/main" name="New_Template4">
   <a:themeElements>
     <a:clrScheme name="New_Template4">
       <a:dk1>
@@ -4927,8 +5339,8 @@
     <a:spDef>
       <a:spPr>
         <a:blipFill rotWithShape="1">
-          <a:blip r:embed="rId1"/>
-          <a:srcRect l="0" t="0" r="0" b="0"/>
+          <a:blip xmlns:r="http://schemas.openxmlformats.org/officeDocument/2006/relationships" r:embed="rId1"/>
+          <a:srcRect/>
           <a:tile tx="0" ty="0" sx="100000" sy="100000" flip="none" algn="tl"/>
         </a:blipFill>
         <a:ln w="12700" cap="flat">
@@ -4938,7 +5350,7 @@
         <a:effectLst/>
         <a:sp3d/>
       </a:spPr>
-      <a:bodyPr rot="0" spcFirstLastPara="1" vertOverflow="overflow" horzOverflow="overflow" vert="horz" wrap="square" lIns="50800" tIns="50800" rIns="50800" bIns="50800" numCol="1" spcCol="38100" rtlCol="0" anchor="ctr" upright="0">
+      <a:bodyPr rot="0" spcFirstLastPara="1" vertOverflow="overflow" horzOverflow="overflow" vert="horz" wrap="square" lIns="50800" tIns="50800" rIns="50800" bIns="50800" numCol="1" spcCol="38100" rtlCol="0" anchor="ctr">
         <a:spAutoFit/>
       </a:bodyPr>
       <a:lstStyle>
@@ -4957,7 +5369,7 @@
           <a:buFontTx/>
           <a:buNone/>
           <a:tabLst/>
-          <a:defRPr b="0" baseline="0" cap="none" i="0" spc="0" strike="noStrike" sz="3200" u="none" kumimoji="0" normalizeH="0">
+          <a:defRPr kumimoji="0" sz="3200" b="0" i="0" u="none" strike="noStrike" cap="none" spc="0" normalizeH="0" baseline="0">
             <a:ln>
               <a:noFill/>
             </a:ln>
@@ -4965,7 +5377,7 @@
               <a:srgbClr val="FFFFFF"/>
             </a:solidFill>
             <a:effectLst>
-              <a:outerShdw sx="100000" sy="100000" kx="0" ky="0" algn="b" rotWithShape="0" blurRad="25400" dist="33948" dir="2700000">
+              <a:outerShdw blurRad="25400" dist="33948" dir="2700000" rotWithShape="0">
                 <a:srgbClr val="3B3936"/>
               </a:outerShdw>
             </a:effectLst>
@@ -4991,7 +5403,7 @@
           <a:buFontTx/>
           <a:buNone/>
           <a:tabLst/>
-          <a:defRPr b="0" baseline="0" cap="none" i="0" spc="0" strike="noStrike" sz="1800" u="none" kumimoji="0" normalizeH="0">
+          <a:defRPr kumimoji="0" sz="1800" b="0" i="0" u="none" strike="noStrike" cap="none" spc="0" normalizeH="0" baseline="0">
             <a:ln>
               <a:noFill/>
             </a:ln>
@@ -5017,7 +5429,7 @@
           <a:buFontTx/>
           <a:buNone/>
           <a:tabLst/>
-          <a:defRPr b="0" baseline="0" cap="none" i="0" spc="0" strike="noStrike" sz="1800" u="none" kumimoji="0" normalizeH="0">
+          <a:defRPr kumimoji="0" sz="1800" b="0" i="0" u="none" strike="noStrike" cap="none" spc="0" normalizeH="0" baseline="0">
             <a:ln>
               <a:noFill/>
             </a:ln>
@@ -5043,7 +5455,7 @@
           <a:buFontTx/>
           <a:buNone/>
           <a:tabLst/>
-          <a:defRPr b="0" baseline="0" cap="none" i="0" spc="0" strike="noStrike" sz="1800" u="none" kumimoji="0" normalizeH="0">
+          <a:defRPr kumimoji="0" sz="1800" b="0" i="0" u="none" strike="noStrike" cap="none" spc="0" normalizeH="0" baseline="0">
             <a:ln>
               <a:noFill/>
             </a:ln>
@@ -5069,7 +5481,7 @@
           <a:buFontTx/>
           <a:buNone/>
           <a:tabLst/>
-          <a:defRPr b="0" baseline="0" cap="none" i="0" spc="0" strike="noStrike" sz="1800" u="none" kumimoji="0" normalizeH="0">
+          <a:defRPr kumimoji="0" sz="1800" b="0" i="0" u="none" strike="noStrike" cap="none" spc="0" normalizeH="0" baseline="0">
             <a:ln>
               <a:noFill/>
             </a:ln>
@@ -5095,7 +5507,7 @@
           <a:buFontTx/>
           <a:buNone/>
           <a:tabLst/>
-          <a:defRPr b="0" baseline="0" cap="none" i="0" spc="0" strike="noStrike" sz="1800" u="none" kumimoji="0" normalizeH="0">
+          <a:defRPr kumimoji="0" sz="1800" b="0" i="0" u="none" strike="noStrike" cap="none" spc="0" normalizeH="0" baseline="0">
             <a:ln>
               <a:noFill/>
             </a:ln>
@@ -5121,7 +5533,7 @@
           <a:buFontTx/>
           <a:buNone/>
           <a:tabLst/>
-          <a:defRPr b="0" baseline="0" cap="none" i="0" spc="0" strike="noStrike" sz="1800" u="none" kumimoji="0" normalizeH="0">
+          <a:defRPr kumimoji="0" sz="1800" b="0" i="0" u="none" strike="noStrike" cap="none" spc="0" normalizeH="0" baseline="0">
             <a:ln>
               <a:noFill/>
             </a:ln>
@@ -5147,7 +5559,7 @@
           <a:buFontTx/>
           <a:buNone/>
           <a:tabLst/>
-          <a:defRPr b="0" baseline="0" cap="none" i="0" spc="0" strike="noStrike" sz="1800" u="none" kumimoji="0" normalizeH="0">
+          <a:defRPr kumimoji="0" sz="1800" b="0" i="0" u="none" strike="noStrike" cap="none" spc="0" normalizeH="0" baseline="0">
             <a:ln>
               <a:noFill/>
             </a:ln>
@@ -5173,7 +5585,7 @@
           <a:buFontTx/>
           <a:buNone/>
           <a:tabLst/>
-          <a:defRPr b="0" baseline="0" cap="none" i="0" spc="0" strike="noStrike" sz="1800" u="none" kumimoji="0" normalizeH="0">
+          <a:defRPr kumimoji="0" sz="1800" b="0" i="0" u="none" strike="noStrike" cap="none" spc="0" normalizeH="0" baseline="0">
             <a:ln>
               <a:noFill/>
             </a:ln>
@@ -5199,7 +5611,7 @@
           <a:buFontTx/>
           <a:buNone/>
           <a:tabLst/>
-          <a:defRPr b="0" baseline="0" cap="none" i="0" spc="0" strike="noStrike" sz="1800" u="none" kumimoji="0" normalizeH="0">
+          <a:defRPr kumimoji="0" sz="1800" b="0" i="0" u="none" strike="noStrike" cap="none" spc="0" normalizeH="0" baseline="0">
             <a:ln>
               <a:noFill/>
             </a:ln>
@@ -5212,9 +5624,15 @@
         </a:lvl9pPr>
       </a:lstStyle>
       <a:style>
-        <a:lnRef idx="0"/>
-        <a:fillRef idx="0"/>
-        <a:effectRef idx="0"/>
+        <a:lnRef idx="0">
+          <a:scrgbClr r="0" g="0" b="0"/>
+        </a:lnRef>
+        <a:fillRef idx="0">
+          <a:scrgbClr r="0" g="0" b="0"/>
+        </a:fillRef>
+        <a:effectRef idx="0">
+          <a:scrgbClr r="0" g="0" b="0"/>
+        </a:effectRef>
         <a:fontRef idx="none"/>
       </a:style>
     </a:spDef>
@@ -5231,7 +5649,7 @@
         <a:effectLst/>
         <a:sp3d/>
       </a:spPr>
-      <a:bodyPr rot="0" spcFirstLastPara="1" vertOverflow="overflow" horzOverflow="overflow" vert="horz" wrap="square" lIns="91439" tIns="45719" rIns="91439" bIns="45719" numCol="1" spcCol="38100" rtlCol="0" anchor="t" upright="0">
+      <a:bodyPr rot="0" spcFirstLastPara="1" vertOverflow="overflow" horzOverflow="overflow" vert="horz" wrap="square" lIns="91439" tIns="45719" rIns="91439" bIns="45719" numCol="1" spcCol="38100" rtlCol="0" anchor="t">
         <a:noAutofit/>
       </a:bodyPr>
       <a:lstStyle>
@@ -5250,7 +5668,7 @@
           <a:buFontTx/>
           <a:buNone/>
           <a:tabLst/>
-          <a:defRPr b="0" baseline="0" cap="none" i="0" spc="0" strike="noStrike" sz="1800" u="none" kumimoji="0" normalizeH="0">
+          <a:defRPr kumimoji="0" sz="1800" b="0" i="0" u="none" strike="noStrike" cap="none" spc="0" normalizeH="0" baseline="0">
             <a:ln>
               <a:noFill/>
             </a:ln>
@@ -5276,7 +5694,7 @@
           <a:buFontTx/>
           <a:buNone/>
           <a:tabLst/>
-          <a:defRPr b="0" baseline="0" cap="none" i="0" spc="0" strike="noStrike" sz="1800" u="none" kumimoji="0" normalizeH="0">
+          <a:defRPr kumimoji="0" sz="1800" b="0" i="0" u="none" strike="noStrike" cap="none" spc="0" normalizeH="0" baseline="0">
             <a:ln>
               <a:noFill/>
             </a:ln>
@@ -5302,7 +5720,7 @@
           <a:buFontTx/>
           <a:buNone/>
           <a:tabLst/>
-          <a:defRPr b="0" baseline="0" cap="none" i="0" spc="0" strike="noStrike" sz="1800" u="none" kumimoji="0" normalizeH="0">
+          <a:defRPr kumimoji="0" sz="1800" b="0" i="0" u="none" strike="noStrike" cap="none" spc="0" normalizeH="0" baseline="0">
             <a:ln>
               <a:noFill/>
             </a:ln>
@@ -5328,7 +5746,7 @@
           <a:buFontTx/>
           <a:buNone/>
           <a:tabLst/>
-          <a:defRPr b="0" baseline="0" cap="none" i="0" spc="0" strike="noStrike" sz="1800" u="none" kumimoji="0" normalizeH="0">
+          <a:defRPr kumimoji="0" sz="1800" b="0" i="0" u="none" strike="noStrike" cap="none" spc="0" normalizeH="0" baseline="0">
             <a:ln>
               <a:noFill/>
             </a:ln>
@@ -5354,7 +5772,7 @@
           <a:buFontTx/>
           <a:buNone/>
           <a:tabLst/>
-          <a:defRPr b="0" baseline="0" cap="none" i="0" spc="0" strike="noStrike" sz="1800" u="none" kumimoji="0" normalizeH="0">
+          <a:defRPr kumimoji="0" sz="1800" b="0" i="0" u="none" strike="noStrike" cap="none" spc="0" normalizeH="0" baseline="0">
             <a:ln>
               <a:noFill/>
             </a:ln>
@@ -5380,7 +5798,7 @@
           <a:buFontTx/>
           <a:buNone/>
           <a:tabLst/>
-          <a:defRPr b="0" baseline="0" cap="none" i="0" spc="0" strike="noStrike" sz="1800" u="none" kumimoji="0" normalizeH="0">
+          <a:defRPr kumimoji="0" sz="1800" b="0" i="0" u="none" strike="noStrike" cap="none" spc="0" normalizeH="0" baseline="0">
             <a:ln>
               <a:noFill/>
             </a:ln>
@@ -5406,7 +5824,7 @@
           <a:buFontTx/>
           <a:buNone/>
           <a:tabLst/>
-          <a:defRPr b="0" baseline="0" cap="none" i="0" spc="0" strike="noStrike" sz="1800" u="none" kumimoji="0" normalizeH="0">
+          <a:defRPr kumimoji="0" sz="1800" b="0" i="0" u="none" strike="noStrike" cap="none" spc="0" normalizeH="0" baseline="0">
             <a:ln>
               <a:noFill/>
             </a:ln>
@@ -5432,7 +5850,7 @@
           <a:buFontTx/>
           <a:buNone/>
           <a:tabLst/>
-          <a:defRPr b="0" baseline="0" cap="none" i="0" spc="0" strike="noStrike" sz="1800" u="none" kumimoji="0" normalizeH="0">
+          <a:defRPr kumimoji="0" sz="1800" b="0" i="0" u="none" strike="noStrike" cap="none" spc="0" normalizeH="0" baseline="0">
             <a:ln>
               <a:noFill/>
             </a:ln>
@@ -5458,7 +5876,7 @@
           <a:buFontTx/>
           <a:buNone/>
           <a:tabLst/>
-          <a:defRPr b="0" baseline="0" cap="none" i="0" spc="0" strike="noStrike" sz="1800" u="none" kumimoji="0" normalizeH="0">
+          <a:defRPr kumimoji="0" sz="1800" b="0" i="0" u="none" strike="noStrike" cap="none" spc="0" normalizeH="0" baseline="0">
             <a:ln>
               <a:noFill/>
             </a:ln>
@@ -5484,7 +5902,7 @@
           <a:buFontTx/>
           <a:buNone/>
           <a:tabLst/>
-          <a:defRPr b="0" baseline="0" cap="none" i="0" spc="0" strike="noStrike" sz="1800" u="none" kumimoji="0" normalizeH="0">
+          <a:defRPr kumimoji="0" sz="1800" b="0" i="0" u="none" strike="noStrike" cap="none" spc="0" normalizeH="0" baseline="0">
             <a:ln>
               <a:noFill/>
             </a:ln>
@@ -5497,9 +5915,15 @@
         </a:lvl9pPr>
       </a:lstStyle>
       <a:style>
-        <a:lnRef idx="0"/>
-        <a:fillRef idx="0"/>
-        <a:effectRef idx="0"/>
+        <a:lnRef idx="0">
+          <a:scrgbClr r="0" g="0" b="0"/>
+        </a:lnRef>
+        <a:fillRef idx="0">
+          <a:scrgbClr r="0" g="0" b="0"/>
+        </a:fillRef>
+        <a:effectRef idx="0">
+          <a:scrgbClr r="0" g="0" b="0"/>
+        </a:effectRef>
         <a:fontRef idx="none"/>
       </a:style>
     </a:lnDef>
@@ -5513,7 +5937,7 @@
         <a:effectLst/>
         <a:sp3d/>
       </a:spPr>
-      <a:bodyPr rot="0" spcFirstLastPara="1" vertOverflow="overflow" horzOverflow="overflow" vert="horz" wrap="square" lIns="50800" tIns="50800" rIns="50800" bIns="50800" numCol="1" spcCol="38100" rtlCol="0" anchor="ctr" upright="0">
+      <a:bodyPr rot="0" spcFirstLastPara="1" vertOverflow="overflow" horzOverflow="overflow" vert="horz" wrap="square" lIns="50800" tIns="50800" rIns="50800" bIns="50800" numCol="1" spcCol="38100" rtlCol="0" anchor="ctr">
         <a:spAutoFit/>
       </a:bodyPr>
       <a:lstStyle>
@@ -5532,7 +5956,7 @@
           <a:buFontTx/>
           <a:buNone/>
           <a:tabLst/>
-          <a:defRPr b="0" baseline="0" cap="none" i="0" spc="0" strike="noStrike" sz="2400" u="none" kumimoji="0" normalizeH="0">
+          <a:defRPr kumimoji="0" sz="2400" b="0" i="0" u="none" strike="noStrike" cap="none" spc="0" normalizeH="0" baseline="0">
             <a:ln>
               <a:noFill/>
             </a:ln>
@@ -5562,7 +5986,7 @@
           <a:buFontTx/>
           <a:buNone/>
           <a:tabLst/>
-          <a:defRPr b="0" baseline="0" cap="none" i="0" spc="0" strike="noStrike" sz="1800" u="none" kumimoji="0" normalizeH="0">
+          <a:defRPr kumimoji="0" sz="1800" b="0" i="0" u="none" strike="noStrike" cap="none" spc="0" normalizeH="0" baseline="0">
             <a:ln>
               <a:noFill/>
             </a:ln>
@@ -5588,7 +6012,7 @@
           <a:buFontTx/>
           <a:buNone/>
           <a:tabLst/>
-          <a:defRPr b="0" baseline="0" cap="none" i="0" spc="0" strike="noStrike" sz="1800" u="none" kumimoji="0" normalizeH="0">
+          <a:defRPr kumimoji="0" sz="1800" b="0" i="0" u="none" strike="noStrike" cap="none" spc="0" normalizeH="0" baseline="0">
             <a:ln>
               <a:noFill/>
             </a:ln>
@@ -5614,7 +6038,7 @@
           <a:buFontTx/>
           <a:buNone/>
           <a:tabLst/>
-          <a:defRPr b="0" baseline="0" cap="none" i="0" spc="0" strike="noStrike" sz="1800" u="none" kumimoji="0" normalizeH="0">
+          <a:defRPr kumimoji="0" sz="1800" b="0" i="0" u="none" strike="noStrike" cap="none" spc="0" normalizeH="0" baseline="0">
             <a:ln>
               <a:noFill/>
             </a:ln>
@@ -5640,7 +6064,7 @@
           <a:buFontTx/>
           <a:buNone/>
           <a:tabLst/>
-          <a:defRPr b="0" baseline="0" cap="none" i="0" spc="0" strike="noStrike" sz="1800" u="none" kumimoji="0" normalizeH="0">
+          <a:defRPr kumimoji="0" sz="1800" b="0" i="0" u="none" strike="noStrike" cap="none" spc="0" normalizeH="0" baseline="0">
             <a:ln>
               <a:noFill/>
             </a:ln>
@@ -5666,7 +6090,7 @@
           <a:buFontTx/>
           <a:buNone/>
           <a:tabLst/>
-          <a:defRPr b="0" baseline="0" cap="none" i="0" spc="0" strike="noStrike" sz="1800" u="none" kumimoji="0" normalizeH="0">
+          <a:defRPr kumimoji="0" sz="1800" b="0" i="0" u="none" strike="noStrike" cap="none" spc="0" normalizeH="0" baseline="0">
             <a:ln>
               <a:noFill/>
             </a:ln>
@@ -5692,7 +6116,7 @@
           <a:buFontTx/>
           <a:buNone/>
           <a:tabLst/>
-          <a:defRPr b="0" baseline="0" cap="none" i="0" spc="0" strike="noStrike" sz="1800" u="none" kumimoji="0" normalizeH="0">
+          <a:defRPr kumimoji="0" sz="1800" b="0" i="0" u="none" strike="noStrike" cap="none" spc="0" normalizeH="0" baseline="0">
             <a:ln>
               <a:noFill/>
             </a:ln>
@@ -5718,7 +6142,7 @@
           <a:buFontTx/>
           <a:buNone/>
           <a:tabLst/>
-          <a:defRPr b="0" baseline="0" cap="none" i="0" spc="0" strike="noStrike" sz="1800" u="none" kumimoji="0" normalizeH="0">
+          <a:defRPr kumimoji="0" sz="1800" b="0" i="0" u="none" strike="noStrike" cap="none" spc="0" normalizeH="0" baseline="0">
             <a:ln>
               <a:noFill/>
             </a:ln>
@@ -5744,7 +6168,7 @@
           <a:buFontTx/>
           <a:buNone/>
           <a:tabLst/>
-          <a:defRPr b="0" baseline="0" cap="none" i="0" spc="0" strike="noStrike" sz="1800" u="none" kumimoji="0" normalizeH="0">
+          <a:defRPr kumimoji="0" sz="1800" b="0" i="0" u="none" strike="noStrike" cap="none" spc="0" normalizeH="0" baseline="0">
             <a:ln>
               <a:noFill/>
             </a:ln>
@@ -5770,7 +6194,7 @@
           <a:buFontTx/>
           <a:buNone/>
           <a:tabLst/>
-          <a:defRPr b="0" baseline="0" cap="none" i="0" spc="0" strike="noStrike" sz="1800" u="none" kumimoji="0" normalizeH="0">
+          <a:defRPr kumimoji="0" sz="1800" b="0" i="0" u="none" strike="noStrike" cap="none" spc="0" normalizeH="0" baseline="0">
             <a:ln>
               <a:noFill/>
             </a:ln>
@@ -5783,18 +6207,25 @@
         </a:lvl9pPr>
       </a:lstStyle>
       <a:style>
-        <a:lnRef idx="0"/>
-        <a:fillRef idx="0"/>
-        <a:effectRef idx="0"/>
+        <a:lnRef idx="0">
+          <a:scrgbClr r="0" g="0" b="0"/>
+        </a:lnRef>
+        <a:fillRef idx="0">
+          <a:scrgbClr r="0" g="0" b="0"/>
+        </a:fillRef>
+        <a:effectRef idx="0">
+          <a:scrgbClr r="0" g="0" b="0"/>
+        </a:effectRef>
         <a:fontRef idx="none"/>
       </a:style>
     </a:txDef>
   </a:objectDefaults>
+  <a:extraClrSchemeLst/>
 </a:theme>
 </file>
 
 <file path=ppt/theme/theme2.xml><?xml version="1.0" encoding="utf-8"?>
-<a:theme xmlns:a="http://schemas.openxmlformats.org/drawingml/2006/main" xmlns:r="http://schemas.openxmlformats.org/officeDocument/2006/relationships" name="New_Template4">
+<a:theme xmlns:a="http://schemas.openxmlformats.org/drawingml/2006/main" name="New_Template4">
   <a:themeElements>
     <a:clrScheme name="New_Template4">
       <a:dk1>
@@ -5984,8 +6415,8 @@
     <a:spDef>
       <a:spPr>
         <a:blipFill rotWithShape="1">
-          <a:blip r:embed="rId1"/>
-          <a:srcRect l="0" t="0" r="0" b="0"/>
+          <a:blip xmlns:r="http://schemas.openxmlformats.org/officeDocument/2006/relationships" r:embed="rId1"/>
+          <a:srcRect/>
           <a:tile tx="0" ty="0" sx="100000" sy="100000" flip="none" algn="tl"/>
         </a:blipFill>
         <a:ln w="12700" cap="flat">
@@ -5995,7 +6426,7 @@
         <a:effectLst/>
         <a:sp3d/>
       </a:spPr>
-      <a:bodyPr rot="0" spcFirstLastPara="1" vertOverflow="overflow" horzOverflow="overflow" vert="horz" wrap="square" lIns="50800" tIns="50800" rIns="50800" bIns="50800" numCol="1" spcCol="38100" rtlCol="0" anchor="ctr" upright="0">
+      <a:bodyPr rot="0" spcFirstLastPara="1" vertOverflow="overflow" horzOverflow="overflow" vert="horz" wrap="square" lIns="50800" tIns="50800" rIns="50800" bIns="50800" numCol="1" spcCol="38100" rtlCol="0" anchor="ctr">
         <a:spAutoFit/>
       </a:bodyPr>
       <a:lstStyle>
@@ -6014,7 +6445,7 @@
           <a:buFontTx/>
           <a:buNone/>
           <a:tabLst/>
-          <a:defRPr b="0" baseline="0" cap="none" i="0" spc="0" strike="noStrike" sz="3200" u="none" kumimoji="0" normalizeH="0">
+          <a:defRPr kumimoji="0" sz="3200" b="0" i="0" u="none" strike="noStrike" cap="none" spc="0" normalizeH="0" baseline="0">
             <a:ln>
               <a:noFill/>
             </a:ln>
@@ -6022,7 +6453,7 @@
               <a:srgbClr val="FFFFFF"/>
             </a:solidFill>
             <a:effectLst>
-              <a:outerShdw sx="100000" sy="100000" kx="0" ky="0" algn="b" rotWithShape="0" blurRad="25400" dist="33948" dir="2700000">
+              <a:outerShdw blurRad="25400" dist="33948" dir="2700000" rotWithShape="0">
                 <a:srgbClr val="3B3936"/>
               </a:outerShdw>
             </a:effectLst>
@@ -6048,7 +6479,7 @@
           <a:buFontTx/>
           <a:buNone/>
           <a:tabLst/>
-          <a:defRPr b="0" baseline="0" cap="none" i="0" spc="0" strike="noStrike" sz="1800" u="none" kumimoji="0" normalizeH="0">
+          <a:defRPr kumimoji="0" sz="1800" b="0" i="0" u="none" strike="noStrike" cap="none" spc="0" normalizeH="0" baseline="0">
             <a:ln>
               <a:noFill/>
             </a:ln>
@@ -6074,7 +6505,7 @@
           <a:buFontTx/>
           <a:buNone/>
           <a:tabLst/>
-          <a:defRPr b="0" baseline="0" cap="none" i="0" spc="0" strike="noStrike" sz="1800" u="none" kumimoji="0" normalizeH="0">
+          <a:defRPr kumimoji="0" sz="1800" b="0" i="0" u="none" strike="noStrike" cap="none" spc="0" normalizeH="0" baseline="0">
             <a:ln>
               <a:noFill/>
             </a:ln>
@@ -6100,7 +6531,7 @@
           <a:buFontTx/>
           <a:buNone/>
           <a:tabLst/>
-          <a:defRPr b="0" baseline="0" cap="none" i="0" spc="0" strike="noStrike" sz="1800" u="none" kumimoji="0" normalizeH="0">
+          <a:defRPr kumimoji="0" sz="1800" b="0" i="0" u="none" strike="noStrike" cap="none" spc="0" normalizeH="0" baseline="0">
             <a:ln>
               <a:noFill/>
             </a:ln>
@@ -6126,7 +6557,7 @@
           <a:buFontTx/>
           <a:buNone/>
           <a:tabLst/>
-          <a:defRPr b="0" baseline="0" cap="none" i="0" spc="0" strike="noStrike" sz="1800" u="none" kumimoji="0" normalizeH="0">
+          <a:defRPr kumimoji="0" sz="1800" b="0" i="0" u="none" strike="noStrike" cap="none" spc="0" normalizeH="0" baseline="0">
             <a:ln>
               <a:noFill/>
             </a:ln>
@@ -6152,7 +6583,7 @@
           <a:buFontTx/>
           <a:buNone/>
           <a:tabLst/>
-          <a:defRPr b="0" baseline="0" cap="none" i="0" spc="0" strike="noStrike" sz="1800" u="none" kumimoji="0" normalizeH="0">
+          <a:defRPr kumimoji="0" sz="1800" b="0" i="0" u="none" strike="noStrike" cap="none" spc="0" normalizeH="0" baseline="0">
             <a:ln>
               <a:noFill/>
             </a:ln>
@@ -6178,7 +6609,7 @@
           <a:buFontTx/>
           <a:buNone/>
           <a:tabLst/>
-          <a:defRPr b="0" baseline="0" cap="none" i="0" spc="0" strike="noStrike" sz="1800" u="none" kumimoji="0" normalizeH="0">
+          <a:defRPr kumimoji="0" sz="1800" b="0" i="0" u="none" strike="noStrike" cap="none" spc="0" normalizeH="0" baseline="0">
             <a:ln>
               <a:noFill/>
             </a:ln>
@@ -6204,7 +6635,7 @@
           <a:buFontTx/>
           <a:buNone/>
           <a:tabLst/>
-          <a:defRPr b="0" baseline="0" cap="none" i="0" spc="0" strike="noStrike" sz="1800" u="none" kumimoji="0" normalizeH="0">
+          <a:defRPr kumimoji="0" sz="1800" b="0" i="0" u="none" strike="noStrike" cap="none" spc="0" normalizeH="0" baseline="0">
             <a:ln>
               <a:noFill/>
             </a:ln>
@@ -6230,7 +6661,7 @@
           <a:buFontTx/>
           <a:buNone/>
           <a:tabLst/>
-          <a:defRPr b="0" baseline="0" cap="none" i="0" spc="0" strike="noStrike" sz="1800" u="none" kumimoji="0" normalizeH="0">
+          <a:defRPr kumimoji="0" sz="1800" b="0" i="0" u="none" strike="noStrike" cap="none" spc="0" normalizeH="0" baseline="0">
             <a:ln>
               <a:noFill/>
             </a:ln>
@@ -6256,7 +6687,7 @@
           <a:buFontTx/>
           <a:buNone/>
           <a:tabLst/>
-          <a:defRPr b="0" baseline="0" cap="none" i="0" spc="0" strike="noStrike" sz="1800" u="none" kumimoji="0" normalizeH="0">
+          <a:defRPr kumimoji="0" sz="1800" b="0" i="0" u="none" strike="noStrike" cap="none" spc="0" normalizeH="0" baseline="0">
             <a:ln>
               <a:noFill/>
             </a:ln>
@@ -6269,9 +6700,15 @@
         </a:lvl9pPr>
       </a:lstStyle>
       <a:style>
-        <a:lnRef idx="0"/>
-        <a:fillRef idx="0"/>
-        <a:effectRef idx="0"/>
+        <a:lnRef idx="0">
+          <a:scrgbClr r="0" g="0" b="0"/>
+        </a:lnRef>
+        <a:fillRef idx="0">
+          <a:scrgbClr r="0" g="0" b="0"/>
+        </a:fillRef>
+        <a:effectRef idx="0">
+          <a:scrgbClr r="0" g="0" b="0"/>
+        </a:effectRef>
         <a:fontRef idx="none"/>
       </a:style>
     </a:spDef>
@@ -6288,7 +6725,7 @@
         <a:effectLst/>
         <a:sp3d/>
       </a:spPr>
-      <a:bodyPr rot="0" spcFirstLastPara="1" vertOverflow="overflow" horzOverflow="overflow" vert="horz" wrap="square" lIns="91439" tIns="45719" rIns="91439" bIns="45719" numCol="1" spcCol="38100" rtlCol="0" anchor="t" upright="0">
+      <a:bodyPr rot="0" spcFirstLastPara="1" vertOverflow="overflow" horzOverflow="overflow" vert="horz" wrap="square" lIns="91439" tIns="45719" rIns="91439" bIns="45719" numCol="1" spcCol="38100" rtlCol="0" anchor="t">
         <a:noAutofit/>
       </a:bodyPr>
       <a:lstStyle>
@@ -6307,7 +6744,7 @@
           <a:buFontTx/>
           <a:buNone/>
           <a:tabLst/>
-          <a:defRPr b="0" baseline="0" cap="none" i="0" spc="0" strike="noStrike" sz="1800" u="none" kumimoji="0" normalizeH="0">
+          <a:defRPr kumimoji="0" sz="1800" b="0" i="0" u="none" strike="noStrike" cap="none" spc="0" normalizeH="0" baseline="0">
             <a:ln>
               <a:noFill/>
             </a:ln>
@@ -6333,7 +6770,7 @@
           <a:buFontTx/>
           <a:buNone/>
           <a:tabLst/>
-          <a:defRPr b="0" baseline="0" cap="none" i="0" spc="0" strike="noStrike" sz="1800" u="none" kumimoji="0" normalizeH="0">
+          <a:defRPr kumimoji="0" sz="1800" b="0" i="0" u="none" strike="noStrike" cap="none" spc="0" normalizeH="0" baseline="0">
             <a:ln>
               <a:noFill/>
             </a:ln>
@@ -6359,7 +6796,7 @@
           <a:buFontTx/>
           <a:buNone/>
           <a:tabLst/>
-          <a:defRPr b="0" baseline="0" cap="none" i="0" spc="0" strike="noStrike" sz="1800" u="none" kumimoji="0" normalizeH="0">
+          <a:defRPr kumimoji="0" sz="1800" b="0" i="0" u="none" strike="noStrike" cap="none" spc="0" normalizeH="0" baseline="0">
             <a:ln>
               <a:noFill/>
             </a:ln>
@@ -6385,7 +6822,7 @@
           <a:buFontTx/>
           <a:buNone/>
           <a:tabLst/>
-          <a:defRPr b="0" baseline="0" cap="none" i="0" spc="0" strike="noStrike" sz="1800" u="none" kumimoji="0" normalizeH="0">
+          <a:defRPr kumimoji="0" sz="1800" b="0" i="0" u="none" strike="noStrike" cap="none" spc="0" normalizeH="0" baseline="0">
             <a:ln>
               <a:noFill/>
             </a:ln>
@@ -6411,7 +6848,7 @@
           <a:buFontTx/>
           <a:buNone/>
           <a:tabLst/>
-          <a:defRPr b="0" baseline="0" cap="none" i="0" spc="0" strike="noStrike" sz="1800" u="none" kumimoji="0" normalizeH="0">
+          <a:defRPr kumimoji="0" sz="1800" b="0" i="0" u="none" strike="noStrike" cap="none" spc="0" normalizeH="0" baseline="0">
             <a:ln>
               <a:noFill/>
             </a:ln>
@@ -6437,7 +6874,7 @@
           <a:buFontTx/>
           <a:buNone/>
           <a:tabLst/>
-          <a:defRPr b="0" baseline="0" cap="none" i="0" spc="0" strike="noStrike" sz="1800" u="none" kumimoji="0" normalizeH="0">
+          <a:defRPr kumimoji="0" sz="1800" b="0" i="0" u="none" strike="noStrike" cap="none" spc="0" normalizeH="0" baseline="0">
             <a:ln>
               <a:noFill/>
             </a:ln>
@@ -6463,7 +6900,7 @@
           <a:buFontTx/>
           <a:buNone/>
           <a:tabLst/>
-          <a:defRPr b="0" baseline="0" cap="none" i="0" spc="0" strike="noStrike" sz="1800" u="none" kumimoji="0" normalizeH="0">
+          <a:defRPr kumimoji="0" sz="1800" b="0" i="0" u="none" strike="noStrike" cap="none" spc="0" normalizeH="0" baseline="0">
             <a:ln>
               <a:noFill/>
             </a:ln>
@@ -6489,7 +6926,7 @@
           <a:buFontTx/>
           <a:buNone/>
           <a:tabLst/>
-          <a:defRPr b="0" baseline="0" cap="none" i="0" spc="0" strike="noStrike" sz="1800" u="none" kumimoji="0" normalizeH="0">
+          <a:defRPr kumimoji="0" sz="1800" b="0" i="0" u="none" strike="noStrike" cap="none" spc="0" normalizeH="0" baseline="0">
             <a:ln>
               <a:noFill/>
             </a:ln>
@@ -6515,7 +6952,7 @@
           <a:buFontTx/>
           <a:buNone/>
           <a:tabLst/>
-          <a:defRPr b="0" baseline="0" cap="none" i="0" spc="0" strike="noStrike" sz="1800" u="none" kumimoji="0" normalizeH="0">
+          <a:defRPr kumimoji="0" sz="1800" b="0" i="0" u="none" strike="noStrike" cap="none" spc="0" normalizeH="0" baseline="0">
             <a:ln>
               <a:noFill/>
             </a:ln>
@@ -6541,7 +6978,7 @@
           <a:buFontTx/>
           <a:buNone/>
           <a:tabLst/>
-          <a:defRPr b="0" baseline="0" cap="none" i="0" spc="0" strike="noStrike" sz="1800" u="none" kumimoji="0" normalizeH="0">
+          <a:defRPr kumimoji="0" sz="1800" b="0" i="0" u="none" strike="noStrike" cap="none" spc="0" normalizeH="0" baseline="0">
             <a:ln>
               <a:noFill/>
             </a:ln>
@@ -6554,9 +6991,15 @@
         </a:lvl9pPr>
       </a:lstStyle>
       <a:style>
-        <a:lnRef idx="0"/>
-        <a:fillRef idx="0"/>
-        <a:effectRef idx="0"/>
+        <a:lnRef idx="0">
+          <a:scrgbClr r="0" g="0" b="0"/>
+        </a:lnRef>
+        <a:fillRef idx="0">
+          <a:scrgbClr r="0" g="0" b="0"/>
+        </a:fillRef>
+        <a:effectRef idx="0">
+          <a:scrgbClr r="0" g="0" b="0"/>
+        </a:effectRef>
         <a:fontRef idx="none"/>
       </a:style>
     </a:lnDef>
@@ -6570,7 +7013,7 @@
         <a:effectLst/>
         <a:sp3d/>
       </a:spPr>
-      <a:bodyPr rot="0" spcFirstLastPara="1" vertOverflow="overflow" horzOverflow="overflow" vert="horz" wrap="square" lIns="50800" tIns="50800" rIns="50800" bIns="50800" numCol="1" spcCol="38100" rtlCol="0" anchor="ctr" upright="0">
+      <a:bodyPr rot="0" spcFirstLastPara="1" vertOverflow="overflow" horzOverflow="overflow" vert="horz" wrap="square" lIns="50800" tIns="50800" rIns="50800" bIns="50800" numCol="1" spcCol="38100" rtlCol="0" anchor="ctr">
         <a:spAutoFit/>
       </a:bodyPr>
       <a:lstStyle>
@@ -6589,7 +7032,7 @@
           <a:buFontTx/>
           <a:buNone/>
           <a:tabLst/>
-          <a:defRPr b="0" baseline="0" cap="none" i="0" spc="0" strike="noStrike" sz="2400" u="none" kumimoji="0" normalizeH="0">
+          <a:defRPr kumimoji="0" sz="2400" b="0" i="0" u="none" strike="noStrike" cap="none" spc="0" normalizeH="0" baseline="0">
             <a:ln>
               <a:noFill/>
             </a:ln>
@@ -6619,7 +7062,7 @@
           <a:buFontTx/>
           <a:buNone/>
           <a:tabLst/>
-          <a:defRPr b="0" baseline="0" cap="none" i="0" spc="0" strike="noStrike" sz="1800" u="none" kumimoji="0" normalizeH="0">
+          <a:defRPr kumimoji="0" sz="1800" b="0" i="0" u="none" strike="noStrike" cap="none" spc="0" normalizeH="0" baseline="0">
             <a:ln>
               <a:noFill/>
             </a:ln>
@@ -6645,7 +7088,7 @@
           <a:buFontTx/>
           <a:buNone/>
           <a:tabLst/>
-          <a:defRPr b="0" baseline="0" cap="none" i="0" spc="0" strike="noStrike" sz="1800" u="none" kumimoji="0" normalizeH="0">
+          <a:defRPr kumimoji="0" sz="1800" b="0" i="0" u="none" strike="noStrike" cap="none" spc="0" normalizeH="0" baseline="0">
             <a:ln>
               <a:noFill/>
             </a:ln>
@@ -6671,7 +7114,7 @@
           <a:buFontTx/>
           <a:buNone/>
           <a:tabLst/>
-          <a:defRPr b="0" baseline="0" cap="none" i="0" spc="0" strike="noStrike" sz="1800" u="none" kumimoji="0" normalizeH="0">
+          <a:defRPr kumimoji="0" sz="1800" b="0" i="0" u="none" strike="noStrike" cap="none" spc="0" normalizeH="0" baseline="0">
             <a:ln>
               <a:noFill/>
             </a:ln>
@@ -6697,7 +7140,7 @@
           <a:buFontTx/>
           <a:buNone/>
           <a:tabLst/>
-          <a:defRPr b="0" baseline="0" cap="none" i="0" spc="0" strike="noStrike" sz="1800" u="none" kumimoji="0" normalizeH="0">
+          <a:defRPr kumimoji="0" sz="1800" b="0" i="0" u="none" strike="noStrike" cap="none" spc="0" normalizeH="0" baseline="0">
             <a:ln>
               <a:noFill/>
             </a:ln>
@@ -6723,7 +7166,7 @@
           <a:buFontTx/>
           <a:buNone/>
           <a:tabLst/>
-          <a:defRPr b="0" baseline="0" cap="none" i="0" spc="0" strike="noStrike" sz="1800" u="none" kumimoji="0" normalizeH="0">
+          <a:defRPr kumimoji="0" sz="1800" b="0" i="0" u="none" strike="noStrike" cap="none" spc="0" normalizeH="0" baseline="0">
             <a:ln>
               <a:noFill/>
             </a:ln>
@@ -6749,7 +7192,7 @@
           <a:buFontTx/>
           <a:buNone/>
           <a:tabLst/>
-          <a:defRPr b="0" baseline="0" cap="none" i="0" spc="0" strike="noStrike" sz="1800" u="none" kumimoji="0" normalizeH="0">
+          <a:defRPr kumimoji="0" sz="1800" b="0" i="0" u="none" strike="noStrike" cap="none" spc="0" normalizeH="0" baseline="0">
             <a:ln>
               <a:noFill/>
             </a:ln>
@@ -6775,7 +7218,7 @@
           <a:buFontTx/>
           <a:buNone/>
           <a:tabLst/>
-          <a:defRPr b="0" baseline="0" cap="none" i="0" spc="0" strike="noStrike" sz="1800" u="none" kumimoji="0" normalizeH="0">
+          <a:defRPr kumimoji="0" sz="1800" b="0" i="0" u="none" strike="noStrike" cap="none" spc="0" normalizeH="0" baseline="0">
             <a:ln>
               <a:noFill/>
             </a:ln>
@@ -6801,7 +7244,7 @@
           <a:buFontTx/>
           <a:buNone/>
           <a:tabLst/>
-          <a:defRPr b="0" baseline="0" cap="none" i="0" spc="0" strike="noStrike" sz="1800" u="none" kumimoji="0" normalizeH="0">
+          <a:defRPr kumimoji="0" sz="1800" b="0" i="0" u="none" strike="noStrike" cap="none" spc="0" normalizeH="0" baseline="0">
             <a:ln>
               <a:noFill/>
             </a:ln>
@@ -6827,7 +7270,7 @@
           <a:buFontTx/>
           <a:buNone/>
           <a:tabLst/>
-          <a:defRPr b="0" baseline="0" cap="none" i="0" spc="0" strike="noStrike" sz="1800" u="none" kumimoji="0" normalizeH="0">
+          <a:defRPr kumimoji="0" sz="1800" b="0" i="0" u="none" strike="noStrike" cap="none" spc="0" normalizeH="0" baseline="0">
             <a:ln>
               <a:noFill/>
             </a:ln>
@@ -6840,12 +7283,19 @@
         </a:lvl9pPr>
       </a:lstStyle>
       <a:style>
-        <a:lnRef idx="0"/>
-        <a:fillRef idx="0"/>
-        <a:effectRef idx="0"/>
+        <a:lnRef idx="0">
+          <a:scrgbClr r="0" g="0" b="0"/>
+        </a:lnRef>
+        <a:fillRef idx="0">
+          <a:scrgbClr r="0" g="0" b="0"/>
+        </a:fillRef>
+        <a:effectRef idx="0">
+          <a:scrgbClr r="0" g="0" b="0"/>
+        </a:effectRef>
         <a:fontRef idx="none"/>
       </a:style>
     </a:txDef>
   </a:objectDefaults>
+  <a:extraClrSchemeLst/>
 </a:theme>
 </file>
--- a/Team4_PPT_01.pptx
+++ b/Team4_PPT_01.pptx
@@ -5,7 +5,7 @@
     <p:sldMasterId id="2147483648" r:id="rId1"/>
   </p:sldMasterIdLst>
   <p:notesMasterIdLst>
-    <p:notesMasterId r:id="rId12"/>
+    <p:notesMasterId r:id="rId13"/>
   </p:notesMasterIdLst>
   <p:sldIdLst>
     <p:sldId id="256" r:id="rId2"/>
@@ -13,11 +13,12 @@
     <p:sldId id="259" r:id="rId4"/>
     <p:sldId id="264" r:id="rId5"/>
     <p:sldId id="268" r:id="rId6"/>
-    <p:sldId id="265" r:id="rId7"/>
-    <p:sldId id="260" r:id="rId8"/>
-    <p:sldId id="261" r:id="rId9"/>
-    <p:sldId id="267" r:id="rId10"/>
-    <p:sldId id="262" r:id="rId11"/>
+    <p:sldId id="269" r:id="rId7"/>
+    <p:sldId id="265" r:id="rId8"/>
+    <p:sldId id="260" r:id="rId9"/>
+    <p:sldId id="261" r:id="rId10"/>
+    <p:sldId id="267" r:id="rId11"/>
+    <p:sldId id="262" r:id="rId12"/>
   </p:sldIdLst>
   <p:sldSz cx="13004800" cy="9753600"/>
   <p:notesSz cx="6858000" cy="9144000"/>
@@ -319,7 +320,31 @@
       </a:defRPr>
     </a:lvl9pPr>
   </p:defaultTextStyle>
+  <p:extLst>
+    <p:ext uri="{EFAFB233-063F-42B5-8137-9DF3F51BA10A}">
+      <p15:sldGuideLst xmlns:p15="http://schemas.microsoft.com/office/powerpoint/2012/main">
+        <p15:guide id="1" orient="horz" pos="3072">
+          <p15:clr>
+            <a:srgbClr val="A4A3A4"/>
+          </p15:clr>
+        </p15:guide>
+        <p15:guide id="2" pos="4096">
+          <p15:clr>
+            <a:srgbClr val="A4A3A4"/>
+          </p15:clr>
+        </p15:guide>
+      </p15:sldGuideLst>
+    </p:ext>
+  </p:extLst>
 </p:presentation>
+</file>
+
+<file path=ppt/revisionInfo.xml><?xml version="1.0" encoding="utf-8"?>
+<p1510:revInfo xmlns:a="http://schemas.openxmlformats.org/drawingml/2006/main" xmlns:r="http://schemas.openxmlformats.org/officeDocument/2006/relationships" xmlns:p1510="http://schemas.microsoft.com/office/powerpoint/2015/10/main">
+  <p1510:revLst>
+    <p1510:client id="{996C133D-7B88-4245-B702-8A6C7CE2F7BE}" v="38" dt="2019-12-02T01:39:24.085"/>
+  </p1510:revLst>
+</p1510:revInfo>
 </file>
 
 <file path=ppt/notesMasters/notesMaster1.xml><?xml version="1.0" encoding="utf-8"?>
@@ -3799,9 +3824,7 @@
             <p:nvPr/>
           </p:nvPicPr>
           <p:blipFill>
-            <a:blip r:embed="rId2">
-              <a:extLst/>
-            </a:blip>
+            <a:blip r:embed="rId2"/>
             <a:srcRect t="15109" b="15109"/>
             <a:stretch>
               <a:fillRect/>
@@ -3893,6 +3916,199 @@
       </p:grpSpPr>
       <p:sp>
         <p:nvSpPr>
+          <p:cNvPr id="161" name="Conclusion"/>
+          <p:cNvSpPr txBox="1">
+            <a:spLocks noGrp="1"/>
+          </p:cNvSpPr>
+          <p:nvPr>
+            <p:ph type="title"/>
+          </p:nvPr>
+        </p:nvSpPr>
+        <p:spPr>
+          <a:prstGeom prst="rect">
+            <a:avLst/>
+          </a:prstGeom>
+        </p:spPr>
+        <p:txBody>
+          <a:bodyPr/>
+          <a:lstStyle/>
+          <a:p>
+            <a:r>
+              <a:t>Conclusion</a:t>
+            </a:r>
+          </a:p>
+        </p:txBody>
+      </p:sp>
+      <p:sp>
+        <p:nvSpPr>
+          <p:cNvPr id="162" name="Best model has a accuracy of 80% &amp; precision of 70%.…"/>
+          <p:cNvSpPr txBox="1">
+            <a:spLocks noGrp="1"/>
+          </p:cNvSpPr>
+          <p:nvPr>
+            <p:ph type="body" idx="1"/>
+          </p:nvPr>
+        </p:nvSpPr>
+        <p:spPr>
+          <a:prstGeom prst="rect">
+            <a:avLst/>
+          </a:prstGeom>
+        </p:spPr>
+        <p:txBody>
+          <a:bodyPr/>
+          <a:lstStyle/>
+          <a:p>
+            <a:r>
+              <a:rPr dirty="0"/>
+              <a:t>Best model has a accuracy of 80% &amp; precision of 70%.</a:t>
+            </a:r>
+          </a:p>
+          <a:p>
+            <a:r>
+              <a:rPr dirty="0"/>
+              <a:t>Additional variables that would have helped in model prediction:</a:t>
+            </a:r>
+          </a:p>
+          <a:p>
+            <a:r>
+              <a:rPr dirty="0"/>
+              <a:t>Appointment Time</a:t>
+            </a:r>
+          </a:p>
+          <a:p>
+            <a:r>
+              <a:rPr dirty="0"/>
+              <a:t>Type of reminders issued</a:t>
+            </a:r>
+          </a:p>
+          <a:p>
+            <a:r>
+              <a:rPr dirty="0"/>
+              <a:t>Distance between patient’s house to clinic</a:t>
+            </a:r>
+          </a:p>
+        </p:txBody>
+      </p:sp>
+      <p:grpSp>
+        <p:nvGrpSpPr>
+          <p:cNvPr id="165" name="Image Gallery"/>
+          <p:cNvGrpSpPr/>
+          <p:nvPr/>
+        </p:nvGrpSpPr>
+        <p:grpSpPr>
+          <a:xfrm>
+            <a:off x="7790859" y="5109934"/>
+            <a:ext cx="3834004" cy="2436896"/>
+            <a:chOff x="0" y="0"/>
+            <a:chExt cx="3834003" cy="2436895"/>
+          </a:xfrm>
+        </p:grpSpPr>
+        <p:pic>
+          <p:nvPicPr>
+            <p:cNvPr id="163" name="patient-no-show-cost-400x201.jpg" descr="patient-no-show-cost-400x201.jpg"/>
+            <p:cNvPicPr>
+              <a:picLocks noChangeAspect="1"/>
+            </p:cNvPicPr>
+            <p:nvPr/>
+          </p:nvPicPr>
+          <p:blipFill>
+            <a:blip r:embed="rId2"/>
+            <a:srcRect t="1258" b="1258"/>
+            <a:stretch>
+              <a:fillRect/>
+            </a:stretch>
+          </p:blipFill>
+          <p:spPr>
+            <a:xfrm>
+              <a:off x="0" y="0"/>
+              <a:ext cx="3834004" cy="1878096"/>
+            </a:xfrm>
+            <a:prstGeom prst="rect">
+              <a:avLst/>
+            </a:prstGeom>
+            <a:ln w="12700" cap="flat">
+              <a:noFill/>
+              <a:miter lim="400000"/>
+            </a:ln>
+            <a:effectLst/>
+          </p:spPr>
+        </p:pic>
+        <p:sp>
+          <p:nvSpPr>
+            <p:cNvPr id="164" name="Type to enter a caption."/>
+            <p:cNvSpPr/>
+            <p:nvPr/>
+          </p:nvSpPr>
+          <p:spPr>
+            <a:xfrm>
+              <a:off x="0" y="1954295"/>
+              <a:ext cx="3834004" cy="482601"/>
+            </a:xfrm>
+            <a:prstGeom prst="rect">
+              <a:avLst/>
+            </a:prstGeom>
+            <a:noFill/>
+            <a:ln w="12700" cap="flat">
+              <a:noFill/>
+              <a:miter lim="400000"/>
+            </a:ln>
+            <a:effectLst/>
+            <a:extLst>
+              <a:ext uri="{C572A759-6A51-4108-AA02-DFA0A04FC94B}">
+                <ma14:wrappingTextBoxFlag xmlns:ma14="http://schemas.microsoft.com/office/mac/drawingml/2011/main" xmlns:a14="http://schemas.microsoft.com/office/drawing/2010/main" xmlns:m="http://schemas.openxmlformats.org/officeDocument/2006/math" xmlns="" val="1"/>
+              </a:ext>
+            </a:extLst>
+          </p:spPr>
+          <p:txBody>
+            <a:bodyPr wrap="square" lIns="76200" tIns="76200" rIns="76200" bIns="76200" numCol="1" anchor="t">
+              <a:noAutofit/>
+            </a:bodyPr>
+            <a:lstStyle>
+              <a:lvl1pPr>
+                <a:defRPr sz="2000"/>
+              </a:lvl1pPr>
+            </a:lstStyle>
+            <a:p>
+              <a:r>
+                <a:t>Type to enter a caption.</a:t>
+              </a:r>
+            </a:p>
+          </p:txBody>
+        </p:sp>
+      </p:grpSp>
+    </p:spTree>
+    <p:extLst>
+      <p:ext uri="{BB962C8B-B14F-4D97-AF65-F5344CB8AC3E}">
+        <p14:creationId xmlns:p14="http://schemas.microsoft.com/office/powerpoint/2010/main" val="2534794392"/>
+      </p:ext>
+    </p:extLst>
+  </p:cSld>
+  <p:clrMapOvr>
+    <a:masterClrMapping/>
+  </p:clrMapOvr>
+  <p:transition spd="med"/>
+</p:sld>
+</file>
+
+<file path=ppt/slides/slide11.xml><?xml version="1.0" encoding="utf-8"?>
+<p:sld xmlns:a="http://schemas.openxmlformats.org/drawingml/2006/main" xmlns:r="http://schemas.openxmlformats.org/officeDocument/2006/relationships" xmlns:p="http://schemas.openxmlformats.org/presentationml/2006/main">
+  <p:cSld>
+    <p:spTree>
+      <p:nvGrpSpPr>
+        <p:cNvPr id="1" name=""/>
+        <p:cNvGrpSpPr/>
+        <p:nvPr/>
+      </p:nvGrpSpPr>
+      <p:grpSpPr>
+        <a:xfrm>
+          <a:off x="0" y="0"/>
+          <a:ext cx="0" cy="0"/>
+          <a:chOff x="0" y="0"/>
+          <a:chExt cx="0" cy="0"/>
+        </a:xfrm>
+      </p:grpSpPr>
+      <p:sp>
+        <p:nvSpPr>
           <p:cNvPr id="167" name="Conclusion (Contd….)"/>
           <p:cNvSpPr txBox="1">
             <a:spLocks noGrp="1"/>
@@ -3912,10 +4128,9 @@
           <a:p>
             <a:pPr lvl="1"/>
             <a:r>
-              <a:rPr dirty="0" smtClean="0"/>
+              <a:rPr dirty="0"/>
               <a:t>Conclusion</a:t>
             </a:r>
-            <a:endParaRPr dirty="0"/>
           </a:p>
         </p:txBody>
       </p:sp>
@@ -4113,7 +4328,7 @@
               <a:t>Feature </a:t>
             </a:r>
             <a:r>
-              <a:rPr lang="en-US" dirty="0" smtClean="0"/>
+              <a:rPr lang="en-US" dirty="0"/>
               <a:t>Engineering</a:t>
             </a:r>
             <a:endParaRPr dirty="0"/>
@@ -4166,9 +4381,7 @@
             <p:nvPr/>
           </p:nvPicPr>
           <p:blipFill>
-            <a:blip r:embed="rId2">
-              <a:extLst/>
-            </a:blip>
+            <a:blip r:embed="rId2"/>
             <a:srcRect t="743" b="743"/>
             <a:stretch>
               <a:fillRect/>
@@ -4278,7 +4491,7 @@
           <a:lstStyle/>
           <a:p>
             <a:r>
-              <a:rPr lang="en-US" dirty="0" smtClean="0"/>
+              <a:rPr lang="en-US" dirty="0"/>
               <a:t>Analysis Correlations</a:t>
             </a:r>
             <a:endParaRPr dirty="0"/>
@@ -4305,7 +4518,7 @@
           <a:lstStyle/>
           <a:p>
             <a:r>
-              <a:rPr lang="en-US" dirty="0" smtClean="0"/>
+              <a:rPr lang="en-US" dirty="0"/>
               <a:t>Very poor correlations versus label</a:t>
             </a:r>
             <a:endParaRPr dirty="0"/>
@@ -4423,10 +4636,9 @@
           <a:lstStyle/>
           <a:p>
             <a:r>
-              <a:rPr lang="en-US" dirty="0" smtClean="0"/>
+              <a:rPr lang="en-US" dirty="0"/>
               <a:t>Analysis</a:t>
             </a:r>
-            <a:endParaRPr lang="en-US" dirty="0"/>
           </a:p>
         </p:txBody>
       </p:sp>
@@ -4496,16 +4708,21 @@
           <a:lstStyle/>
           <a:p>
             <a:r>
-              <a:rPr lang="en-US" dirty="0" smtClean="0"/>
+              <a:rPr lang="en-US" dirty="0"/>
               <a:t>Model Selection</a:t>
             </a:r>
-            <a:endParaRPr lang="en-US" dirty="0"/>
-          </a:p>
-        </p:txBody>
-      </p:sp>
-      <p:sp>
-        <p:nvSpPr>
-          <p:cNvPr id="3" name="Text Placeholder 2"/>
+          </a:p>
+        </p:txBody>
+      </p:sp>
+      <p:sp>
+        <p:nvSpPr>
+          <p:cNvPr id="5" name="Text Placeholder 4">
+            <a:extLst>
+              <a:ext uri="{FF2B5EF4-FFF2-40B4-BE49-F238E27FC236}">
+                <a16:creationId xmlns:a16="http://schemas.microsoft.com/office/drawing/2014/main" id="{43EB0AD5-CC77-47D5-90FE-336430362165}"/>
+              </a:ext>
+            </a:extLst>
+          </p:cNvPr>
           <p:cNvSpPr>
             <a:spLocks noGrp="1"/>
           </p:cNvSpPr>
@@ -4515,108 +4732,47 @@
         </p:nvSpPr>
         <p:spPr/>
         <p:txBody>
-          <a:bodyPr>
-            <a:normAutofit fontScale="70000" lnSpcReduction="20000"/>
-          </a:bodyPr>
+          <a:bodyPr/>
           <a:lstStyle/>
           <a:p>
-            <a:r>
-              <a:rPr lang="en-US" dirty="0"/>
-              <a:t>Individual models - </a:t>
-            </a:r>
-            <a:r>
-              <a:rPr lang="en-US" sz="2600" dirty="0"/>
-              <a:t>LOG,DTC,RFC,KNN,XGB,</a:t>
-            </a:r>
-            <a:r>
-              <a:rPr lang="en-US" sz="2800" dirty="0"/>
-              <a:t> SGD,SVC</a:t>
-            </a:r>
-            <a:endParaRPr lang="en-US" sz="2600" dirty="0"/>
-          </a:p>
-          <a:p>
-            <a:pPr lvl="1"/>
-            <a:r>
-              <a:rPr lang="en-US" dirty="0"/>
-              <a:t>Best individual model - RFC</a:t>
-            </a:r>
-          </a:p>
-          <a:p>
-            <a:pPr lvl="2"/>
-            <a:r>
-              <a:rPr lang="en-US" dirty="0"/>
-              <a:t>Accuracy: 0.8</a:t>
-            </a:r>
-          </a:p>
-          <a:p>
-            <a:pPr lvl="2"/>
-            <a:r>
-              <a:rPr lang="en-US" b="1" dirty="0"/>
-              <a:t>Precision</a:t>
-            </a:r>
-            <a:r>
-              <a:rPr lang="en-US" dirty="0"/>
-              <a:t>:  0.5</a:t>
-            </a:r>
-          </a:p>
-          <a:p>
-            <a:pPr lvl="2"/>
-            <a:r>
-              <a:rPr lang="en-US" dirty="0"/>
-              <a:t>Recall:  0.02</a:t>
-            </a:r>
-          </a:p>
-          <a:p>
-            <a:r>
-              <a:rPr lang="en-US" dirty="0"/>
-              <a:t>Best model - </a:t>
-            </a:r>
-            <a:r>
-              <a:rPr lang="en-US" sz="2800" dirty="0"/>
-              <a:t>Voting Classifier (LOG, KNN,XGB,RFC)</a:t>
-            </a:r>
-          </a:p>
-          <a:p>
-            <a:pPr lvl="1"/>
-            <a:r>
-              <a:rPr lang="en-US" dirty="0"/>
-              <a:t>Scores</a:t>
-            </a:r>
-          </a:p>
-          <a:p>
-            <a:pPr lvl="2"/>
-            <a:r>
-              <a:rPr lang="en-US" dirty="0"/>
-              <a:t>Accuracy: 0.8</a:t>
-            </a:r>
-          </a:p>
-          <a:p>
-            <a:pPr lvl="2"/>
-            <a:r>
-              <a:rPr lang="en-US" b="1" dirty="0"/>
-              <a:t>Precision</a:t>
-            </a:r>
-            <a:r>
-              <a:rPr lang="en-US" dirty="0"/>
-              <a:t>:  0.7</a:t>
-            </a:r>
-          </a:p>
-          <a:p>
-            <a:pPr lvl="2"/>
-            <a:r>
-              <a:rPr lang="en-US" dirty="0"/>
-              <a:t>Recall:  0.3</a:t>
-            </a:r>
-          </a:p>
-          <a:p>
-            <a:endParaRPr lang="en-US" dirty="0"/>
-          </a:p>
-        </p:txBody>
-      </p:sp>
+            <a:endParaRPr lang="en-US"/>
+          </a:p>
+        </p:txBody>
+      </p:sp>
+      <p:pic>
+        <p:nvPicPr>
+          <p:cNvPr id="6" name="Picture 6" descr="A screenshot of a cell phone&#10;&#10;Description generated with high confidence">
+            <a:extLst>
+              <a:ext uri="{FF2B5EF4-FFF2-40B4-BE49-F238E27FC236}">
+                <a16:creationId xmlns:a16="http://schemas.microsoft.com/office/drawing/2014/main" id="{BDC737AB-EAC6-4491-93F2-78DB69C37BD8}"/>
+              </a:ext>
+            </a:extLst>
+          </p:cNvPr>
+          <p:cNvPicPr>
+            <a:picLocks noChangeAspect="1"/>
+          </p:cNvPicPr>
+          <p:nvPr/>
+        </p:nvPicPr>
+        <p:blipFill>
+          <a:blip r:embed="rId2"/>
+          <a:stretch>
+            <a:fillRect/>
+          </a:stretch>
+        </p:blipFill>
+        <p:spPr>
+          <a:xfrm>
+            <a:off x="319303" y="2917110"/>
+            <a:ext cx="12374112" cy="4982361"/>
+          </a:xfrm>
+          <a:prstGeom prst="rect">
+            <a:avLst/>
+          </a:prstGeom>
+        </p:spPr>
+      </p:pic>
     </p:spTree>
     <p:extLst>
       <p:ext uri="{BB962C8B-B14F-4D97-AF65-F5344CB8AC3E}">
-        <p14:creationId xmlns:p14="http://schemas.microsoft.com/office/powerpoint/2010/main" val="2683268282"/>
+        <p14:creationId xmlns:p14="http://schemas.microsoft.com/office/powerpoint/2010/main" val="592215413"/>
       </p:ext>
     </p:extLst>
   </p:cSld>
@@ -4646,142 +4802,146 @@
       </p:grpSpPr>
       <p:sp>
         <p:nvSpPr>
-          <p:cNvPr id="155" name="Current Model"/>
-          <p:cNvSpPr txBox="1">
+          <p:cNvPr id="2" name="Title 1"/>
+          <p:cNvSpPr>
             <a:spLocks noGrp="1"/>
           </p:cNvSpPr>
           <p:nvPr>
             <p:ph type="title"/>
           </p:nvPr>
         </p:nvSpPr>
-        <p:spPr>
-          <a:prstGeom prst="rect">
-            <a:avLst/>
-          </a:prstGeom>
-        </p:spPr>
+        <p:spPr/>
         <p:txBody>
           <a:bodyPr/>
           <a:lstStyle/>
           <a:p>
             <a:r>
-              <a:t>Current Model</a:t>
-            </a:r>
-          </a:p>
-        </p:txBody>
-      </p:sp>
-      <p:sp>
-        <p:nvSpPr>
-          <p:cNvPr id="156" name="Body"/>
-          <p:cNvSpPr txBox="1">
+              <a:rPr lang="en-US" dirty="0"/>
+              <a:t>Model Selection</a:t>
+            </a:r>
+          </a:p>
+        </p:txBody>
+      </p:sp>
+      <p:sp>
+        <p:nvSpPr>
+          <p:cNvPr id="3" name="Text Placeholder 2"/>
+          <p:cNvSpPr>
             <a:spLocks noGrp="1"/>
           </p:cNvSpPr>
           <p:nvPr>
             <p:ph type="body" idx="1"/>
           </p:nvPr>
         </p:nvSpPr>
-        <p:spPr>
-          <a:prstGeom prst="rect">
-            <a:avLst/>
-          </a:prstGeom>
-        </p:spPr>
-        <p:txBody>
-          <a:bodyPr/>
+        <p:spPr/>
+        <p:txBody>
+          <a:bodyPr>
+            <a:normAutofit fontScale="70000" lnSpcReduction="20000"/>
+          </a:bodyPr>
           <a:lstStyle/>
           <a:p>
-            <a:endParaRPr/>
-          </a:p>
-        </p:txBody>
-      </p:sp>
-      <p:grpSp>
-        <p:nvGrpSpPr>
-          <p:cNvPr id="159" name="Image Gallery"/>
-          <p:cNvGrpSpPr/>
-          <p:nvPr/>
-        </p:nvGrpSpPr>
-        <p:grpSpPr>
-          <a:xfrm>
-            <a:off x="773034" y="3068994"/>
-            <a:ext cx="8862173" cy="6172201"/>
-            <a:chOff x="0" y="0"/>
-            <a:chExt cx="8862171" cy="6172200"/>
-          </a:xfrm>
-        </p:grpSpPr>
-        <p:pic>
-          <p:nvPicPr>
-            <p:cNvPr id="157" name="Screen Shot 2019-12-01 at 10.42.22 AM.png" descr="Screen Shot 2019-12-01 at 10.42.22 AM.png"/>
-            <p:cNvPicPr>
-              <a:picLocks noChangeAspect="1"/>
-            </p:cNvPicPr>
-            <p:nvPr/>
-          </p:nvPicPr>
-          <p:blipFill>
-            <a:blip r:embed="rId2">
-              <a:extLst/>
-            </a:blip>
-            <a:srcRect t="3745" b="3745"/>
-            <a:stretch>
-              <a:fillRect/>
-            </a:stretch>
-          </p:blipFill>
-          <p:spPr>
-            <a:xfrm>
-              <a:off x="0" y="0"/>
-              <a:ext cx="8862172" cy="5613401"/>
-            </a:xfrm>
-            <a:prstGeom prst="rect">
-              <a:avLst/>
-            </a:prstGeom>
-            <a:ln w="12700" cap="flat">
-              <a:noFill/>
-              <a:miter lim="400000"/>
-            </a:ln>
-            <a:effectLst/>
-          </p:spPr>
-        </p:pic>
-        <p:sp>
-          <p:nvSpPr>
-            <p:cNvPr id="158" name="Type to enter a caption."/>
-            <p:cNvSpPr/>
-            <p:nvPr/>
-          </p:nvSpPr>
-          <p:spPr>
-            <a:xfrm>
-              <a:off x="0" y="5689600"/>
-              <a:ext cx="8862172" cy="482601"/>
-            </a:xfrm>
-            <a:prstGeom prst="rect">
-              <a:avLst/>
-            </a:prstGeom>
-            <a:noFill/>
-            <a:ln w="12700" cap="flat">
-              <a:noFill/>
-              <a:miter lim="400000"/>
-            </a:ln>
-            <a:effectLst/>
-            <a:extLst>
-              <a:ext uri="{C572A759-6A51-4108-AA02-DFA0A04FC94B}">
-                <ma14:wrappingTextBoxFlag xmlns:ma14="http://schemas.microsoft.com/office/mac/drawingml/2011/main" xmlns:a14="http://schemas.microsoft.com/office/drawing/2010/main" xmlns:m="http://schemas.openxmlformats.org/officeDocument/2006/math" xmlns="" val="1"/>
-              </a:ext>
-            </a:extLst>
-          </p:spPr>
-          <p:txBody>
-            <a:bodyPr wrap="square" lIns="76200" tIns="76200" rIns="76200" bIns="76200" numCol="1" anchor="t">
-              <a:noAutofit/>
-            </a:bodyPr>
-            <a:lstStyle>
-              <a:lvl1pPr>
-                <a:defRPr sz="2000"/>
-              </a:lvl1pPr>
-            </a:lstStyle>
-            <a:p>
-              <a:r>
-                <a:t>Type to enter a caption.</a:t>
-              </a:r>
-            </a:p>
-          </p:txBody>
-        </p:sp>
-      </p:grpSp>
+            <a:r>
+              <a:rPr lang="en-US" dirty="0"/>
+              <a:t>Individual models - </a:t>
+            </a:r>
+            <a:r>
+              <a:rPr lang="en-US" sz="2600" dirty="0"/>
+              <a:t>LOG,DTC,RFC,KNN,XGB,</a:t>
+            </a:r>
+            <a:r>
+              <a:rPr lang="en-US" sz="2800" dirty="0"/>
+              <a:t> SGD,SVC</a:t>
+            </a:r>
+            <a:endParaRPr lang="en-US" sz="2600" dirty="0"/>
+          </a:p>
+          <a:p>
+            <a:pPr lvl="1"/>
+            <a:r>
+              <a:rPr lang="en-US" dirty="0"/>
+              <a:t>Best individual model - </a:t>
+            </a:r>
+            <a:r>
+              <a:rPr lang="en-US" dirty="0" err="1"/>
+              <a:t>XGBoost</a:t>
+            </a:r>
+          </a:p>
+          <a:p>
+            <a:pPr lvl="2"/>
+            <a:r>
+              <a:rPr lang="en-US" dirty="0"/>
+              <a:t>Accuracy: 0.80</a:t>
+            </a:r>
+          </a:p>
+          <a:p>
+            <a:pPr lvl="2"/>
+            <a:r>
+              <a:rPr lang="en-US" b="1" dirty="0"/>
+              <a:t>Precision</a:t>
+            </a:r>
+            <a:r>
+              <a:rPr lang="en-US" dirty="0"/>
+              <a:t>:  0.61</a:t>
+            </a:r>
+          </a:p>
+          <a:p>
+            <a:pPr lvl="2"/>
+            <a:r>
+              <a:rPr lang="en-US" dirty="0"/>
+              <a:t>Recall:  0.02</a:t>
+            </a:r>
+          </a:p>
+          <a:p>
+            <a:r>
+              <a:rPr lang="en-US" dirty="0"/>
+              <a:t>Best model - </a:t>
+            </a:r>
+            <a:r>
+              <a:rPr lang="en-US" sz="2800" dirty="0"/>
+              <a:t>Voting Classifier (LOG, KNN,XGB,RFC)</a:t>
+            </a:r>
+          </a:p>
+          <a:p>
+            <a:pPr lvl="1"/>
+            <a:r>
+              <a:rPr lang="en-US" dirty="0"/>
+              <a:t>Scores</a:t>
+            </a:r>
+          </a:p>
+          <a:p>
+            <a:pPr lvl="2"/>
+            <a:r>
+              <a:rPr lang="en-US" dirty="0"/>
+              <a:t>Accuracy: 0.80</a:t>
+            </a:r>
+          </a:p>
+          <a:p>
+            <a:pPr lvl="2"/>
+            <a:r>
+              <a:rPr lang="en-US" b="1" dirty="0"/>
+              <a:t>Precision</a:t>
+            </a:r>
+            <a:r>
+              <a:rPr lang="en-US" dirty="0"/>
+              <a:t>:  0.75</a:t>
+            </a:r>
+          </a:p>
+          <a:p>
+            <a:pPr lvl="2"/>
+            <a:r>
+              <a:rPr lang="en-US" dirty="0"/>
+              <a:t>Recall:  0.01</a:t>
+            </a:r>
+          </a:p>
+          <a:p>
+            <a:endParaRPr lang="en-US" dirty="0"/>
+          </a:p>
+        </p:txBody>
+      </p:sp>
     </p:spTree>
+    <p:extLst>
+      <p:ext uri="{BB962C8B-B14F-4D97-AF65-F5344CB8AC3E}">
+        <p14:creationId xmlns:p14="http://schemas.microsoft.com/office/powerpoint/2010/main" val="2683268282"/>
+      </p:ext>
+    </p:extLst>
   </p:cSld>
   <p:clrMapOvr>
     <a:masterClrMapping/>
@@ -4809,7 +4969,7 @@
       </p:grpSpPr>
       <p:sp>
         <p:nvSpPr>
-          <p:cNvPr id="161" name="Conclusion"/>
+          <p:cNvPr id="155" name="Current Model"/>
           <p:cNvSpPr txBox="1">
             <a:spLocks noGrp="1"/>
           </p:cNvSpPr>
@@ -4827,16 +4987,14 @@
           <a:lstStyle/>
           <a:p>
             <a:r>
-              <a:rPr lang="en-US" dirty="0" smtClean="0"/>
-              <a:t>Implementation</a:t>
-            </a:r>
-            <a:endParaRPr dirty="0"/>
-          </a:p>
-        </p:txBody>
-      </p:sp>
-      <p:sp>
-        <p:nvSpPr>
-          <p:cNvPr id="162" name="Best model has a accuracy of 80% &amp; precision of 70%.…"/>
+              <a:t>Current Model</a:t>
+            </a:r>
+          </a:p>
+        </p:txBody>
+      </p:sp>
+      <p:sp>
+        <p:nvSpPr>
+          <p:cNvPr id="156" name="Body"/>
           <p:cNvSpPr txBox="1">
             <a:spLocks noGrp="1"/>
           </p:cNvSpPr>
@@ -4853,97 +5011,40 @@
           <a:bodyPr/>
           <a:lstStyle/>
           <a:p>
-            <a:r>
-              <a:rPr lang="en-US" dirty="0" smtClean="0"/>
-              <a:t>Send extra reminders to the predicted no shows.</a:t>
-            </a:r>
-          </a:p>
-          <a:p>
-            <a:pPr marL="0" indent="0">
-              <a:buNone/>
-            </a:pPr>
-            <a:r>
-              <a:rPr lang="en-US" b="1" dirty="0" smtClean="0"/>
-              <a:t>Potential Savings</a:t>
-            </a:r>
-          </a:p>
-          <a:p>
-            <a:r>
-              <a:rPr lang="en-US" dirty="0" smtClean="0"/>
-              <a:t>Every 2 months the model predicts </a:t>
-            </a:r>
-            <a:r>
-              <a:rPr lang="en-US" dirty="0" smtClean="0">
-                <a:solidFill>
-                  <a:srgbClr val="00B0F0"/>
-                </a:solidFill>
-              </a:rPr>
-              <a:t>150</a:t>
-            </a:r>
-            <a:r>
-              <a:rPr lang="en-US" dirty="0" smtClean="0"/>
-              <a:t> no shows</a:t>
-            </a:r>
-          </a:p>
-          <a:p>
-            <a:r>
-              <a:rPr lang="en-US" dirty="0" smtClean="0"/>
-              <a:t>Assume $</a:t>
-            </a:r>
-            <a:r>
-              <a:rPr lang="en-US" dirty="0" smtClean="0">
-                <a:solidFill>
-                  <a:srgbClr val="00B050"/>
-                </a:solidFill>
-              </a:rPr>
-              <a:t>50 </a:t>
-            </a:r>
-            <a:r>
-              <a:rPr lang="en-US" dirty="0" smtClean="0"/>
-              <a:t>per visit</a:t>
-            </a:r>
-          </a:p>
-          <a:p>
-            <a:r>
-              <a:rPr lang="en-US" dirty="0" smtClean="0"/>
-              <a:t>These extra reminders could save up to </a:t>
-            </a:r>
-            <a:r>
-              <a:rPr lang="en-US" dirty="0" smtClean="0">
-                <a:solidFill>
-                  <a:srgbClr val="00B0F0"/>
-                </a:solidFill>
-              </a:rPr>
-              <a:t>150</a:t>
-            </a:r>
-            <a:r>
-              <a:rPr lang="en-US" dirty="0" smtClean="0"/>
-              <a:t>*</a:t>
-            </a:r>
-            <a:r>
-              <a:rPr lang="en-US" dirty="0" smtClean="0">
-                <a:solidFill>
-                  <a:srgbClr val="00B050"/>
-                </a:solidFill>
-              </a:rPr>
-              <a:t>50</a:t>
-            </a:r>
-            <a:r>
-              <a:rPr lang="en-US" dirty="0" smtClean="0"/>
-              <a:t> = </a:t>
-            </a:r>
-            <a:r>
-              <a:rPr lang="en-US" b="1" dirty="0" smtClean="0"/>
-              <a:t>$7500 </a:t>
-            </a:r>
-            <a:r>
-              <a:rPr lang="en-US" dirty="0" smtClean="0"/>
-              <a:t>per quarter</a:t>
-            </a:r>
-            <a:endParaRPr b="1" dirty="0"/>
-          </a:p>
-        </p:txBody>
-      </p:sp>
+            <a:endParaRPr/>
+          </a:p>
+        </p:txBody>
+      </p:sp>
+      <p:pic>
+        <p:nvPicPr>
+          <p:cNvPr id="2" name="Picture 2" descr="A screenshot of a cell phone&#10;&#10;Description generated with very high confidence">
+            <a:extLst>
+              <a:ext uri="{FF2B5EF4-FFF2-40B4-BE49-F238E27FC236}">
+                <a16:creationId xmlns:a16="http://schemas.microsoft.com/office/drawing/2014/main" id="{2D87B5F1-6CDE-4652-B58D-E3EDF17D9CA2}"/>
+              </a:ext>
+            </a:extLst>
+          </p:cNvPr>
+          <p:cNvPicPr>
+            <a:picLocks noChangeAspect="1"/>
+          </p:cNvPicPr>
+          <p:nvPr/>
+        </p:nvPicPr>
+        <p:blipFill>
+          <a:blip r:embed="rId2"/>
+          <a:stretch>
+            <a:fillRect/>
+          </a:stretch>
+        </p:blipFill>
+        <p:spPr>
+          <a:xfrm>
+            <a:off x="1236446" y="2437152"/>
+            <a:ext cx="8734405" cy="6310606"/>
+          </a:xfrm>
+          <a:prstGeom prst="rect">
+            <a:avLst/>
+          </a:prstGeom>
+        </p:spPr>
+      </p:pic>
     </p:spTree>
   </p:cSld>
   <p:clrMapOvr>
@@ -4990,8 +5091,10 @@
           <a:lstStyle/>
           <a:p>
             <a:r>
-              <a:t>Conclusion</a:t>
-            </a:r>
+              <a:rPr lang="en-US" dirty="0"/>
+              <a:t>Implementation</a:t>
+            </a:r>
+            <a:endParaRPr dirty="0"/>
           </a:p>
         </p:txBody>
       </p:sp>
@@ -5015,131 +5118,97 @@
           <a:lstStyle/>
           <a:p>
             <a:r>
-              <a:rPr dirty="0"/>
-              <a:t>Best model has a accuracy of 80% &amp; precision of 70%.</a:t>
-            </a:r>
-          </a:p>
-          <a:p>
-            <a:r>
-              <a:rPr dirty="0"/>
-              <a:t>Additional variables that would have helped in model prediction:</a:t>
-            </a:r>
-          </a:p>
-          <a:p>
-            <a:r>
-              <a:rPr dirty="0"/>
-              <a:t>Appointment Time</a:t>
-            </a:r>
-          </a:p>
-          <a:p>
-            <a:r>
-              <a:rPr dirty="0"/>
-              <a:t>Type of reminders issued</a:t>
-            </a:r>
-          </a:p>
-          <a:p>
-            <a:r>
-              <a:rPr dirty="0"/>
-              <a:t>Distance between patient’s house to clinic</a:t>
-            </a:r>
-          </a:p>
-        </p:txBody>
-      </p:sp>
-      <p:grpSp>
-        <p:nvGrpSpPr>
-          <p:cNvPr id="165" name="Image Gallery"/>
-          <p:cNvGrpSpPr/>
-          <p:nvPr/>
-        </p:nvGrpSpPr>
-        <p:grpSpPr>
-          <a:xfrm>
-            <a:off x="7790859" y="5109934"/>
-            <a:ext cx="3834004" cy="2436896"/>
-            <a:chOff x="0" y="0"/>
-            <a:chExt cx="3834003" cy="2436895"/>
-          </a:xfrm>
-        </p:grpSpPr>
-        <p:pic>
-          <p:nvPicPr>
-            <p:cNvPr id="163" name="patient-no-show-cost-400x201.jpg" descr="patient-no-show-cost-400x201.jpg"/>
-            <p:cNvPicPr>
-              <a:picLocks noChangeAspect="1"/>
-            </p:cNvPicPr>
-            <p:nvPr/>
-          </p:nvPicPr>
-          <p:blipFill>
-            <a:blip r:embed="rId2">
-              <a:extLst/>
-            </a:blip>
-            <a:srcRect t="1258" b="1258"/>
-            <a:stretch>
-              <a:fillRect/>
-            </a:stretch>
-          </p:blipFill>
-          <p:spPr>
-            <a:xfrm>
-              <a:off x="0" y="0"/>
-              <a:ext cx="3834004" cy="1878096"/>
-            </a:xfrm>
-            <a:prstGeom prst="rect">
-              <a:avLst/>
-            </a:prstGeom>
-            <a:ln w="12700" cap="flat">
-              <a:noFill/>
-              <a:miter lim="400000"/>
-            </a:ln>
-            <a:effectLst/>
-          </p:spPr>
-        </p:pic>
-        <p:sp>
-          <p:nvSpPr>
-            <p:cNvPr id="164" name="Type to enter a caption."/>
-            <p:cNvSpPr/>
-            <p:nvPr/>
-          </p:nvSpPr>
-          <p:spPr>
-            <a:xfrm>
-              <a:off x="0" y="1954295"/>
-              <a:ext cx="3834004" cy="482601"/>
-            </a:xfrm>
-            <a:prstGeom prst="rect">
-              <a:avLst/>
-            </a:prstGeom>
-            <a:noFill/>
-            <a:ln w="12700" cap="flat">
-              <a:noFill/>
-              <a:miter lim="400000"/>
-            </a:ln>
-            <a:effectLst/>
-            <a:extLst>
-              <a:ext uri="{C572A759-6A51-4108-AA02-DFA0A04FC94B}">
-                <ma14:wrappingTextBoxFlag xmlns:ma14="http://schemas.microsoft.com/office/mac/drawingml/2011/main" xmlns:a14="http://schemas.microsoft.com/office/drawing/2010/main" xmlns:m="http://schemas.openxmlformats.org/officeDocument/2006/math" xmlns="" val="1"/>
-              </a:ext>
-            </a:extLst>
-          </p:spPr>
-          <p:txBody>
-            <a:bodyPr wrap="square" lIns="76200" tIns="76200" rIns="76200" bIns="76200" numCol="1" anchor="t">
-              <a:noAutofit/>
-            </a:bodyPr>
-            <a:lstStyle>
-              <a:lvl1pPr>
-                <a:defRPr sz="2000"/>
-              </a:lvl1pPr>
-            </a:lstStyle>
-            <a:p>
-              <a:r>
-                <a:t>Type to enter a caption.</a:t>
-              </a:r>
-            </a:p>
-          </p:txBody>
-        </p:sp>
-      </p:grpSp>
+              <a:rPr lang="en-US" dirty="0"/>
+              <a:t>Send extra reminders to the predicted no shows.</a:t>
+            </a:r>
+          </a:p>
+          <a:p>
+            <a:pPr marL="0" indent="0">
+              <a:buNone/>
+            </a:pPr>
+            <a:r>
+              <a:rPr lang="en-US" b="1" dirty="0"/>
+              <a:t>Potential Savings</a:t>
+            </a:r>
+          </a:p>
+          <a:p>
+            <a:r>
+              <a:rPr lang="en-US" dirty="0"/>
+              <a:t>Every 2 months the model predicts </a:t>
+            </a:r>
+            <a:r>
+              <a:rPr lang="en-US" dirty="0">
+                <a:solidFill>
+                  <a:srgbClr val="00B0F0"/>
+                </a:solidFill>
+              </a:rPr>
+              <a:t>150</a:t>
+            </a:r>
+            <a:r>
+              <a:rPr lang="en-US" dirty="0"/>
+              <a:t> no shows</a:t>
+            </a:r>
+          </a:p>
+          <a:p>
+            <a:r>
+              <a:rPr lang="en-US" dirty="0"/>
+              <a:t>Assume $</a:t>
+            </a:r>
+            <a:r>
+              <a:rPr lang="en-US" dirty="0">
+                <a:solidFill>
+                  <a:srgbClr val="00B050"/>
+                </a:solidFill>
+              </a:rPr>
+              <a:t>50 </a:t>
+            </a:r>
+            <a:r>
+              <a:rPr lang="en-US" dirty="0"/>
+              <a:t>per visit</a:t>
+            </a:r>
+          </a:p>
+          <a:p>
+            <a:r>
+              <a:rPr lang="en-US" dirty="0"/>
+              <a:t>These extra reminders could save up to </a:t>
+            </a:r>
+            <a:r>
+              <a:rPr lang="en-US" dirty="0">
+                <a:solidFill>
+                  <a:srgbClr val="00B0F0"/>
+                </a:solidFill>
+              </a:rPr>
+              <a:t>150</a:t>
+            </a:r>
+            <a:r>
+              <a:rPr lang="en-US" dirty="0"/>
+              <a:t>*</a:t>
+            </a:r>
+            <a:r>
+              <a:rPr lang="en-US" dirty="0">
+                <a:solidFill>
+                  <a:srgbClr val="00B050"/>
+                </a:solidFill>
+              </a:rPr>
+              <a:t>50</a:t>
+            </a:r>
+            <a:r>
+              <a:rPr lang="en-US" dirty="0"/>
+              <a:t> = </a:t>
+            </a:r>
+            <a:r>
+              <a:rPr lang="en-US" b="1" dirty="0"/>
+              <a:t>$7500 </a:t>
+            </a:r>
+            <a:r>
+              <a:rPr lang="en-US" dirty="0"/>
+              <a:t>per quarter</a:t>
+            </a:r>
+            <a:endParaRPr b="1" dirty="0"/>
+          </a:p>
+        </p:txBody>
+      </p:sp>
     </p:spTree>
-    <p:extLst>
-      <p:ext uri="{BB962C8B-B14F-4D97-AF65-F5344CB8AC3E}">
-        <p14:creationId xmlns:p14="http://schemas.microsoft.com/office/powerpoint/2010/main" val="2534794392"/>
-      </p:ext>
-    </p:extLst>
   </p:cSld>
   <p:clrMapOvr>
     <a:masterClrMapping/>

--- a/Team4_PPT_01.pptx
+++ b/Team4_PPT_01.pptx
@@ -1,24 +1,24 @@
 
 <file path=ppt/presentation.xml><?xml version="1.0" encoding="utf-8"?>
-<p:presentation xmlns:a="http://schemas.openxmlformats.org/drawingml/2006/main" xmlns:r="http://schemas.openxmlformats.org/officeDocument/2006/relationships" xmlns:p="http://schemas.openxmlformats.org/presentationml/2006/main">
+<p:presentation xmlns:a="http://schemas.openxmlformats.org/drawingml/2006/main" xmlns:r="http://schemas.openxmlformats.org/officeDocument/2006/relationships" xmlns:p="http://schemas.openxmlformats.org/presentationml/2006/main" xmlns:m="http://schemas.openxmlformats.org/officeDocument/2006/math" xmlns:a14="http://schemas.microsoft.com/office/drawing/2010/main">
   <p:sldMasterIdLst>
-    <p:sldMasterId id="2147483648" r:id="rId1"/>
+    <p:sldMasterId id="2147483648" r:id="rId5"/>
   </p:sldMasterIdLst>
   <p:notesMasterIdLst>
-    <p:notesMasterId r:id="rId13"/>
+    <p:notesMasterId r:id="rId7"/>
   </p:notesMasterIdLst>
   <p:sldIdLst>
-    <p:sldId id="256" r:id="rId2"/>
-    <p:sldId id="257" r:id="rId3"/>
-    <p:sldId id="259" r:id="rId4"/>
-    <p:sldId id="264" r:id="rId5"/>
-    <p:sldId id="268" r:id="rId6"/>
-    <p:sldId id="269" r:id="rId7"/>
-    <p:sldId id="265" r:id="rId8"/>
-    <p:sldId id="260" r:id="rId9"/>
-    <p:sldId id="261" r:id="rId10"/>
-    <p:sldId id="267" r:id="rId11"/>
-    <p:sldId id="262" r:id="rId12"/>
+    <p:sldId id="256" r:id="rId8"/>
+    <p:sldId id="257" r:id="rId9"/>
+    <p:sldId id="258" r:id="rId10"/>
+    <p:sldId id="259" r:id="rId11"/>
+    <p:sldId id="260" r:id="rId12"/>
+    <p:sldId id="261" r:id="rId13"/>
+    <p:sldId id="262" r:id="rId14"/>
+    <p:sldId id="263" r:id="rId15"/>
+    <p:sldId id="264" r:id="rId16"/>
+    <p:sldId id="265" r:id="rId17"/>
+    <p:sldId id="266" r:id="rId18"/>
   </p:sldIdLst>
   <p:sldSz cx="13004800" cy="9753600"/>
   <p:notesSz cx="6858000" cy="9144000"/>
@@ -38,7 +38,7 @@
       <a:buFontTx/>
       <a:buNone/>
       <a:tabLst/>
-      <a:defRPr kumimoji="0" sz="1800" b="0" i="0" u="none" strike="noStrike" cap="none" spc="0" normalizeH="0" baseline="0">
+      <a:defRPr b="0" baseline="0" cap="none" i="0" spc="0" strike="noStrike" sz="1800" u="none" kumimoji="0" normalizeH="0">
         <a:ln>
           <a:noFill/>
         </a:ln>
@@ -64,7 +64,7 @@
       <a:buFontTx/>
       <a:buNone/>
       <a:tabLst/>
-      <a:defRPr kumimoji="0" sz="2400" b="0" i="0" u="none" strike="noStrike" cap="none" spc="0" normalizeH="0" baseline="0">
+      <a:defRPr b="0" baseline="0" cap="none" i="0" spc="0" strike="noStrike" sz="2400" u="none" kumimoji="0" normalizeH="0">
         <a:ln>
           <a:noFill/>
         </a:ln>
@@ -73,10 +73,10 @@
         </a:solidFill>
         <a:effectLst/>
         <a:uFillTx/>
-        <a:latin typeface="Palatino"/>
-        <a:ea typeface="Palatino"/>
-        <a:cs typeface="Palatino"/>
-        <a:sym typeface="Palatino"/>
+        <a:latin typeface="Bodoni SvtyTwo ITC TT-Book"/>
+        <a:ea typeface="Bodoni SvtyTwo ITC TT-Book"/>
+        <a:cs typeface="Bodoni SvtyTwo ITC TT-Book"/>
+        <a:sym typeface="Bodoni SvtyTwo ITC TT-Book"/>
       </a:defRPr>
     </a:lvl1pPr>
     <a:lvl2pPr marL="0" marR="0" indent="0" algn="ctr" defTabSz="584200" rtl="0" fontAlgn="auto" latinLnBrk="0" hangingPunct="0">
@@ -94,7 +94,7 @@
       <a:buFontTx/>
       <a:buNone/>
       <a:tabLst/>
-      <a:defRPr kumimoji="0" sz="2400" b="0" i="0" u="none" strike="noStrike" cap="none" spc="0" normalizeH="0" baseline="0">
+      <a:defRPr b="0" baseline="0" cap="none" i="0" spc="0" strike="noStrike" sz="2400" u="none" kumimoji="0" normalizeH="0">
         <a:ln>
           <a:noFill/>
         </a:ln>
@@ -103,10 +103,10 @@
         </a:solidFill>
         <a:effectLst/>
         <a:uFillTx/>
-        <a:latin typeface="Palatino"/>
-        <a:ea typeface="Palatino"/>
-        <a:cs typeface="Palatino"/>
-        <a:sym typeface="Palatino"/>
+        <a:latin typeface="Bodoni SvtyTwo ITC TT-Book"/>
+        <a:ea typeface="Bodoni SvtyTwo ITC TT-Book"/>
+        <a:cs typeface="Bodoni SvtyTwo ITC TT-Book"/>
+        <a:sym typeface="Bodoni SvtyTwo ITC TT-Book"/>
       </a:defRPr>
     </a:lvl2pPr>
     <a:lvl3pPr marL="0" marR="0" indent="0" algn="ctr" defTabSz="584200" rtl="0" fontAlgn="auto" latinLnBrk="0" hangingPunct="0">
@@ -124,7 +124,7 @@
       <a:buFontTx/>
       <a:buNone/>
       <a:tabLst/>
-      <a:defRPr kumimoji="0" sz="2400" b="0" i="0" u="none" strike="noStrike" cap="none" spc="0" normalizeH="0" baseline="0">
+      <a:defRPr b="0" baseline="0" cap="none" i="0" spc="0" strike="noStrike" sz="2400" u="none" kumimoji="0" normalizeH="0">
         <a:ln>
           <a:noFill/>
         </a:ln>
@@ -133,10 +133,10 @@
         </a:solidFill>
         <a:effectLst/>
         <a:uFillTx/>
-        <a:latin typeface="Palatino"/>
-        <a:ea typeface="Palatino"/>
-        <a:cs typeface="Palatino"/>
-        <a:sym typeface="Palatino"/>
+        <a:latin typeface="Bodoni SvtyTwo ITC TT-Book"/>
+        <a:ea typeface="Bodoni SvtyTwo ITC TT-Book"/>
+        <a:cs typeface="Bodoni SvtyTwo ITC TT-Book"/>
+        <a:sym typeface="Bodoni SvtyTwo ITC TT-Book"/>
       </a:defRPr>
     </a:lvl3pPr>
     <a:lvl4pPr marL="0" marR="0" indent="0" algn="ctr" defTabSz="584200" rtl="0" fontAlgn="auto" latinLnBrk="0" hangingPunct="0">
@@ -154,7 +154,7 @@
       <a:buFontTx/>
       <a:buNone/>
       <a:tabLst/>
-      <a:defRPr kumimoji="0" sz="2400" b="0" i="0" u="none" strike="noStrike" cap="none" spc="0" normalizeH="0" baseline="0">
+      <a:defRPr b="0" baseline="0" cap="none" i="0" spc="0" strike="noStrike" sz="2400" u="none" kumimoji="0" normalizeH="0">
         <a:ln>
           <a:noFill/>
         </a:ln>
@@ -163,10 +163,10 @@
         </a:solidFill>
         <a:effectLst/>
         <a:uFillTx/>
-        <a:latin typeface="Palatino"/>
-        <a:ea typeface="Palatino"/>
-        <a:cs typeface="Palatino"/>
-        <a:sym typeface="Palatino"/>
+        <a:latin typeface="Bodoni SvtyTwo ITC TT-Book"/>
+        <a:ea typeface="Bodoni SvtyTwo ITC TT-Book"/>
+        <a:cs typeface="Bodoni SvtyTwo ITC TT-Book"/>
+        <a:sym typeface="Bodoni SvtyTwo ITC TT-Book"/>
       </a:defRPr>
     </a:lvl4pPr>
     <a:lvl5pPr marL="0" marR="0" indent="0" algn="ctr" defTabSz="584200" rtl="0" fontAlgn="auto" latinLnBrk="0" hangingPunct="0">
@@ -184,7 +184,7 @@
       <a:buFontTx/>
       <a:buNone/>
       <a:tabLst/>
-      <a:defRPr kumimoji="0" sz="2400" b="0" i="0" u="none" strike="noStrike" cap="none" spc="0" normalizeH="0" baseline="0">
+      <a:defRPr b="0" baseline="0" cap="none" i="0" spc="0" strike="noStrike" sz="2400" u="none" kumimoji="0" normalizeH="0">
         <a:ln>
           <a:noFill/>
         </a:ln>
@@ -193,10 +193,10 @@
         </a:solidFill>
         <a:effectLst/>
         <a:uFillTx/>
-        <a:latin typeface="Palatino"/>
-        <a:ea typeface="Palatino"/>
-        <a:cs typeface="Palatino"/>
-        <a:sym typeface="Palatino"/>
+        <a:latin typeface="Bodoni SvtyTwo ITC TT-Book"/>
+        <a:ea typeface="Bodoni SvtyTwo ITC TT-Book"/>
+        <a:cs typeface="Bodoni SvtyTwo ITC TT-Book"/>
+        <a:sym typeface="Bodoni SvtyTwo ITC TT-Book"/>
       </a:defRPr>
     </a:lvl5pPr>
     <a:lvl6pPr marL="0" marR="0" indent="0" algn="ctr" defTabSz="584200" rtl="0" fontAlgn="auto" latinLnBrk="0" hangingPunct="0">
@@ -214,7 +214,7 @@
       <a:buFontTx/>
       <a:buNone/>
       <a:tabLst/>
-      <a:defRPr kumimoji="0" sz="2400" b="0" i="0" u="none" strike="noStrike" cap="none" spc="0" normalizeH="0" baseline="0">
+      <a:defRPr b="0" baseline="0" cap="none" i="0" spc="0" strike="noStrike" sz="2400" u="none" kumimoji="0" normalizeH="0">
         <a:ln>
           <a:noFill/>
         </a:ln>
@@ -223,10 +223,10 @@
         </a:solidFill>
         <a:effectLst/>
         <a:uFillTx/>
-        <a:latin typeface="Palatino"/>
-        <a:ea typeface="Palatino"/>
-        <a:cs typeface="Palatino"/>
-        <a:sym typeface="Palatino"/>
+        <a:latin typeface="Bodoni SvtyTwo ITC TT-Book"/>
+        <a:ea typeface="Bodoni SvtyTwo ITC TT-Book"/>
+        <a:cs typeface="Bodoni SvtyTwo ITC TT-Book"/>
+        <a:sym typeface="Bodoni SvtyTwo ITC TT-Book"/>
       </a:defRPr>
     </a:lvl6pPr>
     <a:lvl7pPr marL="0" marR="0" indent="0" algn="ctr" defTabSz="584200" rtl="0" fontAlgn="auto" latinLnBrk="0" hangingPunct="0">
@@ -244,7 +244,7 @@
       <a:buFontTx/>
       <a:buNone/>
       <a:tabLst/>
-      <a:defRPr kumimoji="0" sz="2400" b="0" i="0" u="none" strike="noStrike" cap="none" spc="0" normalizeH="0" baseline="0">
+      <a:defRPr b="0" baseline="0" cap="none" i="0" spc="0" strike="noStrike" sz="2400" u="none" kumimoji="0" normalizeH="0">
         <a:ln>
           <a:noFill/>
         </a:ln>
@@ -253,10 +253,10 @@
         </a:solidFill>
         <a:effectLst/>
         <a:uFillTx/>
-        <a:latin typeface="Palatino"/>
-        <a:ea typeface="Palatino"/>
-        <a:cs typeface="Palatino"/>
-        <a:sym typeface="Palatino"/>
+        <a:latin typeface="Bodoni SvtyTwo ITC TT-Book"/>
+        <a:ea typeface="Bodoni SvtyTwo ITC TT-Book"/>
+        <a:cs typeface="Bodoni SvtyTwo ITC TT-Book"/>
+        <a:sym typeface="Bodoni SvtyTwo ITC TT-Book"/>
       </a:defRPr>
     </a:lvl7pPr>
     <a:lvl8pPr marL="0" marR="0" indent="0" algn="ctr" defTabSz="584200" rtl="0" fontAlgn="auto" latinLnBrk="0" hangingPunct="0">
@@ -274,7 +274,7 @@
       <a:buFontTx/>
       <a:buNone/>
       <a:tabLst/>
-      <a:defRPr kumimoji="0" sz="2400" b="0" i="0" u="none" strike="noStrike" cap="none" spc="0" normalizeH="0" baseline="0">
+      <a:defRPr b="0" baseline="0" cap="none" i="0" spc="0" strike="noStrike" sz="2400" u="none" kumimoji="0" normalizeH="0">
         <a:ln>
           <a:noFill/>
         </a:ln>
@@ -283,10 +283,10 @@
         </a:solidFill>
         <a:effectLst/>
         <a:uFillTx/>
-        <a:latin typeface="Palatino"/>
-        <a:ea typeface="Palatino"/>
-        <a:cs typeface="Palatino"/>
-        <a:sym typeface="Palatino"/>
+        <a:latin typeface="Bodoni SvtyTwo ITC TT-Book"/>
+        <a:ea typeface="Bodoni SvtyTwo ITC TT-Book"/>
+        <a:cs typeface="Bodoni SvtyTwo ITC TT-Book"/>
+        <a:sym typeface="Bodoni SvtyTwo ITC TT-Book"/>
       </a:defRPr>
     </a:lvl8pPr>
     <a:lvl9pPr marL="0" marR="0" indent="0" algn="ctr" defTabSz="584200" rtl="0" fontAlgn="auto" latinLnBrk="0" hangingPunct="0">
@@ -304,7 +304,7 @@
       <a:buFontTx/>
       <a:buNone/>
       <a:tabLst/>
-      <a:defRPr kumimoji="0" sz="2400" b="0" i="0" u="none" strike="noStrike" cap="none" spc="0" normalizeH="0" baseline="0">
+      <a:defRPr b="0" baseline="0" cap="none" i="0" spc="0" strike="noStrike" sz="2400" u="none" kumimoji="0" normalizeH="0">
         <a:ln>
           <a:noFill/>
         </a:ln>
@@ -313,48 +313,23 @@
         </a:solidFill>
         <a:effectLst/>
         <a:uFillTx/>
-        <a:latin typeface="Palatino"/>
-        <a:ea typeface="Palatino"/>
-        <a:cs typeface="Palatino"/>
-        <a:sym typeface="Palatino"/>
+        <a:latin typeface="Bodoni SvtyTwo ITC TT-Book"/>
+        <a:ea typeface="Bodoni SvtyTwo ITC TT-Book"/>
+        <a:cs typeface="Bodoni SvtyTwo ITC TT-Book"/>
+        <a:sym typeface="Bodoni SvtyTwo ITC TT-Book"/>
       </a:defRPr>
     </a:lvl9pPr>
   </p:defaultTextStyle>
-  <p:extLst>
-    <p:ext uri="{EFAFB233-063F-42B5-8137-9DF3F51BA10A}">
-      <p15:sldGuideLst xmlns:p15="http://schemas.microsoft.com/office/powerpoint/2012/main">
-        <p15:guide id="1" orient="horz" pos="3072">
-          <p15:clr>
-            <a:srgbClr val="A4A3A4"/>
-          </p15:clr>
-        </p15:guide>
-        <p15:guide id="2" pos="4096">
-          <p15:clr>
-            <a:srgbClr val="A4A3A4"/>
-          </p15:clr>
-        </p15:guide>
-      </p15:sldGuideLst>
-    </p:ext>
-  </p:extLst>
 </p:presentation>
 </file>
 
-<file path=ppt/revisionInfo.xml><?xml version="1.0" encoding="utf-8"?>
-<p1510:revInfo xmlns:a="http://schemas.openxmlformats.org/drawingml/2006/main" xmlns:r="http://schemas.openxmlformats.org/officeDocument/2006/relationships" xmlns:p1510="http://schemas.microsoft.com/office/powerpoint/2015/10/main">
-  <p1510:revLst>
-    <p1510:client id="{996C133D-7B88-4245-B702-8A6C7CE2F7BE}" v="38" dt="2019-12-02T01:39:24.085"/>
-  </p1510:revLst>
-</p1510:revInfo>
+<file path=ppt/commentAuthors.xml><?xml version="1.0" encoding="utf-8"?>
+<p:cmAuthorLst xmlns:a="http://schemas.openxmlformats.org/drawingml/2006/main" xmlns:r="http://schemas.openxmlformats.org/officeDocument/2006/relationships" xmlns:p="http://schemas.openxmlformats.org/presentationml/2006/main" xmlns:m="http://schemas.openxmlformats.org/officeDocument/2006/math" xmlns:a14="http://schemas.microsoft.com/office/drawing/2010/main"/>
 </file>
 
 <file path=ppt/notesMasters/notesMaster1.xml><?xml version="1.0" encoding="utf-8"?>
-<p:notesMaster xmlns:a="http://schemas.openxmlformats.org/drawingml/2006/main" xmlns:r="http://schemas.openxmlformats.org/officeDocument/2006/relationships" xmlns:p="http://schemas.openxmlformats.org/presentationml/2006/main">
+<p:notesMaster xmlns:a="http://schemas.openxmlformats.org/drawingml/2006/main" xmlns:r="http://schemas.openxmlformats.org/officeDocument/2006/relationships" xmlns:p="http://schemas.openxmlformats.org/presentationml/2006/main" xmlns:m="http://schemas.openxmlformats.org/officeDocument/2006/math" xmlns:a14="http://schemas.microsoft.com/office/drawing/2010/main">
   <p:cSld>
-    <p:bg>
-      <p:bgRef idx="1001">
-        <a:schemeClr val="bg1"/>
-      </p:bgRef>
-    </p:bg>
     <p:spTree>
       <p:nvGrpSpPr>
         <p:cNvPr id="1" name=""/>
@@ -372,9 +347,7 @@
       <p:sp>
         <p:nvSpPr>
           <p:cNvPr id="130" name="Shape 130"/>
-          <p:cNvSpPr>
-            <a:spLocks noGrp="1" noRot="1" noChangeAspect="1"/>
-          </p:cNvSpPr>
+          <p:cNvSpPr/>
           <p:nvPr>
             <p:ph type="sldImg"/>
           </p:nvPr>
@@ -392,16 +365,14 @@
           <a:bodyPr/>
           <a:lstStyle/>
           <a:p>
-            <a:endParaRPr/>
+            <a:pPr/>
           </a:p>
         </p:txBody>
       </p:sp>
       <p:sp>
         <p:nvSpPr>
           <p:cNvPr id="131" name="Shape 131"/>
-          <p:cNvSpPr>
-            <a:spLocks noGrp="1"/>
-          </p:cNvSpPr>
+          <p:cNvSpPr/>
           <p:nvPr>
             <p:ph type="body" sz="quarter" idx="1"/>
           </p:nvPr>
@@ -419,16 +390,11 @@
           <a:bodyPr/>
           <a:lstStyle/>
           <a:p>
-            <a:endParaRPr/>
+            <a:pPr/>
           </a:p>
         </p:txBody>
       </p:sp>
     </p:spTree>
-    <p:extLst>
-      <p:ext uri="{BB962C8B-B14F-4D97-AF65-F5344CB8AC3E}">
-        <p14:creationId xmlns:p14="http://schemas.microsoft.com/office/powerpoint/2010/main" val="1645565496"/>
-      </p:ext>
-    </p:extLst>
   </p:cSld>
   <p:clrMap bg1="lt1" tx1="dk1" bg2="lt2" tx2="dk2" accent1="accent1" accent2="accent2" accent3="accent3" accent4="accent4" accent5="accent5" accent6="accent6" hlink="hlink" folHlink="folHlink"/>
   <p:notesStyle>
@@ -437,9 +403,9 @@
         <a:spcPct val="117999"/>
       </a:lnSpc>
       <a:defRPr sz="2200">
-        <a:latin typeface="Helvetica Neue"/>
-        <a:ea typeface="Helvetica Neue"/>
-        <a:cs typeface="Helvetica Neue"/>
+        <a:latin typeface="+mn-lt"/>
+        <a:ea typeface="+mn-ea"/>
+        <a:cs typeface="+mn-cs"/>
         <a:sym typeface="Helvetica Neue"/>
       </a:defRPr>
     </a:lvl1pPr>
@@ -448,9 +414,9 @@
         <a:spcPct val="117999"/>
       </a:lnSpc>
       <a:defRPr sz="2200">
-        <a:latin typeface="Helvetica Neue"/>
-        <a:ea typeface="Helvetica Neue"/>
-        <a:cs typeface="Helvetica Neue"/>
+        <a:latin typeface="+mn-lt"/>
+        <a:ea typeface="+mn-ea"/>
+        <a:cs typeface="+mn-cs"/>
         <a:sym typeface="Helvetica Neue"/>
       </a:defRPr>
     </a:lvl2pPr>
@@ -459,9 +425,9 @@
         <a:spcPct val="117999"/>
       </a:lnSpc>
       <a:defRPr sz="2200">
-        <a:latin typeface="Helvetica Neue"/>
-        <a:ea typeface="Helvetica Neue"/>
-        <a:cs typeface="Helvetica Neue"/>
+        <a:latin typeface="+mn-lt"/>
+        <a:ea typeface="+mn-ea"/>
+        <a:cs typeface="+mn-cs"/>
         <a:sym typeface="Helvetica Neue"/>
       </a:defRPr>
     </a:lvl3pPr>
@@ -470,9 +436,9 @@
         <a:spcPct val="117999"/>
       </a:lnSpc>
       <a:defRPr sz="2200">
-        <a:latin typeface="Helvetica Neue"/>
-        <a:ea typeface="Helvetica Neue"/>
-        <a:cs typeface="Helvetica Neue"/>
+        <a:latin typeface="+mn-lt"/>
+        <a:ea typeface="+mn-ea"/>
+        <a:cs typeface="+mn-cs"/>
         <a:sym typeface="Helvetica Neue"/>
       </a:defRPr>
     </a:lvl4pPr>
@@ -481,9 +447,9 @@
         <a:spcPct val="117999"/>
       </a:lnSpc>
       <a:defRPr sz="2200">
-        <a:latin typeface="Helvetica Neue"/>
-        <a:ea typeface="Helvetica Neue"/>
-        <a:cs typeface="Helvetica Neue"/>
+        <a:latin typeface="+mn-lt"/>
+        <a:ea typeface="+mn-ea"/>
+        <a:cs typeface="+mn-cs"/>
         <a:sym typeface="Helvetica Neue"/>
       </a:defRPr>
     </a:lvl5pPr>
@@ -492,9 +458,9 @@
         <a:spcPct val="117999"/>
       </a:lnSpc>
       <a:defRPr sz="2200">
-        <a:latin typeface="Helvetica Neue"/>
-        <a:ea typeface="Helvetica Neue"/>
-        <a:cs typeface="Helvetica Neue"/>
+        <a:latin typeface="+mn-lt"/>
+        <a:ea typeface="+mn-ea"/>
+        <a:cs typeface="+mn-cs"/>
         <a:sym typeface="Helvetica Neue"/>
       </a:defRPr>
     </a:lvl6pPr>
@@ -503,9 +469,9 @@
         <a:spcPct val="117999"/>
       </a:lnSpc>
       <a:defRPr sz="2200">
-        <a:latin typeface="Helvetica Neue"/>
-        <a:ea typeface="Helvetica Neue"/>
-        <a:cs typeface="Helvetica Neue"/>
+        <a:latin typeface="+mn-lt"/>
+        <a:ea typeface="+mn-ea"/>
+        <a:cs typeface="+mn-cs"/>
         <a:sym typeface="Helvetica Neue"/>
       </a:defRPr>
     </a:lvl7pPr>
@@ -514,9 +480,9 @@
         <a:spcPct val="117999"/>
       </a:lnSpc>
       <a:defRPr sz="2200">
-        <a:latin typeface="Helvetica Neue"/>
-        <a:ea typeface="Helvetica Neue"/>
-        <a:cs typeface="Helvetica Neue"/>
+        <a:latin typeface="+mn-lt"/>
+        <a:ea typeface="+mn-ea"/>
+        <a:cs typeface="+mn-cs"/>
         <a:sym typeface="Helvetica Neue"/>
       </a:defRPr>
     </a:lvl8pPr>
@@ -525,9 +491,9 @@
         <a:spcPct val="117999"/>
       </a:lnSpc>
       <a:defRPr sz="2200">
-        <a:latin typeface="Helvetica Neue"/>
-        <a:ea typeface="Helvetica Neue"/>
-        <a:cs typeface="Helvetica Neue"/>
+        <a:latin typeface="+mn-lt"/>
+        <a:ea typeface="+mn-ea"/>
+        <a:cs typeface="+mn-cs"/>
         <a:sym typeface="Helvetica Neue"/>
       </a:defRPr>
     </a:lvl9pPr>
@@ -536,7 +502,7 @@
 </file>
 
 <file path=ppt/slideLayouts/slideLayout1.xml><?xml version="1.0" encoding="utf-8"?>
-<p:sldLayout xmlns:a="http://schemas.openxmlformats.org/drawingml/2006/main" xmlns:r="http://schemas.openxmlformats.org/officeDocument/2006/relationships" xmlns:p="http://schemas.openxmlformats.org/presentationml/2006/main" showMasterSp="0" type="title">
+<p:sldLayout xmlns:a="http://schemas.openxmlformats.org/drawingml/2006/main" xmlns:r="http://schemas.openxmlformats.org/officeDocument/2006/relationships" xmlns:p="http://schemas.openxmlformats.org/presentationml/2006/main" xmlns:m="http://schemas.openxmlformats.org/officeDocument/2006/math" xmlns:a14="http://schemas.microsoft.com/office/drawing/2010/main" type="tx" showMasterSp="0" showMasterPhAnim="1">
   <p:cSld name="Title &amp; Subtitle">
     <p:spTree>
       <p:nvGrpSpPr>
@@ -561,7 +527,7 @@
         <p:spPr>
           <a:xfrm>
             <a:off x="508000" y="6591300"/>
-            <a:ext cx="11999453" cy="0"/>
+            <a:ext cx="11999454" cy="0"/>
           </a:xfrm>
           <a:prstGeom prst="line">
             <a:avLst/>
@@ -576,21 +542,10 @@
           </a:ln>
         </p:spPr>
         <p:txBody>
-          <a:bodyPr lIns="50800" tIns="50800" rIns="50800" bIns="50800" anchor="ctr"/>
+          <a:bodyPr lIns="45718" tIns="45718" rIns="45718" bIns="45718"/>
           <a:lstStyle/>
           <a:p>
-            <a:pPr algn="l" defTabSz="457200">
-              <a:defRPr sz="1200">
-                <a:solidFill>
-                  <a:srgbClr val="000000"/>
-                </a:solidFill>
-                <a:latin typeface="Helvetica"/>
-                <a:ea typeface="Helvetica"/>
-                <a:cs typeface="Helvetica"/>
-                <a:sym typeface="Helvetica"/>
-              </a:defRPr>
-            </a:pPr>
-            <a:endParaRPr/>
+            <a:pPr/>
           </a:p>
         </p:txBody>
       </p:sp>
@@ -602,8 +557,8 @@
         </p:nvSpPr>
         <p:spPr>
           <a:xfrm>
-            <a:off x="508000" y="4089400"/>
-            <a:ext cx="12000019" cy="0"/>
+            <a:off x="507999" y="4089400"/>
+            <a:ext cx="12000020" cy="0"/>
           </a:xfrm>
           <a:prstGeom prst="line">
             <a:avLst/>
@@ -618,21 +573,10 @@
           </a:ln>
         </p:spPr>
         <p:txBody>
-          <a:bodyPr lIns="50800" tIns="50800" rIns="50800" bIns="50800" anchor="ctr"/>
+          <a:bodyPr lIns="45718" tIns="45718" rIns="45718" bIns="45718"/>
           <a:lstStyle/>
           <a:p>
-            <a:pPr algn="l" defTabSz="457200">
-              <a:defRPr sz="1200">
-                <a:solidFill>
-                  <a:srgbClr val="000000"/>
-                </a:solidFill>
-                <a:latin typeface="Helvetica"/>
-                <a:ea typeface="Helvetica"/>
-                <a:cs typeface="Helvetica"/>
-                <a:sym typeface="Helvetica"/>
-              </a:defRPr>
-            </a:pPr>
-            <a:endParaRPr/>
+            <a:pPr/>
           </a:p>
         </p:txBody>
       </p:sp>
@@ -644,8 +588,8 @@
         </p:nvSpPr>
         <p:spPr>
           <a:xfrm flipV="1">
-            <a:off x="7994302" y="4526255"/>
-            <a:ext cx="1" cy="1642759"/>
+            <a:off x="7994301" y="4526255"/>
+            <a:ext cx="2" cy="1642760"/>
           </a:xfrm>
           <a:prstGeom prst="line">
             <a:avLst/>
@@ -660,32 +604,19 @@
           </a:ln>
         </p:spPr>
         <p:txBody>
-          <a:bodyPr lIns="50800" tIns="50800" rIns="50800" bIns="50800" anchor="ctr"/>
+          <a:bodyPr lIns="45718" tIns="45718" rIns="45718" bIns="45718"/>
           <a:lstStyle/>
           <a:p>
-            <a:pPr algn="l" defTabSz="457200">
-              <a:defRPr sz="1200">
-                <a:solidFill>
-                  <a:srgbClr val="000000"/>
-                </a:solidFill>
-                <a:latin typeface="Helvetica"/>
-                <a:ea typeface="Helvetica"/>
-                <a:cs typeface="Helvetica"/>
-                <a:sym typeface="Helvetica"/>
-              </a:defRPr>
-            </a:pPr>
-            <a:endParaRPr/>
-          </a:p>
-        </p:txBody>
-      </p:sp>
-      <p:sp>
-        <p:nvSpPr>
-          <p:cNvPr id="16" name="Lorem Ipsum Dolor"/>
-          <p:cNvSpPr txBox="1">
-            <a:spLocks noGrp="1"/>
-          </p:cNvSpPr>
+            <a:pPr/>
+          </a:p>
+        </p:txBody>
+      </p:sp>
+      <p:sp>
+        <p:nvSpPr>
+          <p:cNvPr id="16" name="Body Level One…"/>
+          <p:cNvSpPr txBox="1"/>
           <p:nvPr>
-            <p:ph type="body" sz="quarter" idx="13"/>
+            <p:ph type="body" sz="quarter" idx="1"/>
           </p:nvPr>
         </p:nvSpPr>
         <p:spPr>
@@ -698,9 +629,7 @@
           </a:prstGeom>
         </p:spPr>
         <p:txBody>
-          <a:bodyPr>
-            <a:spAutoFit/>
-          </a:bodyPr>
+          <a:bodyPr/>
           <a:lstStyle>
             <a:lvl1pPr marL="0" indent="0">
               <a:lnSpc>
@@ -713,12 +642,81 @@
               <a:buSzTx/>
               <a:buFontTx/>
               <a:buNone/>
-              <a:defRPr sz="2400" i="1"/>
+              <a:defRPr i="1" sz="2400"/>
             </a:lvl1pPr>
+            <a:lvl2pPr marL="783166" indent="-313266">
+              <a:lnSpc>
+                <a:spcPct val="110000"/>
+              </a:lnSpc>
+              <a:spcBef>
+                <a:spcPts val="0"/>
+              </a:spcBef>
+              <a:buClrTx/>
+              <a:buFontTx/>
+              <a:defRPr i="1" sz="2400"/>
+            </a:lvl2pPr>
+            <a:lvl3pPr marL="1253066" indent="-313266">
+              <a:lnSpc>
+                <a:spcPct val="110000"/>
+              </a:lnSpc>
+              <a:spcBef>
+                <a:spcPts val="0"/>
+              </a:spcBef>
+              <a:buClrTx/>
+              <a:buFontTx/>
+              <a:defRPr i="1" sz="2400"/>
+            </a:lvl3pPr>
+            <a:lvl4pPr marL="1722966" indent="-313266">
+              <a:lnSpc>
+                <a:spcPct val="110000"/>
+              </a:lnSpc>
+              <a:spcBef>
+                <a:spcPts val="0"/>
+              </a:spcBef>
+              <a:buClrTx/>
+              <a:buFontTx/>
+              <a:defRPr i="1" sz="2400"/>
+            </a:lvl4pPr>
+            <a:lvl5pPr marL="2192866" indent="-313266">
+              <a:lnSpc>
+                <a:spcPct val="110000"/>
+              </a:lnSpc>
+              <a:spcBef>
+                <a:spcPts val="0"/>
+              </a:spcBef>
+              <a:buClrTx/>
+              <a:buFontTx/>
+              <a:defRPr i="1" sz="2400"/>
+            </a:lvl5pPr>
           </a:lstStyle>
           <a:p>
-            <a:r>
-              <a:t>Lorem Ipsum Dolor</a:t>
+            <a:pPr/>
+            <a:r>
+              <a:t>Body Level One</a:t>
+            </a:r>
+          </a:p>
+          <a:p>
+            <a:pPr lvl="1"/>
+            <a:r>
+              <a:t>Body Level Two</a:t>
+            </a:r>
+          </a:p>
+          <a:p>
+            <a:pPr lvl="2"/>
+            <a:r>
+              <a:t>Body Level Three</a:t>
+            </a:r>
+          </a:p>
+          <a:p>
+            <a:pPr lvl="3"/>
+            <a:r>
+              <a:t>Body Level Four</a:t>
+            </a:r>
+          </a:p>
+          <a:p>
+            <a:pPr lvl="4"/>
+            <a:r>
+              <a:t>Body Level Five</a:t>
             </a:r>
           </a:p>
         </p:txBody>
@@ -726,9 +724,7 @@
       <p:sp>
         <p:nvSpPr>
           <p:cNvPr id="17" name="Title Text"/>
-          <p:cNvSpPr txBox="1">
-            <a:spLocks noGrp="1"/>
-          </p:cNvSpPr>
+          <p:cNvSpPr txBox="1"/>
           <p:nvPr>
             <p:ph type="title"/>
           </p:nvPr>
@@ -748,6 +744,7 @@
             <a:lvl1pPr algn="l"/>
           </a:lstStyle>
           <a:p>
+            <a:pPr/>
             <a:r>
               <a:t>Title Text</a:t>
             </a:r>
@@ -757,11 +754,9 @@
       <p:sp>
         <p:nvSpPr>
           <p:cNvPr id="18" name="Body Level One…"/>
-          <p:cNvSpPr txBox="1">
-            <a:spLocks noGrp="1"/>
-          </p:cNvSpPr>
+          <p:cNvSpPr txBox="1"/>
           <p:nvPr>
-            <p:ph type="body" sz="quarter" idx="1"/>
+            <p:ph type="body" sz="quarter" idx="13"/>
           </p:nvPr>
         </p:nvSpPr>
         <p:spPr>
@@ -775,8 +770,9 @@
         </p:spPr>
         <p:txBody>
           <a:bodyPr/>
-          <a:lstStyle>
-            <a:lvl1pPr marL="0" indent="0">
+          <a:lstStyle/>
+          <a:p>
+            <a:pPr marL="0" indent="0">
               <a:spcBef>
                 <a:spcPts val="0"/>
               </a:spcBef>
@@ -785,85 +781,14 @@
               <a:buFontTx/>
               <a:buNone/>
               <a:defRPr sz="2400"/>
-            </a:lvl1pPr>
-            <a:lvl2pPr marL="0" indent="0">
-              <a:spcBef>
-                <a:spcPts val="0"/>
-              </a:spcBef>
-              <a:buClrTx/>
-              <a:buSzTx/>
-              <a:buFontTx/>
-              <a:buNone/>
-              <a:defRPr sz="2400"/>
-            </a:lvl2pPr>
-            <a:lvl3pPr marL="0" indent="0">
-              <a:spcBef>
-                <a:spcPts val="0"/>
-              </a:spcBef>
-              <a:buClrTx/>
-              <a:buSzTx/>
-              <a:buFontTx/>
-              <a:buNone/>
-              <a:defRPr sz="2400"/>
-            </a:lvl3pPr>
-            <a:lvl4pPr marL="0" indent="0">
-              <a:spcBef>
-                <a:spcPts val="0"/>
-              </a:spcBef>
-              <a:buClrTx/>
-              <a:buSzTx/>
-              <a:buFontTx/>
-              <a:buNone/>
-              <a:defRPr sz="2400"/>
-            </a:lvl4pPr>
-            <a:lvl5pPr marL="0" indent="0">
-              <a:spcBef>
-                <a:spcPts val="0"/>
-              </a:spcBef>
-              <a:buClrTx/>
-              <a:buSzTx/>
-              <a:buFontTx/>
-              <a:buNone/>
-              <a:defRPr sz="2400"/>
-            </a:lvl5pPr>
-          </a:lstStyle>
-          <a:p>
-            <a:r>
-              <a:t>Body Level One</a:t>
-            </a:r>
-          </a:p>
-          <a:p>
-            <a:pPr lvl="1"/>
-            <a:r>
-              <a:t>Body Level Two</a:t>
-            </a:r>
-          </a:p>
-          <a:p>
-            <a:pPr lvl="2"/>
-            <a:r>
-              <a:t>Body Level Three</a:t>
-            </a:r>
-          </a:p>
-          <a:p>
-            <a:pPr lvl="3"/>
-            <a:r>
-              <a:t>Body Level Four</a:t>
-            </a:r>
-          </a:p>
-          <a:p>
-            <a:pPr lvl="4"/>
-            <a:r>
-              <a:t>Body Level Five</a:t>
-            </a:r>
+            </a:pPr>
           </a:p>
         </p:txBody>
       </p:sp>
       <p:sp>
         <p:nvSpPr>
           <p:cNvPr id="19" name="Slide Number"/>
-          <p:cNvSpPr txBox="1">
-            <a:spLocks noGrp="1"/>
-          </p:cNvSpPr>
+          <p:cNvSpPr txBox="1"/>
           <p:nvPr>
             <p:ph type="sldNum" sz="quarter" idx="2"/>
           </p:nvPr>
@@ -877,10 +802,8 @@
           <a:bodyPr/>
           <a:lstStyle/>
           <a:p>
-            <a:fld id="{86CB4B4D-7CA3-9044-876B-883B54F8677D}" type="slidenum">
-              <a:t>‹#›</a:t>
-            </a:fld>
-            <a:endParaRPr/>
+            <a:pPr/>
+            <a:fld id="{86CB4B4D-7CA3-9044-876B-883B54F8677D}" type="slidenum"/>
           </a:p>
         </p:txBody>
       </p:sp>
@@ -889,12 +812,12 @@
   <p:clrMapOvr>
     <a:masterClrMapping/>
   </p:clrMapOvr>
-  <p:transition spd="med"/>
+  <p:transition xmlns:p14="http://schemas.microsoft.com/office/powerpoint/2010/main" spd="med" advClick="1"/>
 </p:sldLayout>
 </file>
 
 <file path=ppt/slideLayouts/slideLayout10.xml><?xml version="1.0" encoding="utf-8"?>
-<p:sldLayout xmlns:a="http://schemas.openxmlformats.org/drawingml/2006/main" xmlns:r="http://schemas.openxmlformats.org/officeDocument/2006/relationships" xmlns:p="http://schemas.openxmlformats.org/presentationml/2006/main" showMasterSp="0" type="tx">
+<p:sldLayout xmlns:a="http://schemas.openxmlformats.org/drawingml/2006/main" xmlns:r="http://schemas.openxmlformats.org/officeDocument/2006/relationships" xmlns:p="http://schemas.openxmlformats.org/presentationml/2006/main" xmlns:m="http://schemas.openxmlformats.org/officeDocument/2006/math" xmlns:a14="http://schemas.microsoft.com/office/drawing/2010/main" type="tx" showMasterSp="0" showMasterPhAnim="1">
   <p:cSld name="Quote">
     <p:spTree>
       <p:nvGrpSpPr>
@@ -912,12 +835,10 @@
       </p:grpSpPr>
       <p:sp>
         <p:nvSpPr>
-          <p:cNvPr id="107" name="–Johnny Appleseed"/>
-          <p:cNvSpPr txBox="1">
-            <a:spLocks noGrp="1"/>
-          </p:cNvSpPr>
+          <p:cNvPr id="107" name="Body Level One…"/>
+          <p:cNvSpPr txBox="1"/>
           <p:nvPr>
-            <p:ph type="body" sz="quarter" idx="13"/>
+            <p:ph type="body" sz="quarter" idx="1"/>
           </p:nvPr>
         </p:nvSpPr>
         <p:spPr>
@@ -930,9 +851,7 @@
           </a:prstGeom>
         </p:spPr>
         <p:txBody>
-          <a:bodyPr anchor="t">
-            <a:spAutoFit/>
-          </a:bodyPr>
+          <a:bodyPr anchor="t"/>
           <a:lstStyle>
             <a:lvl1pPr marL="0" indent="0" algn="ctr">
               <a:spcBef>
@@ -942,12 +861,69 @@
               <a:buSzTx/>
               <a:buFontTx/>
               <a:buNone/>
-              <a:defRPr sz="3000" i="1"/>
+              <a:defRPr i="1" sz="3000"/>
             </a:lvl1pPr>
+            <a:lvl2pPr marL="861483" indent="-391583" algn="ctr">
+              <a:spcBef>
+                <a:spcPts val="1200"/>
+              </a:spcBef>
+              <a:buClrTx/>
+              <a:buFontTx/>
+              <a:defRPr i="1" sz="3000"/>
+            </a:lvl2pPr>
+            <a:lvl3pPr marL="1331383" indent="-391583" algn="ctr">
+              <a:spcBef>
+                <a:spcPts val="1200"/>
+              </a:spcBef>
+              <a:buClrTx/>
+              <a:buFontTx/>
+              <a:defRPr i="1" sz="3000"/>
+            </a:lvl3pPr>
+            <a:lvl4pPr marL="1801283" indent="-391583" algn="ctr">
+              <a:spcBef>
+                <a:spcPts val="1200"/>
+              </a:spcBef>
+              <a:buClrTx/>
+              <a:buFontTx/>
+              <a:defRPr i="1" sz="3000"/>
+            </a:lvl4pPr>
+            <a:lvl5pPr marL="2271183" indent="-391583" algn="ctr">
+              <a:spcBef>
+                <a:spcPts val="1200"/>
+              </a:spcBef>
+              <a:buClrTx/>
+              <a:buFontTx/>
+              <a:defRPr i="1" sz="3000"/>
+            </a:lvl5pPr>
           </a:lstStyle>
           <a:p>
-            <a:r>
-              <a:t>–Johnny Appleseed</a:t>
+            <a:pPr/>
+            <a:r>
+              <a:t>Body Level One</a:t>
+            </a:r>
+          </a:p>
+          <a:p>
+            <a:pPr lvl="1"/>
+            <a:r>
+              <a:t>Body Level Two</a:t>
+            </a:r>
+          </a:p>
+          <a:p>
+            <a:pPr lvl="2"/>
+            <a:r>
+              <a:t>Body Level Three</a:t>
+            </a:r>
+          </a:p>
+          <a:p>
+            <a:pPr lvl="3"/>
+            <a:r>
+              <a:t>Body Level Four</a:t>
+            </a:r>
+          </a:p>
+          <a:p>
+            <a:pPr lvl="4"/>
+            <a:r>
+              <a:t>Body Level Five</a:t>
             </a:r>
           </a:p>
         </p:txBody>
@@ -955,11 +931,9 @@
       <p:sp>
         <p:nvSpPr>
           <p:cNvPr id="108" name="“Type a quote here.”"/>
-          <p:cNvSpPr txBox="1">
-            <a:spLocks noGrp="1"/>
-          </p:cNvSpPr>
+          <p:cNvSpPr txBox="1"/>
           <p:nvPr>
-            <p:ph type="body" sz="quarter" idx="14"/>
+            <p:ph type="body" sz="quarter" idx="13"/>
           </p:nvPr>
         </p:nvSpPr>
         <p:spPr>
@@ -972,11 +946,10 @@
           </a:prstGeom>
         </p:spPr>
         <p:txBody>
-          <a:bodyPr>
-            <a:spAutoFit/>
-          </a:bodyPr>
-          <a:lstStyle>
-            <a:lvl1pPr marL="0" indent="0" algn="ctr">
+          <a:bodyPr/>
+          <a:lstStyle/>
+          <a:p>
+            <a:pPr marL="0" indent="0" algn="ctr">
               <a:spcBef>
                 <a:spcPts val="0"/>
               </a:spcBef>
@@ -984,21 +957,14 @@
               <a:buSzTx/>
               <a:buFontTx/>
               <a:buNone/>
-            </a:lvl1pPr>
-          </a:lstStyle>
-          <a:p>
-            <a:r>
-              <a:t>“Type a quote here.” </a:t>
-            </a:r>
+            </a:pPr>
           </a:p>
         </p:txBody>
       </p:sp>
       <p:sp>
         <p:nvSpPr>
           <p:cNvPr id="109" name="Slide Number"/>
-          <p:cNvSpPr txBox="1">
-            <a:spLocks noGrp="1"/>
-          </p:cNvSpPr>
+          <p:cNvSpPr txBox="1"/>
           <p:nvPr>
             <p:ph type="sldNum" sz="quarter" idx="2"/>
           </p:nvPr>
@@ -1012,10 +978,8 @@
           <a:bodyPr/>
           <a:lstStyle/>
           <a:p>
-            <a:fld id="{86CB4B4D-7CA3-9044-876B-883B54F8677D}" type="slidenum">
-              <a:t>‹#›</a:t>
-            </a:fld>
-            <a:endParaRPr/>
+            <a:pPr/>
+            <a:fld id="{86CB4B4D-7CA3-9044-876B-883B54F8677D}" type="slidenum"/>
           </a:p>
         </p:txBody>
       </p:sp>
@@ -1024,12 +988,12 @@
   <p:clrMapOvr>
     <a:masterClrMapping/>
   </p:clrMapOvr>
-  <p:transition spd="med"/>
+  <p:transition xmlns:p14="http://schemas.microsoft.com/office/powerpoint/2010/main" spd="med" advClick="1"/>
 </p:sldLayout>
 </file>
 
 <file path=ppt/slideLayouts/slideLayout11.xml><?xml version="1.0" encoding="utf-8"?>
-<p:sldLayout xmlns:a="http://schemas.openxmlformats.org/drawingml/2006/main" xmlns:r="http://schemas.openxmlformats.org/officeDocument/2006/relationships" xmlns:p="http://schemas.openxmlformats.org/presentationml/2006/main" showMasterSp="0" type="tx">
+<p:sldLayout xmlns:a="http://schemas.openxmlformats.org/drawingml/2006/main" xmlns:r="http://schemas.openxmlformats.org/officeDocument/2006/relationships" xmlns:p="http://schemas.openxmlformats.org/presentationml/2006/main" xmlns:m="http://schemas.openxmlformats.org/officeDocument/2006/math" xmlns:a14="http://schemas.microsoft.com/office/drawing/2010/main" type="tx" showMasterSp="0" showMasterPhAnim="1">
   <p:cSld name="Photo">
     <p:spTree>
       <p:nvGrpSpPr>
@@ -1048,9 +1012,7 @@
       <p:sp>
         <p:nvSpPr>
           <p:cNvPr id="116" name="Image"/>
-          <p:cNvSpPr>
-            <a:spLocks noGrp="1"/>
-          </p:cNvSpPr>
+          <p:cNvSpPr/>
           <p:nvPr>
             <p:ph type="pic" idx="13"/>
           </p:nvPr>
@@ -1070,16 +1032,14 @@
           </a:bodyPr>
           <a:lstStyle/>
           <a:p>
-            <a:endParaRPr/>
+            <a:pPr/>
           </a:p>
         </p:txBody>
       </p:sp>
       <p:sp>
         <p:nvSpPr>
           <p:cNvPr id="117" name="Slide Number"/>
-          <p:cNvSpPr txBox="1">
-            <a:spLocks noGrp="1"/>
-          </p:cNvSpPr>
+          <p:cNvSpPr txBox="1"/>
           <p:nvPr>
             <p:ph type="sldNum" sz="quarter" idx="2"/>
           </p:nvPr>
@@ -1093,10 +1053,8 @@
           <a:bodyPr/>
           <a:lstStyle/>
           <a:p>
-            <a:fld id="{86CB4B4D-7CA3-9044-876B-883B54F8677D}" type="slidenum">
-              <a:t>‹#›</a:t>
-            </a:fld>
-            <a:endParaRPr/>
+            <a:pPr/>
+            <a:fld id="{86CB4B4D-7CA3-9044-876B-883B54F8677D}" type="slidenum"/>
           </a:p>
         </p:txBody>
       </p:sp>
@@ -1105,12 +1063,12 @@
   <p:clrMapOvr>
     <a:masterClrMapping/>
   </p:clrMapOvr>
-  <p:transition spd="med"/>
+  <p:transition xmlns:p14="http://schemas.microsoft.com/office/powerpoint/2010/main" spd="med" advClick="1"/>
 </p:sldLayout>
 </file>
 
 <file path=ppt/slideLayouts/slideLayout12.xml><?xml version="1.0" encoding="utf-8"?>
-<p:sldLayout xmlns:a="http://schemas.openxmlformats.org/drawingml/2006/main" xmlns:r="http://schemas.openxmlformats.org/officeDocument/2006/relationships" xmlns:p="http://schemas.openxmlformats.org/presentationml/2006/main" showMasterSp="0" type="tx">
+<p:sldLayout xmlns:a="http://schemas.openxmlformats.org/drawingml/2006/main" xmlns:r="http://schemas.openxmlformats.org/officeDocument/2006/relationships" xmlns:p="http://schemas.openxmlformats.org/presentationml/2006/main" xmlns:m="http://schemas.openxmlformats.org/officeDocument/2006/math" xmlns:a14="http://schemas.microsoft.com/office/drawing/2010/main" type="tx" showMasterSp="0" showMasterPhAnim="1">
   <p:cSld name="Blank">
     <p:spTree>
       <p:nvGrpSpPr>
@@ -1129,9 +1087,7 @@
       <p:sp>
         <p:nvSpPr>
           <p:cNvPr id="124" name="Slide Number"/>
-          <p:cNvSpPr txBox="1">
-            <a:spLocks noGrp="1"/>
-          </p:cNvSpPr>
+          <p:cNvSpPr txBox="1"/>
           <p:nvPr>
             <p:ph type="sldNum" sz="quarter" idx="2"/>
           </p:nvPr>
@@ -1145,10 +1101,8 @@
           <a:bodyPr/>
           <a:lstStyle/>
           <a:p>
-            <a:fld id="{86CB4B4D-7CA3-9044-876B-883B54F8677D}" type="slidenum">
-              <a:t>‹#›</a:t>
-            </a:fld>
-            <a:endParaRPr/>
+            <a:pPr/>
+            <a:fld id="{86CB4B4D-7CA3-9044-876B-883B54F8677D}" type="slidenum"/>
           </a:p>
         </p:txBody>
       </p:sp>
@@ -1157,12 +1111,12 @@
   <p:clrMapOvr>
     <a:masterClrMapping/>
   </p:clrMapOvr>
-  <p:transition spd="med"/>
+  <p:transition xmlns:p14="http://schemas.microsoft.com/office/powerpoint/2010/main" spd="med" advClick="1"/>
 </p:sldLayout>
 </file>
 
 <file path=ppt/slideLayouts/slideLayout2.xml><?xml version="1.0" encoding="utf-8"?>
-<p:sldLayout xmlns:a="http://schemas.openxmlformats.org/drawingml/2006/main" xmlns:r="http://schemas.openxmlformats.org/officeDocument/2006/relationships" xmlns:p="http://schemas.openxmlformats.org/presentationml/2006/main" showMasterSp="0" type="tx">
+<p:sldLayout xmlns:a="http://schemas.openxmlformats.org/drawingml/2006/main" xmlns:r="http://schemas.openxmlformats.org/officeDocument/2006/relationships" xmlns:p="http://schemas.openxmlformats.org/presentationml/2006/main" xmlns:m="http://schemas.openxmlformats.org/officeDocument/2006/math" xmlns:a14="http://schemas.microsoft.com/office/drawing/2010/main" type="tx" showMasterSp="0" showMasterPhAnim="1">
   <p:cSld name="Photo - Horizontal">
     <p:spTree>
       <p:nvGrpSpPr>
@@ -1186,8 +1140,8 @@
         </p:nvSpPr>
         <p:spPr>
           <a:xfrm flipV="1">
-            <a:off x="7994302" y="7053555"/>
-            <a:ext cx="1" cy="1642759"/>
+            <a:off x="7994301" y="7053554"/>
+            <a:ext cx="2" cy="1642760"/>
           </a:xfrm>
           <a:prstGeom prst="line">
             <a:avLst/>
@@ -1202,21 +1156,10 @@
           </a:ln>
         </p:spPr>
         <p:txBody>
-          <a:bodyPr lIns="50800" tIns="50800" rIns="50800" bIns="50800" anchor="ctr"/>
+          <a:bodyPr lIns="45718" tIns="45718" rIns="45718" bIns="45718"/>
           <a:lstStyle/>
           <a:p>
-            <a:pPr algn="l" defTabSz="457200">
-              <a:defRPr sz="1200">
-                <a:solidFill>
-                  <a:srgbClr val="000000"/>
-                </a:solidFill>
-                <a:latin typeface="Helvetica"/>
-                <a:ea typeface="Helvetica"/>
-                <a:cs typeface="Helvetica"/>
-                <a:sym typeface="Helvetica"/>
-              </a:defRPr>
-            </a:pPr>
-            <a:endParaRPr/>
+            <a:pPr/>
           </a:p>
         </p:txBody>
       </p:sp>
@@ -1229,7 +1172,7 @@
         <p:spPr>
           <a:xfrm>
             <a:off x="508000" y="9131300"/>
-            <a:ext cx="11999453" cy="0"/>
+            <a:ext cx="11999454" cy="0"/>
           </a:xfrm>
           <a:prstGeom prst="line">
             <a:avLst/>
@@ -1244,21 +1187,10 @@
           </a:ln>
         </p:spPr>
         <p:txBody>
-          <a:bodyPr lIns="50800" tIns="50800" rIns="50800" bIns="50800" anchor="ctr"/>
+          <a:bodyPr lIns="45718" tIns="45718" rIns="45718" bIns="45718"/>
           <a:lstStyle/>
           <a:p>
-            <a:pPr algn="l" defTabSz="457200">
-              <a:defRPr sz="1200">
-                <a:solidFill>
-                  <a:srgbClr val="000000"/>
-                </a:solidFill>
-                <a:latin typeface="Helvetica"/>
-                <a:ea typeface="Helvetica"/>
-                <a:cs typeface="Helvetica"/>
-                <a:sym typeface="Helvetica"/>
-              </a:defRPr>
-            </a:pPr>
-            <a:endParaRPr/>
+            <a:pPr/>
           </a:p>
         </p:txBody>
       </p:sp>
@@ -1270,8 +1202,8 @@
         </p:nvSpPr>
         <p:spPr>
           <a:xfrm>
-            <a:off x="508000" y="6629400"/>
-            <a:ext cx="12000019" cy="0"/>
+            <a:off x="507999" y="6629400"/>
+            <a:ext cx="12000020" cy="0"/>
           </a:xfrm>
           <a:prstGeom prst="line">
             <a:avLst/>
@@ -1286,21 +1218,10 @@
           </a:ln>
         </p:spPr>
         <p:txBody>
-          <a:bodyPr lIns="50800" tIns="50800" rIns="50800" bIns="50800" anchor="ctr"/>
+          <a:bodyPr lIns="45718" tIns="45718" rIns="45718" bIns="45718"/>
           <a:lstStyle/>
           <a:p>
-            <a:pPr algn="l" defTabSz="457200">
-              <a:defRPr sz="1200">
-                <a:solidFill>
-                  <a:srgbClr val="000000"/>
-                </a:solidFill>
-                <a:latin typeface="Helvetica"/>
-                <a:ea typeface="Helvetica"/>
-                <a:cs typeface="Helvetica"/>
-                <a:sym typeface="Helvetica"/>
-              </a:defRPr>
-            </a:pPr>
-            <a:endParaRPr/>
+            <a:pPr/>
           </a:p>
         </p:txBody>
       </p:sp>
@@ -1312,8 +1233,8 @@
         </p:nvSpPr>
         <p:spPr>
           <a:xfrm flipV="1">
-            <a:off x="7994302" y="7053555"/>
-            <a:ext cx="1" cy="1642759"/>
+            <a:off x="7994301" y="7053554"/>
+            <a:ext cx="2" cy="1642760"/>
           </a:xfrm>
           <a:prstGeom prst="line">
             <a:avLst/>
@@ -1328,32 +1249,19 @@
           </a:ln>
         </p:spPr>
         <p:txBody>
-          <a:bodyPr lIns="50800" tIns="50800" rIns="50800" bIns="50800" anchor="ctr"/>
+          <a:bodyPr lIns="45718" tIns="45718" rIns="45718" bIns="45718"/>
           <a:lstStyle/>
           <a:p>
-            <a:pPr algn="l" defTabSz="457200">
-              <a:defRPr sz="1200">
-                <a:solidFill>
-                  <a:srgbClr val="000000"/>
-                </a:solidFill>
-                <a:latin typeface="Helvetica"/>
-                <a:ea typeface="Helvetica"/>
-                <a:cs typeface="Helvetica"/>
-                <a:sym typeface="Helvetica"/>
-              </a:defRPr>
-            </a:pPr>
-            <a:endParaRPr/>
-          </a:p>
-        </p:txBody>
-      </p:sp>
-      <p:sp>
-        <p:nvSpPr>
-          <p:cNvPr id="30" name="Lorem Ipsum Dolor"/>
-          <p:cNvSpPr txBox="1">
-            <a:spLocks noGrp="1"/>
-          </p:cNvSpPr>
+            <a:pPr/>
+          </a:p>
+        </p:txBody>
+      </p:sp>
+      <p:sp>
+        <p:nvSpPr>
+          <p:cNvPr id="30" name="Body Level One…"/>
+          <p:cNvSpPr txBox="1"/>
           <p:nvPr>
-            <p:ph type="body" sz="quarter" idx="13"/>
+            <p:ph type="body" sz="quarter" idx="1"/>
           </p:nvPr>
         </p:nvSpPr>
         <p:spPr>
@@ -1366,9 +1274,7 @@
           </a:prstGeom>
         </p:spPr>
         <p:txBody>
-          <a:bodyPr>
-            <a:spAutoFit/>
-          </a:bodyPr>
+          <a:bodyPr/>
           <a:lstStyle>
             <a:lvl1pPr marL="0" indent="0">
               <a:lnSpc>
@@ -1381,12 +1287,81 @@
               <a:buSzTx/>
               <a:buFontTx/>
               <a:buNone/>
-              <a:defRPr sz="2400" i="1"/>
+              <a:defRPr i="1" sz="2400"/>
             </a:lvl1pPr>
+            <a:lvl2pPr marL="783166" indent="-313266">
+              <a:lnSpc>
+                <a:spcPct val="110000"/>
+              </a:lnSpc>
+              <a:spcBef>
+                <a:spcPts val="0"/>
+              </a:spcBef>
+              <a:buClrTx/>
+              <a:buFontTx/>
+              <a:defRPr i="1" sz="2400"/>
+            </a:lvl2pPr>
+            <a:lvl3pPr marL="1253066" indent="-313266">
+              <a:lnSpc>
+                <a:spcPct val="110000"/>
+              </a:lnSpc>
+              <a:spcBef>
+                <a:spcPts val="0"/>
+              </a:spcBef>
+              <a:buClrTx/>
+              <a:buFontTx/>
+              <a:defRPr i="1" sz="2400"/>
+            </a:lvl3pPr>
+            <a:lvl4pPr marL="1722966" indent="-313266">
+              <a:lnSpc>
+                <a:spcPct val="110000"/>
+              </a:lnSpc>
+              <a:spcBef>
+                <a:spcPts val="0"/>
+              </a:spcBef>
+              <a:buClrTx/>
+              <a:buFontTx/>
+              <a:defRPr i="1" sz="2400"/>
+            </a:lvl4pPr>
+            <a:lvl5pPr marL="2192866" indent="-313266">
+              <a:lnSpc>
+                <a:spcPct val="110000"/>
+              </a:lnSpc>
+              <a:spcBef>
+                <a:spcPts val="0"/>
+              </a:spcBef>
+              <a:buClrTx/>
+              <a:buFontTx/>
+              <a:defRPr i="1" sz="2400"/>
+            </a:lvl5pPr>
           </a:lstStyle>
           <a:p>
-            <a:r>
-              <a:t>Lorem Ipsum Dolor</a:t>
+            <a:pPr/>
+            <a:r>
+              <a:t>Body Level One</a:t>
+            </a:r>
+          </a:p>
+          <a:p>
+            <a:pPr lvl="1"/>
+            <a:r>
+              <a:t>Body Level Two</a:t>
+            </a:r>
+          </a:p>
+          <a:p>
+            <a:pPr lvl="2"/>
+            <a:r>
+              <a:t>Body Level Three</a:t>
+            </a:r>
+          </a:p>
+          <a:p>
+            <a:pPr lvl="3"/>
+            <a:r>
+              <a:t>Body Level Four</a:t>
+            </a:r>
+          </a:p>
+          <a:p>
+            <a:pPr lvl="4"/>
+            <a:r>
+              <a:t>Body Level Five</a:t>
             </a:r>
           </a:p>
         </p:txBody>
@@ -1394,11 +1369,9 @@
       <p:sp>
         <p:nvSpPr>
           <p:cNvPr id="31" name="Image"/>
-          <p:cNvSpPr>
-            <a:spLocks noGrp="1"/>
-          </p:cNvSpPr>
+          <p:cNvSpPr/>
           <p:nvPr>
-            <p:ph type="pic" idx="14"/>
+            <p:ph type="pic" idx="13"/>
           </p:nvPr>
         </p:nvSpPr>
         <p:spPr>
@@ -1409,9 +1382,6 @@
           <a:prstGeom prst="rect">
             <a:avLst/>
           </a:prstGeom>
-          <a:ln w="9525">
-            <a:round/>
-          </a:ln>
         </p:spPr>
         <p:txBody>
           <a:bodyPr lIns="91439" tIns="45719" rIns="91439" bIns="45719" anchor="t">
@@ -1419,16 +1389,14 @@
           </a:bodyPr>
           <a:lstStyle/>
           <a:p>
-            <a:endParaRPr/>
+            <a:pPr/>
           </a:p>
         </p:txBody>
       </p:sp>
       <p:sp>
         <p:nvSpPr>
           <p:cNvPr id="32" name="Title Text"/>
-          <p:cNvSpPr txBox="1">
-            <a:spLocks noGrp="1"/>
-          </p:cNvSpPr>
+          <p:cNvSpPr txBox="1"/>
           <p:nvPr>
             <p:ph type="title"/>
           </p:nvPr>
@@ -1448,6 +1416,7 @@
             <a:lvl1pPr algn="l"/>
           </a:lstStyle>
           <a:p>
+            <a:pPr/>
             <a:r>
               <a:t>Title Text</a:t>
             </a:r>
@@ -1457,11 +1426,9 @@
       <p:sp>
         <p:nvSpPr>
           <p:cNvPr id="33" name="Body Level One…"/>
-          <p:cNvSpPr txBox="1">
-            <a:spLocks noGrp="1"/>
-          </p:cNvSpPr>
+          <p:cNvSpPr txBox="1"/>
           <p:nvPr>
-            <p:ph type="body" sz="quarter" idx="1"/>
+            <p:ph type="body" sz="quarter" idx="14"/>
           </p:nvPr>
         </p:nvSpPr>
         <p:spPr>
@@ -1475,8 +1442,9 @@
         </p:spPr>
         <p:txBody>
           <a:bodyPr/>
-          <a:lstStyle>
-            <a:lvl1pPr marL="0" indent="0">
+          <a:lstStyle/>
+          <a:p>
+            <a:pPr marL="0" indent="0">
               <a:spcBef>
                 <a:spcPts val="0"/>
               </a:spcBef>
@@ -1485,85 +1453,14 @@
               <a:buFontTx/>
               <a:buNone/>
               <a:defRPr sz="2400"/>
-            </a:lvl1pPr>
-            <a:lvl2pPr marL="0" indent="0">
-              <a:spcBef>
-                <a:spcPts val="0"/>
-              </a:spcBef>
-              <a:buClrTx/>
-              <a:buSzTx/>
-              <a:buFontTx/>
-              <a:buNone/>
-              <a:defRPr sz="2400"/>
-            </a:lvl2pPr>
-            <a:lvl3pPr marL="0" indent="0">
-              <a:spcBef>
-                <a:spcPts val="0"/>
-              </a:spcBef>
-              <a:buClrTx/>
-              <a:buSzTx/>
-              <a:buFontTx/>
-              <a:buNone/>
-              <a:defRPr sz="2400"/>
-            </a:lvl3pPr>
-            <a:lvl4pPr marL="0" indent="0">
-              <a:spcBef>
-                <a:spcPts val="0"/>
-              </a:spcBef>
-              <a:buClrTx/>
-              <a:buSzTx/>
-              <a:buFontTx/>
-              <a:buNone/>
-              <a:defRPr sz="2400"/>
-            </a:lvl4pPr>
-            <a:lvl5pPr marL="0" indent="0">
-              <a:spcBef>
-                <a:spcPts val="0"/>
-              </a:spcBef>
-              <a:buClrTx/>
-              <a:buSzTx/>
-              <a:buFontTx/>
-              <a:buNone/>
-              <a:defRPr sz="2400"/>
-            </a:lvl5pPr>
-          </a:lstStyle>
-          <a:p>
-            <a:r>
-              <a:t>Body Level One</a:t>
-            </a:r>
-          </a:p>
-          <a:p>
-            <a:pPr lvl="1"/>
-            <a:r>
-              <a:t>Body Level Two</a:t>
-            </a:r>
-          </a:p>
-          <a:p>
-            <a:pPr lvl="2"/>
-            <a:r>
-              <a:t>Body Level Three</a:t>
-            </a:r>
-          </a:p>
-          <a:p>
-            <a:pPr lvl="3"/>
-            <a:r>
-              <a:t>Body Level Four</a:t>
-            </a:r>
-          </a:p>
-          <a:p>
-            <a:pPr lvl="4"/>
-            <a:r>
-              <a:t>Body Level Five</a:t>
-            </a:r>
+            </a:pPr>
           </a:p>
         </p:txBody>
       </p:sp>
       <p:sp>
         <p:nvSpPr>
           <p:cNvPr id="34" name="Slide Number"/>
-          <p:cNvSpPr txBox="1">
-            <a:spLocks noGrp="1"/>
-          </p:cNvSpPr>
+          <p:cNvSpPr txBox="1"/>
           <p:nvPr>
             <p:ph type="sldNum" sz="quarter" idx="2"/>
           </p:nvPr>
@@ -1577,10 +1474,8 @@
           <a:bodyPr/>
           <a:lstStyle/>
           <a:p>
-            <a:fld id="{86CB4B4D-7CA3-9044-876B-883B54F8677D}" type="slidenum">
-              <a:t>‹#›</a:t>
-            </a:fld>
-            <a:endParaRPr/>
+            <a:pPr/>
+            <a:fld id="{86CB4B4D-7CA3-9044-876B-883B54F8677D}" type="slidenum"/>
           </a:p>
         </p:txBody>
       </p:sp>
@@ -1589,12 +1484,12 @@
   <p:clrMapOvr>
     <a:masterClrMapping/>
   </p:clrMapOvr>
-  <p:transition spd="med"/>
+  <p:transition xmlns:p14="http://schemas.microsoft.com/office/powerpoint/2010/main" spd="med" advClick="1"/>
 </p:sldLayout>
 </file>
 
 <file path=ppt/slideLayouts/slideLayout3.xml><?xml version="1.0" encoding="utf-8"?>
-<p:sldLayout xmlns:a="http://schemas.openxmlformats.org/drawingml/2006/main" xmlns:r="http://schemas.openxmlformats.org/officeDocument/2006/relationships" xmlns:p="http://schemas.openxmlformats.org/presentationml/2006/main" showMasterSp="0" type="tx">
+<p:sldLayout xmlns:a="http://schemas.openxmlformats.org/drawingml/2006/main" xmlns:r="http://schemas.openxmlformats.org/officeDocument/2006/relationships" xmlns:p="http://schemas.openxmlformats.org/presentationml/2006/main" xmlns:m="http://schemas.openxmlformats.org/officeDocument/2006/math" xmlns:a14="http://schemas.microsoft.com/office/drawing/2010/main" type="tx" showMasterSp="0" showMasterPhAnim="1">
   <p:cSld name="Title - Center">
     <p:spTree>
       <p:nvGrpSpPr>
@@ -1613,9 +1508,7 @@
       <p:sp>
         <p:nvSpPr>
           <p:cNvPr id="41" name="Title Text"/>
-          <p:cNvSpPr txBox="1">
-            <a:spLocks noGrp="1"/>
-          </p:cNvSpPr>
+          <p:cNvSpPr txBox="1"/>
           <p:nvPr>
             <p:ph type="title"/>
           </p:nvPr>
@@ -1633,6 +1526,7 @@
           <a:bodyPr/>
           <a:lstStyle/>
           <a:p>
+            <a:pPr/>
             <a:r>
               <a:t>Title Text</a:t>
             </a:r>
@@ -1642,9 +1536,7 @@
       <p:sp>
         <p:nvSpPr>
           <p:cNvPr id="42" name="Slide Number"/>
-          <p:cNvSpPr txBox="1">
-            <a:spLocks noGrp="1"/>
-          </p:cNvSpPr>
+          <p:cNvSpPr txBox="1"/>
           <p:nvPr>
             <p:ph type="sldNum" sz="quarter" idx="2"/>
           </p:nvPr>
@@ -1658,10 +1550,8 @@
           <a:bodyPr/>
           <a:lstStyle/>
           <a:p>
-            <a:fld id="{86CB4B4D-7CA3-9044-876B-883B54F8677D}" type="slidenum">
-              <a:t>‹#›</a:t>
-            </a:fld>
-            <a:endParaRPr/>
+            <a:pPr/>
+            <a:fld id="{86CB4B4D-7CA3-9044-876B-883B54F8677D}" type="slidenum"/>
           </a:p>
         </p:txBody>
       </p:sp>
@@ -1670,12 +1560,12 @@
   <p:clrMapOvr>
     <a:masterClrMapping/>
   </p:clrMapOvr>
-  <p:transition spd="med"/>
+  <p:transition xmlns:p14="http://schemas.microsoft.com/office/powerpoint/2010/main" spd="med" advClick="1"/>
 </p:sldLayout>
 </file>
 
 <file path=ppt/slideLayouts/slideLayout4.xml><?xml version="1.0" encoding="utf-8"?>
-<p:sldLayout xmlns:a="http://schemas.openxmlformats.org/drawingml/2006/main" xmlns:r="http://schemas.openxmlformats.org/officeDocument/2006/relationships" xmlns:p="http://schemas.openxmlformats.org/presentationml/2006/main" showMasterSp="0" type="tx">
+<p:sldLayout xmlns:a="http://schemas.openxmlformats.org/drawingml/2006/main" xmlns:r="http://schemas.openxmlformats.org/officeDocument/2006/relationships" xmlns:p="http://schemas.openxmlformats.org/presentationml/2006/main" xmlns:m="http://schemas.openxmlformats.org/officeDocument/2006/math" xmlns:a14="http://schemas.microsoft.com/office/drawing/2010/main" type="tx" showMasterSp="0" showMasterPhAnim="1">
   <p:cSld name="Photo - Vertical">
     <p:spTree>
       <p:nvGrpSpPr>
@@ -1699,8 +1589,8 @@
         </p:nvSpPr>
         <p:spPr>
           <a:xfrm>
-            <a:off x="508000" y="4876800"/>
-            <a:ext cx="5676374" cy="0"/>
+            <a:off x="507999" y="4876800"/>
+            <a:ext cx="5676376" cy="0"/>
           </a:xfrm>
           <a:prstGeom prst="line">
             <a:avLst/>
@@ -1715,21 +1605,10 @@
           </a:ln>
         </p:spPr>
         <p:txBody>
-          <a:bodyPr lIns="50800" tIns="50800" rIns="50800" bIns="50800" anchor="ctr"/>
+          <a:bodyPr lIns="45718" tIns="45718" rIns="45718" bIns="45718"/>
           <a:lstStyle/>
           <a:p>
-            <a:pPr algn="l" defTabSz="457200">
-              <a:defRPr sz="1200">
-                <a:solidFill>
-                  <a:srgbClr val="000000"/>
-                </a:solidFill>
-                <a:latin typeface="Helvetica"/>
-                <a:ea typeface="Helvetica"/>
-                <a:cs typeface="Helvetica"/>
-                <a:sym typeface="Helvetica"/>
-              </a:defRPr>
-            </a:pPr>
-            <a:endParaRPr/>
+            <a:pPr/>
           </a:p>
         </p:txBody>
       </p:sp>
@@ -1742,7 +1621,7 @@
         <p:spPr>
           <a:xfrm>
             <a:off x="508000" y="2768600"/>
-            <a:ext cx="5676316" cy="0"/>
+            <a:ext cx="5676317" cy="0"/>
           </a:xfrm>
           <a:prstGeom prst="line">
             <a:avLst/>
@@ -1757,32 +1636,19 @@
           </a:ln>
         </p:spPr>
         <p:txBody>
-          <a:bodyPr lIns="50800" tIns="50800" rIns="50800" bIns="50800" anchor="ctr"/>
+          <a:bodyPr lIns="45718" tIns="45718" rIns="45718" bIns="45718"/>
           <a:lstStyle/>
           <a:p>
-            <a:pPr algn="l" defTabSz="457200">
-              <a:defRPr sz="1200">
-                <a:solidFill>
-                  <a:srgbClr val="000000"/>
-                </a:solidFill>
-                <a:latin typeface="Helvetica"/>
-                <a:ea typeface="Helvetica"/>
-                <a:cs typeface="Helvetica"/>
-                <a:sym typeface="Helvetica"/>
-              </a:defRPr>
-            </a:pPr>
-            <a:endParaRPr/>
-          </a:p>
-        </p:txBody>
-      </p:sp>
-      <p:sp>
-        <p:nvSpPr>
-          <p:cNvPr id="51" name="Lorem Ipsum Dolor"/>
-          <p:cNvSpPr txBox="1">
-            <a:spLocks noGrp="1"/>
-          </p:cNvSpPr>
+            <a:pPr/>
+          </a:p>
+        </p:txBody>
+      </p:sp>
+      <p:sp>
+        <p:nvSpPr>
+          <p:cNvPr id="51" name="Body Level One…"/>
+          <p:cNvSpPr txBox="1"/>
           <p:nvPr>
-            <p:ph type="body" sz="quarter" idx="13"/>
+            <p:ph type="body" sz="quarter" idx="1"/>
           </p:nvPr>
         </p:nvSpPr>
         <p:spPr>
@@ -1795,9 +1661,7 @@
           </a:prstGeom>
         </p:spPr>
         <p:txBody>
-          <a:bodyPr anchor="b">
-            <a:spAutoFit/>
-          </a:bodyPr>
+          <a:bodyPr anchor="b"/>
           <a:lstStyle>
             <a:lvl1pPr marL="0" indent="0">
               <a:lnSpc>
@@ -1810,12 +1674,81 @@
               <a:buSzTx/>
               <a:buFontTx/>
               <a:buNone/>
-              <a:defRPr sz="2400" i="1"/>
+              <a:defRPr i="1" sz="2400"/>
             </a:lvl1pPr>
+            <a:lvl2pPr marL="783166" indent="-313266">
+              <a:lnSpc>
+                <a:spcPct val="110000"/>
+              </a:lnSpc>
+              <a:spcBef>
+                <a:spcPts val="0"/>
+              </a:spcBef>
+              <a:buClrTx/>
+              <a:buFontTx/>
+              <a:defRPr i="1" sz="2400"/>
+            </a:lvl2pPr>
+            <a:lvl3pPr marL="1253066" indent="-313266">
+              <a:lnSpc>
+                <a:spcPct val="110000"/>
+              </a:lnSpc>
+              <a:spcBef>
+                <a:spcPts val="0"/>
+              </a:spcBef>
+              <a:buClrTx/>
+              <a:buFontTx/>
+              <a:defRPr i="1" sz="2400"/>
+            </a:lvl3pPr>
+            <a:lvl4pPr marL="1722966" indent="-313266">
+              <a:lnSpc>
+                <a:spcPct val="110000"/>
+              </a:lnSpc>
+              <a:spcBef>
+                <a:spcPts val="0"/>
+              </a:spcBef>
+              <a:buClrTx/>
+              <a:buFontTx/>
+              <a:defRPr i="1" sz="2400"/>
+            </a:lvl4pPr>
+            <a:lvl5pPr marL="2192866" indent="-313266">
+              <a:lnSpc>
+                <a:spcPct val="110000"/>
+              </a:lnSpc>
+              <a:spcBef>
+                <a:spcPts val="0"/>
+              </a:spcBef>
+              <a:buClrTx/>
+              <a:buFontTx/>
+              <a:defRPr i="1" sz="2400"/>
+            </a:lvl5pPr>
           </a:lstStyle>
           <a:p>
-            <a:r>
-              <a:t>Lorem Ipsum Dolor</a:t>
+            <a:pPr/>
+            <a:r>
+              <a:t>Body Level One</a:t>
+            </a:r>
+          </a:p>
+          <a:p>
+            <a:pPr lvl="1"/>
+            <a:r>
+              <a:t>Body Level Two</a:t>
+            </a:r>
+          </a:p>
+          <a:p>
+            <a:pPr lvl="2"/>
+            <a:r>
+              <a:t>Body Level Three</a:t>
+            </a:r>
+          </a:p>
+          <a:p>
+            <a:pPr lvl="3"/>
+            <a:r>
+              <a:t>Body Level Four</a:t>
+            </a:r>
+          </a:p>
+          <a:p>
+            <a:pPr lvl="4"/>
+            <a:r>
+              <a:t>Body Level Five</a:t>
             </a:r>
           </a:p>
         </p:txBody>
@@ -1823,24 +1756,19 @@
       <p:sp>
         <p:nvSpPr>
           <p:cNvPr id="52" name="Image"/>
-          <p:cNvSpPr>
-            <a:spLocks noGrp="1"/>
-          </p:cNvSpPr>
+          <p:cNvSpPr/>
           <p:nvPr>
-            <p:ph type="pic" sz="half" idx="14"/>
+            <p:ph type="pic" sz="half" idx="13"/>
           </p:nvPr>
         </p:nvSpPr>
         <p:spPr>
           <a:xfrm>
-            <a:off x="6704698" y="590550"/>
-            <a:ext cx="5806884" cy="8509000"/>
+            <a:off x="6704697" y="590550"/>
+            <a:ext cx="5806885" cy="8509000"/>
           </a:xfrm>
           <a:prstGeom prst="rect">
             <a:avLst/>
           </a:prstGeom>
-          <a:ln w="9525">
-            <a:round/>
-          </a:ln>
         </p:spPr>
         <p:txBody>
           <a:bodyPr lIns="91439" tIns="45719" rIns="91439" bIns="45719" anchor="t">
@@ -1848,16 +1776,14 @@
           </a:bodyPr>
           <a:lstStyle/>
           <a:p>
-            <a:endParaRPr/>
+            <a:pPr/>
           </a:p>
         </p:txBody>
       </p:sp>
       <p:sp>
         <p:nvSpPr>
           <p:cNvPr id="53" name="Title Text"/>
-          <p:cNvSpPr txBox="1">
-            <a:spLocks noGrp="1"/>
-          </p:cNvSpPr>
+          <p:cNvSpPr txBox="1"/>
           <p:nvPr>
             <p:ph type="title"/>
           </p:nvPr>
@@ -1879,6 +1805,7 @@
             </a:lvl1pPr>
           </a:lstStyle>
           <a:p>
+            <a:pPr/>
             <a:r>
               <a:t>Title Text</a:t>
             </a:r>
@@ -1888,11 +1815,9 @@
       <p:sp>
         <p:nvSpPr>
           <p:cNvPr id="54" name="Body Level One…"/>
-          <p:cNvSpPr txBox="1">
-            <a:spLocks noGrp="1"/>
-          </p:cNvSpPr>
+          <p:cNvSpPr txBox="1"/>
           <p:nvPr>
-            <p:ph type="body" sz="quarter" idx="1"/>
+            <p:ph type="body" sz="quarter" idx="14"/>
           </p:nvPr>
         </p:nvSpPr>
         <p:spPr>
@@ -1906,8 +1831,9 @@
         </p:spPr>
         <p:txBody>
           <a:bodyPr anchor="t"/>
-          <a:lstStyle>
-            <a:lvl1pPr marL="0" indent="0">
+          <a:lstStyle/>
+          <a:p>
+            <a:pPr marL="0" indent="0">
               <a:spcBef>
                 <a:spcPts val="0"/>
               </a:spcBef>
@@ -1916,85 +1842,14 @@
               <a:buFontTx/>
               <a:buNone/>
               <a:defRPr sz="2400"/>
-            </a:lvl1pPr>
-            <a:lvl2pPr marL="0" indent="0">
-              <a:spcBef>
-                <a:spcPts val="0"/>
-              </a:spcBef>
-              <a:buClrTx/>
-              <a:buSzTx/>
-              <a:buFontTx/>
-              <a:buNone/>
-              <a:defRPr sz="2400"/>
-            </a:lvl2pPr>
-            <a:lvl3pPr marL="0" indent="0">
-              <a:spcBef>
-                <a:spcPts val="0"/>
-              </a:spcBef>
-              <a:buClrTx/>
-              <a:buSzTx/>
-              <a:buFontTx/>
-              <a:buNone/>
-              <a:defRPr sz="2400"/>
-            </a:lvl3pPr>
-            <a:lvl4pPr marL="0" indent="0">
-              <a:spcBef>
-                <a:spcPts val="0"/>
-              </a:spcBef>
-              <a:buClrTx/>
-              <a:buSzTx/>
-              <a:buFontTx/>
-              <a:buNone/>
-              <a:defRPr sz="2400"/>
-            </a:lvl4pPr>
-            <a:lvl5pPr marL="0" indent="0">
-              <a:spcBef>
-                <a:spcPts val="0"/>
-              </a:spcBef>
-              <a:buClrTx/>
-              <a:buSzTx/>
-              <a:buFontTx/>
-              <a:buNone/>
-              <a:defRPr sz="2400"/>
-            </a:lvl5pPr>
-          </a:lstStyle>
-          <a:p>
-            <a:r>
-              <a:t>Body Level One</a:t>
-            </a:r>
-          </a:p>
-          <a:p>
-            <a:pPr lvl="1"/>
-            <a:r>
-              <a:t>Body Level Two</a:t>
-            </a:r>
-          </a:p>
-          <a:p>
-            <a:pPr lvl="2"/>
-            <a:r>
-              <a:t>Body Level Three</a:t>
-            </a:r>
-          </a:p>
-          <a:p>
-            <a:pPr lvl="3"/>
-            <a:r>
-              <a:t>Body Level Four</a:t>
-            </a:r>
-          </a:p>
-          <a:p>
-            <a:pPr lvl="4"/>
-            <a:r>
-              <a:t>Body Level Five</a:t>
-            </a:r>
+            </a:pPr>
           </a:p>
         </p:txBody>
       </p:sp>
       <p:sp>
         <p:nvSpPr>
           <p:cNvPr id="55" name="Slide Number"/>
-          <p:cNvSpPr txBox="1">
-            <a:spLocks noGrp="1"/>
-          </p:cNvSpPr>
+          <p:cNvSpPr txBox="1"/>
           <p:nvPr>
             <p:ph type="sldNum" sz="quarter" idx="2"/>
           </p:nvPr>
@@ -2008,10 +1863,8 @@
           <a:bodyPr/>
           <a:lstStyle/>
           <a:p>
-            <a:fld id="{86CB4B4D-7CA3-9044-876B-883B54F8677D}" type="slidenum">
-              <a:t>‹#›</a:t>
-            </a:fld>
-            <a:endParaRPr/>
+            <a:pPr/>
+            <a:fld id="{86CB4B4D-7CA3-9044-876B-883B54F8677D}" type="slidenum"/>
           </a:p>
         </p:txBody>
       </p:sp>
@@ -2020,12 +1873,12 @@
   <p:clrMapOvr>
     <a:masterClrMapping/>
   </p:clrMapOvr>
-  <p:transition spd="med"/>
+  <p:transition xmlns:p14="http://schemas.microsoft.com/office/powerpoint/2010/main" spd="med" advClick="1"/>
 </p:sldLayout>
 </file>
 
 <file path=ppt/slideLayouts/slideLayout5.xml><?xml version="1.0" encoding="utf-8"?>
-<p:sldLayout xmlns:a="http://schemas.openxmlformats.org/drawingml/2006/main" xmlns:r="http://schemas.openxmlformats.org/officeDocument/2006/relationships" xmlns:p="http://schemas.openxmlformats.org/presentationml/2006/main" type="tx">
+<p:sldLayout xmlns:a="http://schemas.openxmlformats.org/drawingml/2006/main" xmlns:r="http://schemas.openxmlformats.org/officeDocument/2006/relationships" xmlns:p="http://schemas.openxmlformats.org/presentationml/2006/main" xmlns:m="http://schemas.openxmlformats.org/officeDocument/2006/math" xmlns:a14="http://schemas.microsoft.com/office/drawing/2010/main" type="tx" showMasterSp="1" showMasterPhAnim="1">
   <p:cSld name="Title - Top">
     <p:spTree>
       <p:nvGrpSpPr>
@@ -2044,9 +1897,7 @@
       <p:sp>
         <p:nvSpPr>
           <p:cNvPr id="62" name="Title Text"/>
-          <p:cNvSpPr txBox="1">
-            <a:spLocks noGrp="1"/>
-          </p:cNvSpPr>
+          <p:cNvSpPr txBox="1"/>
           <p:nvPr>
             <p:ph type="title"/>
           </p:nvPr>
@@ -2060,6 +1911,7 @@
           <a:bodyPr/>
           <a:lstStyle/>
           <a:p>
+            <a:pPr/>
             <a:r>
               <a:t>Title Text</a:t>
             </a:r>
@@ -2069,9 +1921,7 @@
       <p:sp>
         <p:nvSpPr>
           <p:cNvPr id="63" name="Slide Number"/>
-          <p:cNvSpPr txBox="1">
-            <a:spLocks noGrp="1"/>
-          </p:cNvSpPr>
+          <p:cNvSpPr txBox="1"/>
           <p:nvPr>
             <p:ph type="sldNum" sz="quarter" idx="2"/>
           </p:nvPr>
@@ -2085,10 +1935,8 @@
           <a:bodyPr/>
           <a:lstStyle/>
           <a:p>
-            <a:fld id="{86CB4B4D-7CA3-9044-876B-883B54F8677D}" type="slidenum">
-              <a:t>‹#›</a:t>
-            </a:fld>
-            <a:endParaRPr/>
+            <a:pPr/>
+            <a:fld id="{86CB4B4D-7CA3-9044-876B-883B54F8677D}" type="slidenum"/>
           </a:p>
         </p:txBody>
       </p:sp>
@@ -2097,12 +1945,12 @@
   <p:clrMapOvr>
     <a:masterClrMapping/>
   </p:clrMapOvr>
-  <p:transition spd="med"/>
+  <p:transition xmlns:p14="http://schemas.microsoft.com/office/powerpoint/2010/main" spd="med" advClick="1"/>
 </p:sldLayout>
 </file>
 
 <file path=ppt/slideLayouts/slideLayout6.xml><?xml version="1.0" encoding="utf-8"?>
-<p:sldLayout xmlns:a="http://schemas.openxmlformats.org/drawingml/2006/main" xmlns:r="http://schemas.openxmlformats.org/officeDocument/2006/relationships" xmlns:p="http://schemas.openxmlformats.org/presentationml/2006/main" type="tx">
+<p:sldLayout xmlns:a="http://schemas.openxmlformats.org/drawingml/2006/main" xmlns:r="http://schemas.openxmlformats.org/officeDocument/2006/relationships" xmlns:p="http://schemas.openxmlformats.org/presentationml/2006/main" xmlns:m="http://schemas.openxmlformats.org/officeDocument/2006/math" xmlns:a14="http://schemas.microsoft.com/office/drawing/2010/main" type="tx" showMasterSp="1" showMasterPhAnim="1">
   <p:cSld name="Title &amp; Bullets">
     <p:spTree>
       <p:nvGrpSpPr>
@@ -2121,9 +1969,7 @@
       <p:sp>
         <p:nvSpPr>
           <p:cNvPr id="70" name="Title Text"/>
-          <p:cNvSpPr txBox="1">
-            <a:spLocks noGrp="1"/>
-          </p:cNvSpPr>
+          <p:cNvSpPr txBox="1"/>
           <p:nvPr>
             <p:ph type="title"/>
           </p:nvPr>
@@ -2137,6 +1983,7 @@
           <a:bodyPr/>
           <a:lstStyle/>
           <a:p>
+            <a:pPr/>
             <a:r>
               <a:t>Title Text</a:t>
             </a:r>
@@ -2146,9 +1993,7 @@
       <p:sp>
         <p:nvSpPr>
           <p:cNvPr id="71" name="Body Level One…"/>
-          <p:cNvSpPr txBox="1">
-            <a:spLocks noGrp="1"/>
-          </p:cNvSpPr>
+          <p:cNvSpPr txBox="1"/>
           <p:nvPr>
             <p:ph type="body" idx="1"/>
           </p:nvPr>
@@ -2162,6 +2007,7 @@
           <a:bodyPr/>
           <a:lstStyle/>
           <a:p>
+            <a:pPr/>
             <a:r>
               <a:t>Body Level One</a:t>
             </a:r>
@@ -2195,9 +2041,7 @@
       <p:sp>
         <p:nvSpPr>
           <p:cNvPr id="72" name="Slide Number"/>
-          <p:cNvSpPr txBox="1">
-            <a:spLocks noGrp="1"/>
-          </p:cNvSpPr>
+          <p:cNvSpPr txBox="1"/>
           <p:nvPr>
             <p:ph type="sldNum" sz="quarter" idx="2"/>
           </p:nvPr>
@@ -2211,10 +2055,8 @@
           <a:bodyPr/>
           <a:lstStyle/>
           <a:p>
-            <a:fld id="{86CB4B4D-7CA3-9044-876B-883B54F8677D}" type="slidenum">
-              <a:t>‹#›</a:t>
-            </a:fld>
-            <a:endParaRPr/>
+            <a:pPr/>
+            <a:fld id="{86CB4B4D-7CA3-9044-876B-883B54F8677D}" type="slidenum"/>
           </a:p>
         </p:txBody>
       </p:sp>
@@ -2223,12 +2065,12 @@
   <p:clrMapOvr>
     <a:masterClrMapping/>
   </p:clrMapOvr>
-  <p:transition spd="med"/>
+  <p:transition xmlns:p14="http://schemas.microsoft.com/office/powerpoint/2010/main" spd="med" advClick="1"/>
 </p:sldLayout>
 </file>
 
 <file path=ppt/slideLayouts/slideLayout7.xml><?xml version="1.0" encoding="utf-8"?>
-<p:sldLayout xmlns:a="http://schemas.openxmlformats.org/drawingml/2006/main" xmlns:r="http://schemas.openxmlformats.org/officeDocument/2006/relationships" xmlns:p="http://schemas.openxmlformats.org/presentationml/2006/main" type="tx">
+<p:sldLayout xmlns:a="http://schemas.openxmlformats.org/drawingml/2006/main" xmlns:r="http://schemas.openxmlformats.org/officeDocument/2006/relationships" xmlns:p="http://schemas.openxmlformats.org/presentationml/2006/main" xmlns:m="http://schemas.openxmlformats.org/officeDocument/2006/math" xmlns:a14="http://schemas.microsoft.com/office/drawing/2010/main" type="tx" showMasterSp="1" showMasterPhAnim="1">
   <p:cSld name="Title, Bullets &amp; Photo">
     <p:spTree>
       <p:nvGrpSpPr>
@@ -2247,9 +2089,7 @@
       <p:sp>
         <p:nvSpPr>
           <p:cNvPr id="79" name="Image"/>
-          <p:cNvSpPr>
-            <a:spLocks noGrp="1"/>
-          </p:cNvSpPr>
+          <p:cNvSpPr/>
           <p:nvPr>
             <p:ph type="pic" sz="half" idx="13"/>
           </p:nvPr>
@@ -2262,9 +2102,6 @@
           <a:prstGeom prst="rect">
             <a:avLst/>
           </a:prstGeom>
-          <a:ln w="9525">
-            <a:round/>
-          </a:ln>
         </p:spPr>
         <p:txBody>
           <a:bodyPr lIns="91439" tIns="45719" rIns="91439" bIns="45719" anchor="t">
@@ -2272,16 +2109,14 @@
           </a:bodyPr>
           <a:lstStyle/>
           <a:p>
-            <a:endParaRPr/>
+            <a:pPr/>
           </a:p>
         </p:txBody>
       </p:sp>
       <p:sp>
         <p:nvSpPr>
           <p:cNvPr id="80" name="Title Text"/>
-          <p:cNvSpPr txBox="1">
-            <a:spLocks noGrp="1"/>
-          </p:cNvSpPr>
+          <p:cNvSpPr txBox="1"/>
           <p:nvPr>
             <p:ph type="title"/>
           </p:nvPr>
@@ -2295,6 +2130,7 @@
           <a:bodyPr/>
           <a:lstStyle/>
           <a:p>
+            <a:pPr/>
             <a:r>
               <a:t>Title Text</a:t>
             </a:r>
@@ -2304,9 +2140,7 @@
       <p:sp>
         <p:nvSpPr>
           <p:cNvPr id="81" name="Body Level One…"/>
-          <p:cNvSpPr txBox="1">
-            <a:spLocks noGrp="1"/>
-          </p:cNvSpPr>
+          <p:cNvSpPr txBox="1"/>
           <p:nvPr>
             <p:ph type="body" sz="half" idx="1"/>
           </p:nvPr>
@@ -2360,6 +2194,7 @@
             </a:lvl5pPr>
           </a:lstStyle>
           <a:p>
+            <a:pPr/>
             <a:r>
               <a:t>Body Level One</a:t>
             </a:r>
@@ -2393,9 +2228,7 @@
       <p:sp>
         <p:nvSpPr>
           <p:cNvPr id="82" name="Slide Number"/>
-          <p:cNvSpPr txBox="1">
-            <a:spLocks noGrp="1"/>
-          </p:cNvSpPr>
+          <p:cNvSpPr txBox="1"/>
           <p:nvPr>
             <p:ph type="sldNum" sz="quarter" idx="2"/>
           </p:nvPr>
@@ -2409,10 +2242,8 @@
           <a:bodyPr/>
           <a:lstStyle/>
           <a:p>
-            <a:fld id="{86CB4B4D-7CA3-9044-876B-883B54F8677D}" type="slidenum">
-              <a:t>‹#›</a:t>
-            </a:fld>
-            <a:endParaRPr/>
+            <a:pPr/>
+            <a:fld id="{86CB4B4D-7CA3-9044-876B-883B54F8677D}" type="slidenum"/>
           </a:p>
         </p:txBody>
       </p:sp>
@@ -2421,12 +2252,12 @@
   <p:clrMapOvr>
     <a:masterClrMapping/>
   </p:clrMapOvr>
-  <p:transition spd="med"/>
+  <p:transition xmlns:p14="http://schemas.microsoft.com/office/powerpoint/2010/main" spd="med" advClick="1"/>
 </p:sldLayout>
 </file>
 
 <file path=ppt/slideLayouts/slideLayout8.xml><?xml version="1.0" encoding="utf-8"?>
-<p:sldLayout xmlns:a="http://schemas.openxmlformats.org/drawingml/2006/main" xmlns:r="http://schemas.openxmlformats.org/officeDocument/2006/relationships" xmlns:p="http://schemas.openxmlformats.org/presentationml/2006/main" showMasterSp="0" type="tx">
+<p:sldLayout xmlns:a="http://schemas.openxmlformats.org/drawingml/2006/main" xmlns:r="http://schemas.openxmlformats.org/officeDocument/2006/relationships" xmlns:p="http://schemas.openxmlformats.org/presentationml/2006/main" xmlns:m="http://schemas.openxmlformats.org/officeDocument/2006/math" xmlns:a14="http://schemas.microsoft.com/office/drawing/2010/main" type="tx" showMasterSp="0" showMasterPhAnim="1">
   <p:cSld name="Bullets">
     <p:spTree>
       <p:nvGrpSpPr>
@@ -2445,9 +2276,7 @@
       <p:sp>
         <p:nvSpPr>
           <p:cNvPr id="89" name="Body Level One…"/>
-          <p:cNvSpPr txBox="1">
-            <a:spLocks noGrp="1"/>
-          </p:cNvSpPr>
+          <p:cNvSpPr txBox="1"/>
           <p:nvPr>
             <p:ph type="body" idx="1"/>
           </p:nvPr>
@@ -2465,6 +2294,7 @@
           <a:bodyPr/>
           <a:lstStyle/>
           <a:p>
+            <a:pPr/>
             <a:r>
               <a:t>Body Level One</a:t>
             </a:r>
@@ -2498,9 +2328,7 @@
       <p:sp>
         <p:nvSpPr>
           <p:cNvPr id="90" name="Slide Number"/>
-          <p:cNvSpPr txBox="1">
-            <a:spLocks noGrp="1"/>
-          </p:cNvSpPr>
+          <p:cNvSpPr txBox="1"/>
           <p:nvPr>
             <p:ph type="sldNum" sz="quarter" idx="2"/>
           </p:nvPr>
@@ -2514,10 +2342,8 @@
           <a:bodyPr/>
           <a:lstStyle/>
           <a:p>
-            <a:fld id="{86CB4B4D-7CA3-9044-876B-883B54F8677D}" type="slidenum">
-              <a:t>‹#›</a:t>
-            </a:fld>
-            <a:endParaRPr/>
+            <a:pPr/>
+            <a:fld id="{86CB4B4D-7CA3-9044-876B-883B54F8677D}" type="slidenum"/>
           </a:p>
         </p:txBody>
       </p:sp>
@@ -2526,12 +2352,12 @@
   <p:clrMapOvr>
     <a:masterClrMapping/>
   </p:clrMapOvr>
-  <p:transition spd="med"/>
+  <p:transition xmlns:p14="http://schemas.microsoft.com/office/powerpoint/2010/main" spd="med" advClick="1"/>
 </p:sldLayout>
 </file>
 
 <file path=ppt/slideLayouts/slideLayout9.xml><?xml version="1.0" encoding="utf-8"?>
-<p:sldLayout xmlns:a="http://schemas.openxmlformats.org/drawingml/2006/main" xmlns:r="http://schemas.openxmlformats.org/officeDocument/2006/relationships" xmlns:p="http://schemas.openxmlformats.org/presentationml/2006/main" showMasterSp="0" type="tx">
+<p:sldLayout xmlns:a="http://schemas.openxmlformats.org/drawingml/2006/main" xmlns:r="http://schemas.openxmlformats.org/officeDocument/2006/relationships" xmlns:p="http://schemas.openxmlformats.org/presentationml/2006/main" xmlns:m="http://schemas.openxmlformats.org/officeDocument/2006/math" xmlns:a14="http://schemas.microsoft.com/office/drawing/2010/main" type="tx" showMasterSp="0" showMasterPhAnim="1">
   <p:cSld name="Photo - 3 Up">
     <p:spTree>
       <p:nvGrpSpPr>
@@ -2550,9 +2376,7 @@
       <p:sp>
         <p:nvSpPr>
           <p:cNvPr id="97" name="Image"/>
-          <p:cNvSpPr>
-            <a:spLocks noGrp="1"/>
-          </p:cNvSpPr>
+          <p:cNvSpPr/>
           <p:nvPr>
             <p:ph type="pic" sz="half" idx="13"/>
           </p:nvPr>
@@ -2565,9 +2389,6 @@
           <a:prstGeom prst="rect">
             <a:avLst/>
           </a:prstGeom>
-          <a:ln w="9525">
-            <a:round/>
-          </a:ln>
         </p:spPr>
         <p:txBody>
           <a:bodyPr lIns="91439" tIns="45719" rIns="91439" bIns="45719" anchor="t">
@@ -2575,16 +2396,14 @@
           </a:bodyPr>
           <a:lstStyle/>
           <a:p>
-            <a:endParaRPr/>
+            <a:pPr/>
           </a:p>
         </p:txBody>
       </p:sp>
       <p:sp>
         <p:nvSpPr>
           <p:cNvPr id="98" name="Image"/>
-          <p:cNvSpPr>
-            <a:spLocks noGrp="1"/>
-          </p:cNvSpPr>
+          <p:cNvSpPr/>
           <p:nvPr>
             <p:ph type="pic" sz="quarter" idx="14"/>
           </p:nvPr>
@@ -2592,14 +2411,11 @@
         <p:spPr>
           <a:xfrm>
             <a:off x="6680200" y="635000"/>
-            <a:ext cx="5829301" cy="3517900"/>
+            <a:ext cx="5829302" cy="3517900"/>
           </a:xfrm>
           <a:prstGeom prst="rect">
             <a:avLst/>
           </a:prstGeom>
-          <a:ln w="9525">
-            <a:round/>
-          </a:ln>
         </p:spPr>
         <p:txBody>
           <a:bodyPr lIns="91439" tIns="45719" rIns="91439" bIns="45719" anchor="t">
@@ -2607,16 +2423,14 @@
           </a:bodyPr>
           <a:lstStyle/>
           <a:p>
-            <a:endParaRPr/>
+            <a:pPr/>
           </a:p>
         </p:txBody>
       </p:sp>
       <p:sp>
         <p:nvSpPr>
           <p:cNvPr id="99" name="Image"/>
-          <p:cNvSpPr>
-            <a:spLocks noGrp="1"/>
-          </p:cNvSpPr>
+          <p:cNvSpPr/>
           <p:nvPr>
             <p:ph type="pic" sz="half" idx="15"/>
           </p:nvPr>
@@ -2629,9 +2443,6 @@
           <a:prstGeom prst="rect">
             <a:avLst/>
           </a:prstGeom>
-          <a:ln w="9525">
-            <a:round/>
-          </a:ln>
         </p:spPr>
         <p:txBody>
           <a:bodyPr lIns="91439" tIns="45719" rIns="91439" bIns="45719" anchor="t">
@@ -2639,16 +2450,14 @@
           </a:bodyPr>
           <a:lstStyle/>
           <a:p>
-            <a:endParaRPr/>
+            <a:pPr/>
           </a:p>
         </p:txBody>
       </p:sp>
       <p:sp>
         <p:nvSpPr>
           <p:cNvPr id="100" name="Slide Number"/>
-          <p:cNvSpPr txBox="1">
-            <a:spLocks noGrp="1"/>
-          </p:cNvSpPr>
+          <p:cNvSpPr txBox="1"/>
           <p:nvPr>
             <p:ph type="sldNum" sz="quarter" idx="2"/>
           </p:nvPr>
@@ -2662,10 +2471,8 @@
           <a:bodyPr/>
           <a:lstStyle/>
           <a:p>
-            <a:fld id="{86CB4B4D-7CA3-9044-876B-883B54F8677D}" type="slidenum">
-              <a:t>‹#›</a:t>
-            </a:fld>
-            <a:endParaRPr/>
+            <a:pPr/>
+            <a:fld id="{86CB4B4D-7CA3-9044-876B-883B54F8677D}" type="slidenum"/>
           </a:p>
         </p:txBody>
       </p:sp>
@@ -2674,23 +2481,22 @@
   <p:clrMapOvr>
     <a:masterClrMapping/>
   </p:clrMapOvr>
-  <p:transition spd="med"/>
+  <p:transition xmlns:p14="http://schemas.microsoft.com/office/powerpoint/2010/main" spd="med" advClick="1"/>
 </p:sldLayout>
 </file>
 
 <file path=ppt/slideMasters/slideMaster1.xml><?xml version="1.0" encoding="utf-8"?>
-<p:sldMaster xmlns:a="http://schemas.openxmlformats.org/drawingml/2006/main" xmlns:r="http://schemas.openxmlformats.org/officeDocument/2006/relationships" xmlns:p="http://schemas.openxmlformats.org/presentationml/2006/main">
+<p:sldMaster xmlns:a="http://schemas.openxmlformats.org/drawingml/2006/main" xmlns:r="http://schemas.openxmlformats.org/officeDocument/2006/relationships" xmlns:p="http://schemas.openxmlformats.org/presentationml/2006/main" xmlns:m="http://schemas.openxmlformats.org/officeDocument/2006/math" xmlns:a14="http://schemas.microsoft.com/office/drawing/2010/main">
   <p:cSld>
     <p:bg>
       <p:bgPr>
         <a:blipFill rotWithShape="1">
-          <a:blip r:embed="rId14"/>
-          <a:srcRect/>
+          <a:blip r:embed="rId2"/>
+          <a:srcRect l="0" t="0" r="0" b="0"/>
           <a:stretch>
             <a:fillRect/>
           </a:stretch>
         </a:blipFill>
-        <a:effectLst/>
       </p:bgPr>
     </p:bg>
     <p:spTree>
@@ -2715,8 +2521,8 @@
         </p:nvSpPr>
         <p:spPr>
           <a:xfrm>
-            <a:off x="508000" y="2171700"/>
-            <a:ext cx="11997292" cy="0"/>
+            <a:off x="507999" y="2171700"/>
+            <a:ext cx="11997293" cy="0"/>
           </a:xfrm>
           <a:prstGeom prst="line">
             <a:avLst/>
@@ -2731,21 +2537,10 @@
           </a:ln>
         </p:spPr>
         <p:txBody>
-          <a:bodyPr lIns="50800" tIns="50800" rIns="50800" bIns="50800" anchor="ctr"/>
+          <a:bodyPr lIns="45718" tIns="45718" rIns="45718" bIns="45718"/>
           <a:lstStyle/>
           <a:p>
-            <a:pPr algn="l" defTabSz="457200">
-              <a:defRPr sz="1200">
-                <a:solidFill>
-                  <a:srgbClr val="000000"/>
-                </a:solidFill>
-                <a:latin typeface="Helvetica"/>
-                <a:ea typeface="Helvetica"/>
-                <a:cs typeface="Helvetica"/>
-                <a:sym typeface="Helvetica"/>
-              </a:defRPr>
-            </a:pPr>
-            <a:endParaRPr/>
+            <a:pPr/>
           </a:p>
         </p:txBody>
       </p:sp>
@@ -2757,8 +2552,8 @@
         </p:nvSpPr>
         <p:spPr>
           <a:xfrm>
-            <a:off x="508000" y="635000"/>
-            <a:ext cx="11997292" cy="0"/>
+            <a:off x="507999" y="635000"/>
+            <a:ext cx="11997293" cy="0"/>
           </a:xfrm>
           <a:prstGeom prst="line">
             <a:avLst/>
@@ -2773,30 +2568,17 @@
           </a:ln>
         </p:spPr>
         <p:txBody>
-          <a:bodyPr lIns="50800" tIns="50800" rIns="50800" bIns="50800" anchor="ctr"/>
+          <a:bodyPr lIns="45718" tIns="45718" rIns="45718" bIns="45718"/>
           <a:lstStyle/>
           <a:p>
-            <a:pPr algn="l" defTabSz="457200">
-              <a:defRPr sz="1200">
-                <a:solidFill>
-                  <a:srgbClr val="000000"/>
-                </a:solidFill>
-                <a:latin typeface="Helvetica"/>
-                <a:ea typeface="Helvetica"/>
-                <a:cs typeface="Helvetica"/>
-                <a:sym typeface="Helvetica"/>
-              </a:defRPr>
-            </a:pPr>
-            <a:endParaRPr/>
+            <a:pPr/>
           </a:p>
         </p:txBody>
       </p:sp>
       <p:sp>
         <p:nvSpPr>
           <p:cNvPr id="4" name="Title Text"/>
-          <p:cNvSpPr txBox="1">
-            <a:spLocks noGrp="1"/>
-          </p:cNvSpPr>
+          <p:cNvSpPr txBox="1"/>
           <p:nvPr>
             <p:ph type="title"/>
           </p:nvPr>
@@ -2814,16 +2596,17 @@
           </a:ln>
           <a:extLst>
             <a:ext uri="{C572A759-6A51-4108-AA02-DFA0A04FC94B}">
-              <ma14:wrappingTextBoxFlag xmlns:ma14="http://schemas.microsoft.com/office/mac/drawingml/2011/main" xmlns:a14="http://schemas.microsoft.com/office/drawing/2010/main" xmlns:m="http://schemas.openxmlformats.org/officeDocument/2006/math" xmlns="" val="1"/>
+              <ma14:wrappingTextBoxFlag xmlns:ma14="http://schemas.microsoft.com/office/mac/drawingml/2011/main" val="1"/>
             </a:ext>
           </a:extLst>
         </p:spPr>
         <p:txBody>
           <a:bodyPr lIns="50800" tIns="50800" rIns="50800" bIns="50800" anchor="ctr">
-            <a:normAutofit/>
+            <a:normAutofit fontScale="100000" lnSpcReduction="0"/>
           </a:bodyPr>
           <a:lstStyle/>
           <a:p>
+            <a:pPr/>
             <a:r>
               <a:t>Title Text</a:t>
             </a:r>
@@ -2833,9 +2616,7 @@
       <p:sp>
         <p:nvSpPr>
           <p:cNvPr id="5" name="Body Level One…"/>
-          <p:cNvSpPr txBox="1">
-            <a:spLocks noGrp="1"/>
-          </p:cNvSpPr>
+          <p:cNvSpPr txBox="1"/>
           <p:nvPr>
             <p:ph type="body" idx="1"/>
           </p:nvPr>
@@ -2853,16 +2634,17 @@
           </a:ln>
           <a:extLst>
             <a:ext uri="{C572A759-6A51-4108-AA02-DFA0A04FC94B}">
-              <ma14:wrappingTextBoxFlag xmlns:ma14="http://schemas.microsoft.com/office/mac/drawingml/2011/main" xmlns:a14="http://schemas.microsoft.com/office/drawing/2010/main" xmlns:m="http://schemas.openxmlformats.org/officeDocument/2006/math" xmlns="" val="1"/>
+              <ma14:wrappingTextBoxFlag xmlns:ma14="http://schemas.microsoft.com/office/mac/drawingml/2011/main" val="1"/>
             </a:ext>
           </a:extLst>
         </p:spPr>
         <p:txBody>
           <a:bodyPr lIns="50800" tIns="50800" rIns="50800" bIns="50800" anchor="ctr">
-            <a:normAutofit/>
+            <a:normAutofit fontScale="100000" lnSpcReduction="0"/>
           </a:bodyPr>
           <a:lstStyle/>
           <a:p>
+            <a:pPr/>
             <a:r>
               <a:t>Body Level One</a:t>
             </a:r>
@@ -2896,9 +2678,7 @@
       <p:sp>
         <p:nvSpPr>
           <p:cNvPr id="6" name="Slide Number"/>
-          <p:cNvSpPr txBox="1">
-            <a:spLocks noGrp="1"/>
-          </p:cNvSpPr>
+          <p:cNvSpPr txBox="1"/>
           <p:nvPr>
             <p:ph type="sldNum" sz="quarter" idx="2"/>
           </p:nvPr>
@@ -2925,14 +2705,16 @@
                 <a:solidFill>
                   <a:srgbClr val="4C4946"/>
                 </a:solidFill>
+                <a:latin typeface="Palatino"/>
+                <a:ea typeface="Palatino"/>
+                <a:cs typeface="Palatino"/>
+                <a:sym typeface="Palatino"/>
               </a:defRPr>
             </a:lvl1pPr>
           </a:lstStyle>
           <a:p>
-            <a:fld id="{86CB4B4D-7CA3-9044-876B-883B54F8677D}" type="slidenum">
-              <a:t>‹#›</a:t>
-            </a:fld>
-            <a:endParaRPr/>
+            <a:pPr/>
+            <a:fld id="{86CB4B4D-7CA3-9044-876B-883B54F8677D}" type="slidenum"/>
           </a:p>
         </p:txBody>
       </p:sp>
@@ -2940,20 +2722,20 @@
   </p:cSld>
   <p:clrMap bg1="lt1" tx1="dk1" bg2="lt2" tx2="dk2" accent1="accent1" accent2="accent2" accent3="accent3" accent4="accent4" accent5="accent5" accent6="accent6" hlink="hlink" folHlink="folHlink"/>
   <p:sldLayoutIdLst>
-    <p:sldLayoutId id="2147483649" r:id="rId1"/>
-    <p:sldLayoutId id="2147483650" r:id="rId2"/>
-    <p:sldLayoutId id="2147483651" r:id="rId3"/>
-    <p:sldLayoutId id="2147483652" r:id="rId4"/>
-    <p:sldLayoutId id="2147483653" r:id="rId5"/>
-    <p:sldLayoutId id="2147483654" r:id="rId6"/>
-    <p:sldLayoutId id="2147483655" r:id="rId7"/>
-    <p:sldLayoutId id="2147483656" r:id="rId8"/>
-    <p:sldLayoutId id="2147483657" r:id="rId9"/>
-    <p:sldLayoutId id="2147483658" r:id="rId10"/>
-    <p:sldLayoutId id="2147483659" r:id="rId11"/>
-    <p:sldLayoutId id="2147483660" r:id="rId12"/>
+    <p:sldLayoutId id="2147483649" r:id="rId3"/>
+    <p:sldLayoutId id="2147483650" r:id="rId4"/>
+    <p:sldLayoutId id="2147483651" r:id="rId5"/>
+    <p:sldLayoutId id="2147483652" r:id="rId6"/>
+    <p:sldLayoutId id="2147483653" r:id="rId7"/>
+    <p:sldLayoutId id="2147483654" r:id="rId8"/>
+    <p:sldLayoutId id="2147483655" r:id="rId9"/>
+    <p:sldLayoutId id="2147483656" r:id="rId10"/>
+    <p:sldLayoutId id="2147483657" r:id="rId11"/>
+    <p:sldLayoutId id="2147483658" r:id="rId12"/>
+    <p:sldLayoutId id="2147483659" r:id="rId13"/>
+    <p:sldLayoutId id="2147483660" r:id="rId14"/>
   </p:sldLayoutIdLst>
-  <p:transition spd="med"/>
+  <p:transition xmlns:p14="http://schemas.microsoft.com/office/powerpoint/2010/main" spd="med" advClick="1"/>
   <p:txStyles>
     <p:titleStyle>
       <a:lvl1pPr marL="0" marR="0" indent="0" algn="ctr" defTabSz="584200" rtl="0" latinLnBrk="0">
@@ -2971,14 +2753,14 @@
         <a:buFontTx/>
         <a:buNone/>
         <a:tabLst/>
-        <a:defRPr sz="7000" b="0" i="0" u="none" strike="noStrike" cap="none" spc="0" baseline="0">
+        <a:defRPr b="0" baseline="0" cap="none" i="0" spc="0" strike="noStrike" sz="7000" u="none">
           <a:solidFill>
             <a:srgbClr val="D93E2B"/>
           </a:solidFill>
           <a:uFillTx/>
-          <a:latin typeface="+mn-lt"/>
-          <a:ea typeface="+mn-ea"/>
-          <a:cs typeface="+mn-cs"/>
+          <a:latin typeface="Bodoni SvtyTwo ITC TT-Book"/>
+          <a:ea typeface="Bodoni SvtyTwo ITC TT-Book"/>
+          <a:cs typeface="Bodoni SvtyTwo ITC TT-Book"/>
           <a:sym typeface="Bodoni SvtyTwo ITC TT-Book"/>
         </a:defRPr>
       </a:lvl1pPr>
@@ -2997,14 +2779,14 @@
         <a:buFontTx/>
         <a:buNone/>
         <a:tabLst/>
-        <a:defRPr sz="7000" b="0" i="0" u="none" strike="noStrike" cap="none" spc="0" baseline="0">
+        <a:defRPr b="0" baseline="0" cap="none" i="0" spc="0" strike="noStrike" sz="7000" u="none">
           <a:solidFill>
             <a:srgbClr val="D93E2B"/>
           </a:solidFill>
           <a:uFillTx/>
-          <a:latin typeface="+mn-lt"/>
-          <a:ea typeface="+mn-ea"/>
-          <a:cs typeface="+mn-cs"/>
+          <a:latin typeface="Bodoni SvtyTwo ITC TT-Book"/>
+          <a:ea typeface="Bodoni SvtyTwo ITC TT-Book"/>
+          <a:cs typeface="Bodoni SvtyTwo ITC TT-Book"/>
           <a:sym typeface="Bodoni SvtyTwo ITC TT-Book"/>
         </a:defRPr>
       </a:lvl2pPr>
@@ -3023,14 +2805,14 @@
         <a:buFontTx/>
         <a:buNone/>
         <a:tabLst/>
-        <a:defRPr sz="7000" b="0" i="0" u="none" strike="noStrike" cap="none" spc="0" baseline="0">
+        <a:defRPr b="0" baseline="0" cap="none" i="0" spc="0" strike="noStrike" sz="7000" u="none">
           <a:solidFill>
             <a:srgbClr val="D93E2B"/>
           </a:solidFill>
           <a:uFillTx/>
-          <a:latin typeface="+mn-lt"/>
-          <a:ea typeface="+mn-ea"/>
-          <a:cs typeface="+mn-cs"/>
+          <a:latin typeface="Bodoni SvtyTwo ITC TT-Book"/>
+          <a:ea typeface="Bodoni SvtyTwo ITC TT-Book"/>
+          <a:cs typeface="Bodoni SvtyTwo ITC TT-Book"/>
           <a:sym typeface="Bodoni SvtyTwo ITC TT-Book"/>
         </a:defRPr>
       </a:lvl3pPr>
@@ -3049,14 +2831,14 @@
         <a:buFontTx/>
         <a:buNone/>
         <a:tabLst/>
-        <a:defRPr sz="7000" b="0" i="0" u="none" strike="noStrike" cap="none" spc="0" baseline="0">
+        <a:defRPr b="0" baseline="0" cap="none" i="0" spc="0" strike="noStrike" sz="7000" u="none">
           <a:solidFill>
             <a:srgbClr val="D93E2B"/>
           </a:solidFill>
           <a:uFillTx/>
-          <a:latin typeface="+mn-lt"/>
-          <a:ea typeface="+mn-ea"/>
-          <a:cs typeface="+mn-cs"/>
+          <a:latin typeface="Bodoni SvtyTwo ITC TT-Book"/>
+          <a:ea typeface="Bodoni SvtyTwo ITC TT-Book"/>
+          <a:cs typeface="Bodoni SvtyTwo ITC TT-Book"/>
           <a:sym typeface="Bodoni SvtyTwo ITC TT-Book"/>
         </a:defRPr>
       </a:lvl4pPr>
@@ -3075,14 +2857,14 @@
         <a:buFontTx/>
         <a:buNone/>
         <a:tabLst/>
-        <a:defRPr sz="7000" b="0" i="0" u="none" strike="noStrike" cap="none" spc="0" baseline="0">
+        <a:defRPr b="0" baseline="0" cap="none" i="0" spc="0" strike="noStrike" sz="7000" u="none">
           <a:solidFill>
             <a:srgbClr val="D93E2B"/>
           </a:solidFill>
           <a:uFillTx/>
-          <a:latin typeface="+mn-lt"/>
-          <a:ea typeface="+mn-ea"/>
-          <a:cs typeface="+mn-cs"/>
+          <a:latin typeface="Bodoni SvtyTwo ITC TT-Book"/>
+          <a:ea typeface="Bodoni SvtyTwo ITC TT-Book"/>
+          <a:cs typeface="Bodoni SvtyTwo ITC TT-Book"/>
           <a:sym typeface="Bodoni SvtyTwo ITC TT-Book"/>
         </a:defRPr>
       </a:lvl5pPr>
@@ -3101,14 +2883,14 @@
         <a:buFontTx/>
         <a:buNone/>
         <a:tabLst/>
-        <a:defRPr sz="7000" b="0" i="0" u="none" strike="noStrike" cap="none" spc="0" baseline="0">
+        <a:defRPr b="0" baseline="0" cap="none" i="0" spc="0" strike="noStrike" sz="7000" u="none">
           <a:solidFill>
             <a:srgbClr val="D93E2B"/>
           </a:solidFill>
           <a:uFillTx/>
-          <a:latin typeface="+mn-lt"/>
-          <a:ea typeface="+mn-ea"/>
-          <a:cs typeface="+mn-cs"/>
+          <a:latin typeface="Bodoni SvtyTwo ITC TT-Book"/>
+          <a:ea typeface="Bodoni SvtyTwo ITC TT-Book"/>
+          <a:cs typeface="Bodoni SvtyTwo ITC TT-Book"/>
           <a:sym typeface="Bodoni SvtyTwo ITC TT-Book"/>
         </a:defRPr>
       </a:lvl6pPr>
@@ -3127,14 +2909,14 @@
         <a:buFontTx/>
         <a:buNone/>
         <a:tabLst/>
-        <a:defRPr sz="7000" b="0" i="0" u="none" strike="noStrike" cap="none" spc="0" baseline="0">
+        <a:defRPr b="0" baseline="0" cap="none" i="0" spc="0" strike="noStrike" sz="7000" u="none">
           <a:solidFill>
             <a:srgbClr val="D93E2B"/>
           </a:solidFill>
           <a:uFillTx/>
-          <a:latin typeface="+mn-lt"/>
-          <a:ea typeface="+mn-ea"/>
-          <a:cs typeface="+mn-cs"/>
+          <a:latin typeface="Bodoni SvtyTwo ITC TT-Book"/>
+          <a:ea typeface="Bodoni SvtyTwo ITC TT-Book"/>
+          <a:cs typeface="Bodoni SvtyTwo ITC TT-Book"/>
           <a:sym typeface="Bodoni SvtyTwo ITC TT-Book"/>
         </a:defRPr>
       </a:lvl7pPr>
@@ -3153,14 +2935,14 @@
         <a:buFontTx/>
         <a:buNone/>
         <a:tabLst/>
-        <a:defRPr sz="7000" b="0" i="0" u="none" strike="noStrike" cap="none" spc="0" baseline="0">
+        <a:defRPr b="0" baseline="0" cap="none" i="0" spc="0" strike="noStrike" sz="7000" u="none">
           <a:solidFill>
             <a:srgbClr val="D93E2B"/>
           </a:solidFill>
           <a:uFillTx/>
-          <a:latin typeface="+mn-lt"/>
-          <a:ea typeface="+mn-ea"/>
-          <a:cs typeface="+mn-cs"/>
+          <a:latin typeface="Bodoni SvtyTwo ITC TT-Book"/>
+          <a:ea typeface="Bodoni SvtyTwo ITC TT-Book"/>
+          <a:cs typeface="Bodoni SvtyTwo ITC TT-Book"/>
           <a:sym typeface="Bodoni SvtyTwo ITC TT-Book"/>
         </a:defRPr>
       </a:lvl8pPr>
@@ -3179,14 +2961,14 @@
         <a:buFontTx/>
         <a:buNone/>
         <a:tabLst/>
-        <a:defRPr sz="7000" b="0" i="0" u="none" strike="noStrike" cap="none" spc="0" baseline="0">
+        <a:defRPr b="0" baseline="0" cap="none" i="0" spc="0" strike="noStrike" sz="7000" u="none">
           <a:solidFill>
             <a:srgbClr val="D93E2B"/>
           </a:solidFill>
           <a:uFillTx/>
-          <a:latin typeface="+mn-lt"/>
-          <a:ea typeface="+mn-ea"/>
-          <a:cs typeface="+mn-cs"/>
+          <a:latin typeface="Bodoni SvtyTwo ITC TT-Book"/>
+          <a:ea typeface="Bodoni SvtyTwo ITC TT-Book"/>
+          <a:cs typeface="Bodoni SvtyTwo ITC TT-Book"/>
           <a:sym typeface="Bodoni SvtyTwo ITC TT-Book"/>
         </a:defRPr>
       </a:lvl9pPr>
@@ -3209,7 +2991,7 @@
         <a:buFont typeface="Zapf Dingbats"/>
         <a:buChar char="❖"/>
         <a:tabLst/>
-        <a:defRPr sz="3600" b="0" i="0" u="none" strike="noStrike" cap="none" spc="0" baseline="0">
+        <a:defRPr b="0" baseline="0" cap="none" i="0" spc="0" strike="noStrike" sz="3600" u="none">
           <a:solidFill>
             <a:srgbClr val="414141"/>
           </a:solidFill>
@@ -3237,7 +3019,7 @@
         <a:buFont typeface="Zapf Dingbats"/>
         <a:buChar char="❖"/>
         <a:tabLst/>
-        <a:defRPr sz="3600" b="0" i="0" u="none" strike="noStrike" cap="none" spc="0" baseline="0">
+        <a:defRPr b="0" baseline="0" cap="none" i="0" spc="0" strike="noStrike" sz="3600" u="none">
           <a:solidFill>
             <a:srgbClr val="414141"/>
           </a:solidFill>
@@ -3265,7 +3047,7 @@
         <a:buFont typeface="Zapf Dingbats"/>
         <a:buChar char="❖"/>
         <a:tabLst/>
-        <a:defRPr sz="3600" b="0" i="0" u="none" strike="noStrike" cap="none" spc="0" baseline="0">
+        <a:defRPr b="0" baseline="0" cap="none" i="0" spc="0" strike="noStrike" sz="3600" u="none">
           <a:solidFill>
             <a:srgbClr val="414141"/>
           </a:solidFill>
@@ -3293,7 +3075,7 @@
         <a:buFont typeface="Zapf Dingbats"/>
         <a:buChar char="❖"/>
         <a:tabLst/>
-        <a:defRPr sz="3600" b="0" i="0" u="none" strike="noStrike" cap="none" spc="0" baseline="0">
+        <a:defRPr b="0" baseline="0" cap="none" i="0" spc="0" strike="noStrike" sz="3600" u="none">
           <a:solidFill>
             <a:srgbClr val="414141"/>
           </a:solidFill>
@@ -3321,7 +3103,7 @@
         <a:buFont typeface="Zapf Dingbats"/>
         <a:buChar char="❖"/>
         <a:tabLst/>
-        <a:defRPr sz="3600" b="0" i="0" u="none" strike="noStrike" cap="none" spc="0" baseline="0">
+        <a:defRPr b="0" baseline="0" cap="none" i="0" spc="0" strike="noStrike" sz="3600" u="none">
           <a:solidFill>
             <a:srgbClr val="414141"/>
           </a:solidFill>
@@ -3349,7 +3131,7 @@
         <a:buFont typeface="Zapf Dingbats"/>
         <a:buChar char="❖"/>
         <a:tabLst/>
-        <a:defRPr sz="3600" b="0" i="0" u="none" strike="noStrike" cap="none" spc="0" baseline="0">
+        <a:defRPr b="0" baseline="0" cap="none" i="0" spc="0" strike="noStrike" sz="3600" u="none">
           <a:solidFill>
             <a:srgbClr val="414141"/>
           </a:solidFill>
@@ -3377,7 +3159,7 @@
         <a:buFont typeface="Zapf Dingbats"/>
         <a:buChar char="❖"/>
         <a:tabLst/>
-        <a:defRPr sz="3600" b="0" i="0" u="none" strike="noStrike" cap="none" spc="0" baseline="0">
+        <a:defRPr b="0" baseline="0" cap="none" i="0" spc="0" strike="noStrike" sz="3600" u="none">
           <a:solidFill>
             <a:srgbClr val="414141"/>
           </a:solidFill>
@@ -3405,7 +3187,7 @@
         <a:buFont typeface="Zapf Dingbats"/>
         <a:buChar char="❖"/>
         <a:tabLst/>
-        <a:defRPr sz="3600" b="0" i="0" u="none" strike="noStrike" cap="none" spc="0" baseline="0">
+        <a:defRPr b="0" baseline="0" cap="none" i="0" spc="0" strike="noStrike" sz="3600" u="none">
           <a:solidFill>
             <a:srgbClr val="414141"/>
           </a:solidFill>
@@ -3433,7 +3215,7 @@
         <a:buFont typeface="Zapf Dingbats"/>
         <a:buChar char="❖"/>
         <a:tabLst/>
-        <a:defRPr sz="3600" b="0" i="0" u="none" strike="noStrike" cap="none" spc="0" baseline="0">
+        <a:defRPr b="0" baseline="0" cap="none" i="0" spc="0" strike="noStrike" sz="3600" u="none">
           <a:solidFill>
             <a:srgbClr val="414141"/>
           </a:solidFill>
@@ -3446,7 +3228,7 @@
       </a:lvl9pPr>
     </p:bodyStyle>
     <p:otherStyle>
-      <a:lvl1pPr marL="0" marR="0" indent="0" algn="ctr" defTabSz="584200" latinLnBrk="0">
+      <a:lvl1pPr marL="0" marR="0" indent="0" algn="ctr" defTabSz="584200" rtl="0" latinLnBrk="0">
         <a:lnSpc>
           <a:spcPct val="100000"/>
         </a:lnSpc>
@@ -3461,7 +3243,7 @@
         <a:buFontTx/>
         <a:buNone/>
         <a:tabLst/>
-        <a:defRPr sz="1800" b="0" i="0" u="none" strike="noStrike" cap="none" spc="0" baseline="0">
+        <a:defRPr b="0" baseline="0" cap="none" i="0" spc="0" strike="noStrike" sz="1800" u="none">
           <a:solidFill>
             <a:schemeClr val="tx1"/>
           </a:solidFill>
@@ -3472,7 +3254,7 @@
           <a:sym typeface="Palatino"/>
         </a:defRPr>
       </a:lvl1pPr>
-      <a:lvl2pPr marL="0" marR="0" indent="228600" algn="ctr" defTabSz="584200" latinLnBrk="0">
+      <a:lvl2pPr marL="0" marR="0" indent="0" algn="ctr" defTabSz="584200" rtl="0" latinLnBrk="0">
         <a:lnSpc>
           <a:spcPct val="100000"/>
         </a:lnSpc>
@@ -3487,7 +3269,7 @@
         <a:buFontTx/>
         <a:buNone/>
         <a:tabLst/>
-        <a:defRPr sz="1800" b="0" i="0" u="none" strike="noStrike" cap="none" spc="0" baseline="0">
+        <a:defRPr b="0" baseline="0" cap="none" i="0" spc="0" strike="noStrike" sz="1800" u="none">
           <a:solidFill>
             <a:schemeClr val="tx1"/>
           </a:solidFill>
@@ -3498,7 +3280,7 @@
           <a:sym typeface="Palatino"/>
         </a:defRPr>
       </a:lvl2pPr>
-      <a:lvl3pPr marL="0" marR="0" indent="457200" algn="ctr" defTabSz="584200" latinLnBrk="0">
+      <a:lvl3pPr marL="0" marR="0" indent="0" algn="ctr" defTabSz="584200" rtl="0" latinLnBrk="0">
         <a:lnSpc>
           <a:spcPct val="100000"/>
         </a:lnSpc>
@@ -3513,7 +3295,7 @@
         <a:buFontTx/>
         <a:buNone/>
         <a:tabLst/>
-        <a:defRPr sz="1800" b="0" i="0" u="none" strike="noStrike" cap="none" spc="0" baseline="0">
+        <a:defRPr b="0" baseline="0" cap="none" i="0" spc="0" strike="noStrike" sz="1800" u="none">
           <a:solidFill>
             <a:schemeClr val="tx1"/>
           </a:solidFill>
@@ -3524,7 +3306,7 @@
           <a:sym typeface="Palatino"/>
         </a:defRPr>
       </a:lvl3pPr>
-      <a:lvl4pPr marL="0" marR="0" indent="685800" algn="ctr" defTabSz="584200" latinLnBrk="0">
+      <a:lvl4pPr marL="0" marR="0" indent="0" algn="ctr" defTabSz="584200" rtl="0" latinLnBrk="0">
         <a:lnSpc>
           <a:spcPct val="100000"/>
         </a:lnSpc>
@@ -3539,7 +3321,7 @@
         <a:buFontTx/>
         <a:buNone/>
         <a:tabLst/>
-        <a:defRPr sz="1800" b="0" i="0" u="none" strike="noStrike" cap="none" spc="0" baseline="0">
+        <a:defRPr b="0" baseline="0" cap="none" i="0" spc="0" strike="noStrike" sz="1800" u="none">
           <a:solidFill>
             <a:schemeClr val="tx1"/>
           </a:solidFill>
@@ -3550,7 +3332,7 @@
           <a:sym typeface="Palatino"/>
         </a:defRPr>
       </a:lvl4pPr>
-      <a:lvl5pPr marL="0" marR="0" indent="914400" algn="ctr" defTabSz="584200" latinLnBrk="0">
+      <a:lvl5pPr marL="0" marR="0" indent="0" algn="ctr" defTabSz="584200" rtl="0" latinLnBrk="0">
         <a:lnSpc>
           <a:spcPct val="100000"/>
         </a:lnSpc>
@@ -3565,7 +3347,7 @@
         <a:buFontTx/>
         <a:buNone/>
         <a:tabLst/>
-        <a:defRPr sz="1800" b="0" i="0" u="none" strike="noStrike" cap="none" spc="0" baseline="0">
+        <a:defRPr b="0" baseline="0" cap="none" i="0" spc="0" strike="noStrike" sz="1800" u="none">
           <a:solidFill>
             <a:schemeClr val="tx1"/>
           </a:solidFill>
@@ -3576,7 +3358,7 @@
           <a:sym typeface="Palatino"/>
         </a:defRPr>
       </a:lvl5pPr>
-      <a:lvl6pPr marL="0" marR="0" indent="1143000" algn="ctr" defTabSz="584200" latinLnBrk="0">
+      <a:lvl6pPr marL="0" marR="0" indent="0" algn="ctr" defTabSz="584200" rtl="0" latinLnBrk="0">
         <a:lnSpc>
           <a:spcPct val="100000"/>
         </a:lnSpc>
@@ -3591,7 +3373,7 @@
         <a:buFontTx/>
         <a:buNone/>
         <a:tabLst/>
-        <a:defRPr sz="1800" b="0" i="0" u="none" strike="noStrike" cap="none" spc="0" baseline="0">
+        <a:defRPr b="0" baseline="0" cap="none" i="0" spc="0" strike="noStrike" sz="1800" u="none">
           <a:solidFill>
             <a:schemeClr val="tx1"/>
           </a:solidFill>
@@ -3602,7 +3384,7 @@
           <a:sym typeface="Palatino"/>
         </a:defRPr>
       </a:lvl6pPr>
-      <a:lvl7pPr marL="0" marR="0" indent="1371600" algn="ctr" defTabSz="584200" latinLnBrk="0">
+      <a:lvl7pPr marL="0" marR="0" indent="0" algn="ctr" defTabSz="584200" rtl="0" latinLnBrk="0">
         <a:lnSpc>
           <a:spcPct val="100000"/>
         </a:lnSpc>
@@ -3617,7 +3399,7 @@
         <a:buFontTx/>
         <a:buNone/>
         <a:tabLst/>
-        <a:defRPr sz="1800" b="0" i="0" u="none" strike="noStrike" cap="none" spc="0" baseline="0">
+        <a:defRPr b="0" baseline="0" cap="none" i="0" spc="0" strike="noStrike" sz="1800" u="none">
           <a:solidFill>
             <a:schemeClr val="tx1"/>
           </a:solidFill>
@@ -3628,7 +3410,7 @@
           <a:sym typeface="Palatino"/>
         </a:defRPr>
       </a:lvl7pPr>
-      <a:lvl8pPr marL="0" marR="0" indent="1600200" algn="ctr" defTabSz="584200" latinLnBrk="0">
+      <a:lvl8pPr marL="0" marR="0" indent="0" algn="ctr" defTabSz="584200" rtl="0" latinLnBrk="0">
         <a:lnSpc>
           <a:spcPct val="100000"/>
         </a:lnSpc>
@@ -3643,7 +3425,7 @@
         <a:buFontTx/>
         <a:buNone/>
         <a:tabLst/>
-        <a:defRPr sz="1800" b="0" i="0" u="none" strike="noStrike" cap="none" spc="0" baseline="0">
+        <a:defRPr b="0" baseline="0" cap="none" i="0" spc="0" strike="noStrike" sz="1800" u="none">
           <a:solidFill>
             <a:schemeClr val="tx1"/>
           </a:solidFill>
@@ -3654,7 +3436,7 @@
           <a:sym typeface="Palatino"/>
         </a:defRPr>
       </a:lvl8pPr>
-      <a:lvl9pPr marL="0" marR="0" indent="1828800" algn="ctr" defTabSz="584200" latinLnBrk="0">
+      <a:lvl9pPr marL="0" marR="0" indent="0" algn="ctr" defTabSz="584200" rtl="0" latinLnBrk="0">
         <a:lnSpc>
           <a:spcPct val="100000"/>
         </a:lnSpc>
@@ -3669,7 +3451,7 @@
         <a:buFontTx/>
         <a:buNone/>
         <a:tabLst/>
-        <a:defRPr sz="1800" b="0" i="0" u="none" strike="noStrike" cap="none" spc="0" baseline="0">
+        <a:defRPr b="0" baseline="0" cap="none" i="0" spc="0" strike="noStrike" sz="1800" u="none">
           <a:solidFill>
             <a:schemeClr val="tx1"/>
           </a:solidFill>
@@ -3686,7 +3468,7 @@
 </file>
 
 <file path=ppt/slides/slide1.xml><?xml version="1.0" encoding="utf-8"?>
-<p:sld xmlns:a="http://schemas.openxmlformats.org/drawingml/2006/main" xmlns:r="http://schemas.openxmlformats.org/officeDocument/2006/relationships" xmlns:p="http://schemas.openxmlformats.org/presentationml/2006/main">
+<p:sld xmlns:a="http://schemas.openxmlformats.org/drawingml/2006/main" xmlns:r="http://schemas.openxmlformats.org/officeDocument/2006/relationships" xmlns:p="http://schemas.openxmlformats.org/presentationml/2006/main" xmlns:m="http://schemas.openxmlformats.org/officeDocument/2006/math" xmlns:a14="http://schemas.microsoft.com/office/drawing/2010/main" showMasterSp="1" showMasterPhAnim="1">
   <p:cSld>
     <p:spTree>
       <p:nvGrpSpPr>
@@ -3705,11 +3487,9 @@
       <p:sp>
         <p:nvSpPr>
           <p:cNvPr id="133" name="Team 4 Project"/>
-          <p:cNvSpPr txBox="1">
-            <a:spLocks noGrp="1"/>
-          </p:cNvSpPr>
+          <p:cNvSpPr txBox="1"/>
           <p:nvPr>
-            <p:ph type="body" idx="13"/>
+            <p:ph type="body" sz="quarter" idx="1"/>
           </p:nvPr>
         </p:nvSpPr>
         <p:spPr>
@@ -3721,6 +3501,7 @@
           <a:bodyPr/>
           <a:lstStyle/>
           <a:p>
+            <a:pPr/>
             <a:r>
               <a:t>Team 4 Project</a:t>
             </a:r>
@@ -3730,11 +3511,9 @@
       <p:sp>
         <p:nvSpPr>
           <p:cNvPr id="134" name="Medical Appointment No Shows"/>
-          <p:cNvSpPr txBox="1">
-            <a:spLocks noGrp="1"/>
-          </p:cNvSpPr>
+          <p:cNvSpPr txBox="1"/>
           <p:nvPr>
-            <p:ph type="ctrTitle"/>
+            <p:ph type="title"/>
           </p:nvPr>
         </p:nvSpPr>
         <p:spPr>
@@ -3743,18 +3522,17 @@
           </a:prstGeom>
         </p:spPr>
         <p:txBody>
-          <a:bodyPr>
-            <a:normAutofit fontScale="90000"/>
-          </a:bodyPr>
+          <a:bodyPr/>
           <a:lstStyle>
             <a:lvl1pPr defTabSz="572516">
               <a:spcBef>
                 <a:spcPts val="1500"/>
               </a:spcBef>
-              <a:defRPr sz="6860"/>
+              <a:defRPr sz="6100"/>
             </a:lvl1pPr>
           </a:lstStyle>
           <a:p>
+            <a:pPr/>
             <a:r>
               <a:t>Medical Appointment No Shows</a:t>
             </a:r>
@@ -3764,37 +3542,79 @@
       <p:sp>
         <p:nvSpPr>
           <p:cNvPr id="135" name="Arthur Sowinski…"/>
-          <p:cNvSpPr txBox="1">
-            <a:spLocks noGrp="1"/>
-          </p:cNvSpPr>
-          <p:nvPr>
-            <p:ph type="subTitle" sz="quarter" idx="1"/>
-          </p:nvPr>
-        </p:nvSpPr>
-        <p:spPr>
+          <p:cNvSpPr txBox="1"/>
+          <p:nvPr/>
+        </p:nvSpPr>
+        <p:spPr>
+          <a:xfrm>
+            <a:off x="8280400" y="4140200"/>
+            <a:ext cx="4241800" cy="2413000"/>
+          </a:xfrm>
           <a:prstGeom prst="rect">
             <a:avLst/>
           </a:prstGeom>
-        </p:spPr>
-        <p:txBody>
-          <a:bodyPr/>
+          <a:ln w="12700">
+            <a:miter lim="400000"/>
+          </a:ln>
+          <a:extLst>
+            <a:ext uri="{C572A759-6A51-4108-AA02-DFA0A04FC94B}">
+              <ma14:wrappingTextBoxFlag xmlns:ma14="http://schemas.microsoft.com/office/mac/drawingml/2011/main" val="1"/>
+            </a:ext>
+          </a:extLst>
+        </p:spPr>
+        <p:txBody>
+          <a:bodyPr lIns="50800" tIns="50800" rIns="50800" bIns="50800" anchor="ctr">
+            <a:normAutofit fontScale="100000" lnSpcReduction="0"/>
+          </a:bodyPr>
           <a:lstStyle/>
           <a:p>
+            <a:pPr algn="l">
+              <a:defRPr>
+                <a:latin typeface="Palatino"/>
+                <a:ea typeface="Palatino"/>
+                <a:cs typeface="Palatino"/>
+                <a:sym typeface="Palatino"/>
+              </a:defRPr>
+            </a:pPr>
             <a:r>
               <a:t>Arthur Sowinski</a:t>
             </a:r>
           </a:p>
           <a:p>
+            <a:pPr algn="l">
+              <a:defRPr>
+                <a:latin typeface="Palatino"/>
+                <a:ea typeface="Palatino"/>
+                <a:cs typeface="Palatino"/>
+                <a:sym typeface="Palatino"/>
+              </a:defRPr>
+            </a:pPr>
             <a:r>
               <a:t>Ibrahim Abu Nameh</a:t>
             </a:r>
           </a:p>
           <a:p>
+            <a:pPr algn="l">
+              <a:defRPr>
+                <a:latin typeface="Palatino"/>
+                <a:ea typeface="Palatino"/>
+                <a:cs typeface="Palatino"/>
+                <a:sym typeface="Palatino"/>
+              </a:defRPr>
+            </a:pPr>
             <a:r>
               <a:t>Michel Tayzon</a:t>
             </a:r>
           </a:p>
           <a:p>
+            <a:pPr algn="l">
+              <a:defRPr>
+                <a:latin typeface="Palatino"/>
+                <a:ea typeface="Palatino"/>
+                <a:cs typeface="Palatino"/>
+                <a:sym typeface="Palatino"/>
+              </a:defRPr>
+            </a:pPr>
             <a:r>
               <a:t>Vishal Valentine</a:t>
             </a:r>
@@ -3809,10 +3629,10 @@
         </p:nvGrpSpPr>
         <p:grpSpPr>
           <a:xfrm>
-            <a:off x="4406900" y="6680200"/>
-            <a:ext cx="4191001" cy="3483325"/>
+            <a:off x="4406899" y="6680199"/>
+            <a:ext cx="4191004" cy="3483326"/>
             <a:chOff x="0" y="0"/>
-            <a:chExt cx="4191000" cy="3483324"/>
+            <a:chExt cx="4191002" cy="3483325"/>
           </a:xfrm>
         </p:grpSpPr>
         <p:pic>
@@ -3824,16 +3644,18 @@
             <p:nvPr/>
           </p:nvPicPr>
           <p:blipFill>
-            <a:blip r:embed="rId2"/>
-            <a:srcRect t="15109" b="15109"/>
+            <a:blip r:embed="rId2">
+              <a:extLst/>
+            </a:blip>
+            <a:srcRect l="0" t="15109" r="0" b="15109"/>
             <a:stretch>
               <a:fillRect/>
             </a:stretch>
           </p:blipFill>
           <p:spPr>
             <a:xfrm>
-              <a:off x="0" y="0"/>
-              <a:ext cx="4191001" cy="2924525"/>
+              <a:off x="-1" y="-1"/>
+              <a:ext cx="4191004" cy="2924527"/>
             </a:xfrm>
             <a:prstGeom prst="rect">
               <a:avLst/>
@@ -3848,13 +3670,13 @@
         <p:sp>
           <p:nvSpPr>
             <p:cNvPr id="137" name="Type to enter a caption."/>
-            <p:cNvSpPr/>
+            <p:cNvSpPr txBox="1"/>
             <p:nvPr/>
           </p:nvSpPr>
           <p:spPr>
             <a:xfrm>
-              <a:off x="0" y="3000724"/>
-              <a:ext cx="4191001" cy="482601"/>
+              <a:off x="-1" y="3000724"/>
+              <a:ext cx="4191003" cy="482601"/>
             </a:xfrm>
             <a:prstGeom prst="rect">
               <a:avLst/>
@@ -3867,20 +3689,26 @@
             <a:effectLst/>
             <a:extLst>
               <a:ext uri="{C572A759-6A51-4108-AA02-DFA0A04FC94B}">
-                <ma14:wrappingTextBoxFlag xmlns:ma14="http://schemas.microsoft.com/office/mac/drawingml/2011/main" xmlns:a14="http://schemas.microsoft.com/office/drawing/2010/main" xmlns:m="http://schemas.openxmlformats.org/officeDocument/2006/math" xmlns="" val="1"/>
+                <ma14:wrappingTextBoxFlag xmlns:ma14="http://schemas.microsoft.com/office/mac/drawingml/2011/main" val="1"/>
               </a:ext>
             </a:extLst>
           </p:spPr>
           <p:txBody>
             <a:bodyPr wrap="square" lIns="76200" tIns="76200" rIns="76200" bIns="76200" numCol="1" anchor="t">
-              <a:noAutofit/>
+              <a:spAutoFit/>
             </a:bodyPr>
             <a:lstStyle>
               <a:lvl1pPr>
-                <a:defRPr sz="2000"/>
+                <a:defRPr sz="2000">
+                  <a:latin typeface="Palatino"/>
+                  <a:ea typeface="Palatino"/>
+                  <a:cs typeface="Palatino"/>
+                  <a:sym typeface="Palatino"/>
+                </a:defRPr>
               </a:lvl1pPr>
             </a:lstStyle>
             <a:p>
+              <a:pPr/>
               <a:r>
                 <a:t>Type to enter a caption.</a:t>
               </a:r>
@@ -3893,12 +3721,12 @@
   <p:clrMapOvr>
     <a:masterClrMapping/>
   </p:clrMapOvr>
-  <p:transition spd="med"/>
+  <p:transition xmlns:p14="http://schemas.microsoft.com/office/powerpoint/2010/main" spd="med" advClick="1"/>
 </p:sld>
 </file>
 
 <file path=ppt/slides/slide10.xml><?xml version="1.0" encoding="utf-8"?>
-<p:sld xmlns:a="http://schemas.openxmlformats.org/drawingml/2006/main" xmlns:r="http://schemas.openxmlformats.org/officeDocument/2006/relationships" xmlns:p="http://schemas.openxmlformats.org/presentationml/2006/main">
+<p:sld xmlns:a="http://schemas.openxmlformats.org/drawingml/2006/main" xmlns:r="http://schemas.openxmlformats.org/officeDocument/2006/relationships" xmlns:p="http://schemas.openxmlformats.org/presentationml/2006/main" xmlns:m="http://schemas.openxmlformats.org/officeDocument/2006/math" xmlns:a14="http://schemas.microsoft.com/office/drawing/2010/main" showMasterSp="1" showMasterPhAnim="1">
   <p:cSld>
     <p:spTree>
       <p:nvGrpSpPr>
@@ -3916,10 +3744,8 @@
       </p:grpSpPr>
       <p:sp>
         <p:nvSpPr>
-          <p:cNvPr id="161" name="Conclusion"/>
-          <p:cNvSpPr txBox="1">
-            <a:spLocks noGrp="1"/>
-          </p:cNvSpPr>
+          <p:cNvPr id="173" name="Conclusion"/>
+          <p:cNvSpPr txBox="1"/>
           <p:nvPr>
             <p:ph type="title"/>
           </p:nvPr>
@@ -3933,6 +3759,7 @@
           <a:bodyPr/>
           <a:lstStyle/>
           <a:p>
+            <a:pPr/>
             <a:r>
               <a:t>Conclusion</a:t>
             </a:r>
@@ -3941,10 +3768,8 @@
       </p:sp>
       <p:sp>
         <p:nvSpPr>
-          <p:cNvPr id="162" name="Best model has a accuracy of 80% &amp; precision of 70%.…"/>
-          <p:cNvSpPr txBox="1">
-            <a:spLocks noGrp="1"/>
-          </p:cNvSpPr>
+          <p:cNvPr id="174" name="Best model has a accuracy of 80% &amp; precision of 70%.…"/>
+          <p:cNvSpPr txBox="1"/>
           <p:nvPr>
             <p:ph type="body" idx="1"/>
           </p:nvPr>
@@ -3958,32 +3783,32 @@
           <a:bodyPr/>
           <a:lstStyle/>
           <a:p>
-            <a:r>
-              <a:rPr dirty="0"/>
-              <a:t>Best model has a accuracy of 80% &amp; precision of 70%.</a:t>
-            </a:r>
-          </a:p>
-          <a:p>
-            <a:r>
-              <a:rPr dirty="0"/>
+            <a:pPr/>
+            <a:r>
+              <a:t>Best model has a accuracy of 80% &amp; precision of 75%.</a:t>
+            </a:r>
+          </a:p>
+          <a:p>
+            <a:pPr/>
+            <a:r>
               <a:t>Additional variables that would have helped in model prediction:</a:t>
             </a:r>
           </a:p>
           <a:p>
-            <a:r>
-              <a:rPr dirty="0"/>
+            <a:pPr/>
+            <a:r>
               <a:t>Appointment Time</a:t>
             </a:r>
           </a:p>
           <a:p>
-            <a:r>
-              <a:rPr dirty="0"/>
+            <a:pPr/>
+            <a:r>
               <a:t>Type of reminders issued</a:t>
             </a:r>
           </a:p>
           <a:p>
-            <a:r>
-              <a:rPr dirty="0"/>
+            <a:pPr/>
+            <a:r>
               <a:t>Distance between patient’s house to clinic</a:t>
             </a:r>
           </a:p>
@@ -3991,37 +3816,39 @@
       </p:sp>
       <p:grpSp>
         <p:nvGrpSpPr>
-          <p:cNvPr id="165" name="Image Gallery"/>
+          <p:cNvPr id="177" name="Image Gallery"/>
           <p:cNvGrpSpPr/>
           <p:nvPr/>
         </p:nvGrpSpPr>
         <p:grpSpPr>
           <a:xfrm>
-            <a:off x="7790859" y="5109934"/>
-            <a:ext cx="3834004" cy="2436896"/>
+            <a:off x="7790859" y="5109933"/>
+            <a:ext cx="3834006" cy="2436897"/>
             <a:chOff x="0" y="0"/>
-            <a:chExt cx="3834003" cy="2436895"/>
+            <a:chExt cx="3834005" cy="2436895"/>
           </a:xfrm>
         </p:grpSpPr>
         <p:pic>
           <p:nvPicPr>
-            <p:cNvPr id="163" name="patient-no-show-cost-400x201.jpg" descr="patient-no-show-cost-400x201.jpg"/>
+            <p:cNvPr id="175" name="patient-no-show-cost-400x201.jpg" descr="patient-no-show-cost-400x201.jpg"/>
             <p:cNvPicPr>
               <a:picLocks noChangeAspect="1"/>
             </p:cNvPicPr>
             <p:nvPr/>
           </p:nvPicPr>
           <p:blipFill>
-            <a:blip r:embed="rId2"/>
-            <a:srcRect t="1258" b="1258"/>
+            <a:blip r:embed="rId2">
+              <a:extLst/>
+            </a:blip>
+            <a:srcRect l="0" t="1258" r="0" b="1258"/>
             <a:stretch>
               <a:fillRect/>
             </a:stretch>
           </p:blipFill>
           <p:spPr>
             <a:xfrm>
-              <a:off x="0" y="0"/>
-              <a:ext cx="3834004" cy="1878096"/>
+              <a:off x="-1" y="0"/>
+              <a:ext cx="3834007" cy="1878097"/>
             </a:xfrm>
             <a:prstGeom prst="rect">
               <a:avLst/>
@@ -4035,14 +3862,14 @@
         </p:pic>
         <p:sp>
           <p:nvSpPr>
-            <p:cNvPr id="164" name="Type to enter a caption."/>
-            <p:cNvSpPr/>
+            <p:cNvPr id="176" name="Type to enter a caption."/>
+            <p:cNvSpPr txBox="1"/>
             <p:nvPr/>
           </p:nvSpPr>
           <p:spPr>
             <a:xfrm>
-              <a:off x="0" y="1954295"/>
-              <a:ext cx="3834004" cy="482601"/>
+              <a:off x="-1" y="1954295"/>
+              <a:ext cx="3834006" cy="482601"/>
             </a:xfrm>
             <a:prstGeom prst="rect">
               <a:avLst/>
@@ -4055,20 +3882,26 @@
             <a:effectLst/>
             <a:extLst>
               <a:ext uri="{C572A759-6A51-4108-AA02-DFA0A04FC94B}">
-                <ma14:wrappingTextBoxFlag xmlns:ma14="http://schemas.microsoft.com/office/mac/drawingml/2011/main" xmlns:a14="http://schemas.microsoft.com/office/drawing/2010/main" xmlns:m="http://schemas.openxmlformats.org/officeDocument/2006/math" xmlns="" val="1"/>
+                <ma14:wrappingTextBoxFlag xmlns:ma14="http://schemas.microsoft.com/office/mac/drawingml/2011/main" val="1"/>
               </a:ext>
             </a:extLst>
           </p:spPr>
           <p:txBody>
             <a:bodyPr wrap="square" lIns="76200" tIns="76200" rIns="76200" bIns="76200" numCol="1" anchor="t">
-              <a:noAutofit/>
+              <a:spAutoFit/>
             </a:bodyPr>
             <a:lstStyle>
               <a:lvl1pPr>
-                <a:defRPr sz="2000"/>
+                <a:defRPr sz="2000">
+                  <a:latin typeface="Palatino"/>
+                  <a:ea typeface="Palatino"/>
+                  <a:cs typeface="Palatino"/>
+                  <a:sym typeface="Palatino"/>
+                </a:defRPr>
               </a:lvl1pPr>
             </a:lstStyle>
             <a:p>
+              <a:pPr/>
               <a:r>
                 <a:t>Type to enter a caption.</a:t>
               </a:r>
@@ -4077,21 +3910,16 @@
         </p:sp>
       </p:grpSp>
     </p:spTree>
-    <p:extLst>
-      <p:ext uri="{BB962C8B-B14F-4D97-AF65-F5344CB8AC3E}">
-        <p14:creationId xmlns:p14="http://schemas.microsoft.com/office/powerpoint/2010/main" val="2534794392"/>
-      </p:ext>
-    </p:extLst>
   </p:cSld>
   <p:clrMapOvr>
     <a:masterClrMapping/>
   </p:clrMapOvr>
-  <p:transition spd="med"/>
+  <p:transition xmlns:p14="http://schemas.microsoft.com/office/powerpoint/2010/main" spd="med" advClick="1"/>
 </p:sld>
 </file>
 
 <file path=ppt/slides/slide11.xml><?xml version="1.0" encoding="utf-8"?>
-<p:sld xmlns:a="http://schemas.openxmlformats.org/drawingml/2006/main" xmlns:r="http://schemas.openxmlformats.org/officeDocument/2006/relationships" xmlns:p="http://schemas.openxmlformats.org/presentationml/2006/main">
+<p:sld xmlns:a="http://schemas.openxmlformats.org/drawingml/2006/main" xmlns:r="http://schemas.openxmlformats.org/officeDocument/2006/relationships" xmlns:p="http://schemas.openxmlformats.org/presentationml/2006/main" xmlns:m="http://schemas.openxmlformats.org/officeDocument/2006/math" xmlns:a14="http://schemas.microsoft.com/office/drawing/2010/main" showMasterSp="1" showMasterPhAnim="1">
   <p:cSld>
     <p:spTree>
       <p:nvGrpSpPr>
@@ -4109,10 +3937,8 @@
       </p:grpSpPr>
       <p:sp>
         <p:nvSpPr>
-          <p:cNvPr id="167" name="Conclusion (Contd….)"/>
-          <p:cNvSpPr txBox="1">
-            <a:spLocks noGrp="1"/>
-          </p:cNvSpPr>
+          <p:cNvPr id="179" name="Conclusion (Contd….)"/>
+          <p:cNvSpPr txBox="1"/>
           <p:nvPr>
             <p:ph type="title"/>
           </p:nvPr>
@@ -4128,7 +3954,6 @@
           <a:p>
             <a:pPr lvl="1"/>
             <a:r>
-              <a:rPr dirty="0"/>
               <a:t>Conclusion</a:t>
             </a:r>
           </a:p>
@@ -4136,10 +3961,8 @@
       </p:sp>
       <p:sp>
         <p:nvSpPr>
-          <p:cNvPr id="168" name="Remedial Measures:…"/>
-          <p:cNvSpPr txBox="1">
-            <a:spLocks noGrp="1"/>
-          </p:cNvSpPr>
+          <p:cNvPr id="180" name="Remedial Measures:…"/>
+          <p:cNvSpPr txBox="1"/>
           <p:nvPr>
             <p:ph type="body" idx="1"/>
           </p:nvPr>
@@ -4162,16 +3985,19 @@
             </a:r>
           </a:p>
           <a:p>
+            <a:pPr/>
             <a:r>
               <a:t>More booking: Using the predictive model, schedule more appointments</a:t>
             </a:r>
           </a:p>
           <a:p>
+            <a:pPr/>
             <a:r>
               <a:t>No-Show fees: Charging fees  for a no-show appointment</a:t>
             </a:r>
           </a:p>
           <a:p>
+            <a:pPr/>
             <a:r>
               <a:t>Incentives: by collecting fees upfront might provide an incentive fo a patient to show-up</a:t>
             </a:r>
@@ -4183,12 +4009,12 @@
   <p:clrMapOvr>
     <a:masterClrMapping/>
   </p:clrMapOvr>
-  <p:transition spd="med"/>
+  <p:transition xmlns:p14="http://schemas.microsoft.com/office/powerpoint/2010/main" spd="med" advClick="1"/>
 </p:sld>
 </file>
 
 <file path=ppt/slides/slide2.xml><?xml version="1.0" encoding="utf-8"?>
-<p:sld xmlns:a="http://schemas.openxmlformats.org/drawingml/2006/main" xmlns:r="http://schemas.openxmlformats.org/officeDocument/2006/relationships" xmlns:p="http://schemas.openxmlformats.org/presentationml/2006/main">
+<p:sld xmlns:a="http://schemas.openxmlformats.org/drawingml/2006/main" xmlns:r="http://schemas.openxmlformats.org/officeDocument/2006/relationships" xmlns:p="http://schemas.openxmlformats.org/presentationml/2006/main" xmlns:m="http://schemas.openxmlformats.org/officeDocument/2006/math" xmlns:a14="http://schemas.microsoft.com/office/drawing/2010/main" showMasterSp="1" showMasterPhAnim="1">
   <p:cSld>
     <p:spTree>
       <p:nvGrpSpPr>
@@ -4207,9 +4033,7 @@
       <p:sp>
         <p:nvSpPr>
           <p:cNvPr id="140" name="Introduction"/>
-          <p:cNvSpPr txBox="1">
-            <a:spLocks noGrp="1"/>
-          </p:cNvSpPr>
+          <p:cNvSpPr txBox="1"/>
           <p:nvPr>
             <p:ph type="title"/>
           </p:nvPr>
@@ -4223,6 +4047,7 @@
           <a:bodyPr/>
           <a:lstStyle/>
           <a:p>
+            <a:pPr/>
             <a:r>
               <a:t>Introduction</a:t>
             </a:r>
@@ -4232,9 +4057,7 @@
       <p:sp>
         <p:nvSpPr>
           <p:cNvPr id="141" name="What is No-Show ?…"/>
-          <p:cNvSpPr txBox="1">
-            <a:spLocks noGrp="1"/>
-          </p:cNvSpPr>
+          <p:cNvSpPr txBox="1"/>
           <p:nvPr>
             <p:ph type="body" idx="1"/>
           </p:nvPr>
@@ -4248,22 +4071,33 @@
           <a:bodyPr/>
           <a:lstStyle/>
           <a:p>
+            <a:pPr/>
             <a:r>
               <a:t>What is No-Show ?</a:t>
             </a:r>
           </a:p>
           <a:p>
+            <a:pPr/>
             <a:r>
               <a:t>No-Shows cost the healthcare industry more than $150 billion annually</a:t>
             </a:r>
           </a:p>
           <a:p>
+            <a:pPr/>
             <a:r>
               <a:t>Dataset source (</a:t>
             </a:r>
             <a:r>
               <a:rPr u="sng">
-                <a:hlinkClick r:id="rId2"/>
+                <a:solidFill>
+                  <a:srgbClr val="0000FF"/>
+                </a:solidFill>
+                <a:uFill>
+                  <a:solidFill>
+                    <a:srgbClr val="0000FF"/>
+                  </a:solidFill>
+                </a:uFill>
+                <a:hlinkClick r:id="rId2" invalidUrl="" action="" tgtFrame="" tooltip="" history="1" highlightClick="0" endSnd="0"/>
               </a:rPr>
               <a:t>https://www.kaggle.com/joniarroba/noshowappointments/data</a:t>
             </a:r>
@@ -4272,6 +4106,7 @@
             </a:r>
           </a:p>
           <a:p>
+            <a:pPr/>
             <a:r>
               <a:t>110527 rows x 14 columns</a:t>
             </a:r>
@@ -4283,12 +4118,12 @@
   <p:clrMapOvr>
     <a:masterClrMapping/>
   </p:clrMapOvr>
-  <p:transition spd="med"/>
+  <p:transition xmlns:p14="http://schemas.microsoft.com/office/powerpoint/2010/main" spd="med" advClick="1"/>
 </p:sld>
 </file>
 
 <file path=ppt/slides/slide3.xml><?xml version="1.0" encoding="utf-8"?>
-<p:sld xmlns:a="http://schemas.openxmlformats.org/drawingml/2006/main" xmlns:r="http://schemas.openxmlformats.org/officeDocument/2006/relationships" xmlns:p="http://schemas.openxmlformats.org/presentationml/2006/main">
+<p:sld xmlns:a="http://schemas.openxmlformats.org/drawingml/2006/main" xmlns:r="http://schemas.openxmlformats.org/officeDocument/2006/relationships" xmlns:p="http://schemas.openxmlformats.org/presentationml/2006/main" xmlns:m="http://schemas.openxmlformats.org/officeDocument/2006/math" xmlns:a14="http://schemas.microsoft.com/office/drawing/2010/main" showMasterSp="1" showMasterPhAnim="1">
   <p:cSld>
     <p:spTree>
       <p:nvGrpSpPr>
@@ -4306,10 +4141,8 @@
       </p:grpSpPr>
       <p:sp>
         <p:nvSpPr>
-          <p:cNvPr id="149" name="Feature Labels Table"/>
-          <p:cNvSpPr txBox="1">
-            <a:spLocks noGrp="1"/>
-          </p:cNvSpPr>
+          <p:cNvPr id="143" name="Feature Labels Table"/>
+          <p:cNvSpPr txBox="1"/>
           <p:nvPr>
             <p:ph type="title"/>
           </p:nvPr>
@@ -4323,24 +4156,20 @@
           <a:bodyPr/>
           <a:lstStyle/>
           <a:p>
-            <a:r>
-              <a:rPr dirty="0"/>
+            <a:pPr/>
+            <a:r>
               <a:t>Feature </a:t>
             </a:r>
             <a:r>
-              <a:rPr lang="en-US" dirty="0"/>
               <a:t>Engineering</a:t>
             </a:r>
-            <a:endParaRPr dirty="0"/>
-          </a:p>
-        </p:txBody>
-      </p:sp>
-      <p:sp>
-        <p:nvSpPr>
-          <p:cNvPr id="150" name="Body"/>
-          <p:cNvSpPr txBox="1">
-            <a:spLocks noGrp="1"/>
-          </p:cNvSpPr>
+          </a:p>
+        </p:txBody>
+      </p:sp>
+      <p:sp>
+        <p:nvSpPr>
+          <p:cNvPr id="144" name="Body"/>
+          <p:cNvSpPr txBox="1"/>
           <p:nvPr>
             <p:ph type="body" idx="1"/>
           </p:nvPr>
@@ -4354,43 +4183,45 @@
           <a:bodyPr/>
           <a:lstStyle/>
           <a:p>
-            <a:endParaRPr/>
+            <a:pPr/>
           </a:p>
         </p:txBody>
       </p:sp>
       <p:grpSp>
         <p:nvGrpSpPr>
-          <p:cNvPr id="153" name="Image Gallery"/>
+          <p:cNvPr id="147" name="Image Gallery"/>
           <p:cNvGrpSpPr/>
           <p:nvPr/>
         </p:nvGrpSpPr>
         <p:grpSpPr>
           <a:xfrm>
-            <a:off x="319219" y="3924600"/>
-            <a:ext cx="13403056" cy="4876501"/>
+            <a:off x="319218" y="3924600"/>
+            <a:ext cx="13403059" cy="4876501"/>
             <a:chOff x="0" y="0"/>
-            <a:chExt cx="13403054" cy="4876499"/>
+            <a:chExt cx="13403057" cy="4876500"/>
           </a:xfrm>
         </p:grpSpPr>
         <p:pic>
           <p:nvPicPr>
-            <p:cNvPr id="151" name="features_labels_table.png" descr="features_labels_table.png"/>
+            <p:cNvPr id="145" name="features_labels_table.png" descr="features_labels_table.png"/>
             <p:cNvPicPr>
               <a:picLocks noChangeAspect="1"/>
             </p:cNvPicPr>
             <p:nvPr/>
           </p:nvPicPr>
           <p:blipFill>
-            <a:blip r:embed="rId2"/>
-            <a:srcRect t="743" b="743"/>
+            <a:blip r:embed="rId2">
+              <a:extLst/>
+            </a:blip>
+            <a:srcRect l="0" t="743" r="0" b="743"/>
             <a:stretch>
               <a:fillRect/>
             </a:stretch>
           </p:blipFill>
           <p:spPr>
             <a:xfrm>
-              <a:off x="0" y="0"/>
-              <a:ext cx="13403055" cy="4317700"/>
+              <a:off x="-1" y="0"/>
+              <a:ext cx="13403059" cy="4317702"/>
             </a:xfrm>
             <a:prstGeom prst="rect">
               <a:avLst/>
@@ -4404,14 +4235,14 @@
         </p:pic>
         <p:sp>
           <p:nvSpPr>
-            <p:cNvPr id="152" name="Feature Labels Table"/>
-            <p:cNvSpPr/>
+            <p:cNvPr id="146" name="Feature Labels Table"/>
+            <p:cNvSpPr txBox="1"/>
             <p:nvPr/>
           </p:nvSpPr>
           <p:spPr>
             <a:xfrm>
-              <a:off x="0" y="4393899"/>
-              <a:ext cx="13403055" cy="482601"/>
+              <a:off x="-1" y="4393901"/>
+              <a:ext cx="13403059" cy="482601"/>
             </a:xfrm>
             <a:prstGeom prst="rect">
               <a:avLst/>
@@ -4424,20 +4255,26 @@
             <a:effectLst/>
             <a:extLst>
               <a:ext uri="{C572A759-6A51-4108-AA02-DFA0A04FC94B}">
-                <ma14:wrappingTextBoxFlag xmlns:ma14="http://schemas.microsoft.com/office/mac/drawingml/2011/main" xmlns:a14="http://schemas.microsoft.com/office/drawing/2010/main" xmlns:m="http://schemas.openxmlformats.org/officeDocument/2006/math" xmlns="" val="1"/>
+                <ma14:wrappingTextBoxFlag xmlns:ma14="http://schemas.microsoft.com/office/mac/drawingml/2011/main" val="1"/>
               </a:ext>
             </a:extLst>
           </p:spPr>
           <p:txBody>
             <a:bodyPr wrap="square" lIns="76200" tIns="76200" rIns="76200" bIns="76200" numCol="1" anchor="t">
-              <a:noAutofit/>
+              <a:spAutoFit/>
             </a:bodyPr>
             <a:lstStyle>
               <a:lvl1pPr>
-                <a:defRPr sz="2000"/>
+                <a:defRPr sz="2000">
+                  <a:latin typeface="Palatino"/>
+                  <a:ea typeface="Palatino"/>
+                  <a:cs typeface="Palatino"/>
+                  <a:sym typeface="Palatino"/>
+                </a:defRPr>
               </a:lvl1pPr>
             </a:lstStyle>
             <a:p>
+              <a:pPr/>
               <a:r>
                 <a:t>Feature Labels Table</a:t>
               </a:r>
@@ -4450,12 +4287,12 @@
   <p:clrMapOvr>
     <a:masterClrMapping/>
   </p:clrMapOvr>
-  <p:transition spd="med"/>
+  <p:transition xmlns:p14="http://schemas.microsoft.com/office/powerpoint/2010/main" spd="med" advClick="1"/>
 </p:sld>
 </file>
 
 <file path=ppt/slides/slide4.xml><?xml version="1.0" encoding="utf-8"?>
-<p:sld xmlns:a="http://schemas.openxmlformats.org/drawingml/2006/main" xmlns:r="http://schemas.openxmlformats.org/officeDocument/2006/relationships" xmlns:p="http://schemas.openxmlformats.org/presentationml/2006/main">
+<p:sld xmlns:a="http://schemas.openxmlformats.org/drawingml/2006/main" xmlns:r="http://schemas.openxmlformats.org/officeDocument/2006/relationships" xmlns:p="http://schemas.openxmlformats.org/presentationml/2006/main" xmlns:m="http://schemas.openxmlformats.org/officeDocument/2006/math" xmlns:a14="http://schemas.microsoft.com/office/drawing/2010/main" showMasterSp="1" showMasterPhAnim="1">
   <p:cSld>
     <p:spTree>
       <p:nvGrpSpPr>
@@ -4474,9 +4311,7 @@
       <p:sp>
         <p:nvSpPr>
           <p:cNvPr id="149" name="Feature Labels Table"/>
-          <p:cNvSpPr txBox="1">
-            <a:spLocks noGrp="1"/>
-          </p:cNvSpPr>
+          <p:cNvSpPr txBox="1"/>
           <p:nvPr>
             <p:ph type="title"/>
           </p:nvPr>
@@ -4490,20 +4325,17 @@
           <a:bodyPr/>
           <a:lstStyle/>
           <a:p>
-            <a:r>
-              <a:rPr lang="en-US" dirty="0"/>
+            <a:pPr/>
+            <a:r>
               <a:t>Analysis Correlations</a:t>
             </a:r>
-            <a:endParaRPr dirty="0"/>
           </a:p>
         </p:txBody>
       </p:sp>
       <p:sp>
         <p:nvSpPr>
           <p:cNvPr id="150" name="Body"/>
-          <p:cNvSpPr txBox="1">
-            <a:spLocks noGrp="1"/>
-          </p:cNvSpPr>
+          <p:cNvSpPr txBox="1"/>
           <p:nvPr>
             <p:ph type="body" idx="1"/>
           </p:nvPr>
@@ -4517,94 +4349,53 @@
           <a:bodyPr/>
           <a:lstStyle/>
           <a:p>
-            <a:r>
-              <a:rPr lang="en-US" dirty="0"/>
+            <a:pPr/>
+            <a:r>
               <a:t>Very poor correlations versus label</a:t>
             </a:r>
-            <a:endParaRPr dirty="0"/>
           </a:p>
         </p:txBody>
       </p:sp>
       <p:pic>
         <p:nvPicPr>
-          <p:cNvPr id="1026" name="Picture 2"/>
+          <p:cNvPr id="151" name="Picture 2" descr="Picture 2"/>
           <p:cNvPicPr>
-            <a:picLocks noChangeAspect="1" noChangeArrowheads="1"/>
+            <a:picLocks noChangeAspect="1"/>
           </p:cNvPicPr>
           <p:nvPr/>
         </p:nvPicPr>
         <p:blipFill>
           <a:blip r:embed="rId2">
-            <a:extLst>
-              <a:ext uri="{28A0092B-C50C-407E-A947-70E740481C1C}">
-                <a14:useLocalDpi xmlns:a14="http://schemas.microsoft.com/office/drawing/2010/main" val="0"/>
-              </a:ext>
-            </a:extLst>
+            <a:extLst/>
           </a:blip>
-          <a:srcRect/>
           <a:stretch>
             <a:fillRect/>
           </a:stretch>
         </p:blipFill>
-        <p:spPr bwMode="auto">
+        <p:spPr>
           <a:xfrm>
-            <a:off x="8102600" y="2659380"/>
-            <a:ext cx="4360945" cy="6172200"/>
+            <a:off x="8102600" y="2659379"/>
+            <a:ext cx="4360946" cy="6172201"/>
           </a:xfrm>
           <a:prstGeom prst="rect">
             <a:avLst/>
           </a:prstGeom>
-          <a:noFill/>
-          <a:ln>
-            <a:noFill/>
+          <a:ln w="12700">
+            <a:miter lim="400000"/>
           </a:ln>
-          <a:effectLst/>
-          <a:extLst>
-            <a:ext uri="{909E8E84-426E-40DD-AFC4-6F175D3DCCD1}">
-              <a14:hiddenFill xmlns:a14="http://schemas.microsoft.com/office/drawing/2010/main">
-                <a:solidFill>
-                  <a:schemeClr val="accent1"/>
-                </a:solidFill>
-              </a14:hiddenFill>
-            </a:ext>
-            <a:ext uri="{91240B29-F687-4F45-9708-019B960494DF}">
-              <a14:hiddenLine xmlns:a14="http://schemas.microsoft.com/office/drawing/2010/main" w="9525">
-                <a:solidFill>
-                  <a:schemeClr val="tx1"/>
-                </a:solidFill>
-                <a:miter lim="800000"/>
-                <a:headEnd/>
-                <a:tailEnd/>
-              </a14:hiddenLine>
-            </a:ext>
-            <a:ext uri="{AF507438-7753-43E0-B8FC-AC1667EBCBE1}">
-              <a14:hiddenEffects xmlns:a14="http://schemas.microsoft.com/office/drawing/2010/main">
-                <a:effectLst>
-                  <a:outerShdw dist="35921" dir="2700000" algn="ctr" rotWithShape="0">
-                    <a:schemeClr val="bg2"/>
-                  </a:outerShdw>
-                </a:effectLst>
-              </a14:hiddenEffects>
-            </a:ext>
-          </a:extLst>
         </p:spPr>
       </p:pic>
     </p:spTree>
-    <p:extLst>
-      <p:ext uri="{BB962C8B-B14F-4D97-AF65-F5344CB8AC3E}">
-        <p14:creationId xmlns:p14="http://schemas.microsoft.com/office/powerpoint/2010/main" val="131258133"/>
-      </p:ext>
-    </p:extLst>
   </p:cSld>
   <p:clrMapOvr>
     <a:masterClrMapping/>
   </p:clrMapOvr>
-  <p:transition spd="med"/>
+  <p:transition xmlns:p14="http://schemas.microsoft.com/office/powerpoint/2010/main" spd="med" advClick="1"/>
 </p:sld>
 </file>
 
 <file path=ppt/slides/slide5.xml><?xml version="1.0" encoding="utf-8"?>
-<p:sld xmlns:a="http://schemas.openxmlformats.org/drawingml/2006/main" xmlns:r="http://schemas.openxmlformats.org/officeDocument/2006/relationships" xmlns:p="http://schemas.openxmlformats.org/presentationml/2006/main">
+<p:sld xmlns:a="http://schemas.openxmlformats.org/drawingml/2006/main" xmlns:r="http://schemas.openxmlformats.org/officeDocument/2006/relationships" xmlns:p="http://schemas.openxmlformats.org/presentationml/2006/main" xmlns:m="http://schemas.openxmlformats.org/officeDocument/2006/math" xmlns:a14="http://schemas.microsoft.com/office/drawing/2010/main" showMasterSp="1" showMasterPhAnim="1">
   <p:cSld>
     <p:spTree>
       <p:nvGrpSpPr>
@@ -4622,21 +4413,23 @@
       </p:grpSpPr>
       <p:sp>
         <p:nvSpPr>
-          <p:cNvPr id="2" name="Title 1"/>
-          <p:cNvSpPr>
-            <a:spLocks noGrp="1"/>
-          </p:cNvSpPr>
+          <p:cNvPr id="153" name="Title 1"/>
+          <p:cNvSpPr txBox="1"/>
           <p:nvPr>
             <p:ph type="title"/>
           </p:nvPr>
         </p:nvSpPr>
-        <p:spPr/>
+        <p:spPr>
+          <a:prstGeom prst="rect">
+            <a:avLst/>
+          </a:prstGeom>
+        </p:spPr>
         <p:txBody>
           <a:bodyPr/>
           <a:lstStyle/>
           <a:p>
-            <a:r>
-              <a:rPr lang="en-US" dirty="0"/>
+            <a:pPr/>
+            <a:r>
               <a:t>Analysis</a:t>
             </a:r>
           </a:p>
@@ -4644,39 +4437,134 @@
       </p:sp>
       <p:sp>
         <p:nvSpPr>
-          <p:cNvPr id="3" name="Text Placeholder 2"/>
-          <p:cNvSpPr>
-            <a:spLocks noGrp="1"/>
-          </p:cNvSpPr>
+          <p:cNvPr id="154" name="Text Placeholder 2"/>
+          <p:cNvSpPr txBox="1"/>
           <p:nvPr>
             <p:ph type="body" idx="1"/>
           </p:nvPr>
         </p:nvSpPr>
-        <p:spPr/>
+        <p:spPr>
+          <a:prstGeom prst="rect">
+            <a:avLst/>
+          </a:prstGeom>
+        </p:spPr>
         <p:txBody>
           <a:bodyPr/>
           <a:lstStyle/>
           <a:p>
-            <a:endParaRPr lang="en-US" dirty="0"/>
-          </a:p>
-        </p:txBody>
-      </p:sp>
+            <a:pPr/>
+          </a:p>
+        </p:txBody>
+      </p:sp>
+      <p:grpSp>
+        <p:nvGrpSpPr>
+          <p:cNvPr id="157" name="Image Gallery"/>
+          <p:cNvGrpSpPr/>
+          <p:nvPr/>
+        </p:nvGrpSpPr>
+        <p:grpSpPr>
+          <a:xfrm>
+            <a:off x="609805" y="1770164"/>
+            <a:ext cx="11997294" cy="8550072"/>
+            <a:chOff x="0" y="0"/>
+            <a:chExt cx="11997292" cy="8550070"/>
+          </a:xfrm>
+        </p:grpSpPr>
+        <p:pic>
+          <p:nvPicPr>
+            <p:cNvPr id="155" name="Screen Shot 2019-12-02 at 3.48.52 PM.png" descr="Screen Shot 2019-12-02 at 3.48.52 PM.png"/>
+            <p:cNvPicPr>
+              <a:picLocks noChangeAspect="1"/>
+            </p:cNvPicPr>
+            <p:nvPr/>
+          </p:nvPicPr>
+          <p:blipFill>
+            <a:blip r:embed="rId2">
+              <a:extLst/>
+            </a:blip>
+            <a:srcRect l="115" t="0" r="115" b="0"/>
+            <a:stretch>
+              <a:fillRect/>
+            </a:stretch>
+          </p:blipFill>
+          <p:spPr>
+            <a:xfrm>
+              <a:off x="0" y="0"/>
+              <a:ext cx="11997293" cy="8016671"/>
+            </a:xfrm>
+            <a:prstGeom prst="rect">
+              <a:avLst/>
+            </a:prstGeom>
+            <a:ln w="12700" cap="flat">
+              <a:noFill/>
+              <a:miter lim="400000"/>
+            </a:ln>
+            <a:effectLst/>
+          </p:spPr>
+        </p:pic>
+        <p:sp>
+          <p:nvSpPr>
+            <p:cNvPr id="156" name="Type to enter a caption."/>
+            <p:cNvSpPr/>
+            <p:nvPr/>
+          </p:nvSpPr>
+          <p:spPr>
+            <a:xfrm>
+              <a:off x="0" y="8092870"/>
+              <a:ext cx="11997293" cy="457201"/>
+            </a:xfrm>
+            <a:prstGeom prst="rect">
+              <a:avLst/>
+            </a:prstGeom>
+            <a:noFill/>
+            <a:ln w="12700" cap="flat">
+              <a:noFill/>
+              <a:miter lim="400000"/>
+            </a:ln>
+            <a:effectLst/>
+            <a:extLst>
+              <a:ext uri="{C572A759-6A51-4108-AA02-DFA0A04FC94B}">
+                <ma14:wrappingTextBoxFlag xmlns:ma14="http://schemas.microsoft.com/office/mac/drawingml/2011/main" val="1"/>
+              </a:ext>
+            </a:extLst>
+          </p:spPr>
+          <p:txBody>
+            <a:bodyPr wrap="square" lIns="76200" tIns="76200" rIns="76200" bIns="76200" numCol="1" anchor="t">
+              <a:noAutofit/>
+            </a:bodyPr>
+            <a:lstStyle>
+              <a:lvl1pPr>
+                <a:defRPr sz="1800">
+                  <a:solidFill>
+                    <a:srgbClr val="4C4946"/>
+                  </a:solidFill>
+                  <a:latin typeface="Palatino"/>
+                  <a:ea typeface="Palatino"/>
+                  <a:cs typeface="Palatino"/>
+                  <a:sym typeface="Palatino"/>
+                </a:defRPr>
+              </a:lvl1pPr>
+            </a:lstStyle>
+            <a:p>
+              <a:pPr/>
+              <a:r>
+                <a:t>Type to enter a caption.</a:t>
+              </a:r>
+            </a:p>
+          </p:txBody>
+        </p:sp>
+      </p:grpSp>
     </p:spTree>
-    <p:extLst>
-      <p:ext uri="{BB962C8B-B14F-4D97-AF65-F5344CB8AC3E}">
-        <p14:creationId xmlns:p14="http://schemas.microsoft.com/office/powerpoint/2010/main" val="1324395071"/>
-      </p:ext>
-    </p:extLst>
   </p:cSld>
   <p:clrMapOvr>
     <a:masterClrMapping/>
   </p:clrMapOvr>
-  <p:transition spd="med"/>
+  <p:transition xmlns:p14="http://schemas.microsoft.com/office/powerpoint/2010/main" spd="med" advClick="1"/>
 </p:sld>
 </file>
 
 <file path=ppt/slides/slide6.xml><?xml version="1.0" encoding="utf-8"?>
-<p:sld xmlns:a="http://schemas.openxmlformats.org/drawingml/2006/main" xmlns:r="http://schemas.openxmlformats.org/officeDocument/2006/relationships" xmlns:p="http://schemas.openxmlformats.org/presentationml/2006/main">
+<p:sld xmlns:a="http://schemas.openxmlformats.org/drawingml/2006/main" xmlns:r="http://schemas.openxmlformats.org/officeDocument/2006/relationships" xmlns:p="http://schemas.openxmlformats.org/presentationml/2006/main" xmlns:m="http://schemas.openxmlformats.org/officeDocument/2006/math" xmlns:a14="http://schemas.microsoft.com/office/drawing/2010/main" showMasterSp="1" showMasterPhAnim="1">
   <p:cSld>
     <p:spTree>
       <p:nvGrpSpPr>
@@ -4694,21 +4582,23 @@
       </p:grpSpPr>
       <p:sp>
         <p:nvSpPr>
-          <p:cNvPr id="2" name="Title 1"/>
-          <p:cNvSpPr>
-            <a:spLocks noGrp="1"/>
-          </p:cNvSpPr>
+          <p:cNvPr id="159" name="Title 1"/>
+          <p:cNvSpPr txBox="1"/>
           <p:nvPr>
             <p:ph type="title"/>
           </p:nvPr>
         </p:nvSpPr>
-        <p:spPr/>
+        <p:spPr>
+          <a:prstGeom prst="rect">
+            <a:avLst/>
+          </a:prstGeom>
+        </p:spPr>
         <p:txBody>
           <a:bodyPr/>
           <a:lstStyle/>
           <a:p>
-            <a:r>
-              <a:rPr lang="en-US" dirty="0"/>
+            <a:pPr/>
+            <a:r>
               <a:t>Model Selection</a:t>
             </a:r>
           </a:p>
@@ -4716,75 +4606,65 @@
       </p:sp>
       <p:sp>
         <p:nvSpPr>
-          <p:cNvPr id="5" name="Text Placeholder 4">
-            <a:extLst>
-              <a:ext uri="{FF2B5EF4-FFF2-40B4-BE49-F238E27FC236}">
-                <a16:creationId xmlns:a16="http://schemas.microsoft.com/office/drawing/2014/main" id="{43EB0AD5-CC77-47D5-90FE-336430362165}"/>
-              </a:ext>
-            </a:extLst>
-          </p:cNvPr>
-          <p:cNvSpPr>
-            <a:spLocks noGrp="1"/>
-          </p:cNvSpPr>
+          <p:cNvPr id="160" name="Text Placeholder 4"/>
+          <p:cNvSpPr txBox="1"/>
           <p:nvPr>
             <p:ph type="body" idx="1"/>
           </p:nvPr>
         </p:nvSpPr>
-        <p:spPr/>
+        <p:spPr>
+          <a:prstGeom prst="rect">
+            <a:avLst/>
+          </a:prstGeom>
+        </p:spPr>
         <p:txBody>
           <a:bodyPr/>
           <a:lstStyle/>
           <a:p>
-            <a:endParaRPr lang="en-US"/>
+            <a:pPr/>
           </a:p>
         </p:txBody>
       </p:sp>
       <p:pic>
         <p:nvPicPr>
-          <p:cNvPr id="6" name="Picture 6" descr="A screenshot of a cell phone&#10;&#10;Description generated with high confidence">
-            <a:extLst>
-              <a:ext uri="{FF2B5EF4-FFF2-40B4-BE49-F238E27FC236}">
-                <a16:creationId xmlns:a16="http://schemas.microsoft.com/office/drawing/2014/main" id="{BDC737AB-EAC6-4491-93F2-78DB69C37BD8}"/>
-              </a:ext>
-            </a:extLst>
-          </p:cNvPr>
+          <p:cNvPr id="161" name="Picture 6" descr="Picture 6"/>
           <p:cNvPicPr>
             <a:picLocks noChangeAspect="1"/>
           </p:cNvPicPr>
           <p:nvPr/>
         </p:nvPicPr>
         <p:blipFill>
-          <a:blip r:embed="rId2"/>
+          <a:blip r:embed="rId2">
+            <a:extLst/>
+          </a:blip>
           <a:stretch>
             <a:fillRect/>
           </a:stretch>
         </p:blipFill>
         <p:spPr>
           <a:xfrm>
-            <a:off x="319303" y="2917110"/>
-            <a:ext cx="12374112" cy="4982361"/>
+            <a:off x="319302" y="2917109"/>
+            <a:ext cx="12374114" cy="4982362"/>
           </a:xfrm>
           <a:prstGeom prst="rect">
             <a:avLst/>
           </a:prstGeom>
+          <a:ln w="12700">
+            <a:miter lim="400000"/>
+          </a:ln>
         </p:spPr>
       </p:pic>
     </p:spTree>
-    <p:extLst>
-      <p:ext uri="{BB962C8B-B14F-4D97-AF65-F5344CB8AC3E}">
-        <p14:creationId xmlns:p14="http://schemas.microsoft.com/office/powerpoint/2010/main" val="592215413"/>
-      </p:ext>
-    </p:extLst>
   </p:cSld>
   <p:clrMapOvr>
     <a:masterClrMapping/>
   </p:clrMapOvr>
-  <p:transition spd="med"/>
+  <p:transition xmlns:p14="http://schemas.microsoft.com/office/powerpoint/2010/main" spd="med" advClick="1"/>
 </p:sld>
 </file>
 
 <file path=ppt/slides/slide7.xml><?xml version="1.0" encoding="utf-8"?>
-<p:sld xmlns:a="http://schemas.openxmlformats.org/drawingml/2006/main" xmlns:r="http://schemas.openxmlformats.org/officeDocument/2006/relationships" xmlns:p="http://schemas.openxmlformats.org/presentationml/2006/main">
+<p:sld xmlns:a="http://schemas.openxmlformats.org/drawingml/2006/main" xmlns:r="http://schemas.openxmlformats.org/officeDocument/2006/relationships" xmlns:p="http://schemas.openxmlformats.org/presentationml/2006/main" xmlns:m="http://schemas.openxmlformats.org/officeDocument/2006/math" xmlns:a14="http://schemas.microsoft.com/office/drawing/2010/main" showMasterSp="1" showMasterPhAnim="1">
   <p:cSld>
     <p:spTree>
       <p:nvGrpSpPr>
@@ -4802,21 +4682,23 @@
       </p:grpSpPr>
       <p:sp>
         <p:nvSpPr>
-          <p:cNvPr id="2" name="Title 1"/>
-          <p:cNvSpPr>
-            <a:spLocks noGrp="1"/>
-          </p:cNvSpPr>
+          <p:cNvPr id="163" name="Title 1"/>
+          <p:cNvSpPr txBox="1"/>
           <p:nvPr>
             <p:ph type="title"/>
           </p:nvPr>
         </p:nvSpPr>
-        <p:spPr/>
+        <p:spPr>
+          <a:prstGeom prst="rect">
+            <a:avLst/>
+          </a:prstGeom>
+        </p:spPr>
         <p:txBody>
           <a:bodyPr/>
           <a:lstStyle/>
           <a:p>
-            <a:r>
-              <a:rPr lang="en-US" dirty="0"/>
+            <a:pPr/>
+            <a:r>
               <a:t>Model Selection</a:t>
             </a:r>
           </a:p>
@@ -4824,134 +4706,194 @@
       </p:sp>
       <p:sp>
         <p:nvSpPr>
-          <p:cNvPr id="3" name="Text Placeholder 2"/>
-          <p:cNvSpPr>
-            <a:spLocks noGrp="1"/>
-          </p:cNvSpPr>
+          <p:cNvPr id="164" name="Text Placeholder 2"/>
+          <p:cNvSpPr txBox="1"/>
           <p:nvPr>
             <p:ph type="body" idx="1"/>
           </p:nvPr>
         </p:nvSpPr>
-        <p:spPr/>
-        <p:txBody>
-          <a:bodyPr>
-            <a:normAutofit fontScale="70000" lnSpcReduction="20000"/>
-          </a:bodyPr>
+        <p:spPr>
+          <a:prstGeom prst="rect">
+            <a:avLst/>
+          </a:prstGeom>
+        </p:spPr>
+        <p:txBody>
+          <a:bodyPr/>
           <a:lstStyle/>
           <a:p>
-            <a:r>
-              <a:rPr lang="en-US" dirty="0"/>
+            <a:pPr marL="408812" indent="-408812" defTabSz="508254">
+              <a:lnSpc>
+                <a:spcPct val="80000"/>
+              </a:lnSpc>
+              <a:spcBef>
+                <a:spcPts val="2000"/>
+              </a:spcBef>
+              <a:defRPr sz="2175"/>
+            </a:pPr>
+            <a:r>
               <a:t>Individual models - </a:t>
             </a:r>
             <a:r>
-              <a:rPr lang="en-US" sz="2600" dirty="0"/>
+              <a:rPr sz="1566"/>
               <a:t>LOG,DTC,RFC,KNN,XGB,</a:t>
             </a:r>
             <a:r>
-              <a:rPr lang="en-US" sz="2800" dirty="0"/>
+              <a:rPr sz="1653"/>
               <a:t> SGD,SVC</a:t>
             </a:r>
-            <a:endParaRPr lang="en-US" sz="2600" dirty="0"/>
-          </a:p>
-          <a:p>
-            <a:pPr lvl="1"/>
-            <a:r>
-              <a:rPr lang="en-US" dirty="0"/>
-              <a:t>Best individual model - </a:t>
-            </a:r>
-            <a:r>
-              <a:rPr lang="en-US" dirty="0" err="1"/>
-              <a:t>XGBoost</a:t>
-            </a:r>
-          </a:p>
-          <a:p>
-            <a:pPr lvl="2"/>
-            <a:r>
-              <a:rPr lang="en-US" dirty="0"/>
+            <a:endParaRPr sz="2262"/>
+          </a:p>
+          <a:p>
+            <a:pPr lvl="1" marL="817625" indent="-408812" defTabSz="508254">
+              <a:lnSpc>
+                <a:spcPct val="80000"/>
+              </a:lnSpc>
+              <a:spcBef>
+                <a:spcPts val="2000"/>
+              </a:spcBef>
+              <a:defRPr sz="2175"/>
+            </a:pPr>
+            <a:r>
+              <a:t>Best individual model - XGBoost</a:t>
+            </a:r>
+          </a:p>
+          <a:p>
+            <a:pPr lvl="2" marL="1226438" indent="-408812" defTabSz="508254">
+              <a:lnSpc>
+                <a:spcPct val="80000"/>
+              </a:lnSpc>
+              <a:spcBef>
+                <a:spcPts val="2000"/>
+              </a:spcBef>
+              <a:defRPr sz="2175"/>
+            </a:pPr>
+            <a:r>
               <a:t>Accuracy: 0.80</a:t>
             </a:r>
           </a:p>
           <a:p>
-            <a:pPr lvl="2"/>
-            <a:r>
-              <a:rPr lang="en-US" b="1" dirty="0"/>
+            <a:pPr lvl="2" marL="1226438" indent="-408812" defTabSz="508254">
+              <a:lnSpc>
+                <a:spcPct val="80000"/>
+              </a:lnSpc>
+              <a:spcBef>
+                <a:spcPts val="2000"/>
+              </a:spcBef>
+              <a:defRPr b="1" sz="2175"/>
+            </a:pPr>
+            <a:r>
               <a:t>Precision</a:t>
             </a:r>
             <a:r>
-              <a:rPr lang="en-US" dirty="0"/>
+              <a:rPr b="0"/>
               <a:t>:  0.61</a:t>
             </a:r>
           </a:p>
           <a:p>
-            <a:pPr lvl="2"/>
-            <a:r>
-              <a:rPr lang="en-US" dirty="0"/>
+            <a:pPr lvl="2" marL="1226438" indent="-408812" defTabSz="508254">
+              <a:lnSpc>
+                <a:spcPct val="80000"/>
+              </a:lnSpc>
+              <a:spcBef>
+                <a:spcPts val="2000"/>
+              </a:spcBef>
+              <a:defRPr sz="2175"/>
+            </a:pPr>
+            <a:r>
               <a:t>Recall:  0.02</a:t>
             </a:r>
           </a:p>
           <a:p>
-            <a:r>
-              <a:rPr lang="en-US" dirty="0"/>
+            <a:pPr marL="408812" indent="-408812" defTabSz="508254">
+              <a:lnSpc>
+                <a:spcPct val="80000"/>
+              </a:lnSpc>
+              <a:spcBef>
+                <a:spcPts val="2000"/>
+              </a:spcBef>
+              <a:defRPr sz="2175"/>
+            </a:pPr>
+            <a:r>
               <a:t>Best model - </a:t>
             </a:r>
             <a:r>
-              <a:rPr lang="en-US" sz="2800" dirty="0"/>
+              <a:rPr sz="1653"/>
               <a:t>Voting Classifier (LOG, KNN,XGB,RFC)</a:t>
             </a:r>
           </a:p>
           <a:p>
-            <a:pPr lvl="1"/>
-            <a:r>
-              <a:rPr lang="en-US" dirty="0"/>
+            <a:pPr lvl="1" marL="817625" indent="-408812" defTabSz="508254">
+              <a:lnSpc>
+                <a:spcPct val="80000"/>
+              </a:lnSpc>
+              <a:spcBef>
+                <a:spcPts val="2000"/>
+              </a:spcBef>
+              <a:defRPr sz="2175"/>
+            </a:pPr>
+            <a:r>
               <a:t>Scores</a:t>
             </a:r>
           </a:p>
           <a:p>
-            <a:pPr lvl="2"/>
-            <a:r>
-              <a:rPr lang="en-US" dirty="0"/>
+            <a:pPr lvl="2" marL="1226438" indent="-408812" defTabSz="508254">
+              <a:lnSpc>
+                <a:spcPct val="80000"/>
+              </a:lnSpc>
+              <a:spcBef>
+                <a:spcPts val="2000"/>
+              </a:spcBef>
+              <a:defRPr sz="2175"/>
+            </a:pPr>
+            <a:r>
               <a:t>Accuracy: 0.80</a:t>
             </a:r>
           </a:p>
           <a:p>
-            <a:pPr lvl="2"/>
-            <a:r>
-              <a:rPr lang="en-US" b="1" dirty="0"/>
+            <a:pPr lvl="2" marL="1226438" indent="-408812" defTabSz="508254">
+              <a:lnSpc>
+                <a:spcPct val="80000"/>
+              </a:lnSpc>
+              <a:spcBef>
+                <a:spcPts val="2000"/>
+              </a:spcBef>
+              <a:defRPr b="1" sz="2175"/>
+            </a:pPr>
+            <a:r>
               <a:t>Precision</a:t>
             </a:r>
             <a:r>
-              <a:rPr lang="en-US" dirty="0"/>
+              <a:rPr b="0"/>
               <a:t>:  0.75</a:t>
             </a:r>
           </a:p>
           <a:p>
-            <a:pPr lvl="2"/>
-            <a:r>
-              <a:rPr lang="en-US" dirty="0"/>
+            <a:pPr lvl="2" marL="1226438" indent="-408812" defTabSz="508254">
+              <a:lnSpc>
+                <a:spcPct val="80000"/>
+              </a:lnSpc>
+              <a:spcBef>
+                <a:spcPts val="2000"/>
+              </a:spcBef>
+              <a:defRPr sz="2175"/>
+            </a:pPr>
+            <a:r>
               <a:t>Recall:  0.01</a:t>
             </a:r>
           </a:p>
-          <a:p>
-            <a:endParaRPr lang="en-US" dirty="0"/>
-          </a:p>
         </p:txBody>
       </p:sp>
     </p:spTree>
-    <p:extLst>
-      <p:ext uri="{BB962C8B-B14F-4D97-AF65-F5344CB8AC3E}">
-        <p14:creationId xmlns:p14="http://schemas.microsoft.com/office/powerpoint/2010/main" val="2683268282"/>
-      </p:ext>
-    </p:extLst>
   </p:cSld>
   <p:clrMapOvr>
     <a:masterClrMapping/>
   </p:clrMapOvr>
-  <p:transition spd="med"/>
+  <p:transition xmlns:p14="http://schemas.microsoft.com/office/powerpoint/2010/main" spd="med" advClick="1"/>
 </p:sld>
 </file>
 
 <file path=ppt/slides/slide8.xml><?xml version="1.0" encoding="utf-8"?>
-<p:sld xmlns:a="http://schemas.openxmlformats.org/drawingml/2006/main" xmlns:r="http://schemas.openxmlformats.org/officeDocument/2006/relationships" xmlns:p="http://schemas.openxmlformats.org/presentationml/2006/main">
+<p:sld xmlns:a="http://schemas.openxmlformats.org/drawingml/2006/main" xmlns:r="http://schemas.openxmlformats.org/officeDocument/2006/relationships" xmlns:p="http://schemas.openxmlformats.org/presentationml/2006/main" xmlns:m="http://schemas.openxmlformats.org/officeDocument/2006/math" xmlns:a14="http://schemas.microsoft.com/office/drawing/2010/main" showMasterSp="1" showMasterPhAnim="1">
   <p:cSld>
     <p:spTree>
       <p:nvGrpSpPr>
@@ -4969,10 +4911,8 @@
       </p:grpSpPr>
       <p:sp>
         <p:nvSpPr>
-          <p:cNvPr id="155" name="Current Model"/>
-          <p:cNvSpPr txBox="1">
-            <a:spLocks noGrp="1"/>
-          </p:cNvSpPr>
+          <p:cNvPr id="166" name="Current Model"/>
+          <p:cNvSpPr txBox="1"/>
           <p:nvPr>
             <p:ph type="title"/>
           </p:nvPr>
@@ -4986,6 +4926,7 @@
           <a:bodyPr/>
           <a:lstStyle/>
           <a:p>
+            <a:pPr/>
             <a:r>
               <a:t>Current Model</a:t>
             </a:r>
@@ -4994,10 +4935,8 @@
       </p:sp>
       <p:sp>
         <p:nvSpPr>
-          <p:cNvPr id="156" name="Body"/>
-          <p:cNvSpPr txBox="1">
-            <a:spLocks noGrp="1"/>
-          </p:cNvSpPr>
+          <p:cNvPr id="167" name="Body"/>
+          <p:cNvSpPr txBox="1"/>
           <p:nvPr>
             <p:ph type="body" idx="1"/>
           </p:nvPr>
@@ -5011,26 +4950,22 @@
           <a:bodyPr/>
           <a:lstStyle/>
           <a:p>
-            <a:endParaRPr/>
+            <a:pPr/>
           </a:p>
         </p:txBody>
       </p:sp>
       <p:pic>
         <p:nvPicPr>
-          <p:cNvPr id="2" name="Picture 2" descr="A screenshot of a cell phone&#10;&#10;Description generated with very high confidence">
-            <a:extLst>
-              <a:ext uri="{FF2B5EF4-FFF2-40B4-BE49-F238E27FC236}">
-                <a16:creationId xmlns:a16="http://schemas.microsoft.com/office/drawing/2014/main" id="{2D87B5F1-6CDE-4652-B58D-E3EDF17D9CA2}"/>
-              </a:ext>
-            </a:extLst>
-          </p:cNvPr>
+          <p:cNvPr id="168" name="Picture 2" descr="Picture 2"/>
           <p:cNvPicPr>
             <a:picLocks noChangeAspect="1"/>
           </p:cNvPicPr>
           <p:nvPr/>
         </p:nvPicPr>
         <p:blipFill>
-          <a:blip r:embed="rId2"/>
+          <a:blip r:embed="rId2">
+            <a:extLst/>
+          </a:blip>
           <a:stretch>
             <a:fillRect/>
           </a:stretch>
@@ -5043,6 +4978,9 @@
           <a:prstGeom prst="rect">
             <a:avLst/>
           </a:prstGeom>
+          <a:ln w="12700">
+            <a:miter lim="400000"/>
+          </a:ln>
         </p:spPr>
       </p:pic>
     </p:spTree>
@@ -5050,12 +4988,12 @@
   <p:clrMapOvr>
     <a:masterClrMapping/>
   </p:clrMapOvr>
-  <p:transition spd="med"/>
+  <p:transition xmlns:p14="http://schemas.microsoft.com/office/powerpoint/2010/main" spd="med" advClick="1"/>
 </p:sld>
 </file>
 
 <file path=ppt/slides/slide9.xml><?xml version="1.0" encoding="utf-8"?>
-<p:sld xmlns:a="http://schemas.openxmlformats.org/drawingml/2006/main" xmlns:r="http://schemas.openxmlformats.org/officeDocument/2006/relationships" xmlns:p="http://schemas.openxmlformats.org/presentationml/2006/main">
+<p:sld xmlns:a="http://schemas.openxmlformats.org/drawingml/2006/main" xmlns:r="http://schemas.openxmlformats.org/officeDocument/2006/relationships" xmlns:p="http://schemas.openxmlformats.org/presentationml/2006/main" xmlns:m="http://schemas.openxmlformats.org/officeDocument/2006/math" xmlns:a14="http://schemas.microsoft.com/office/drawing/2010/main" showMasterSp="1" showMasterPhAnim="1">
   <p:cSld>
     <p:spTree>
       <p:nvGrpSpPr>
@@ -5073,10 +5011,8 @@
       </p:grpSpPr>
       <p:sp>
         <p:nvSpPr>
-          <p:cNvPr id="161" name="Conclusion"/>
-          <p:cNvSpPr txBox="1">
-            <a:spLocks noGrp="1"/>
-          </p:cNvSpPr>
+          <p:cNvPr id="170" name="Conclusion"/>
+          <p:cNvSpPr txBox="1"/>
           <p:nvPr>
             <p:ph type="title"/>
           </p:nvPr>
@@ -5090,20 +5026,17 @@
           <a:bodyPr/>
           <a:lstStyle/>
           <a:p>
-            <a:r>
-              <a:rPr lang="en-US" dirty="0"/>
+            <a:pPr/>
+            <a:r>
               <a:t>Implementation</a:t>
             </a:r>
-            <a:endParaRPr dirty="0"/>
-          </a:p>
-        </p:txBody>
-      </p:sp>
-      <p:sp>
-        <p:nvSpPr>
-          <p:cNvPr id="162" name="Best model has a accuracy of 80% &amp; precision of 70%.…"/>
-          <p:cNvSpPr txBox="1">
-            <a:spLocks noGrp="1"/>
-          </p:cNvSpPr>
+          </a:p>
+        </p:txBody>
+      </p:sp>
+      <p:sp>
+        <p:nvSpPr>
+          <p:cNvPr id="171" name="Best model has a accuracy of 80% &amp; precision of 70%.…"/>
+          <p:cNvSpPr txBox="1"/>
           <p:nvPr>
             <p:ph type="body" idx="1"/>
           </p:nvPr>
@@ -5117,27 +5050,28 @@
           <a:bodyPr/>
           <a:lstStyle/>
           <a:p>
-            <a:r>
-              <a:rPr lang="en-US" dirty="0"/>
+            <a:pPr/>
+            <a:r>
               <a:t>Send extra reminders to the predicted no shows.</a:t>
             </a:r>
           </a:p>
           <a:p>
             <a:pPr marL="0" indent="0">
+              <a:buSzTx/>
               <a:buNone/>
+              <a:defRPr b="1"/>
             </a:pPr>
             <a:r>
-              <a:rPr lang="en-US" b="1" dirty="0"/>
               <a:t>Potential Savings</a:t>
             </a:r>
           </a:p>
           <a:p>
-            <a:r>
-              <a:rPr lang="en-US" dirty="0"/>
+            <a:pPr/>
+            <a:r>
               <a:t>Every 2 months the model predicts </a:t>
             </a:r>
             <a:r>
-              <a:rPr lang="en-US" dirty="0">
+              <a:rPr>
                 <a:solidFill>
                   <a:srgbClr val="00B0F0"/>
                 </a:solidFill>
@@ -5145,17 +5079,16 @@
               <a:t>150</a:t>
             </a:r>
             <a:r>
-              <a:rPr lang="en-US" dirty="0"/>
               <a:t> no shows</a:t>
             </a:r>
           </a:p>
           <a:p>
-            <a:r>
-              <a:rPr lang="en-US" dirty="0"/>
+            <a:pPr/>
+            <a:r>
               <a:t>Assume $</a:t>
             </a:r>
             <a:r>
-              <a:rPr lang="en-US" dirty="0">
+              <a:rPr>
                 <a:solidFill>
                   <a:srgbClr val="00B050"/>
                 </a:solidFill>
@@ -5163,17 +5096,16 @@
               <a:t>50 </a:t>
             </a:r>
             <a:r>
-              <a:rPr lang="en-US" dirty="0"/>
               <a:t>per visit</a:t>
             </a:r>
           </a:p>
           <a:p>
-            <a:r>
-              <a:rPr lang="en-US" dirty="0"/>
+            <a:pPr/>
+            <a:r>
               <a:t>These extra reminders could save up to </a:t>
             </a:r>
             <a:r>
-              <a:rPr lang="en-US" dirty="0">
+              <a:rPr>
                 <a:solidFill>
                   <a:srgbClr val="00B0F0"/>
                 </a:solidFill>
@@ -5181,11 +5113,10 @@
               <a:t>150</a:t>
             </a:r>
             <a:r>
-              <a:rPr lang="en-US" dirty="0"/>
               <a:t>*</a:t>
             </a:r>
             <a:r>
-              <a:rPr lang="en-US" dirty="0">
+              <a:rPr>
                 <a:solidFill>
                   <a:srgbClr val="00B050"/>
                 </a:solidFill>
@@ -5193,18 +5124,15 @@
               <a:t>50</a:t>
             </a:r>
             <a:r>
-              <a:rPr lang="en-US" dirty="0"/>
               <a:t> = </a:t>
             </a:r>
             <a:r>
-              <a:rPr lang="en-US" b="1" dirty="0"/>
+              <a:rPr b="1"/>
               <a:t>$7500 </a:t>
             </a:r>
             <a:r>
-              <a:rPr lang="en-US" dirty="0"/>
               <a:t>per quarter</a:t>
             </a:r>
-            <a:endParaRPr b="1" dirty="0"/>
           </a:p>
         </p:txBody>
       </p:sp>
@@ -5213,25 +5141,25 @@
   <p:clrMapOvr>
     <a:masterClrMapping/>
   </p:clrMapOvr>
-  <p:transition spd="med"/>
+  <p:transition xmlns:p14="http://schemas.microsoft.com/office/powerpoint/2010/main" spd="med" advClick="1"/>
 </p:sld>
 </file>
 
 <file path=ppt/theme/theme1.xml><?xml version="1.0" encoding="utf-8"?>
-<a:theme xmlns:a="http://schemas.openxmlformats.org/drawingml/2006/main" name="New_Template4">
+<a:theme xmlns:a="http://schemas.openxmlformats.org/drawingml/2006/main" xmlns:r="http://schemas.openxmlformats.org/officeDocument/2006/relationships" name="New_Template4">
   <a:themeElements>
     <a:clrScheme name="New_Template4">
       <a:dk1>
         <a:srgbClr val="414141"/>
       </a:dk1>
       <a:lt1>
-        <a:srgbClr val="004141"/>
+        <a:srgbClr val="FFFFFF"/>
       </a:lt1>
       <a:dk2>
-        <a:srgbClr val="66635F"/>
+        <a:srgbClr val="A7A7A7"/>
       </a:dk2>
       <a:lt2>
-        <a:srgbClr val="C9C3BA"/>
+        <a:srgbClr val="535353"/>
       </a:lt2>
       <a:accent1>
         <a:srgbClr val="738FAF"/>
@@ -5260,14 +5188,14 @@
     </a:clrScheme>
     <a:fontScheme name="New_Template4">
       <a:majorFont>
-        <a:latin typeface="Bodoni SvtyTwo ITC TT-Book"/>
-        <a:ea typeface="Bodoni SvtyTwo ITC TT-Book"/>
-        <a:cs typeface="Bodoni SvtyTwo ITC TT-Book"/>
+        <a:latin typeface="Helvetica"/>
+        <a:ea typeface="Helvetica"/>
+        <a:cs typeface="Helvetica"/>
       </a:majorFont>
       <a:minorFont>
-        <a:latin typeface="Bodoni SvtyTwo ITC TT-Book"/>
-        <a:ea typeface="Bodoni SvtyTwo ITC TT-Book"/>
-        <a:cs typeface="Bodoni SvtyTwo ITC TT-Book"/>
+        <a:latin typeface="Helvetica Neue"/>
+        <a:ea typeface="Helvetica Neue"/>
+        <a:cs typeface="Helvetica Neue"/>
       </a:minorFont>
     </a:fontScheme>
     <a:fmtScheme name="New_Template4">
@@ -5407,19 +5335,20 @@
   <a:objectDefaults>
     <a:spDef>
       <a:spPr>
-        <a:blipFill rotWithShape="1">
-          <a:blip xmlns:r="http://schemas.openxmlformats.org/officeDocument/2006/relationships" r:embed="rId1"/>
-          <a:srcRect/>
-          <a:tile tx="0" ty="0" sx="100000" sy="100000" flip="none" algn="tl"/>
-        </a:blipFill>
-        <a:ln w="12700" cap="flat">
-          <a:noFill/>
-          <a:miter lim="400000"/>
+        <a:solidFill>
+          <a:srgbClr val="004141"/>
+        </a:solidFill>
+        <a:ln w="25400" cap="flat">
+          <a:solidFill>
+            <a:schemeClr val="accent1"/>
+          </a:solidFill>
+          <a:prstDash val="solid"/>
+          <a:round/>
         </a:ln>
         <a:effectLst/>
         <a:sp3d/>
       </a:spPr>
-      <a:bodyPr rot="0" spcFirstLastPara="1" vertOverflow="overflow" horzOverflow="overflow" vert="horz" wrap="square" lIns="50800" tIns="50800" rIns="50800" bIns="50800" numCol="1" spcCol="38100" rtlCol="0" anchor="ctr">
+      <a:bodyPr rot="0" spcFirstLastPara="1" vertOverflow="overflow" horzOverflow="overflow" vert="horz" wrap="square" lIns="50800" tIns="50800" rIns="50800" bIns="50800" numCol="1" spcCol="38100" rtlCol="0" anchor="ctr" upright="0">
         <a:spAutoFit/>
       </a:bodyPr>
       <a:lstStyle>
@@ -5438,23 +5367,19 @@
           <a:buFontTx/>
           <a:buNone/>
           <a:tabLst/>
-          <a:defRPr kumimoji="0" sz="3200" b="0" i="0" u="none" strike="noStrike" cap="none" spc="0" normalizeH="0" baseline="0">
+          <a:defRPr b="0" baseline="0" cap="none" i="0" spc="0" strike="noStrike" sz="2400" u="none" kumimoji="0" normalizeH="0">
             <a:ln>
               <a:noFill/>
             </a:ln>
             <a:solidFill>
-              <a:srgbClr val="FFFFFF"/>
+              <a:srgbClr val="414141"/>
             </a:solidFill>
-            <a:effectLst>
-              <a:outerShdw blurRad="25400" dist="33948" dir="2700000" rotWithShape="0">
-                <a:srgbClr val="3B3936"/>
-              </a:outerShdw>
-            </a:effectLst>
+            <a:effectLst/>
             <a:uFillTx/>
-            <a:latin typeface="Palatino"/>
-            <a:ea typeface="Palatino"/>
-            <a:cs typeface="Palatino"/>
-            <a:sym typeface="Palatino"/>
+            <a:latin typeface="Bodoni SvtyTwo ITC TT-Book"/>
+            <a:ea typeface="Bodoni SvtyTwo ITC TT-Book"/>
+            <a:cs typeface="Bodoni SvtyTwo ITC TT-Book"/>
+            <a:sym typeface="Bodoni SvtyTwo ITC TT-Book"/>
           </a:defRPr>
         </a:defPPr>
         <a:lvl1pPr marL="0" marR="0" indent="0" algn="l" defTabSz="914400" rtl="0" fontAlgn="auto" latinLnBrk="1" hangingPunct="0">
@@ -5472,7 +5397,7 @@
           <a:buFontTx/>
           <a:buNone/>
           <a:tabLst/>
-          <a:defRPr kumimoji="0" sz="1800" b="0" i="0" u="none" strike="noStrike" cap="none" spc="0" normalizeH="0" baseline="0">
+          <a:defRPr b="0" baseline="0" cap="none" i="0" spc="0" strike="noStrike" sz="1800" u="none" kumimoji="0" normalizeH="0">
             <a:ln>
               <a:noFill/>
             </a:ln>
@@ -5498,7 +5423,7 @@
           <a:buFontTx/>
           <a:buNone/>
           <a:tabLst/>
-          <a:defRPr kumimoji="0" sz="1800" b="0" i="0" u="none" strike="noStrike" cap="none" spc="0" normalizeH="0" baseline="0">
+          <a:defRPr b="0" baseline="0" cap="none" i="0" spc="0" strike="noStrike" sz="1800" u="none" kumimoji="0" normalizeH="0">
             <a:ln>
               <a:noFill/>
             </a:ln>
@@ -5524,7 +5449,7 @@
           <a:buFontTx/>
           <a:buNone/>
           <a:tabLst/>
-          <a:defRPr kumimoji="0" sz="1800" b="0" i="0" u="none" strike="noStrike" cap="none" spc="0" normalizeH="0" baseline="0">
+          <a:defRPr b="0" baseline="0" cap="none" i="0" spc="0" strike="noStrike" sz="1800" u="none" kumimoji="0" normalizeH="0">
             <a:ln>
               <a:noFill/>
             </a:ln>
@@ -5550,7 +5475,7 @@
           <a:buFontTx/>
           <a:buNone/>
           <a:tabLst/>
-          <a:defRPr kumimoji="0" sz="1800" b="0" i="0" u="none" strike="noStrike" cap="none" spc="0" normalizeH="0" baseline="0">
+          <a:defRPr b="0" baseline="0" cap="none" i="0" spc="0" strike="noStrike" sz="1800" u="none" kumimoji="0" normalizeH="0">
             <a:ln>
               <a:noFill/>
             </a:ln>
@@ -5576,7 +5501,7 @@
           <a:buFontTx/>
           <a:buNone/>
           <a:tabLst/>
-          <a:defRPr kumimoji="0" sz="1800" b="0" i="0" u="none" strike="noStrike" cap="none" spc="0" normalizeH="0" baseline="0">
+          <a:defRPr b="0" baseline="0" cap="none" i="0" spc="0" strike="noStrike" sz="1800" u="none" kumimoji="0" normalizeH="0">
             <a:ln>
               <a:noFill/>
             </a:ln>
@@ -5602,7 +5527,7 @@
           <a:buFontTx/>
           <a:buNone/>
           <a:tabLst/>
-          <a:defRPr kumimoji="0" sz="1800" b="0" i="0" u="none" strike="noStrike" cap="none" spc="0" normalizeH="0" baseline="0">
+          <a:defRPr b="0" baseline="0" cap="none" i="0" spc="0" strike="noStrike" sz="1800" u="none" kumimoji="0" normalizeH="0">
             <a:ln>
               <a:noFill/>
             </a:ln>
@@ -5628,7 +5553,7 @@
           <a:buFontTx/>
           <a:buNone/>
           <a:tabLst/>
-          <a:defRPr kumimoji="0" sz="1800" b="0" i="0" u="none" strike="noStrike" cap="none" spc="0" normalizeH="0" baseline="0">
+          <a:defRPr b="0" baseline="0" cap="none" i="0" spc="0" strike="noStrike" sz="1800" u="none" kumimoji="0" normalizeH="0">
             <a:ln>
               <a:noFill/>
             </a:ln>
@@ -5654,7 +5579,7 @@
           <a:buFontTx/>
           <a:buNone/>
           <a:tabLst/>
-          <a:defRPr kumimoji="0" sz="1800" b="0" i="0" u="none" strike="noStrike" cap="none" spc="0" normalizeH="0" baseline="0">
+          <a:defRPr b="0" baseline="0" cap="none" i="0" spc="0" strike="noStrike" sz="1800" u="none" kumimoji="0" normalizeH="0">
             <a:ln>
               <a:noFill/>
             </a:ln>
@@ -5680,7 +5605,7 @@
           <a:buFontTx/>
           <a:buNone/>
           <a:tabLst/>
-          <a:defRPr kumimoji="0" sz="1800" b="0" i="0" u="none" strike="noStrike" cap="none" spc="0" normalizeH="0" baseline="0">
+          <a:defRPr b="0" baseline="0" cap="none" i="0" spc="0" strike="noStrike" sz="1800" u="none" kumimoji="0" normalizeH="0">
             <a:ln>
               <a:noFill/>
             </a:ln>
@@ -5693,15 +5618,9 @@
         </a:lvl9pPr>
       </a:lstStyle>
       <a:style>
-        <a:lnRef idx="0">
-          <a:scrgbClr r="0" g="0" b="0"/>
-        </a:lnRef>
-        <a:fillRef idx="0">
-          <a:scrgbClr r="0" g="0" b="0"/>
-        </a:fillRef>
-        <a:effectRef idx="0">
-          <a:scrgbClr r="0" g="0" b="0"/>
-        </a:effectRef>
+        <a:lnRef idx="0"/>
+        <a:fillRef idx="0"/>
+        <a:effectRef idx="0"/>
         <a:fontRef idx="none"/>
       </a:style>
     </a:spDef>
@@ -5710,15 +5629,15 @@
         <a:noFill/>
         <a:ln w="25400" cap="flat">
           <a:solidFill>
-            <a:srgbClr val="414141"/>
+            <a:schemeClr val="accent1"/>
           </a:solidFill>
           <a:prstDash val="solid"/>
-          <a:miter lim="400000"/>
+          <a:round/>
         </a:ln>
         <a:effectLst/>
         <a:sp3d/>
       </a:spPr>
-      <a:bodyPr rot="0" spcFirstLastPara="1" vertOverflow="overflow" horzOverflow="overflow" vert="horz" wrap="square" lIns="91439" tIns="45719" rIns="91439" bIns="45719" numCol="1" spcCol="38100" rtlCol="0" anchor="t">
+      <a:bodyPr rot="0" spcFirstLastPara="1" vertOverflow="overflow" horzOverflow="overflow" vert="horz" wrap="square" lIns="91439" tIns="45719" rIns="91439" bIns="45719" numCol="1" spcCol="38100" rtlCol="0" anchor="t" upright="0">
         <a:noAutofit/>
       </a:bodyPr>
       <a:lstStyle>
@@ -5737,7 +5656,7 @@
           <a:buFontTx/>
           <a:buNone/>
           <a:tabLst/>
-          <a:defRPr kumimoji="0" sz="1800" b="0" i="0" u="none" strike="noStrike" cap="none" spc="0" normalizeH="0" baseline="0">
+          <a:defRPr b="0" baseline="0" cap="none" i="0" spc="0" strike="noStrike" sz="1800" u="none" kumimoji="0" normalizeH="0">
             <a:ln>
               <a:noFill/>
             </a:ln>
@@ -5763,7 +5682,7 @@
           <a:buFontTx/>
           <a:buNone/>
           <a:tabLst/>
-          <a:defRPr kumimoji="0" sz="1800" b="0" i="0" u="none" strike="noStrike" cap="none" spc="0" normalizeH="0" baseline="0">
+          <a:defRPr b="0" baseline="0" cap="none" i="0" spc="0" strike="noStrike" sz="1800" u="none" kumimoji="0" normalizeH="0">
             <a:ln>
               <a:noFill/>
             </a:ln>
@@ -5789,7 +5708,7 @@
           <a:buFontTx/>
           <a:buNone/>
           <a:tabLst/>
-          <a:defRPr kumimoji="0" sz="1800" b="0" i="0" u="none" strike="noStrike" cap="none" spc="0" normalizeH="0" baseline="0">
+          <a:defRPr b="0" baseline="0" cap="none" i="0" spc="0" strike="noStrike" sz="1800" u="none" kumimoji="0" normalizeH="0">
             <a:ln>
               <a:noFill/>
             </a:ln>
@@ -5815,7 +5734,7 @@
           <a:buFontTx/>
           <a:buNone/>
           <a:tabLst/>
-          <a:defRPr kumimoji="0" sz="1800" b="0" i="0" u="none" strike="noStrike" cap="none" spc="0" normalizeH="0" baseline="0">
+          <a:defRPr b="0" baseline="0" cap="none" i="0" spc="0" strike="noStrike" sz="1800" u="none" kumimoji="0" normalizeH="0">
             <a:ln>
               <a:noFill/>
             </a:ln>
@@ -5841,7 +5760,7 @@
           <a:buFontTx/>
           <a:buNone/>
           <a:tabLst/>
-          <a:defRPr kumimoji="0" sz="1800" b="0" i="0" u="none" strike="noStrike" cap="none" spc="0" normalizeH="0" baseline="0">
+          <a:defRPr b="0" baseline="0" cap="none" i="0" spc="0" strike="noStrike" sz="1800" u="none" kumimoji="0" normalizeH="0">
             <a:ln>
               <a:noFill/>
             </a:ln>
@@ -5867,7 +5786,7 @@
           <a:buFontTx/>
           <a:buNone/>
           <a:tabLst/>
-          <a:defRPr kumimoji="0" sz="1800" b="0" i="0" u="none" strike="noStrike" cap="none" spc="0" normalizeH="0" baseline="0">
+          <a:defRPr b="0" baseline="0" cap="none" i="0" spc="0" strike="noStrike" sz="1800" u="none" kumimoji="0" normalizeH="0">
             <a:ln>
               <a:noFill/>
             </a:ln>
@@ -5893,7 +5812,7 @@
           <a:buFontTx/>
           <a:buNone/>
           <a:tabLst/>
-          <a:defRPr kumimoji="0" sz="1800" b="0" i="0" u="none" strike="noStrike" cap="none" spc="0" normalizeH="0" baseline="0">
+          <a:defRPr b="0" baseline="0" cap="none" i="0" spc="0" strike="noStrike" sz="1800" u="none" kumimoji="0" normalizeH="0">
             <a:ln>
               <a:noFill/>
             </a:ln>
@@ -5919,7 +5838,7 @@
           <a:buFontTx/>
           <a:buNone/>
           <a:tabLst/>
-          <a:defRPr kumimoji="0" sz="1800" b="0" i="0" u="none" strike="noStrike" cap="none" spc="0" normalizeH="0" baseline="0">
+          <a:defRPr b="0" baseline="0" cap="none" i="0" spc="0" strike="noStrike" sz="1800" u="none" kumimoji="0" normalizeH="0">
             <a:ln>
               <a:noFill/>
             </a:ln>
@@ -5945,7 +5864,7 @@
           <a:buFontTx/>
           <a:buNone/>
           <a:tabLst/>
-          <a:defRPr kumimoji="0" sz="1800" b="0" i="0" u="none" strike="noStrike" cap="none" spc="0" normalizeH="0" baseline="0">
+          <a:defRPr b="0" baseline="0" cap="none" i="0" spc="0" strike="noStrike" sz="1800" u="none" kumimoji="0" normalizeH="0">
             <a:ln>
               <a:noFill/>
             </a:ln>
@@ -5971,7 +5890,7 @@
           <a:buFontTx/>
           <a:buNone/>
           <a:tabLst/>
-          <a:defRPr kumimoji="0" sz="1800" b="0" i="0" u="none" strike="noStrike" cap="none" spc="0" normalizeH="0" baseline="0">
+          <a:defRPr b="0" baseline="0" cap="none" i="0" spc="0" strike="noStrike" sz="1800" u="none" kumimoji="0" normalizeH="0">
             <a:ln>
               <a:noFill/>
             </a:ln>
@@ -5984,15 +5903,9 @@
         </a:lvl9pPr>
       </a:lstStyle>
       <a:style>
-        <a:lnRef idx="0">
-          <a:scrgbClr r="0" g="0" b="0"/>
-        </a:lnRef>
-        <a:fillRef idx="0">
-          <a:scrgbClr r="0" g="0" b="0"/>
-        </a:fillRef>
-        <a:effectRef idx="0">
-          <a:scrgbClr r="0" g="0" b="0"/>
-        </a:effectRef>
+        <a:lnRef idx="0"/>
+        <a:fillRef idx="0"/>
+        <a:effectRef idx="0"/>
         <a:fontRef idx="none"/>
       </a:style>
     </a:lnDef>
@@ -6006,7 +5919,7 @@
         <a:effectLst/>
         <a:sp3d/>
       </a:spPr>
-      <a:bodyPr rot="0" spcFirstLastPara="1" vertOverflow="overflow" horzOverflow="overflow" vert="horz" wrap="square" lIns="50800" tIns="50800" rIns="50800" bIns="50800" numCol="1" spcCol="38100" rtlCol="0" anchor="ctr">
+      <a:bodyPr rot="0" spcFirstLastPara="1" vertOverflow="overflow" horzOverflow="overflow" vert="horz" wrap="square" lIns="50800" tIns="50800" rIns="50800" bIns="50800" numCol="1" spcCol="38100" rtlCol="0" anchor="ctr" upright="0">
         <a:spAutoFit/>
       </a:bodyPr>
       <a:lstStyle>
@@ -6025,7 +5938,7 @@
           <a:buFontTx/>
           <a:buNone/>
           <a:tabLst/>
-          <a:defRPr kumimoji="0" sz="2400" b="0" i="0" u="none" strike="noStrike" cap="none" spc="0" normalizeH="0" baseline="0">
+          <a:defRPr b="0" baseline="0" cap="none" i="0" spc="0" strike="noStrike" sz="2400" u="none" kumimoji="0" normalizeH="0">
             <a:ln>
               <a:noFill/>
             </a:ln>
@@ -6034,10 +5947,10 @@
             </a:solidFill>
             <a:effectLst/>
             <a:uFillTx/>
-            <a:latin typeface="Palatino"/>
-            <a:ea typeface="Palatino"/>
-            <a:cs typeface="Palatino"/>
-            <a:sym typeface="Palatino"/>
+            <a:latin typeface="Bodoni SvtyTwo ITC TT-Book"/>
+            <a:ea typeface="Bodoni SvtyTwo ITC TT-Book"/>
+            <a:cs typeface="Bodoni SvtyTwo ITC TT-Book"/>
+            <a:sym typeface="Bodoni SvtyTwo ITC TT-Book"/>
           </a:defRPr>
         </a:defPPr>
         <a:lvl1pPr marL="0" marR="0" indent="0" algn="l" defTabSz="914400" rtl="0" fontAlgn="auto" latinLnBrk="1" hangingPunct="0">
@@ -6055,7 +5968,7 @@
           <a:buFontTx/>
           <a:buNone/>
           <a:tabLst/>
-          <a:defRPr kumimoji="0" sz="1800" b="0" i="0" u="none" strike="noStrike" cap="none" spc="0" normalizeH="0" baseline="0">
+          <a:defRPr b="0" baseline="0" cap="none" i="0" spc="0" strike="noStrike" sz="1800" u="none" kumimoji="0" normalizeH="0">
             <a:ln>
               <a:noFill/>
             </a:ln>
@@ -6081,7 +5994,7 @@
           <a:buFontTx/>
           <a:buNone/>
           <a:tabLst/>
-          <a:defRPr kumimoji="0" sz="1800" b="0" i="0" u="none" strike="noStrike" cap="none" spc="0" normalizeH="0" baseline="0">
+          <a:defRPr b="0" baseline="0" cap="none" i="0" spc="0" strike="noStrike" sz="1800" u="none" kumimoji="0" normalizeH="0">
             <a:ln>
               <a:noFill/>
             </a:ln>
@@ -6107,7 +6020,7 @@
           <a:buFontTx/>
           <a:buNone/>
           <a:tabLst/>
-          <a:defRPr kumimoji="0" sz="1800" b="0" i="0" u="none" strike="noStrike" cap="none" spc="0" normalizeH="0" baseline="0">
+          <a:defRPr b="0" baseline="0" cap="none" i="0" spc="0" strike="noStrike" sz="1800" u="none" kumimoji="0" normalizeH="0">
             <a:ln>
               <a:noFill/>
             </a:ln>
@@ -6133,7 +6046,7 @@
           <a:buFontTx/>
           <a:buNone/>
           <a:tabLst/>
-          <a:defRPr kumimoji="0" sz="1800" b="0" i="0" u="none" strike="noStrike" cap="none" spc="0" normalizeH="0" baseline="0">
+          <a:defRPr b="0" baseline="0" cap="none" i="0" spc="0" strike="noStrike" sz="1800" u="none" kumimoji="0" normalizeH="0">
             <a:ln>
               <a:noFill/>
             </a:ln>
@@ -6159,7 +6072,7 @@
           <a:buFontTx/>
           <a:buNone/>
           <a:tabLst/>
-          <a:defRPr kumimoji="0" sz="1800" b="0" i="0" u="none" strike="noStrike" cap="none" spc="0" normalizeH="0" baseline="0">
+          <a:defRPr b="0" baseline="0" cap="none" i="0" spc="0" strike="noStrike" sz="1800" u="none" kumimoji="0" normalizeH="0">
             <a:ln>
               <a:noFill/>
             </a:ln>
@@ -6185,7 +6098,7 @@
           <a:buFontTx/>
           <a:buNone/>
           <a:tabLst/>
-          <a:defRPr kumimoji="0" sz="1800" b="0" i="0" u="none" strike="noStrike" cap="none" spc="0" normalizeH="0" baseline="0">
+          <a:defRPr b="0" baseline="0" cap="none" i="0" spc="0" strike="noStrike" sz="1800" u="none" kumimoji="0" normalizeH="0">
             <a:ln>
               <a:noFill/>
             </a:ln>
@@ -6211,7 +6124,7 @@
           <a:buFontTx/>
           <a:buNone/>
           <a:tabLst/>
-          <a:defRPr kumimoji="0" sz="1800" b="0" i="0" u="none" strike="noStrike" cap="none" spc="0" normalizeH="0" baseline="0">
+          <a:defRPr b="0" baseline="0" cap="none" i="0" spc="0" strike="noStrike" sz="1800" u="none" kumimoji="0" normalizeH="0">
             <a:ln>
               <a:noFill/>
             </a:ln>
@@ -6237,7 +6150,7 @@
           <a:buFontTx/>
           <a:buNone/>
           <a:tabLst/>
-          <a:defRPr kumimoji="0" sz="1800" b="0" i="0" u="none" strike="noStrike" cap="none" spc="0" normalizeH="0" baseline="0">
+          <a:defRPr b="0" baseline="0" cap="none" i="0" spc="0" strike="noStrike" sz="1800" u="none" kumimoji="0" normalizeH="0">
             <a:ln>
               <a:noFill/>
             </a:ln>
@@ -6263,7 +6176,7 @@
           <a:buFontTx/>
           <a:buNone/>
           <a:tabLst/>
-          <a:defRPr kumimoji="0" sz="1800" b="0" i="0" u="none" strike="noStrike" cap="none" spc="0" normalizeH="0" baseline="0">
+          <a:defRPr b="0" baseline="0" cap="none" i="0" spc="0" strike="noStrike" sz="1800" u="none" kumimoji="0" normalizeH="0">
             <a:ln>
               <a:noFill/>
             </a:ln>
@@ -6276,25 +6189,18 @@
         </a:lvl9pPr>
       </a:lstStyle>
       <a:style>
-        <a:lnRef idx="0">
-          <a:scrgbClr r="0" g="0" b="0"/>
-        </a:lnRef>
-        <a:fillRef idx="0">
-          <a:scrgbClr r="0" g="0" b="0"/>
-        </a:fillRef>
-        <a:effectRef idx="0">
-          <a:scrgbClr r="0" g="0" b="0"/>
-        </a:effectRef>
+        <a:lnRef idx="0"/>
+        <a:fillRef idx="0"/>
+        <a:effectRef idx="0"/>
         <a:fontRef idx="none"/>
       </a:style>
     </a:txDef>
   </a:objectDefaults>
-  <a:extraClrSchemeLst/>
 </a:theme>
 </file>
 
 <file path=ppt/theme/theme2.xml><?xml version="1.0" encoding="utf-8"?>
-<a:theme xmlns:a="http://schemas.openxmlformats.org/drawingml/2006/main" name="New_Template4">
+<a:theme xmlns:a="http://schemas.openxmlformats.org/drawingml/2006/main" xmlns:r="http://schemas.openxmlformats.org/officeDocument/2006/relationships" name="New_Template4">
   <a:themeElements>
     <a:clrScheme name="New_Template4">
       <a:dk1>
@@ -6304,10 +6210,10 @@
         <a:srgbClr val="FFFFFF"/>
       </a:lt1>
       <a:dk2>
-        <a:srgbClr val="66635F"/>
+        <a:srgbClr val="A7A7A7"/>
       </a:dk2>
       <a:lt2>
-        <a:srgbClr val="C9C3BA"/>
+        <a:srgbClr val="535353"/>
       </a:lt2>
       <a:accent1>
         <a:srgbClr val="738FAF"/>
@@ -6336,14 +6242,14 @@
     </a:clrScheme>
     <a:fontScheme name="New_Template4">
       <a:majorFont>
-        <a:latin typeface="Bodoni SvtyTwo ITC TT-Book"/>
-        <a:ea typeface="Bodoni SvtyTwo ITC TT-Book"/>
-        <a:cs typeface="Bodoni SvtyTwo ITC TT-Book"/>
+        <a:latin typeface="Helvetica"/>
+        <a:ea typeface="Helvetica"/>
+        <a:cs typeface="Helvetica"/>
       </a:majorFont>
       <a:minorFont>
-        <a:latin typeface="Bodoni SvtyTwo ITC TT-Book"/>
-        <a:ea typeface="Bodoni SvtyTwo ITC TT-Book"/>
-        <a:cs typeface="Bodoni SvtyTwo ITC TT-Book"/>
+        <a:latin typeface="Helvetica Neue"/>
+        <a:ea typeface="Helvetica Neue"/>
+        <a:cs typeface="Helvetica Neue"/>
       </a:minorFont>
     </a:fontScheme>
     <a:fmtScheme name="New_Template4">
@@ -6483,19 +6389,20 @@
   <a:objectDefaults>
     <a:spDef>
       <a:spPr>
-        <a:blipFill rotWithShape="1">
-          <a:blip xmlns:r="http://schemas.openxmlformats.org/officeDocument/2006/relationships" r:embed="rId1"/>
-          <a:srcRect/>
-          <a:tile tx="0" ty="0" sx="100000" sy="100000" flip="none" algn="tl"/>
-        </a:blipFill>
-        <a:ln w="12700" cap="flat">
-          <a:noFill/>
-          <a:miter lim="400000"/>
+        <a:solidFill>
+          <a:srgbClr val="004141"/>
+        </a:solidFill>
+        <a:ln w="25400" cap="flat">
+          <a:solidFill>
+            <a:schemeClr val="accent1"/>
+          </a:solidFill>
+          <a:prstDash val="solid"/>
+          <a:round/>
         </a:ln>
         <a:effectLst/>
         <a:sp3d/>
       </a:spPr>
-      <a:bodyPr rot="0" spcFirstLastPara="1" vertOverflow="overflow" horzOverflow="overflow" vert="horz" wrap="square" lIns="50800" tIns="50800" rIns="50800" bIns="50800" numCol="1" spcCol="38100" rtlCol="0" anchor="ctr">
+      <a:bodyPr rot="0" spcFirstLastPara="1" vertOverflow="overflow" horzOverflow="overflow" vert="horz" wrap="square" lIns="50800" tIns="50800" rIns="50800" bIns="50800" numCol="1" spcCol="38100" rtlCol="0" anchor="ctr" upright="0">
         <a:spAutoFit/>
       </a:bodyPr>
       <a:lstStyle>
@@ -6514,23 +6421,19 @@
           <a:buFontTx/>
           <a:buNone/>
           <a:tabLst/>
-          <a:defRPr kumimoji="0" sz="3200" b="0" i="0" u="none" strike="noStrike" cap="none" spc="0" normalizeH="0" baseline="0">
+          <a:defRPr b="0" baseline="0" cap="none" i="0" spc="0" strike="noStrike" sz="2400" u="none" kumimoji="0" normalizeH="0">
             <a:ln>
               <a:noFill/>
             </a:ln>
             <a:solidFill>
-              <a:srgbClr val="FFFFFF"/>
+              <a:srgbClr val="414141"/>
             </a:solidFill>
-            <a:effectLst>
-              <a:outerShdw blurRad="25400" dist="33948" dir="2700000" rotWithShape="0">
-                <a:srgbClr val="3B3936"/>
-              </a:outerShdw>
-            </a:effectLst>
+            <a:effectLst/>
             <a:uFillTx/>
-            <a:latin typeface="Palatino"/>
-            <a:ea typeface="Palatino"/>
-            <a:cs typeface="Palatino"/>
-            <a:sym typeface="Palatino"/>
+            <a:latin typeface="Bodoni SvtyTwo ITC TT-Book"/>
+            <a:ea typeface="Bodoni SvtyTwo ITC TT-Book"/>
+            <a:cs typeface="Bodoni SvtyTwo ITC TT-Book"/>
+            <a:sym typeface="Bodoni SvtyTwo ITC TT-Book"/>
           </a:defRPr>
         </a:defPPr>
         <a:lvl1pPr marL="0" marR="0" indent="0" algn="l" defTabSz="914400" rtl="0" fontAlgn="auto" latinLnBrk="1" hangingPunct="0">
@@ -6548,7 +6451,7 @@
           <a:buFontTx/>
           <a:buNone/>
           <a:tabLst/>
-          <a:defRPr kumimoji="0" sz="1800" b="0" i="0" u="none" strike="noStrike" cap="none" spc="0" normalizeH="0" baseline="0">
+          <a:defRPr b="0" baseline="0" cap="none" i="0" spc="0" strike="noStrike" sz="1800" u="none" kumimoji="0" normalizeH="0">
             <a:ln>
               <a:noFill/>
             </a:ln>
@@ -6574,7 +6477,7 @@
           <a:buFontTx/>
           <a:buNone/>
           <a:tabLst/>
-          <a:defRPr kumimoji="0" sz="1800" b="0" i="0" u="none" strike="noStrike" cap="none" spc="0" normalizeH="0" baseline="0">
+          <a:defRPr b="0" baseline="0" cap="none" i="0" spc="0" strike="noStrike" sz="1800" u="none" kumimoji="0" normalizeH="0">
             <a:ln>
               <a:noFill/>
             </a:ln>
@@ -6600,7 +6503,7 @@
           <a:buFontTx/>
           <a:buNone/>
           <a:tabLst/>
-          <a:defRPr kumimoji="0" sz="1800" b="0" i="0" u="none" strike="noStrike" cap="none" spc="0" normalizeH="0" baseline="0">
+          <a:defRPr b="0" baseline="0" cap="none" i="0" spc="0" strike="noStrike" sz="1800" u="none" kumimoji="0" normalizeH="0">
             <a:ln>
               <a:noFill/>
             </a:ln>
@@ -6626,7 +6529,7 @@
           <a:buFontTx/>
           <a:buNone/>
           <a:tabLst/>
-          <a:defRPr kumimoji="0" sz="1800" b="0" i="0" u="none" strike="noStrike" cap="none" spc="0" normalizeH="0" baseline="0">
+          <a:defRPr b="0" baseline="0" cap="none" i="0" spc="0" strike="noStrike" sz="1800" u="none" kumimoji="0" normalizeH="0">
             <a:ln>
               <a:noFill/>
             </a:ln>
@@ -6652,7 +6555,7 @@
           <a:buFontTx/>
           <a:buNone/>
           <a:tabLst/>
-          <a:defRPr kumimoji="0" sz="1800" b="0" i="0" u="none" strike="noStrike" cap="none" spc="0" normalizeH="0" baseline="0">
+          <a:defRPr b="0" baseline="0" cap="none" i="0" spc="0" strike="noStrike" sz="1800" u="none" kumimoji="0" normalizeH="0">
             <a:ln>
               <a:noFill/>
             </a:ln>
@@ -6678,7 +6581,7 @@
           <a:buFontTx/>
           <a:buNone/>
           <a:tabLst/>
-          <a:defRPr kumimoji="0" sz="1800" b="0" i="0" u="none" strike="noStrike" cap="none" spc="0" normalizeH="0" baseline="0">
+          <a:defRPr b="0" baseline="0" cap="none" i="0" spc="0" strike="noStrike" sz="1800" u="none" kumimoji="0" normalizeH="0">
             <a:ln>
               <a:noFill/>
             </a:ln>
@@ -6704,7 +6607,7 @@
           <a:buFontTx/>
           <a:buNone/>
           <a:tabLst/>
-          <a:defRPr kumimoji="0" sz="1800" b="0" i="0" u="none" strike="noStrike" cap="none" spc="0" normalizeH="0" baseline="0">
+          <a:defRPr b="0" baseline="0" cap="none" i="0" spc="0" strike="noStrike" sz="1800" u="none" kumimoji="0" normalizeH="0">
             <a:ln>
               <a:noFill/>
             </a:ln>
@@ -6730,7 +6633,7 @@
           <a:buFontTx/>
           <a:buNone/>
           <a:tabLst/>
-          <a:defRPr kumimoji="0" sz="1800" b="0" i="0" u="none" strike="noStrike" cap="none" spc="0" normalizeH="0" baseline="0">
+          <a:defRPr b="0" baseline="0" cap="none" i="0" spc="0" strike="noStrike" sz="1800" u="none" kumimoji="0" normalizeH="0">
             <a:ln>
               <a:noFill/>
             </a:ln>
@@ -6756,7 +6659,7 @@
           <a:buFontTx/>
           <a:buNone/>
           <a:tabLst/>
-          <a:defRPr kumimoji="0" sz="1800" b="0" i="0" u="none" strike="noStrike" cap="none" spc="0" normalizeH="0" baseline="0">
+          <a:defRPr b="0" baseline="0" cap="none" i="0" spc="0" strike="noStrike" sz="1800" u="none" kumimoji="0" normalizeH="0">
             <a:ln>
               <a:noFill/>
             </a:ln>
@@ -6769,15 +6672,9 @@
         </a:lvl9pPr>
       </a:lstStyle>
       <a:style>
-        <a:lnRef idx="0">
-          <a:scrgbClr r="0" g="0" b="0"/>
-        </a:lnRef>
-        <a:fillRef idx="0">
-          <a:scrgbClr r="0" g="0" b="0"/>
-        </a:fillRef>
-        <a:effectRef idx="0">
-          <a:scrgbClr r="0" g="0" b="0"/>
-        </a:effectRef>
+        <a:lnRef idx="0"/>
+        <a:fillRef idx="0"/>
+        <a:effectRef idx="0"/>
         <a:fontRef idx="none"/>
       </a:style>
     </a:spDef>
@@ -6786,15 +6683,15 @@
         <a:noFill/>
         <a:ln w="25400" cap="flat">
           <a:solidFill>
-            <a:srgbClr val="414141"/>
+            <a:schemeClr val="accent1"/>
           </a:solidFill>
           <a:prstDash val="solid"/>
-          <a:miter lim="400000"/>
+          <a:round/>
         </a:ln>
         <a:effectLst/>
         <a:sp3d/>
       </a:spPr>
-      <a:bodyPr rot="0" spcFirstLastPara="1" vertOverflow="overflow" horzOverflow="overflow" vert="horz" wrap="square" lIns="91439" tIns="45719" rIns="91439" bIns="45719" numCol="1" spcCol="38100" rtlCol="0" anchor="t">
+      <a:bodyPr rot="0" spcFirstLastPara="1" vertOverflow="overflow" horzOverflow="overflow" vert="horz" wrap="square" lIns="91439" tIns="45719" rIns="91439" bIns="45719" numCol="1" spcCol="38100" rtlCol="0" anchor="t" upright="0">
         <a:noAutofit/>
       </a:bodyPr>
       <a:lstStyle>
@@ -6813,7 +6710,7 @@
           <a:buFontTx/>
           <a:buNone/>
           <a:tabLst/>
-          <a:defRPr kumimoji="0" sz="1800" b="0" i="0" u="none" strike="noStrike" cap="none" spc="0" normalizeH="0" baseline="0">
+          <a:defRPr b="0" baseline="0" cap="none" i="0" spc="0" strike="noStrike" sz="1800" u="none" kumimoji="0" normalizeH="0">
             <a:ln>
               <a:noFill/>
             </a:ln>
@@ -6839,7 +6736,7 @@
           <a:buFontTx/>
           <a:buNone/>
           <a:tabLst/>
-          <a:defRPr kumimoji="0" sz="1800" b="0" i="0" u="none" strike="noStrike" cap="none" spc="0" normalizeH="0" baseline="0">
+          <a:defRPr b="0" baseline="0" cap="none" i="0" spc="0" strike="noStrike" sz="1800" u="none" kumimoji="0" normalizeH="0">
             <a:ln>
               <a:noFill/>
             </a:ln>
@@ -6865,7 +6762,7 @@
           <a:buFontTx/>
           <a:buNone/>
           <a:tabLst/>
-          <a:defRPr kumimoji="0" sz="1800" b="0" i="0" u="none" strike="noStrike" cap="none" spc="0" normalizeH="0" baseline="0">
+          <a:defRPr b="0" baseline="0" cap="none" i="0" spc="0" strike="noStrike" sz="1800" u="none" kumimoji="0" normalizeH="0">
             <a:ln>
               <a:noFill/>
             </a:ln>
@@ -6891,7 +6788,7 @@
           <a:buFontTx/>
           <a:buNone/>
           <a:tabLst/>
-          <a:defRPr kumimoji="0" sz="1800" b="0" i="0" u="none" strike="noStrike" cap="none" spc="0" normalizeH="0" baseline="0">
+          <a:defRPr b="0" baseline="0" cap="none" i="0" spc="0" strike="noStrike" sz="1800" u="none" kumimoji="0" normalizeH="0">
             <a:ln>
               <a:noFill/>
             </a:ln>
@@ -6917,7 +6814,7 @@
           <a:buFontTx/>
           <a:buNone/>
           <a:tabLst/>
-          <a:defRPr kumimoji="0" sz="1800" b="0" i="0" u="none" strike="noStrike" cap="none" spc="0" normalizeH="0" baseline="0">
+          <a:defRPr b="0" baseline="0" cap="none" i="0" spc="0" strike="noStrike" sz="1800" u="none" kumimoji="0" normalizeH="0">
             <a:ln>
               <a:noFill/>
             </a:ln>
@@ -6943,7 +6840,7 @@
           <a:buFontTx/>
           <a:buNone/>
           <a:tabLst/>
-          <a:defRPr kumimoji="0" sz="1800" b="0" i="0" u="none" strike="noStrike" cap="none" spc="0" normalizeH="0" baseline="0">
+          <a:defRPr b="0" baseline="0" cap="none" i="0" spc="0" strike="noStrike" sz="1800" u="none" kumimoji="0" normalizeH="0">
             <a:ln>
               <a:noFill/>
             </a:ln>
@@ -6969,7 +6866,7 @@
           <a:buFontTx/>
           <a:buNone/>
           <a:tabLst/>
-          <a:defRPr kumimoji="0" sz="1800" b="0" i="0" u="none" strike="noStrike" cap="none" spc="0" normalizeH="0" baseline="0">
+          <a:defRPr b="0" baseline="0" cap="none" i="0" spc="0" strike="noStrike" sz="1800" u="none" kumimoji="0" normalizeH="0">
             <a:ln>
               <a:noFill/>
             </a:ln>
@@ -6995,7 +6892,7 @@
           <a:buFontTx/>
           <a:buNone/>
           <a:tabLst/>
-          <a:defRPr kumimoji="0" sz="1800" b="0" i="0" u="none" strike="noStrike" cap="none" spc="0" normalizeH="0" baseline="0">
+          <a:defRPr b="0" baseline="0" cap="none" i="0" spc="0" strike="noStrike" sz="1800" u="none" kumimoji="0" normalizeH="0">
             <a:ln>
               <a:noFill/>
             </a:ln>
@@ -7021,7 +6918,7 @@
           <a:buFontTx/>
           <a:buNone/>
           <a:tabLst/>
-          <a:defRPr kumimoji="0" sz="1800" b="0" i="0" u="none" strike="noStrike" cap="none" spc="0" normalizeH="0" baseline="0">
+          <a:defRPr b="0" baseline="0" cap="none" i="0" spc="0" strike="noStrike" sz="1800" u="none" kumimoji="0" normalizeH="0">
             <a:ln>
               <a:noFill/>
             </a:ln>
@@ -7047,7 +6944,7 @@
           <a:buFontTx/>
           <a:buNone/>
           <a:tabLst/>
-          <a:defRPr kumimoji="0" sz="1800" b="0" i="0" u="none" strike="noStrike" cap="none" spc="0" normalizeH="0" baseline="0">
+          <a:defRPr b="0" baseline="0" cap="none" i="0" spc="0" strike="noStrike" sz="1800" u="none" kumimoji="0" normalizeH="0">
             <a:ln>
               <a:noFill/>
             </a:ln>
@@ -7060,15 +6957,9 @@
         </a:lvl9pPr>
       </a:lstStyle>
       <a:style>
-        <a:lnRef idx="0">
-          <a:scrgbClr r="0" g="0" b="0"/>
-        </a:lnRef>
-        <a:fillRef idx="0">
-          <a:scrgbClr r="0" g="0" b="0"/>
-        </a:fillRef>
-        <a:effectRef idx="0">
-          <a:scrgbClr r="0" g="0" b="0"/>
-        </a:effectRef>
+        <a:lnRef idx="0"/>
+        <a:fillRef idx="0"/>
+        <a:effectRef idx="0"/>
         <a:fontRef idx="none"/>
       </a:style>
     </a:lnDef>
@@ -7082,7 +6973,7 @@
         <a:effectLst/>
         <a:sp3d/>
       </a:spPr>
-      <a:bodyPr rot="0" spcFirstLastPara="1" vertOverflow="overflow" horzOverflow="overflow" vert="horz" wrap="square" lIns="50800" tIns="50800" rIns="50800" bIns="50800" numCol="1" spcCol="38100" rtlCol="0" anchor="ctr">
+      <a:bodyPr rot="0" spcFirstLastPara="1" vertOverflow="overflow" horzOverflow="overflow" vert="horz" wrap="square" lIns="50800" tIns="50800" rIns="50800" bIns="50800" numCol="1" spcCol="38100" rtlCol="0" anchor="ctr" upright="0">
         <a:spAutoFit/>
       </a:bodyPr>
       <a:lstStyle>
@@ -7101,7 +6992,7 @@
           <a:buFontTx/>
           <a:buNone/>
           <a:tabLst/>
-          <a:defRPr kumimoji="0" sz="2400" b="0" i="0" u="none" strike="noStrike" cap="none" spc="0" normalizeH="0" baseline="0">
+          <a:defRPr b="0" baseline="0" cap="none" i="0" spc="0" strike="noStrike" sz="2400" u="none" kumimoji="0" normalizeH="0">
             <a:ln>
               <a:noFill/>
             </a:ln>
@@ -7110,10 +7001,10 @@
             </a:solidFill>
             <a:effectLst/>
             <a:uFillTx/>
-            <a:latin typeface="Palatino"/>
-            <a:ea typeface="Palatino"/>
-            <a:cs typeface="Palatino"/>
-            <a:sym typeface="Palatino"/>
+            <a:latin typeface="Bodoni SvtyTwo ITC TT-Book"/>
+            <a:ea typeface="Bodoni SvtyTwo ITC TT-Book"/>
+            <a:cs typeface="Bodoni SvtyTwo ITC TT-Book"/>
+            <a:sym typeface="Bodoni SvtyTwo ITC TT-Book"/>
           </a:defRPr>
         </a:defPPr>
         <a:lvl1pPr marL="0" marR="0" indent="0" algn="l" defTabSz="914400" rtl="0" fontAlgn="auto" latinLnBrk="1" hangingPunct="0">
@@ -7131,7 +7022,7 @@
           <a:buFontTx/>
           <a:buNone/>
           <a:tabLst/>
-          <a:defRPr kumimoji="0" sz="1800" b="0" i="0" u="none" strike="noStrike" cap="none" spc="0" normalizeH="0" baseline="0">
+          <a:defRPr b="0" baseline="0" cap="none" i="0" spc="0" strike="noStrike" sz="1800" u="none" kumimoji="0" normalizeH="0">
             <a:ln>
               <a:noFill/>
             </a:ln>
@@ -7157,7 +7048,7 @@
           <a:buFontTx/>
           <a:buNone/>
           <a:tabLst/>
-          <a:defRPr kumimoji="0" sz="1800" b="0" i="0" u="none" strike="noStrike" cap="none" spc="0" normalizeH="0" baseline="0">
+          <a:defRPr b="0" baseline="0" cap="none" i="0" spc="0" strike="noStrike" sz="1800" u="none" kumimoji="0" normalizeH="0">
             <a:ln>
               <a:noFill/>
             </a:ln>
@@ -7183,7 +7074,7 @@
           <a:buFontTx/>
           <a:buNone/>
           <a:tabLst/>
-          <a:defRPr kumimoji="0" sz="1800" b="0" i="0" u="none" strike="noStrike" cap="none" spc="0" normalizeH="0" baseline="0">
+          <a:defRPr b="0" baseline="0" cap="none" i="0" spc="0" strike="noStrike" sz="1800" u="none" kumimoji="0" normalizeH="0">
             <a:ln>
               <a:noFill/>
             </a:ln>
@@ -7209,7 +7100,7 @@
           <a:buFontTx/>
           <a:buNone/>
           <a:tabLst/>
-          <a:defRPr kumimoji="0" sz="1800" b="0" i="0" u="none" strike="noStrike" cap="none" spc="0" normalizeH="0" baseline="0">
+          <a:defRPr b="0" baseline="0" cap="none" i="0" spc="0" strike="noStrike" sz="1800" u="none" kumimoji="0" normalizeH="0">
             <a:ln>
               <a:noFill/>
             </a:ln>
@@ -7235,7 +7126,7 @@
           <a:buFontTx/>
           <a:buNone/>
           <a:tabLst/>
-          <a:defRPr kumimoji="0" sz="1800" b="0" i="0" u="none" strike="noStrike" cap="none" spc="0" normalizeH="0" baseline="0">
+          <a:defRPr b="0" baseline="0" cap="none" i="0" spc="0" strike="noStrike" sz="1800" u="none" kumimoji="0" normalizeH="0">
             <a:ln>
               <a:noFill/>
             </a:ln>
@@ -7261,7 +7152,7 @@
           <a:buFontTx/>
           <a:buNone/>
           <a:tabLst/>
-          <a:defRPr kumimoji="0" sz="1800" b="0" i="0" u="none" strike="noStrike" cap="none" spc="0" normalizeH="0" baseline="0">
+          <a:defRPr b="0" baseline="0" cap="none" i="0" spc="0" strike="noStrike" sz="1800" u="none" kumimoji="0" normalizeH="0">
             <a:ln>
               <a:noFill/>
             </a:ln>
@@ -7287,7 +7178,7 @@
           <a:buFontTx/>
           <a:buNone/>
           <a:tabLst/>
-          <a:defRPr kumimoji="0" sz="1800" b="0" i="0" u="none" strike="noStrike" cap="none" spc="0" normalizeH="0" baseline="0">
+          <a:defRPr b="0" baseline="0" cap="none" i="0" spc="0" strike="noStrike" sz="1800" u="none" kumimoji="0" normalizeH="0">
             <a:ln>
               <a:noFill/>
             </a:ln>
@@ -7313,7 +7204,7 @@
           <a:buFontTx/>
           <a:buNone/>
           <a:tabLst/>
-          <a:defRPr kumimoji="0" sz="1800" b="0" i="0" u="none" strike="noStrike" cap="none" spc="0" normalizeH="0" baseline="0">
+          <a:defRPr b="0" baseline="0" cap="none" i="0" spc="0" strike="noStrike" sz="1800" u="none" kumimoji="0" normalizeH="0">
             <a:ln>
               <a:noFill/>
             </a:ln>
@@ -7339,7 +7230,7 @@
           <a:buFontTx/>
           <a:buNone/>
           <a:tabLst/>
-          <a:defRPr kumimoji="0" sz="1800" b="0" i="0" u="none" strike="noStrike" cap="none" spc="0" normalizeH="0" baseline="0">
+          <a:defRPr b="0" baseline="0" cap="none" i="0" spc="0" strike="noStrike" sz="1800" u="none" kumimoji="0" normalizeH="0">
             <a:ln>
               <a:noFill/>
             </a:ln>
@@ -7352,19 +7243,12 @@
         </a:lvl9pPr>
       </a:lstStyle>
       <a:style>
-        <a:lnRef idx="0">
-          <a:scrgbClr r="0" g="0" b="0"/>
-        </a:lnRef>
-        <a:fillRef idx="0">
-          <a:scrgbClr r="0" g="0" b="0"/>
-        </a:fillRef>
-        <a:effectRef idx="0">
-          <a:scrgbClr r="0" g="0" b="0"/>
-        </a:effectRef>
+        <a:lnRef idx="0"/>
+        <a:fillRef idx="0"/>
+        <a:effectRef idx="0"/>
         <a:fontRef idx="none"/>
       </a:style>
     </a:txDef>
   </a:objectDefaults>
-  <a:extraClrSchemeLst/>
 </a:theme>
 </file>
--- a/Team4_PPT_01.pptx
+++ b/Team4_PPT_01.pptx
@@ -1,24 +1,24 @@
 
 <file path=ppt/presentation.xml><?xml version="1.0" encoding="utf-8"?>
-<p:presentation xmlns:a="http://schemas.openxmlformats.org/drawingml/2006/main" xmlns:r="http://schemas.openxmlformats.org/officeDocument/2006/relationships" xmlns:p="http://schemas.openxmlformats.org/presentationml/2006/main" xmlns:m="http://schemas.openxmlformats.org/officeDocument/2006/math" xmlns:a14="http://schemas.microsoft.com/office/drawing/2010/main">
+<p:presentation xmlns:a="http://schemas.openxmlformats.org/drawingml/2006/main" xmlns:r="http://schemas.openxmlformats.org/officeDocument/2006/relationships" xmlns:p="http://schemas.openxmlformats.org/presentationml/2006/main">
   <p:sldMasterIdLst>
-    <p:sldMasterId id="2147483648" r:id="rId5"/>
+    <p:sldMasterId id="2147483648" r:id="rId1"/>
   </p:sldMasterIdLst>
   <p:notesMasterIdLst>
-    <p:notesMasterId r:id="rId7"/>
+    <p:notesMasterId r:id="rId13"/>
   </p:notesMasterIdLst>
   <p:sldIdLst>
-    <p:sldId id="256" r:id="rId8"/>
-    <p:sldId id="257" r:id="rId9"/>
-    <p:sldId id="258" r:id="rId10"/>
-    <p:sldId id="259" r:id="rId11"/>
-    <p:sldId id="260" r:id="rId12"/>
-    <p:sldId id="261" r:id="rId13"/>
-    <p:sldId id="262" r:id="rId14"/>
-    <p:sldId id="263" r:id="rId15"/>
-    <p:sldId id="264" r:id="rId16"/>
-    <p:sldId id="265" r:id="rId17"/>
-    <p:sldId id="266" r:id="rId18"/>
+    <p:sldId id="256" r:id="rId2"/>
+    <p:sldId id="257" r:id="rId3"/>
+    <p:sldId id="258" r:id="rId4"/>
+    <p:sldId id="259" r:id="rId5"/>
+    <p:sldId id="260" r:id="rId6"/>
+    <p:sldId id="261" r:id="rId7"/>
+    <p:sldId id="262" r:id="rId8"/>
+    <p:sldId id="263" r:id="rId9"/>
+    <p:sldId id="264" r:id="rId10"/>
+    <p:sldId id="265" r:id="rId11"/>
+    <p:sldId id="266" r:id="rId12"/>
   </p:sldIdLst>
   <p:sldSz cx="13004800" cy="9753600"/>
   <p:notesSz cx="6858000" cy="9144000"/>
@@ -38,7 +38,7 @@
       <a:buFontTx/>
       <a:buNone/>
       <a:tabLst/>
-      <a:defRPr b="0" baseline="0" cap="none" i="0" spc="0" strike="noStrike" sz="1800" u="none" kumimoji="0" normalizeH="0">
+      <a:defRPr kumimoji="0" sz="1800" b="0" i="0" u="none" strike="noStrike" cap="none" spc="0" normalizeH="0" baseline="0">
         <a:ln>
           <a:noFill/>
         </a:ln>
@@ -64,7 +64,7 @@
       <a:buFontTx/>
       <a:buNone/>
       <a:tabLst/>
-      <a:defRPr b="0" baseline="0" cap="none" i="0" spc="0" strike="noStrike" sz="2400" u="none" kumimoji="0" normalizeH="0">
+      <a:defRPr kumimoji="0" sz="2400" b="0" i="0" u="none" strike="noStrike" cap="none" spc="0" normalizeH="0" baseline="0">
         <a:ln>
           <a:noFill/>
         </a:ln>
@@ -94,7 +94,7 @@
       <a:buFontTx/>
       <a:buNone/>
       <a:tabLst/>
-      <a:defRPr b="0" baseline="0" cap="none" i="0" spc="0" strike="noStrike" sz="2400" u="none" kumimoji="0" normalizeH="0">
+      <a:defRPr kumimoji="0" sz="2400" b="0" i="0" u="none" strike="noStrike" cap="none" spc="0" normalizeH="0" baseline="0">
         <a:ln>
           <a:noFill/>
         </a:ln>
@@ -124,7 +124,7 @@
       <a:buFontTx/>
       <a:buNone/>
       <a:tabLst/>
-      <a:defRPr b="0" baseline="0" cap="none" i="0" spc="0" strike="noStrike" sz="2400" u="none" kumimoji="0" normalizeH="0">
+      <a:defRPr kumimoji="0" sz="2400" b="0" i="0" u="none" strike="noStrike" cap="none" spc="0" normalizeH="0" baseline="0">
         <a:ln>
           <a:noFill/>
         </a:ln>
@@ -154,7 +154,7 @@
       <a:buFontTx/>
       <a:buNone/>
       <a:tabLst/>
-      <a:defRPr b="0" baseline="0" cap="none" i="0" spc="0" strike="noStrike" sz="2400" u="none" kumimoji="0" normalizeH="0">
+      <a:defRPr kumimoji="0" sz="2400" b="0" i="0" u="none" strike="noStrike" cap="none" spc="0" normalizeH="0" baseline="0">
         <a:ln>
           <a:noFill/>
         </a:ln>
@@ -184,7 +184,7 @@
       <a:buFontTx/>
       <a:buNone/>
       <a:tabLst/>
-      <a:defRPr b="0" baseline="0" cap="none" i="0" spc="0" strike="noStrike" sz="2400" u="none" kumimoji="0" normalizeH="0">
+      <a:defRPr kumimoji="0" sz="2400" b="0" i="0" u="none" strike="noStrike" cap="none" spc="0" normalizeH="0" baseline="0">
         <a:ln>
           <a:noFill/>
         </a:ln>
@@ -214,7 +214,7 @@
       <a:buFontTx/>
       <a:buNone/>
       <a:tabLst/>
-      <a:defRPr b="0" baseline="0" cap="none" i="0" spc="0" strike="noStrike" sz="2400" u="none" kumimoji="0" normalizeH="0">
+      <a:defRPr kumimoji="0" sz="2400" b="0" i="0" u="none" strike="noStrike" cap="none" spc="0" normalizeH="0" baseline="0">
         <a:ln>
           <a:noFill/>
         </a:ln>
@@ -244,7 +244,7 @@
       <a:buFontTx/>
       <a:buNone/>
       <a:tabLst/>
-      <a:defRPr b="0" baseline="0" cap="none" i="0" spc="0" strike="noStrike" sz="2400" u="none" kumimoji="0" normalizeH="0">
+      <a:defRPr kumimoji="0" sz="2400" b="0" i="0" u="none" strike="noStrike" cap="none" spc="0" normalizeH="0" baseline="0">
         <a:ln>
           <a:noFill/>
         </a:ln>
@@ -274,7 +274,7 @@
       <a:buFontTx/>
       <a:buNone/>
       <a:tabLst/>
-      <a:defRPr b="0" baseline="0" cap="none" i="0" spc="0" strike="noStrike" sz="2400" u="none" kumimoji="0" normalizeH="0">
+      <a:defRPr kumimoji="0" sz="2400" b="0" i="0" u="none" strike="noStrike" cap="none" spc="0" normalizeH="0" baseline="0">
         <a:ln>
           <a:noFill/>
         </a:ln>
@@ -304,7 +304,7 @@
       <a:buFontTx/>
       <a:buNone/>
       <a:tabLst/>
-      <a:defRPr b="0" baseline="0" cap="none" i="0" spc="0" strike="noStrike" sz="2400" u="none" kumimoji="0" normalizeH="0">
+      <a:defRPr kumimoji="0" sz="2400" b="0" i="0" u="none" strike="noStrike" cap="none" spc="0" normalizeH="0" baseline="0">
         <a:ln>
           <a:noFill/>
         </a:ln>
@@ -323,13 +323,14 @@
 </p:presentation>
 </file>
 
-<file path=ppt/commentAuthors.xml><?xml version="1.0" encoding="utf-8"?>
-<p:cmAuthorLst xmlns:a="http://schemas.openxmlformats.org/drawingml/2006/main" xmlns:r="http://schemas.openxmlformats.org/officeDocument/2006/relationships" xmlns:p="http://schemas.openxmlformats.org/presentationml/2006/main" xmlns:m="http://schemas.openxmlformats.org/officeDocument/2006/math" xmlns:a14="http://schemas.microsoft.com/office/drawing/2010/main"/>
-</file>
-
 <file path=ppt/notesMasters/notesMaster1.xml><?xml version="1.0" encoding="utf-8"?>
-<p:notesMaster xmlns:a="http://schemas.openxmlformats.org/drawingml/2006/main" xmlns:r="http://schemas.openxmlformats.org/officeDocument/2006/relationships" xmlns:p="http://schemas.openxmlformats.org/presentationml/2006/main" xmlns:m="http://schemas.openxmlformats.org/officeDocument/2006/math" xmlns:a14="http://schemas.microsoft.com/office/drawing/2010/main">
+<p:notesMaster xmlns:a="http://schemas.openxmlformats.org/drawingml/2006/main" xmlns:r="http://schemas.openxmlformats.org/officeDocument/2006/relationships" xmlns:p="http://schemas.openxmlformats.org/presentationml/2006/main">
   <p:cSld>
+    <p:bg>
+      <p:bgRef idx="1001">
+        <a:schemeClr val="bg1"/>
+      </p:bgRef>
+    </p:bg>
     <p:spTree>
       <p:nvGrpSpPr>
         <p:cNvPr id="1" name=""/>
@@ -347,7 +348,9 @@
       <p:sp>
         <p:nvSpPr>
           <p:cNvPr id="130" name="Shape 130"/>
-          <p:cNvSpPr/>
+          <p:cNvSpPr>
+            <a:spLocks noGrp="1" noRot="1" noChangeAspect="1"/>
+          </p:cNvSpPr>
           <p:nvPr>
             <p:ph type="sldImg"/>
           </p:nvPr>
@@ -365,14 +368,16 @@
           <a:bodyPr/>
           <a:lstStyle/>
           <a:p>
-            <a:pPr/>
+            <a:endParaRPr/>
           </a:p>
         </p:txBody>
       </p:sp>
       <p:sp>
         <p:nvSpPr>
           <p:cNvPr id="131" name="Shape 131"/>
-          <p:cNvSpPr/>
+          <p:cNvSpPr>
+            <a:spLocks noGrp="1"/>
+          </p:cNvSpPr>
           <p:nvPr>
             <p:ph type="body" sz="quarter" idx="1"/>
           </p:nvPr>
@@ -390,11 +395,16 @@
           <a:bodyPr/>
           <a:lstStyle/>
           <a:p>
-            <a:pPr/>
+            <a:endParaRPr/>
           </a:p>
         </p:txBody>
       </p:sp>
     </p:spTree>
+    <p:extLst>
+      <p:ext uri="{BB962C8B-B14F-4D97-AF65-F5344CB8AC3E}">
+        <p14:creationId xmlns:p14="http://schemas.microsoft.com/office/powerpoint/2010/main" val="4128431248"/>
+      </p:ext>
+    </p:extLst>
   </p:cSld>
   <p:clrMap bg1="lt1" tx1="dk1" bg2="lt2" tx2="dk2" accent1="accent1" accent2="accent2" accent3="accent3" accent4="accent4" accent5="accent5" accent6="accent6" hlink="hlink" folHlink="folHlink"/>
   <p:notesStyle>
@@ -502,7 +512,7 @@
 </file>
 
 <file path=ppt/slideLayouts/slideLayout1.xml><?xml version="1.0" encoding="utf-8"?>
-<p:sldLayout xmlns:a="http://schemas.openxmlformats.org/drawingml/2006/main" xmlns:r="http://schemas.openxmlformats.org/officeDocument/2006/relationships" xmlns:p="http://schemas.openxmlformats.org/presentationml/2006/main" xmlns:m="http://schemas.openxmlformats.org/officeDocument/2006/math" xmlns:a14="http://schemas.microsoft.com/office/drawing/2010/main" type="tx" showMasterSp="0" showMasterPhAnim="1">
+<p:sldLayout xmlns:a="http://schemas.openxmlformats.org/drawingml/2006/main" xmlns:r="http://schemas.openxmlformats.org/officeDocument/2006/relationships" xmlns:p="http://schemas.openxmlformats.org/presentationml/2006/main" showMasterSp="0" type="tx">
   <p:cSld name="Title &amp; Subtitle">
     <p:spTree>
       <p:nvGrpSpPr>
@@ -545,7 +555,7 @@
           <a:bodyPr lIns="45718" tIns="45718" rIns="45718" bIns="45718"/>
           <a:lstStyle/>
           <a:p>
-            <a:pPr/>
+            <a:endParaRPr/>
           </a:p>
         </p:txBody>
       </p:sp>
@@ -576,7 +586,7 @@
           <a:bodyPr lIns="45718" tIns="45718" rIns="45718" bIns="45718"/>
           <a:lstStyle/>
           <a:p>
-            <a:pPr/>
+            <a:endParaRPr/>
           </a:p>
         </p:txBody>
       </p:sp>
@@ -607,14 +617,16 @@
           <a:bodyPr lIns="45718" tIns="45718" rIns="45718" bIns="45718"/>
           <a:lstStyle/>
           <a:p>
-            <a:pPr/>
+            <a:endParaRPr/>
           </a:p>
         </p:txBody>
       </p:sp>
       <p:sp>
         <p:nvSpPr>
           <p:cNvPr id="16" name="Body Level One…"/>
-          <p:cNvSpPr txBox="1"/>
+          <p:cNvSpPr txBox="1">
+            <a:spLocks noGrp="1"/>
+          </p:cNvSpPr>
           <p:nvPr>
             <p:ph type="body" sz="quarter" idx="1"/>
           </p:nvPr>
@@ -642,7 +654,7 @@
               <a:buSzTx/>
               <a:buFontTx/>
               <a:buNone/>
-              <a:defRPr i="1" sz="2400"/>
+              <a:defRPr sz="2400" i="1"/>
             </a:lvl1pPr>
             <a:lvl2pPr marL="783166" indent="-313266">
               <a:lnSpc>
@@ -653,7 +665,7 @@
               </a:spcBef>
               <a:buClrTx/>
               <a:buFontTx/>
-              <a:defRPr i="1" sz="2400"/>
+              <a:defRPr sz="2400" i="1"/>
             </a:lvl2pPr>
             <a:lvl3pPr marL="1253066" indent="-313266">
               <a:lnSpc>
@@ -664,7 +676,7 @@
               </a:spcBef>
               <a:buClrTx/>
               <a:buFontTx/>
-              <a:defRPr i="1" sz="2400"/>
+              <a:defRPr sz="2400" i="1"/>
             </a:lvl3pPr>
             <a:lvl4pPr marL="1722966" indent="-313266">
               <a:lnSpc>
@@ -675,7 +687,7 @@
               </a:spcBef>
               <a:buClrTx/>
               <a:buFontTx/>
-              <a:defRPr i="1" sz="2400"/>
+              <a:defRPr sz="2400" i="1"/>
             </a:lvl4pPr>
             <a:lvl5pPr marL="2192866" indent="-313266">
               <a:lnSpc>
@@ -686,11 +698,10 @@
               </a:spcBef>
               <a:buClrTx/>
               <a:buFontTx/>
-              <a:defRPr i="1" sz="2400"/>
+              <a:defRPr sz="2400" i="1"/>
             </a:lvl5pPr>
           </a:lstStyle>
           <a:p>
-            <a:pPr/>
             <a:r>
               <a:t>Body Level One</a:t>
             </a:r>
@@ -724,7 +735,9 @@
       <p:sp>
         <p:nvSpPr>
           <p:cNvPr id="17" name="Title Text"/>
-          <p:cNvSpPr txBox="1"/>
+          <p:cNvSpPr txBox="1">
+            <a:spLocks noGrp="1"/>
+          </p:cNvSpPr>
           <p:nvPr>
             <p:ph type="title"/>
           </p:nvPr>
@@ -744,7 +757,6 @@
             <a:lvl1pPr algn="l"/>
           </a:lstStyle>
           <a:p>
-            <a:pPr/>
             <a:r>
               <a:t>Title Text</a:t>
             </a:r>
@@ -754,7 +766,9 @@
       <p:sp>
         <p:nvSpPr>
           <p:cNvPr id="18" name="Body Level One…"/>
-          <p:cNvSpPr txBox="1"/>
+          <p:cNvSpPr txBox="1">
+            <a:spLocks noGrp="1"/>
+          </p:cNvSpPr>
           <p:nvPr>
             <p:ph type="body" sz="quarter" idx="13"/>
           </p:nvPr>
@@ -782,13 +796,16 @@
               <a:buNone/>
               <a:defRPr sz="2400"/>
             </a:pPr>
+            <a:endParaRPr/>
           </a:p>
         </p:txBody>
       </p:sp>
       <p:sp>
         <p:nvSpPr>
           <p:cNvPr id="19" name="Slide Number"/>
-          <p:cNvSpPr txBox="1"/>
+          <p:cNvSpPr txBox="1">
+            <a:spLocks noGrp="1"/>
+          </p:cNvSpPr>
           <p:nvPr>
             <p:ph type="sldNum" sz="quarter" idx="2"/>
           </p:nvPr>
@@ -802,8 +819,10 @@
           <a:bodyPr/>
           <a:lstStyle/>
           <a:p>
-            <a:pPr/>
-            <a:fld id="{86CB4B4D-7CA3-9044-876B-883B54F8677D}" type="slidenum"/>
+            <a:fld id="{86CB4B4D-7CA3-9044-876B-883B54F8677D}" type="slidenum">
+              <a:t>‹#›</a:t>
+            </a:fld>
+            <a:endParaRPr/>
           </a:p>
         </p:txBody>
       </p:sp>
@@ -812,12 +831,12 @@
   <p:clrMapOvr>
     <a:masterClrMapping/>
   </p:clrMapOvr>
-  <p:transition xmlns:p14="http://schemas.microsoft.com/office/powerpoint/2010/main" spd="med" advClick="1"/>
+  <p:transition spd="med"/>
 </p:sldLayout>
 </file>
 
 <file path=ppt/slideLayouts/slideLayout10.xml><?xml version="1.0" encoding="utf-8"?>
-<p:sldLayout xmlns:a="http://schemas.openxmlformats.org/drawingml/2006/main" xmlns:r="http://schemas.openxmlformats.org/officeDocument/2006/relationships" xmlns:p="http://schemas.openxmlformats.org/presentationml/2006/main" xmlns:m="http://schemas.openxmlformats.org/officeDocument/2006/math" xmlns:a14="http://schemas.microsoft.com/office/drawing/2010/main" type="tx" showMasterSp="0" showMasterPhAnim="1">
+<p:sldLayout xmlns:a="http://schemas.openxmlformats.org/drawingml/2006/main" xmlns:r="http://schemas.openxmlformats.org/officeDocument/2006/relationships" xmlns:p="http://schemas.openxmlformats.org/presentationml/2006/main" showMasterSp="0" type="tx">
   <p:cSld name="Quote">
     <p:spTree>
       <p:nvGrpSpPr>
@@ -836,7 +855,9 @@
       <p:sp>
         <p:nvSpPr>
           <p:cNvPr id="107" name="Body Level One…"/>
-          <p:cNvSpPr txBox="1"/>
+          <p:cNvSpPr txBox="1">
+            <a:spLocks noGrp="1"/>
+          </p:cNvSpPr>
           <p:nvPr>
             <p:ph type="body" sz="quarter" idx="1"/>
           </p:nvPr>
@@ -861,7 +882,7 @@
               <a:buSzTx/>
               <a:buFontTx/>
               <a:buNone/>
-              <a:defRPr i="1" sz="3000"/>
+              <a:defRPr sz="3000" i="1"/>
             </a:lvl1pPr>
             <a:lvl2pPr marL="861483" indent="-391583" algn="ctr">
               <a:spcBef>
@@ -869,7 +890,7 @@
               </a:spcBef>
               <a:buClrTx/>
               <a:buFontTx/>
-              <a:defRPr i="1" sz="3000"/>
+              <a:defRPr sz="3000" i="1"/>
             </a:lvl2pPr>
             <a:lvl3pPr marL="1331383" indent="-391583" algn="ctr">
               <a:spcBef>
@@ -877,7 +898,7 @@
               </a:spcBef>
               <a:buClrTx/>
               <a:buFontTx/>
-              <a:defRPr i="1" sz="3000"/>
+              <a:defRPr sz="3000" i="1"/>
             </a:lvl3pPr>
             <a:lvl4pPr marL="1801283" indent="-391583" algn="ctr">
               <a:spcBef>
@@ -885,7 +906,7 @@
               </a:spcBef>
               <a:buClrTx/>
               <a:buFontTx/>
-              <a:defRPr i="1" sz="3000"/>
+              <a:defRPr sz="3000" i="1"/>
             </a:lvl4pPr>
             <a:lvl5pPr marL="2271183" indent="-391583" algn="ctr">
               <a:spcBef>
@@ -893,11 +914,10 @@
               </a:spcBef>
               <a:buClrTx/>
               <a:buFontTx/>
-              <a:defRPr i="1" sz="3000"/>
+              <a:defRPr sz="3000" i="1"/>
             </a:lvl5pPr>
           </a:lstStyle>
           <a:p>
-            <a:pPr/>
             <a:r>
               <a:t>Body Level One</a:t>
             </a:r>
@@ -931,7 +951,9 @@
       <p:sp>
         <p:nvSpPr>
           <p:cNvPr id="108" name="“Type a quote here.”"/>
-          <p:cNvSpPr txBox="1"/>
+          <p:cNvSpPr txBox="1">
+            <a:spLocks noGrp="1"/>
+          </p:cNvSpPr>
           <p:nvPr>
             <p:ph type="body" sz="quarter" idx="13"/>
           </p:nvPr>
@@ -958,13 +980,16 @@
               <a:buFontTx/>
               <a:buNone/>
             </a:pPr>
+            <a:endParaRPr/>
           </a:p>
         </p:txBody>
       </p:sp>
       <p:sp>
         <p:nvSpPr>
           <p:cNvPr id="109" name="Slide Number"/>
-          <p:cNvSpPr txBox="1"/>
+          <p:cNvSpPr txBox="1">
+            <a:spLocks noGrp="1"/>
+          </p:cNvSpPr>
           <p:nvPr>
             <p:ph type="sldNum" sz="quarter" idx="2"/>
           </p:nvPr>
@@ -978,8 +1003,10 @@
           <a:bodyPr/>
           <a:lstStyle/>
           <a:p>
-            <a:pPr/>
-            <a:fld id="{86CB4B4D-7CA3-9044-876B-883B54F8677D}" type="slidenum"/>
+            <a:fld id="{86CB4B4D-7CA3-9044-876B-883B54F8677D}" type="slidenum">
+              <a:t>‹#›</a:t>
+            </a:fld>
+            <a:endParaRPr/>
           </a:p>
         </p:txBody>
       </p:sp>
@@ -988,12 +1015,12 @@
   <p:clrMapOvr>
     <a:masterClrMapping/>
   </p:clrMapOvr>
-  <p:transition xmlns:p14="http://schemas.microsoft.com/office/powerpoint/2010/main" spd="med" advClick="1"/>
+  <p:transition spd="med"/>
 </p:sldLayout>
 </file>
 
 <file path=ppt/slideLayouts/slideLayout11.xml><?xml version="1.0" encoding="utf-8"?>
-<p:sldLayout xmlns:a="http://schemas.openxmlformats.org/drawingml/2006/main" xmlns:r="http://schemas.openxmlformats.org/officeDocument/2006/relationships" xmlns:p="http://schemas.openxmlformats.org/presentationml/2006/main" xmlns:m="http://schemas.openxmlformats.org/officeDocument/2006/math" xmlns:a14="http://schemas.microsoft.com/office/drawing/2010/main" type="tx" showMasterSp="0" showMasterPhAnim="1">
+<p:sldLayout xmlns:a="http://schemas.openxmlformats.org/drawingml/2006/main" xmlns:r="http://schemas.openxmlformats.org/officeDocument/2006/relationships" xmlns:p="http://schemas.openxmlformats.org/presentationml/2006/main" showMasterSp="0" type="tx">
   <p:cSld name="Photo">
     <p:spTree>
       <p:nvGrpSpPr>
@@ -1012,7 +1039,9 @@
       <p:sp>
         <p:nvSpPr>
           <p:cNvPr id="116" name="Image"/>
-          <p:cNvSpPr/>
+          <p:cNvSpPr>
+            <a:spLocks noGrp="1"/>
+          </p:cNvSpPr>
           <p:nvPr>
             <p:ph type="pic" idx="13"/>
           </p:nvPr>
@@ -1032,14 +1061,16 @@
           </a:bodyPr>
           <a:lstStyle/>
           <a:p>
-            <a:pPr/>
+            <a:endParaRPr/>
           </a:p>
         </p:txBody>
       </p:sp>
       <p:sp>
         <p:nvSpPr>
           <p:cNvPr id="117" name="Slide Number"/>
-          <p:cNvSpPr txBox="1"/>
+          <p:cNvSpPr txBox="1">
+            <a:spLocks noGrp="1"/>
+          </p:cNvSpPr>
           <p:nvPr>
             <p:ph type="sldNum" sz="quarter" idx="2"/>
           </p:nvPr>
@@ -1053,8 +1084,10 @@
           <a:bodyPr/>
           <a:lstStyle/>
           <a:p>
-            <a:pPr/>
-            <a:fld id="{86CB4B4D-7CA3-9044-876B-883B54F8677D}" type="slidenum"/>
+            <a:fld id="{86CB4B4D-7CA3-9044-876B-883B54F8677D}" type="slidenum">
+              <a:t>‹#›</a:t>
+            </a:fld>
+            <a:endParaRPr/>
           </a:p>
         </p:txBody>
       </p:sp>
@@ -1063,12 +1096,12 @@
   <p:clrMapOvr>
     <a:masterClrMapping/>
   </p:clrMapOvr>
-  <p:transition xmlns:p14="http://schemas.microsoft.com/office/powerpoint/2010/main" spd="med" advClick="1"/>
+  <p:transition spd="med"/>
 </p:sldLayout>
 </file>
 
 <file path=ppt/slideLayouts/slideLayout12.xml><?xml version="1.0" encoding="utf-8"?>
-<p:sldLayout xmlns:a="http://schemas.openxmlformats.org/drawingml/2006/main" xmlns:r="http://schemas.openxmlformats.org/officeDocument/2006/relationships" xmlns:p="http://schemas.openxmlformats.org/presentationml/2006/main" xmlns:m="http://schemas.openxmlformats.org/officeDocument/2006/math" xmlns:a14="http://schemas.microsoft.com/office/drawing/2010/main" type="tx" showMasterSp="0" showMasterPhAnim="1">
+<p:sldLayout xmlns:a="http://schemas.openxmlformats.org/drawingml/2006/main" xmlns:r="http://schemas.openxmlformats.org/officeDocument/2006/relationships" xmlns:p="http://schemas.openxmlformats.org/presentationml/2006/main" showMasterSp="0" type="tx">
   <p:cSld name="Blank">
     <p:spTree>
       <p:nvGrpSpPr>
@@ -1087,7 +1120,9 @@
       <p:sp>
         <p:nvSpPr>
           <p:cNvPr id="124" name="Slide Number"/>
-          <p:cNvSpPr txBox="1"/>
+          <p:cNvSpPr txBox="1">
+            <a:spLocks noGrp="1"/>
+          </p:cNvSpPr>
           <p:nvPr>
             <p:ph type="sldNum" sz="quarter" idx="2"/>
           </p:nvPr>
@@ -1101,8 +1136,10 @@
           <a:bodyPr/>
           <a:lstStyle/>
           <a:p>
-            <a:pPr/>
-            <a:fld id="{86CB4B4D-7CA3-9044-876B-883B54F8677D}" type="slidenum"/>
+            <a:fld id="{86CB4B4D-7CA3-9044-876B-883B54F8677D}" type="slidenum">
+              <a:t>‹#›</a:t>
+            </a:fld>
+            <a:endParaRPr/>
           </a:p>
         </p:txBody>
       </p:sp>
@@ -1111,12 +1148,12 @@
   <p:clrMapOvr>
     <a:masterClrMapping/>
   </p:clrMapOvr>
-  <p:transition xmlns:p14="http://schemas.microsoft.com/office/powerpoint/2010/main" spd="med" advClick="1"/>
+  <p:transition spd="med"/>
 </p:sldLayout>
 </file>
 
 <file path=ppt/slideLayouts/slideLayout2.xml><?xml version="1.0" encoding="utf-8"?>
-<p:sldLayout xmlns:a="http://schemas.openxmlformats.org/drawingml/2006/main" xmlns:r="http://schemas.openxmlformats.org/officeDocument/2006/relationships" xmlns:p="http://schemas.openxmlformats.org/presentationml/2006/main" xmlns:m="http://schemas.openxmlformats.org/officeDocument/2006/math" xmlns:a14="http://schemas.microsoft.com/office/drawing/2010/main" type="tx" showMasterSp="0" showMasterPhAnim="1">
+<p:sldLayout xmlns:a="http://schemas.openxmlformats.org/drawingml/2006/main" xmlns:r="http://schemas.openxmlformats.org/officeDocument/2006/relationships" xmlns:p="http://schemas.openxmlformats.org/presentationml/2006/main" showMasterSp="0" type="tx">
   <p:cSld name="Photo - Horizontal">
     <p:spTree>
       <p:nvGrpSpPr>
@@ -1159,7 +1196,7 @@
           <a:bodyPr lIns="45718" tIns="45718" rIns="45718" bIns="45718"/>
           <a:lstStyle/>
           <a:p>
-            <a:pPr/>
+            <a:endParaRPr/>
           </a:p>
         </p:txBody>
       </p:sp>
@@ -1190,7 +1227,7 @@
           <a:bodyPr lIns="45718" tIns="45718" rIns="45718" bIns="45718"/>
           <a:lstStyle/>
           <a:p>
-            <a:pPr/>
+            <a:endParaRPr/>
           </a:p>
         </p:txBody>
       </p:sp>
@@ -1221,7 +1258,7 @@
           <a:bodyPr lIns="45718" tIns="45718" rIns="45718" bIns="45718"/>
           <a:lstStyle/>
           <a:p>
-            <a:pPr/>
+            <a:endParaRPr/>
           </a:p>
         </p:txBody>
       </p:sp>
@@ -1252,14 +1289,16 @@
           <a:bodyPr lIns="45718" tIns="45718" rIns="45718" bIns="45718"/>
           <a:lstStyle/>
           <a:p>
-            <a:pPr/>
+            <a:endParaRPr/>
           </a:p>
         </p:txBody>
       </p:sp>
       <p:sp>
         <p:nvSpPr>
           <p:cNvPr id="30" name="Body Level One…"/>
-          <p:cNvSpPr txBox="1"/>
+          <p:cNvSpPr txBox="1">
+            <a:spLocks noGrp="1"/>
+          </p:cNvSpPr>
           <p:nvPr>
             <p:ph type="body" sz="quarter" idx="1"/>
           </p:nvPr>
@@ -1287,7 +1326,7 @@
               <a:buSzTx/>
               <a:buFontTx/>
               <a:buNone/>
-              <a:defRPr i="1" sz="2400"/>
+              <a:defRPr sz="2400" i="1"/>
             </a:lvl1pPr>
             <a:lvl2pPr marL="783166" indent="-313266">
               <a:lnSpc>
@@ -1298,7 +1337,7 @@
               </a:spcBef>
               <a:buClrTx/>
               <a:buFontTx/>
-              <a:defRPr i="1" sz="2400"/>
+              <a:defRPr sz="2400" i="1"/>
             </a:lvl2pPr>
             <a:lvl3pPr marL="1253066" indent="-313266">
               <a:lnSpc>
@@ -1309,7 +1348,7 @@
               </a:spcBef>
               <a:buClrTx/>
               <a:buFontTx/>
-              <a:defRPr i="1" sz="2400"/>
+              <a:defRPr sz="2400" i="1"/>
             </a:lvl3pPr>
             <a:lvl4pPr marL="1722966" indent="-313266">
               <a:lnSpc>
@@ -1320,7 +1359,7 @@
               </a:spcBef>
               <a:buClrTx/>
               <a:buFontTx/>
-              <a:defRPr i="1" sz="2400"/>
+              <a:defRPr sz="2400" i="1"/>
             </a:lvl4pPr>
             <a:lvl5pPr marL="2192866" indent="-313266">
               <a:lnSpc>
@@ -1331,11 +1370,10 @@
               </a:spcBef>
               <a:buClrTx/>
               <a:buFontTx/>
-              <a:defRPr i="1" sz="2400"/>
+              <a:defRPr sz="2400" i="1"/>
             </a:lvl5pPr>
           </a:lstStyle>
           <a:p>
-            <a:pPr/>
             <a:r>
               <a:t>Body Level One</a:t>
             </a:r>
@@ -1369,7 +1407,9 @@
       <p:sp>
         <p:nvSpPr>
           <p:cNvPr id="31" name="Image"/>
-          <p:cNvSpPr/>
+          <p:cNvSpPr>
+            <a:spLocks noGrp="1"/>
+          </p:cNvSpPr>
           <p:nvPr>
             <p:ph type="pic" idx="13"/>
           </p:nvPr>
@@ -1389,14 +1429,16 @@
           </a:bodyPr>
           <a:lstStyle/>
           <a:p>
-            <a:pPr/>
+            <a:endParaRPr/>
           </a:p>
         </p:txBody>
       </p:sp>
       <p:sp>
         <p:nvSpPr>
           <p:cNvPr id="32" name="Title Text"/>
-          <p:cNvSpPr txBox="1"/>
+          <p:cNvSpPr txBox="1">
+            <a:spLocks noGrp="1"/>
+          </p:cNvSpPr>
           <p:nvPr>
             <p:ph type="title"/>
           </p:nvPr>
@@ -1416,7 +1458,6 @@
             <a:lvl1pPr algn="l"/>
           </a:lstStyle>
           <a:p>
-            <a:pPr/>
             <a:r>
               <a:t>Title Text</a:t>
             </a:r>
@@ -1426,7 +1467,9 @@
       <p:sp>
         <p:nvSpPr>
           <p:cNvPr id="33" name="Body Level One…"/>
-          <p:cNvSpPr txBox="1"/>
+          <p:cNvSpPr txBox="1">
+            <a:spLocks noGrp="1"/>
+          </p:cNvSpPr>
           <p:nvPr>
             <p:ph type="body" sz="quarter" idx="14"/>
           </p:nvPr>
@@ -1454,13 +1497,16 @@
               <a:buNone/>
               <a:defRPr sz="2400"/>
             </a:pPr>
+            <a:endParaRPr/>
           </a:p>
         </p:txBody>
       </p:sp>
       <p:sp>
         <p:nvSpPr>
           <p:cNvPr id="34" name="Slide Number"/>
-          <p:cNvSpPr txBox="1"/>
+          <p:cNvSpPr txBox="1">
+            <a:spLocks noGrp="1"/>
+          </p:cNvSpPr>
           <p:nvPr>
             <p:ph type="sldNum" sz="quarter" idx="2"/>
           </p:nvPr>
@@ -1474,8 +1520,10 @@
           <a:bodyPr/>
           <a:lstStyle/>
           <a:p>
-            <a:pPr/>
-            <a:fld id="{86CB4B4D-7CA3-9044-876B-883B54F8677D}" type="slidenum"/>
+            <a:fld id="{86CB4B4D-7CA3-9044-876B-883B54F8677D}" type="slidenum">
+              <a:t>‹#›</a:t>
+            </a:fld>
+            <a:endParaRPr/>
           </a:p>
         </p:txBody>
       </p:sp>
@@ -1484,12 +1532,12 @@
   <p:clrMapOvr>
     <a:masterClrMapping/>
   </p:clrMapOvr>
-  <p:transition xmlns:p14="http://schemas.microsoft.com/office/powerpoint/2010/main" spd="med" advClick="1"/>
+  <p:transition spd="med"/>
 </p:sldLayout>
 </file>
 
 <file path=ppt/slideLayouts/slideLayout3.xml><?xml version="1.0" encoding="utf-8"?>
-<p:sldLayout xmlns:a="http://schemas.openxmlformats.org/drawingml/2006/main" xmlns:r="http://schemas.openxmlformats.org/officeDocument/2006/relationships" xmlns:p="http://schemas.openxmlformats.org/presentationml/2006/main" xmlns:m="http://schemas.openxmlformats.org/officeDocument/2006/math" xmlns:a14="http://schemas.microsoft.com/office/drawing/2010/main" type="tx" showMasterSp="0" showMasterPhAnim="1">
+<p:sldLayout xmlns:a="http://schemas.openxmlformats.org/drawingml/2006/main" xmlns:r="http://schemas.openxmlformats.org/officeDocument/2006/relationships" xmlns:p="http://schemas.openxmlformats.org/presentationml/2006/main" showMasterSp="0" type="tx">
   <p:cSld name="Title - Center">
     <p:spTree>
       <p:nvGrpSpPr>
@@ -1508,7 +1556,9 @@
       <p:sp>
         <p:nvSpPr>
           <p:cNvPr id="41" name="Title Text"/>
-          <p:cNvSpPr txBox="1"/>
+          <p:cNvSpPr txBox="1">
+            <a:spLocks noGrp="1"/>
+          </p:cNvSpPr>
           <p:nvPr>
             <p:ph type="title"/>
           </p:nvPr>
@@ -1526,7 +1576,6 @@
           <a:bodyPr/>
           <a:lstStyle/>
           <a:p>
-            <a:pPr/>
             <a:r>
               <a:t>Title Text</a:t>
             </a:r>
@@ -1536,7 +1585,9 @@
       <p:sp>
         <p:nvSpPr>
           <p:cNvPr id="42" name="Slide Number"/>
-          <p:cNvSpPr txBox="1"/>
+          <p:cNvSpPr txBox="1">
+            <a:spLocks noGrp="1"/>
+          </p:cNvSpPr>
           <p:nvPr>
             <p:ph type="sldNum" sz="quarter" idx="2"/>
           </p:nvPr>
@@ -1550,8 +1601,10 @@
           <a:bodyPr/>
           <a:lstStyle/>
           <a:p>
-            <a:pPr/>
-            <a:fld id="{86CB4B4D-7CA3-9044-876B-883B54F8677D}" type="slidenum"/>
+            <a:fld id="{86CB4B4D-7CA3-9044-876B-883B54F8677D}" type="slidenum">
+              <a:t>‹#›</a:t>
+            </a:fld>
+            <a:endParaRPr/>
           </a:p>
         </p:txBody>
       </p:sp>
@@ -1560,12 +1613,12 @@
   <p:clrMapOvr>
     <a:masterClrMapping/>
   </p:clrMapOvr>
-  <p:transition xmlns:p14="http://schemas.microsoft.com/office/powerpoint/2010/main" spd="med" advClick="1"/>
+  <p:transition spd="med"/>
 </p:sldLayout>
 </file>
 
 <file path=ppt/slideLayouts/slideLayout4.xml><?xml version="1.0" encoding="utf-8"?>
-<p:sldLayout xmlns:a="http://schemas.openxmlformats.org/drawingml/2006/main" xmlns:r="http://schemas.openxmlformats.org/officeDocument/2006/relationships" xmlns:p="http://schemas.openxmlformats.org/presentationml/2006/main" xmlns:m="http://schemas.openxmlformats.org/officeDocument/2006/math" xmlns:a14="http://schemas.microsoft.com/office/drawing/2010/main" type="tx" showMasterSp="0" showMasterPhAnim="1">
+<p:sldLayout xmlns:a="http://schemas.openxmlformats.org/drawingml/2006/main" xmlns:r="http://schemas.openxmlformats.org/officeDocument/2006/relationships" xmlns:p="http://schemas.openxmlformats.org/presentationml/2006/main" showMasterSp="0" type="tx">
   <p:cSld name="Photo - Vertical">
     <p:spTree>
       <p:nvGrpSpPr>
@@ -1608,7 +1661,7 @@
           <a:bodyPr lIns="45718" tIns="45718" rIns="45718" bIns="45718"/>
           <a:lstStyle/>
           <a:p>
-            <a:pPr/>
+            <a:endParaRPr/>
           </a:p>
         </p:txBody>
       </p:sp>
@@ -1639,14 +1692,16 @@
           <a:bodyPr lIns="45718" tIns="45718" rIns="45718" bIns="45718"/>
           <a:lstStyle/>
           <a:p>
-            <a:pPr/>
+            <a:endParaRPr/>
           </a:p>
         </p:txBody>
       </p:sp>
       <p:sp>
         <p:nvSpPr>
           <p:cNvPr id="51" name="Body Level One…"/>
-          <p:cNvSpPr txBox="1"/>
+          <p:cNvSpPr txBox="1">
+            <a:spLocks noGrp="1"/>
+          </p:cNvSpPr>
           <p:nvPr>
             <p:ph type="body" sz="quarter" idx="1"/>
           </p:nvPr>
@@ -1674,7 +1729,7 @@
               <a:buSzTx/>
               <a:buFontTx/>
               <a:buNone/>
-              <a:defRPr i="1" sz="2400"/>
+              <a:defRPr sz="2400" i="1"/>
             </a:lvl1pPr>
             <a:lvl2pPr marL="783166" indent="-313266">
               <a:lnSpc>
@@ -1685,7 +1740,7 @@
               </a:spcBef>
               <a:buClrTx/>
               <a:buFontTx/>
-              <a:defRPr i="1" sz="2400"/>
+              <a:defRPr sz="2400" i="1"/>
             </a:lvl2pPr>
             <a:lvl3pPr marL="1253066" indent="-313266">
               <a:lnSpc>
@@ -1696,7 +1751,7 @@
               </a:spcBef>
               <a:buClrTx/>
               <a:buFontTx/>
-              <a:defRPr i="1" sz="2400"/>
+              <a:defRPr sz="2400" i="1"/>
             </a:lvl3pPr>
             <a:lvl4pPr marL="1722966" indent="-313266">
               <a:lnSpc>
@@ -1707,7 +1762,7 @@
               </a:spcBef>
               <a:buClrTx/>
               <a:buFontTx/>
-              <a:defRPr i="1" sz="2400"/>
+              <a:defRPr sz="2400" i="1"/>
             </a:lvl4pPr>
             <a:lvl5pPr marL="2192866" indent="-313266">
               <a:lnSpc>
@@ -1718,11 +1773,10 @@
               </a:spcBef>
               <a:buClrTx/>
               <a:buFontTx/>
-              <a:defRPr i="1" sz="2400"/>
+              <a:defRPr sz="2400" i="1"/>
             </a:lvl5pPr>
           </a:lstStyle>
           <a:p>
-            <a:pPr/>
             <a:r>
               <a:t>Body Level One</a:t>
             </a:r>
@@ -1756,7 +1810,9 @@
       <p:sp>
         <p:nvSpPr>
           <p:cNvPr id="52" name="Image"/>
-          <p:cNvSpPr/>
+          <p:cNvSpPr>
+            <a:spLocks noGrp="1"/>
+          </p:cNvSpPr>
           <p:nvPr>
             <p:ph type="pic" sz="half" idx="13"/>
           </p:nvPr>
@@ -1776,14 +1832,16 @@
           </a:bodyPr>
           <a:lstStyle/>
           <a:p>
-            <a:pPr/>
+            <a:endParaRPr/>
           </a:p>
         </p:txBody>
       </p:sp>
       <p:sp>
         <p:nvSpPr>
           <p:cNvPr id="53" name="Title Text"/>
-          <p:cNvSpPr txBox="1"/>
+          <p:cNvSpPr txBox="1">
+            <a:spLocks noGrp="1"/>
+          </p:cNvSpPr>
           <p:nvPr>
             <p:ph type="title"/>
           </p:nvPr>
@@ -1805,7 +1863,6 @@
             </a:lvl1pPr>
           </a:lstStyle>
           <a:p>
-            <a:pPr/>
             <a:r>
               <a:t>Title Text</a:t>
             </a:r>
@@ -1815,7 +1872,9 @@
       <p:sp>
         <p:nvSpPr>
           <p:cNvPr id="54" name="Body Level One…"/>
-          <p:cNvSpPr txBox="1"/>
+          <p:cNvSpPr txBox="1">
+            <a:spLocks noGrp="1"/>
+          </p:cNvSpPr>
           <p:nvPr>
             <p:ph type="body" sz="quarter" idx="14"/>
           </p:nvPr>
@@ -1843,13 +1902,16 @@
               <a:buNone/>
               <a:defRPr sz="2400"/>
             </a:pPr>
+            <a:endParaRPr/>
           </a:p>
         </p:txBody>
       </p:sp>
       <p:sp>
         <p:nvSpPr>
           <p:cNvPr id="55" name="Slide Number"/>
-          <p:cNvSpPr txBox="1"/>
+          <p:cNvSpPr txBox="1">
+            <a:spLocks noGrp="1"/>
+          </p:cNvSpPr>
           <p:nvPr>
             <p:ph type="sldNum" sz="quarter" idx="2"/>
           </p:nvPr>
@@ -1863,8 +1925,10 @@
           <a:bodyPr/>
           <a:lstStyle/>
           <a:p>
-            <a:pPr/>
-            <a:fld id="{86CB4B4D-7CA3-9044-876B-883B54F8677D}" type="slidenum"/>
+            <a:fld id="{86CB4B4D-7CA3-9044-876B-883B54F8677D}" type="slidenum">
+              <a:t>‹#›</a:t>
+            </a:fld>
+            <a:endParaRPr/>
           </a:p>
         </p:txBody>
       </p:sp>
@@ -1873,12 +1937,12 @@
   <p:clrMapOvr>
     <a:masterClrMapping/>
   </p:clrMapOvr>
-  <p:transition xmlns:p14="http://schemas.microsoft.com/office/powerpoint/2010/main" spd="med" advClick="1"/>
+  <p:transition spd="med"/>
 </p:sldLayout>
 </file>
 
 <file path=ppt/slideLayouts/slideLayout5.xml><?xml version="1.0" encoding="utf-8"?>
-<p:sldLayout xmlns:a="http://schemas.openxmlformats.org/drawingml/2006/main" xmlns:r="http://schemas.openxmlformats.org/officeDocument/2006/relationships" xmlns:p="http://schemas.openxmlformats.org/presentationml/2006/main" xmlns:m="http://schemas.openxmlformats.org/officeDocument/2006/math" xmlns:a14="http://schemas.microsoft.com/office/drawing/2010/main" type="tx" showMasterSp="1" showMasterPhAnim="1">
+<p:sldLayout xmlns:a="http://schemas.openxmlformats.org/drawingml/2006/main" xmlns:r="http://schemas.openxmlformats.org/officeDocument/2006/relationships" xmlns:p="http://schemas.openxmlformats.org/presentationml/2006/main" type="tx">
   <p:cSld name="Title - Top">
     <p:spTree>
       <p:nvGrpSpPr>
@@ -1897,7 +1961,9 @@
       <p:sp>
         <p:nvSpPr>
           <p:cNvPr id="62" name="Title Text"/>
-          <p:cNvSpPr txBox="1"/>
+          <p:cNvSpPr txBox="1">
+            <a:spLocks noGrp="1"/>
+          </p:cNvSpPr>
           <p:nvPr>
             <p:ph type="title"/>
           </p:nvPr>
@@ -1911,7 +1977,6 @@
           <a:bodyPr/>
           <a:lstStyle/>
           <a:p>
-            <a:pPr/>
             <a:r>
               <a:t>Title Text</a:t>
             </a:r>
@@ -1921,7 +1986,9 @@
       <p:sp>
         <p:nvSpPr>
           <p:cNvPr id="63" name="Slide Number"/>
-          <p:cNvSpPr txBox="1"/>
+          <p:cNvSpPr txBox="1">
+            <a:spLocks noGrp="1"/>
+          </p:cNvSpPr>
           <p:nvPr>
             <p:ph type="sldNum" sz="quarter" idx="2"/>
           </p:nvPr>
@@ -1935,8 +2002,10 @@
           <a:bodyPr/>
           <a:lstStyle/>
           <a:p>
-            <a:pPr/>
-            <a:fld id="{86CB4B4D-7CA3-9044-876B-883B54F8677D}" type="slidenum"/>
+            <a:fld id="{86CB4B4D-7CA3-9044-876B-883B54F8677D}" type="slidenum">
+              <a:t>‹#›</a:t>
+            </a:fld>
+            <a:endParaRPr/>
           </a:p>
         </p:txBody>
       </p:sp>
@@ -1945,12 +2014,12 @@
   <p:clrMapOvr>
     <a:masterClrMapping/>
   </p:clrMapOvr>
-  <p:transition xmlns:p14="http://schemas.microsoft.com/office/powerpoint/2010/main" spd="med" advClick="1"/>
+  <p:transition spd="med"/>
 </p:sldLayout>
 </file>
 
 <file path=ppt/slideLayouts/slideLayout6.xml><?xml version="1.0" encoding="utf-8"?>
-<p:sldLayout xmlns:a="http://schemas.openxmlformats.org/drawingml/2006/main" xmlns:r="http://schemas.openxmlformats.org/officeDocument/2006/relationships" xmlns:p="http://schemas.openxmlformats.org/presentationml/2006/main" xmlns:m="http://schemas.openxmlformats.org/officeDocument/2006/math" xmlns:a14="http://schemas.microsoft.com/office/drawing/2010/main" type="tx" showMasterSp="1" showMasterPhAnim="1">
+<p:sldLayout xmlns:a="http://schemas.openxmlformats.org/drawingml/2006/main" xmlns:r="http://schemas.openxmlformats.org/officeDocument/2006/relationships" xmlns:p="http://schemas.openxmlformats.org/presentationml/2006/main" type="tx">
   <p:cSld name="Title &amp; Bullets">
     <p:spTree>
       <p:nvGrpSpPr>
@@ -1969,7 +2038,9 @@
       <p:sp>
         <p:nvSpPr>
           <p:cNvPr id="70" name="Title Text"/>
-          <p:cNvSpPr txBox="1"/>
+          <p:cNvSpPr txBox="1">
+            <a:spLocks noGrp="1"/>
+          </p:cNvSpPr>
           <p:nvPr>
             <p:ph type="title"/>
           </p:nvPr>
@@ -1983,7 +2054,6 @@
           <a:bodyPr/>
           <a:lstStyle/>
           <a:p>
-            <a:pPr/>
             <a:r>
               <a:t>Title Text</a:t>
             </a:r>
@@ -1993,7 +2063,9 @@
       <p:sp>
         <p:nvSpPr>
           <p:cNvPr id="71" name="Body Level One…"/>
-          <p:cNvSpPr txBox="1"/>
+          <p:cNvSpPr txBox="1">
+            <a:spLocks noGrp="1"/>
+          </p:cNvSpPr>
           <p:nvPr>
             <p:ph type="body" idx="1"/>
           </p:nvPr>
@@ -2007,7 +2079,6 @@
           <a:bodyPr/>
           <a:lstStyle/>
           <a:p>
-            <a:pPr/>
             <a:r>
               <a:t>Body Level One</a:t>
             </a:r>
@@ -2041,7 +2112,9 @@
       <p:sp>
         <p:nvSpPr>
           <p:cNvPr id="72" name="Slide Number"/>
-          <p:cNvSpPr txBox="1"/>
+          <p:cNvSpPr txBox="1">
+            <a:spLocks noGrp="1"/>
+          </p:cNvSpPr>
           <p:nvPr>
             <p:ph type="sldNum" sz="quarter" idx="2"/>
           </p:nvPr>
@@ -2055,8 +2128,10 @@
           <a:bodyPr/>
           <a:lstStyle/>
           <a:p>
-            <a:pPr/>
-            <a:fld id="{86CB4B4D-7CA3-9044-876B-883B54F8677D}" type="slidenum"/>
+            <a:fld id="{86CB4B4D-7CA3-9044-876B-883B54F8677D}" type="slidenum">
+              <a:t>‹#›</a:t>
+            </a:fld>
+            <a:endParaRPr/>
           </a:p>
         </p:txBody>
       </p:sp>
@@ -2065,12 +2140,12 @@
   <p:clrMapOvr>
     <a:masterClrMapping/>
   </p:clrMapOvr>
-  <p:transition xmlns:p14="http://schemas.microsoft.com/office/powerpoint/2010/main" spd="med" advClick="1"/>
+  <p:transition spd="med"/>
 </p:sldLayout>
 </file>
 
 <file path=ppt/slideLayouts/slideLayout7.xml><?xml version="1.0" encoding="utf-8"?>
-<p:sldLayout xmlns:a="http://schemas.openxmlformats.org/drawingml/2006/main" xmlns:r="http://schemas.openxmlformats.org/officeDocument/2006/relationships" xmlns:p="http://schemas.openxmlformats.org/presentationml/2006/main" xmlns:m="http://schemas.openxmlformats.org/officeDocument/2006/math" xmlns:a14="http://schemas.microsoft.com/office/drawing/2010/main" type="tx" showMasterSp="1" showMasterPhAnim="1">
+<p:sldLayout xmlns:a="http://schemas.openxmlformats.org/drawingml/2006/main" xmlns:r="http://schemas.openxmlformats.org/officeDocument/2006/relationships" xmlns:p="http://schemas.openxmlformats.org/presentationml/2006/main" type="tx">
   <p:cSld name="Title, Bullets &amp; Photo">
     <p:spTree>
       <p:nvGrpSpPr>
@@ -2089,7 +2164,9 @@
       <p:sp>
         <p:nvSpPr>
           <p:cNvPr id="79" name="Image"/>
-          <p:cNvSpPr/>
+          <p:cNvSpPr>
+            <a:spLocks noGrp="1"/>
+          </p:cNvSpPr>
           <p:nvPr>
             <p:ph type="pic" sz="half" idx="13"/>
           </p:nvPr>
@@ -2109,14 +2186,16 @@
           </a:bodyPr>
           <a:lstStyle/>
           <a:p>
-            <a:pPr/>
+            <a:endParaRPr/>
           </a:p>
         </p:txBody>
       </p:sp>
       <p:sp>
         <p:nvSpPr>
           <p:cNvPr id="80" name="Title Text"/>
-          <p:cNvSpPr txBox="1"/>
+          <p:cNvSpPr txBox="1">
+            <a:spLocks noGrp="1"/>
+          </p:cNvSpPr>
           <p:nvPr>
             <p:ph type="title"/>
           </p:nvPr>
@@ -2130,7 +2209,6 @@
           <a:bodyPr/>
           <a:lstStyle/>
           <a:p>
-            <a:pPr/>
             <a:r>
               <a:t>Title Text</a:t>
             </a:r>
@@ -2140,7 +2218,9 @@
       <p:sp>
         <p:nvSpPr>
           <p:cNvPr id="81" name="Body Level One…"/>
-          <p:cNvSpPr txBox="1"/>
+          <p:cNvSpPr txBox="1">
+            <a:spLocks noGrp="1"/>
+          </p:cNvSpPr>
           <p:nvPr>
             <p:ph type="body" sz="half" idx="1"/>
           </p:nvPr>
@@ -2194,7 +2274,6 @@
             </a:lvl5pPr>
           </a:lstStyle>
           <a:p>
-            <a:pPr/>
             <a:r>
               <a:t>Body Level One</a:t>
             </a:r>
@@ -2228,7 +2307,9 @@
       <p:sp>
         <p:nvSpPr>
           <p:cNvPr id="82" name="Slide Number"/>
-          <p:cNvSpPr txBox="1"/>
+          <p:cNvSpPr txBox="1">
+            <a:spLocks noGrp="1"/>
+          </p:cNvSpPr>
           <p:nvPr>
             <p:ph type="sldNum" sz="quarter" idx="2"/>
           </p:nvPr>
@@ -2242,8 +2323,10 @@
           <a:bodyPr/>
           <a:lstStyle/>
           <a:p>
-            <a:pPr/>
-            <a:fld id="{86CB4B4D-7CA3-9044-876B-883B54F8677D}" type="slidenum"/>
+            <a:fld id="{86CB4B4D-7CA3-9044-876B-883B54F8677D}" type="slidenum">
+              <a:t>‹#›</a:t>
+            </a:fld>
+            <a:endParaRPr/>
           </a:p>
         </p:txBody>
       </p:sp>
@@ -2252,12 +2335,12 @@
   <p:clrMapOvr>
     <a:masterClrMapping/>
   </p:clrMapOvr>
-  <p:transition xmlns:p14="http://schemas.microsoft.com/office/powerpoint/2010/main" spd="med" advClick="1"/>
+  <p:transition spd="med"/>
 </p:sldLayout>
 </file>
 
 <file path=ppt/slideLayouts/slideLayout8.xml><?xml version="1.0" encoding="utf-8"?>
-<p:sldLayout xmlns:a="http://schemas.openxmlformats.org/drawingml/2006/main" xmlns:r="http://schemas.openxmlformats.org/officeDocument/2006/relationships" xmlns:p="http://schemas.openxmlformats.org/presentationml/2006/main" xmlns:m="http://schemas.openxmlformats.org/officeDocument/2006/math" xmlns:a14="http://schemas.microsoft.com/office/drawing/2010/main" type="tx" showMasterSp="0" showMasterPhAnim="1">
+<p:sldLayout xmlns:a="http://schemas.openxmlformats.org/drawingml/2006/main" xmlns:r="http://schemas.openxmlformats.org/officeDocument/2006/relationships" xmlns:p="http://schemas.openxmlformats.org/presentationml/2006/main" showMasterSp="0" type="tx">
   <p:cSld name="Bullets">
     <p:spTree>
       <p:nvGrpSpPr>
@@ -2276,7 +2359,9 @@
       <p:sp>
         <p:nvSpPr>
           <p:cNvPr id="89" name="Body Level One…"/>
-          <p:cNvSpPr txBox="1"/>
+          <p:cNvSpPr txBox="1">
+            <a:spLocks noGrp="1"/>
+          </p:cNvSpPr>
           <p:nvPr>
             <p:ph type="body" idx="1"/>
           </p:nvPr>
@@ -2294,7 +2379,6 @@
           <a:bodyPr/>
           <a:lstStyle/>
           <a:p>
-            <a:pPr/>
             <a:r>
               <a:t>Body Level One</a:t>
             </a:r>
@@ -2328,7 +2412,9 @@
       <p:sp>
         <p:nvSpPr>
           <p:cNvPr id="90" name="Slide Number"/>
-          <p:cNvSpPr txBox="1"/>
+          <p:cNvSpPr txBox="1">
+            <a:spLocks noGrp="1"/>
+          </p:cNvSpPr>
           <p:nvPr>
             <p:ph type="sldNum" sz="quarter" idx="2"/>
           </p:nvPr>
@@ -2342,8 +2428,10 @@
           <a:bodyPr/>
           <a:lstStyle/>
           <a:p>
-            <a:pPr/>
-            <a:fld id="{86CB4B4D-7CA3-9044-876B-883B54F8677D}" type="slidenum"/>
+            <a:fld id="{86CB4B4D-7CA3-9044-876B-883B54F8677D}" type="slidenum">
+              <a:t>‹#›</a:t>
+            </a:fld>
+            <a:endParaRPr/>
           </a:p>
         </p:txBody>
       </p:sp>
@@ -2352,12 +2440,12 @@
   <p:clrMapOvr>
     <a:masterClrMapping/>
   </p:clrMapOvr>
-  <p:transition xmlns:p14="http://schemas.microsoft.com/office/powerpoint/2010/main" spd="med" advClick="1"/>
+  <p:transition spd="med"/>
 </p:sldLayout>
 </file>
 
 <file path=ppt/slideLayouts/slideLayout9.xml><?xml version="1.0" encoding="utf-8"?>
-<p:sldLayout xmlns:a="http://schemas.openxmlformats.org/drawingml/2006/main" xmlns:r="http://schemas.openxmlformats.org/officeDocument/2006/relationships" xmlns:p="http://schemas.openxmlformats.org/presentationml/2006/main" xmlns:m="http://schemas.openxmlformats.org/officeDocument/2006/math" xmlns:a14="http://schemas.microsoft.com/office/drawing/2010/main" type="tx" showMasterSp="0" showMasterPhAnim="1">
+<p:sldLayout xmlns:a="http://schemas.openxmlformats.org/drawingml/2006/main" xmlns:r="http://schemas.openxmlformats.org/officeDocument/2006/relationships" xmlns:p="http://schemas.openxmlformats.org/presentationml/2006/main" showMasterSp="0" type="tx">
   <p:cSld name="Photo - 3 Up">
     <p:spTree>
       <p:nvGrpSpPr>
@@ -2376,7 +2464,9 @@
       <p:sp>
         <p:nvSpPr>
           <p:cNvPr id="97" name="Image"/>
-          <p:cNvSpPr/>
+          <p:cNvSpPr>
+            <a:spLocks noGrp="1"/>
+          </p:cNvSpPr>
           <p:nvPr>
             <p:ph type="pic" sz="half" idx="13"/>
           </p:nvPr>
@@ -2396,14 +2486,16 @@
           </a:bodyPr>
           <a:lstStyle/>
           <a:p>
-            <a:pPr/>
+            <a:endParaRPr/>
           </a:p>
         </p:txBody>
       </p:sp>
       <p:sp>
         <p:nvSpPr>
           <p:cNvPr id="98" name="Image"/>
-          <p:cNvSpPr/>
+          <p:cNvSpPr>
+            <a:spLocks noGrp="1"/>
+          </p:cNvSpPr>
           <p:nvPr>
             <p:ph type="pic" sz="quarter" idx="14"/>
           </p:nvPr>
@@ -2423,14 +2515,16 @@
           </a:bodyPr>
           <a:lstStyle/>
           <a:p>
-            <a:pPr/>
+            <a:endParaRPr/>
           </a:p>
         </p:txBody>
       </p:sp>
       <p:sp>
         <p:nvSpPr>
           <p:cNvPr id="99" name="Image"/>
-          <p:cNvSpPr/>
+          <p:cNvSpPr>
+            <a:spLocks noGrp="1"/>
+          </p:cNvSpPr>
           <p:nvPr>
             <p:ph type="pic" sz="half" idx="15"/>
           </p:nvPr>
@@ -2450,14 +2544,16 @@
           </a:bodyPr>
           <a:lstStyle/>
           <a:p>
-            <a:pPr/>
+            <a:endParaRPr/>
           </a:p>
         </p:txBody>
       </p:sp>
       <p:sp>
         <p:nvSpPr>
           <p:cNvPr id="100" name="Slide Number"/>
-          <p:cNvSpPr txBox="1"/>
+          <p:cNvSpPr txBox="1">
+            <a:spLocks noGrp="1"/>
+          </p:cNvSpPr>
           <p:nvPr>
             <p:ph type="sldNum" sz="quarter" idx="2"/>
           </p:nvPr>
@@ -2471,8 +2567,10 @@
           <a:bodyPr/>
           <a:lstStyle/>
           <a:p>
-            <a:pPr/>
-            <a:fld id="{86CB4B4D-7CA3-9044-876B-883B54F8677D}" type="slidenum"/>
+            <a:fld id="{86CB4B4D-7CA3-9044-876B-883B54F8677D}" type="slidenum">
+              <a:t>‹#›</a:t>
+            </a:fld>
+            <a:endParaRPr/>
           </a:p>
         </p:txBody>
       </p:sp>
@@ -2481,22 +2579,23 @@
   <p:clrMapOvr>
     <a:masterClrMapping/>
   </p:clrMapOvr>
-  <p:transition xmlns:p14="http://schemas.microsoft.com/office/powerpoint/2010/main" spd="med" advClick="1"/>
+  <p:transition spd="med"/>
 </p:sldLayout>
 </file>
 
 <file path=ppt/slideMasters/slideMaster1.xml><?xml version="1.0" encoding="utf-8"?>
-<p:sldMaster xmlns:a="http://schemas.openxmlformats.org/drawingml/2006/main" xmlns:r="http://schemas.openxmlformats.org/officeDocument/2006/relationships" xmlns:p="http://schemas.openxmlformats.org/presentationml/2006/main" xmlns:m="http://schemas.openxmlformats.org/officeDocument/2006/math" xmlns:a14="http://schemas.microsoft.com/office/drawing/2010/main">
+<p:sldMaster xmlns:a="http://schemas.openxmlformats.org/drawingml/2006/main" xmlns:r="http://schemas.openxmlformats.org/officeDocument/2006/relationships" xmlns:p="http://schemas.openxmlformats.org/presentationml/2006/main">
   <p:cSld>
     <p:bg>
       <p:bgPr>
         <a:blipFill rotWithShape="1">
-          <a:blip r:embed="rId2"/>
-          <a:srcRect l="0" t="0" r="0" b="0"/>
+          <a:blip r:embed="rId14"/>
+          <a:srcRect/>
           <a:stretch>
             <a:fillRect/>
           </a:stretch>
         </a:blipFill>
+        <a:effectLst/>
       </p:bgPr>
     </p:bg>
     <p:spTree>
@@ -2540,7 +2639,7 @@
           <a:bodyPr lIns="45718" tIns="45718" rIns="45718" bIns="45718"/>
           <a:lstStyle/>
           <a:p>
-            <a:pPr/>
+            <a:endParaRPr/>
           </a:p>
         </p:txBody>
       </p:sp>
@@ -2571,14 +2670,16 @@
           <a:bodyPr lIns="45718" tIns="45718" rIns="45718" bIns="45718"/>
           <a:lstStyle/>
           <a:p>
-            <a:pPr/>
+            <a:endParaRPr/>
           </a:p>
         </p:txBody>
       </p:sp>
       <p:sp>
         <p:nvSpPr>
           <p:cNvPr id="4" name="Title Text"/>
-          <p:cNvSpPr txBox="1"/>
+          <p:cNvSpPr txBox="1">
+            <a:spLocks noGrp="1"/>
+          </p:cNvSpPr>
           <p:nvPr>
             <p:ph type="title"/>
           </p:nvPr>
@@ -2596,17 +2697,16 @@
           </a:ln>
           <a:extLst>
             <a:ext uri="{C572A759-6A51-4108-AA02-DFA0A04FC94B}">
-              <ma14:wrappingTextBoxFlag xmlns:ma14="http://schemas.microsoft.com/office/mac/drawingml/2011/main" val="1"/>
+              <ma14:wrappingTextBoxFlag xmlns:ma14="http://schemas.microsoft.com/office/mac/drawingml/2011/main" xmlns:a14="http://schemas.microsoft.com/office/drawing/2010/main" xmlns:m="http://schemas.openxmlformats.org/officeDocument/2006/math" xmlns="" val="1"/>
             </a:ext>
           </a:extLst>
         </p:spPr>
         <p:txBody>
           <a:bodyPr lIns="50800" tIns="50800" rIns="50800" bIns="50800" anchor="ctr">
-            <a:normAutofit fontScale="100000" lnSpcReduction="0"/>
+            <a:normAutofit/>
           </a:bodyPr>
           <a:lstStyle/>
           <a:p>
-            <a:pPr/>
             <a:r>
               <a:t>Title Text</a:t>
             </a:r>
@@ -2616,7 +2716,9 @@
       <p:sp>
         <p:nvSpPr>
           <p:cNvPr id="5" name="Body Level One…"/>
-          <p:cNvSpPr txBox="1"/>
+          <p:cNvSpPr txBox="1">
+            <a:spLocks noGrp="1"/>
+          </p:cNvSpPr>
           <p:nvPr>
             <p:ph type="body" idx="1"/>
           </p:nvPr>
@@ -2634,17 +2736,16 @@
           </a:ln>
           <a:extLst>
             <a:ext uri="{C572A759-6A51-4108-AA02-DFA0A04FC94B}">
-              <ma14:wrappingTextBoxFlag xmlns:ma14="http://schemas.microsoft.com/office/mac/drawingml/2011/main" val="1"/>
+              <ma14:wrappingTextBoxFlag xmlns:ma14="http://schemas.microsoft.com/office/mac/drawingml/2011/main" xmlns:a14="http://schemas.microsoft.com/office/drawing/2010/main" xmlns:m="http://schemas.openxmlformats.org/officeDocument/2006/math" xmlns="" val="1"/>
             </a:ext>
           </a:extLst>
         </p:spPr>
         <p:txBody>
           <a:bodyPr lIns="50800" tIns="50800" rIns="50800" bIns="50800" anchor="ctr">
-            <a:normAutofit fontScale="100000" lnSpcReduction="0"/>
+            <a:normAutofit/>
           </a:bodyPr>
           <a:lstStyle/>
           <a:p>
-            <a:pPr/>
             <a:r>
               <a:t>Body Level One</a:t>
             </a:r>
@@ -2678,7 +2779,9 @@
       <p:sp>
         <p:nvSpPr>
           <p:cNvPr id="6" name="Slide Number"/>
-          <p:cNvSpPr txBox="1"/>
+          <p:cNvSpPr txBox="1">
+            <a:spLocks noGrp="1"/>
+          </p:cNvSpPr>
           <p:nvPr>
             <p:ph type="sldNum" sz="quarter" idx="2"/>
           </p:nvPr>
@@ -2713,8 +2816,10 @@
             </a:lvl1pPr>
           </a:lstStyle>
           <a:p>
-            <a:pPr/>
-            <a:fld id="{86CB4B4D-7CA3-9044-876B-883B54F8677D}" type="slidenum"/>
+            <a:fld id="{86CB4B4D-7CA3-9044-876B-883B54F8677D}" type="slidenum">
+              <a:t>‹#›</a:t>
+            </a:fld>
+            <a:endParaRPr/>
           </a:p>
         </p:txBody>
       </p:sp>
@@ -2722,20 +2827,20 @@
   </p:cSld>
   <p:clrMap bg1="lt1" tx1="dk1" bg2="lt2" tx2="dk2" accent1="accent1" accent2="accent2" accent3="accent3" accent4="accent4" accent5="accent5" accent6="accent6" hlink="hlink" folHlink="folHlink"/>
   <p:sldLayoutIdLst>
-    <p:sldLayoutId id="2147483649" r:id="rId3"/>
-    <p:sldLayoutId id="2147483650" r:id="rId4"/>
-    <p:sldLayoutId id="2147483651" r:id="rId5"/>
-    <p:sldLayoutId id="2147483652" r:id="rId6"/>
-    <p:sldLayoutId id="2147483653" r:id="rId7"/>
-    <p:sldLayoutId id="2147483654" r:id="rId8"/>
-    <p:sldLayoutId id="2147483655" r:id="rId9"/>
-    <p:sldLayoutId id="2147483656" r:id="rId10"/>
-    <p:sldLayoutId id="2147483657" r:id="rId11"/>
-    <p:sldLayoutId id="2147483658" r:id="rId12"/>
-    <p:sldLayoutId id="2147483659" r:id="rId13"/>
-    <p:sldLayoutId id="2147483660" r:id="rId14"/>
+    <p:sldLayoutId id="2147483649" r:id="rId1"/>
+    <p:sldLayoutId id="2147483650" r:id="rId2"/>
+    <p:sldLayoutId id="2147483651" r:id="rId3"/>
+    <p:sldLayoutId id="2147483652" r:id="rId4"/>
+    <p:sldLayoutId id="2147483653" r:id="rId5"/>
+    <p:sldLayoutId id="2147483654" r:id="rId6"/>
+    <p:sldLayoutId id="2147483655" r:id="rId7"/>
+    <p:sldLayoutId id="2147483656" r:id="rId8"/>
+    <p:sldLayoutId id="2147483657" r:id="rId9"/>
+    <p:sldLayoutId id="2147483658" r:id="rId10"/>
+    <p:sldLayoutId id="2147483659" r:id="rId11"/>
+    <p:sldLayoutId id="2147483660" r:id="rId12"/>
   </p:sldLayoutIdLst>
-  <p:transition xmlns:p14="http://schemas.microsoft.com/office/powerpoint/2010/main" spd="med" advClick="1"/>
+  <p:transition spd="med"/>
   <p:txStyles>
     <p:titleStyle>
       <a:lvl1pPr marL="0" marR="0" indent="0" algn="ctr" defTabSz="584200" rtl="0" latinLnBrk="0">
@@ -2753,7 +2858,7 @@
         <a:buFontTx/>
         <a:buNone/>
         <a:tabLst/>
-        <a:defRPr b="0" baseline="0" cap="none" i="0" spc="0" strike="noStrike" sz="7000" u="none">
+        <a:defRPr sz="7000" b="0" i="0" u="none" strike="noStrike" cap="none" spc="0" baseline="0">
           <a:solidFill>
             <a:srgbClr val="D93E2B"/>
           </a:solidFill>
@@ -2779,7 +2884,7 @@
         <a:buFontTx/>
         <a:buNone/>
         <a:tabLst/>
-        <a:defRPr b="0" baseline="0" cap="none" i="0" spc="0" strike="noStrike" sz="7000" u="none">
+        <a:defRPr sz="7000" b="0" i="0" u="none" strike="noStrike" cap="none" spc="0" baseline="0">
           <a:solidFill>
             <a:srgbClr val="D93E2B"/>
           </a:solidFill>
@@ -2805,7 +2910,7 @@
         <a:buFontTx/>
         <a:buNone/>
         <a:tabLst/>
-        <a:defRPr b="0" baseline="0" cap="none" i="0" spc="0" strike="noStrike" sz="7000" u="none">
+        <a:defRPr sz="7000" b="0" i="0" u="none" strike="noStrike" cap="none" spc="0" baseline="0">
           <a:solidFill>
             <a:srgbClr val="D93E2B"/>
           </a:solidFill>
@@ -2831,7 +2936,7 @@
         <a:buFontTx/>
         <a:buNone/>
         <a:tabLst/>
-        <a:defRPr b="0" baseline="0" cap="none" i="0" spc="0" strike="noStrike" sz="7000" u="none">
+        <a:defRPr sz="7000" b="0" i="0" u="none" strike="noStrike" cap="none" spc="0" baseline="0">
           <a:solidFill>
             <a:srgbClr val="D93E2B"/>
           </a:solidFill>
@@ -2857,7 +2962,7 @@
         <a:buFontTx/>
         <a:buNone/>
         <a:tabLst/>
-        <a:defRPr b="0" baseline="0" cap="none" i="0" spc="0" strike="noStrike" sz="7000" u="none">
+        <a:defRPr sz="7000" b="0" i="0" u="none" strike="noStrike" cap="none" spc="0" baseline="0">
           <a:solidFill>
             <a:srgbClr val="D93E2B"/>
           </a:solidFill>
@@ -2883,7 +2988,7 @@
         <a:buFontTx/>
         <a:buNone/>
         <a:tabLst/>
-        <a:defRPr b="0" baseline="0" cap="none" i="0" spc="0" strike="noStrike" sz="7000" u="none">
+        <a:defRPr sz="7000" b="0" i="0" u="none" strike="noStrike" cap="none" spc="0" baseline="0">
           <a:solidFill>
             <a:srgbClr val="D93E2B"/>
           </a:solidFill>
@@ -2909,7 +3014,7 @@
         <a:buFontTx/>
         <a:buNone/>
         <a:tabLst/>
-        <a:defRPr b="0" baseline="0" cap="none" i="0" spc="0" strike="noStrike" sz="7000" u="none">
+        <a:defRPr sz="7000" b="0" i="0" u="none" strike="noStrike" cap="none" spc="0" baseline="0">
           <a:solidFill>
             <a:srgbClr val="D93E2B"/>
           </a:solidFill>
@@ -2935,7 +3040,7 @@
         <a:buFontTx/>
         <a:buNone/>
         <a:tabLst/>
-        <a:defRPr b="0" baseline="0" cap="none" i="0" spc="0" strike="noStrike" sz="7000" u="none">
+        <a:defRPr sz="7000" b="0" i="0" u="none" strike="noStrike" cap="none" spc="0" baseline="0">
           <a:solidFill>
             <a:srgbClr val="D93E2B"/>
           </a:solidFill>
@@ -2961,7 +3066,7 @@
         <a:buFontTx/>
         <a:buNone/>
         <a:tabLst/>
-        <a:defRPr b="0" baseline="0" cap="none" i="0" spc="0" strike="noStrike" sz="7000" u="none">
+        <a:defRPr sz="7000" b="0" i="0" u="none" strike="noStrike" cap="none" spc="0" baseline="0">
           <a:solidFill>
             <a:srgbClr val="D93E2B"/>
           </a:solidFill>
@@ -2991,7 +3096,7 @@
         <a:buFont typeface="Zapf Dingbats"/>
         <a:buChar char="❖"/>
         <a:tabLst/>
-        <a:defRPr b="0" baseline="0" cap="none" i="0" spc="0" strike="noStrike" sz="3600" u="none">
+        <a:defRPr sz="3600" b="0" i="0" u="none" strike="noStrike" cap="none" spc="0" baseline="0">
           <a:solidFill>
             <a:srgbClr val="414141"/>
           </a:solidFill>
@@ -3019,7 +3124,7 @@
         <a:buFont typeface="Zapf Dingbats"/>
         <a:buChar char="❖"/>
         <a:tabLst/>
-        <a:defRPr b="0" baseline="0" cap="none" i="0" spc="0" strike="noStrike" sz="3600" u="none">
+        <a:defRPr sz="3600" b="0" i="0" u="none" strike="noStrike" cap="none" spc="0" baseline="0">
           <a:solidFill>
             <a:srgbClr val="414141"/>
           </a:solidFill>
@@ -3047,7 +3152,7 @@
         <a:buFont typeface="Zapf Dingbats"/>
         <a:buChar char="❖"/>
         <a:tabLst/>
-        <a:defRPr b="0" baseline="0" cap="none" i="0" spc="0" strike="noStrike" sz="3600" u="none">
+        <a:defRPr sz="3600" b="0" i="0" u="none" strike="noStrike" cap="none" spc="0" baseline="0">
           <a:solidFill>
             <a:srgbClr val="414141"/>
           </a:solidFill>
@@ -3075,7 +3180,7 @@
         <a:buFont typeface="Zapf Dingbats"/>
         <a:buChar char="❖"/>
         <a:tabLst/>
-        <a:defRPr b="0" baseline="0" cap="none" i="0" spc="0" strike="noStrike" sz="3600" u="none">
+        <a:defRPr sz="3600" b="0" i="0" u="none" strike="noStrike" cap="none" spc="0" baseline="0">
           <a:solidFill>
             <a:srgbClr val="414141"/>
           </a:solidFill>
@@ -3103,7 +3208,7 @@
         <a:buFont typeface="Zapf Dingbats"/>
         <a:buChar char="❖"/>
         <a:tabLst/>
-        <a:defRPr b="0" baseline="0" cap="none" i="0" spc="0" strike="noStrike" sz="3600" u="none">
+        <a:defRPr sz="3600" b="0" i="0" u="none" strike="noStrike" cap="none" spc="0" baseline="0">
           <a:solidFill>
             <a:srgbClr val="414141"/>
           </a:solidFill>
@@ -3131,7 +3236,7 @@
         <a:buFont typeface="Zapf Dingbats"/>
         <a:buChar char="❖"/>
         <a:tabLst/>
-        <a:defRPr b="0" baseline="0" cap="none" i="0" spc="0" strike="noStrike" sz="3600" u="none">
+        <a:defRPr sz="3600" b="0" i="0" u="none" strike="noStrike" cap="none" spc="0" baseline="0">
           <a:solidFill>
             <a:srgbClr val="414141"/>
           </a:solidFill>
@@ -3159,7 +3264,7 @@
         <a:buFont typeface="Zapf Dingbats"/>
         <a:buChar char="❖"/>
         <a:tabLst/>
-        <a:defRPr b="0" baseline="0" cap="none" i="0" spc="0" strike="noStrike" sz="3600" u="none">
+        <a:defRPr sz="3600" b="0" i="0" u="none" strike="noStrike" cap="none" spc="0" baseline="0">
           <a:solidFill>
             <a:srgbClr val="414141"/>
           </a:solidFill>
@@ -3187,7 +3292,7 @@
         <a:buFont typeface="Zapf Dingbats"/>
         <a:buChar char="❖"/>
         <a:tabLst/>
-        <a:defRPr b="0" baseline="0" cap="none" i="0" spc="0" strike="noStrike" sz="3600" u="none">
+        <a:defRPr sz="3600" b="0" i="0" u="none" strike="noStrike" cap="none" spc="0" baseline="0">
           <a:solidFill>
             <a:srgbClr val="414141"/>
           </a:solidFill>
@@ -3215,7 +3320,7 @@
         <a:buFont typeface="Zapf Dingbats"/>
         <a:buChar char="❖"/>
         <a:tabLst/>
-        <a:defRPr b="0" baseline="0" cap="none" i="0" spc="0" strike="noStrike" sz="3600" u="none">
+        <a:defRPr sz="3600" b="0" i="0" u="none" strike="noStrike" cap="none" spc="0" baseline="0">
           <a:solidFill>
             <a:srgbClr val="414141"/>
           </a:solidFill>
@@ -3243,7 +3348,7 @@
         <a:buFontTx/>
         <a:buNone/>
         <a:tabLst/>
-        <a:defRPr b="0" baseline="0" cap="none" i="0" spc="0" strike="noStrike" sz="1800" u="none">
+        <a:defRPr sz="1800" b="0" i="0" u="none" strike="noStrike" cap="none" spc="0" baseline="0">
           <a:solidFill>
             <a:schemeClr val="tx1"/>
           </a:solidFill>
@@ -3269,7 +3374,7 @@
         <a:buFontTx/>
         <a:buNone/>
         <a:tabLst/>
-        <a:defRPr b="0" baseline="0" cap="none" i="0" spc="0" strike="noStrike" sz="1800" u="none">
+        <a:defRPr sz="1800" b="0" i="0" u="none" strike="noStrike" cap="none" spc="0" baseline="0">
           <a:solidFill>
             <a:schemeClr val="tx1"/>
           </a:solidFill>
@@ -3295,7 +3400,7 @@
         <a:buFontTx/>
         <a:buNone/>
         <a:tabLst/>
-        <a:defRPr b="0" baseline="0" cap="none" i="0" spc="0" strike="noStrike" sz="1800" u="none">
+        <a:defRPr sz="1800" b="0" i="0" u="none" strike="noStrike" cap="none" spc="0" baseline="0">
           <a:solidFill>
             <a:schemeClr val="tx1"/>
           </a:solidFill>
@@ -3321,7 +3426,7 @@
         <a:buFontTx/>
         <a:buNone/>
         <a:tabLst/>
-        <a:defRPr b="0" baseline="0" cap="none" i="0" spc="0" strike="noStrike" sz="1800" u="none">
+        <a:defRPr sz="1800" b="0" i="0" u="none" strike="noStrike" cap="none" spc="0" baseline="0">
           <a:solidFill>
             <a:schemeClr val="tx1"/>
           </a:solidFill>
@@ -3347,7 +3452,7 @@
         <a:buFontTx/>
         <a:buNone/>
         <a:tabLst/>
-        <a:defRPr b="0" baseline="0" cap="none" i="0" spc="0" strike="noStrike" sz="1800" u="none">
+        <a:defRPr sz="1800" b="0" i="0" u="none" strike="noStrike" cap="none" spc="0" baseline="0">
           <a:solidFill>
             <a:schemeClr val="tx1"/>
           </a:solidFill>
@@ -3373,7 +3478,7 @@
         <a:buFontTx/>
         <a:buNone/>
         <a:tabLst/>
-        <a:defRPr b="0" baseline="0" cap="none" i="0" spc="0" strike="noStrike" sz="1800" u="none">
+        <a:defRPr sz="1800" b="0" i="0" u="none" strike="noStrike" cap="none" spc="0" baseline="0">
           <a:solidFill>
             <a:schemeClr val="tx1"/>
           </a:solidFill>
@@ -3399,7 +3504,7 @@
         <a:buFontTx/>
         <a:buNone/>
         <a:tabLst/>
-        <a:defRPr b="0" baseline="0" cap="none" i="0" spc="0" strike="noStrike" sz="1800" u="none">
+        <a:defRPr sz="1800" b="0" i="0" u="none" strike="noStrike" cap="none" spc="0" baseline="0">
           <a:solidFill>
             <a:schemeClr val="tx1"/>
           </a:solidFill>
@@ -3425,7 +3530,7 @@
         <a:buFontTx/>
         <a:buNone/>
         <a:tabLst/>
-        <a:defRPr b="0" baseline="0" cap="none" i="0" spc="0" strike="noStrike" sz="1800" u="none">
+        <a:defRPr sz="1800" b="0" i="0" u="none" strike="noStrike" cap="none" spc="0" baseline="0">
           <a:solidFill>
             <a:schemeClr val="tx1"/>
           </a:solidFill>
@@ -3451,7 +3556,7 @@
         <a:buFontTx/>
         <a:buNone/>
         <a:tabLst/>
-        <a:defRPr b="0" baseline="0" cap="none" i="0" spc="0" strike="noStrike" sz="1800" u="none">
+        <a:defRPr sz="1800" b="0" i="0" u="none" strike="noStrike" cap="none" spc="0" baseline="0">
           <a:solidFill>
             <a:schemeClr val="tx1"/>
           </a:solidFill>
@@ -3468,7 +3573,7 @@
 </file>
 
 <file path=ppt/slides/slide1.xml><?xml version="1.0" encoding="utf-8"?>
-<p:sld xmlns:a="http://schemas.openxmlformats.org/drawingml/2006/main" xmlns:r="http://schemas.openxmlformats.org/officeDocument/2006/relationships" xmlns:p="http://schemas.openxmlformats.org/presentationml/2006/main" xmlns:m="http://schemas.openxmlformats.org/officeDocument/2006/math" xmlns:a14="http://schemas.microsoft.com/office/drawing/2010/main" showMasterSp="1" showMasterPhAnim="1">
+<p:sld xmlns:a="http://schemas.openxmlformats.org/drawingml/2006/main" xmlns:r="http://schemas.openxmlformats.org/officeDocument/2006/relationships" xmlns:p="http://schemas.openxmlformats.org/presentationml/2006/main">
   <p:cSld>
     <p:spTree>
       <p:nvGrpSpPr>
@@ -3487,7 +3592,9 @@
       <p:sp>
         <p:nvSpPr>
           <p:cNvPr id="133" name="Team 4 Project"/>
-          <p:cNvSpPr txBox="1"/>
+          <p:cNvSpPr txBox="1">
+            <a:spLocks noGrp="1"/>
+          </p:cNvSpPr>
           <p:nvPr>
             <p:ph type="body" sz="quarter" idx="1"/>
           </p:nvPr>
@@ -3501,7 +3608,6 @@
           <a:bodyPr/>
           <a:lstStyle/>
           <a:p>
-            <a:pPr/>
             <a:r>
               <a:t>Team 4 Project</a:t>
             </a:r>
@@ -3511,7 +3617,9 @@
       <p:sp>
         <p:nvSpPr>
           <p:cNvPr id="134" name="Medical Appointment No Shows"/>
-          <p:cNvSpPr txBox="1"/>
+          <p:cNvSpPr txBox="1">
+            <a:spLocks noGrp="1"/>
+          </p:cNvSpPr>
           <p:nvPr>
             <p:ph type="title"/>
           </p:nvPr>
@@ -3522,7 +3630,9 @@
           </a:prstGeom>
         </p:spPr>
         <p:txBody>
-          <a:bodyPr/>
+          <a:bodyPr>
+            <a:normAutofit fontScale="90000"/>
+          </a:bodyPr>
           <a:lstStyle>
             <a:lvl1pPr defTabSz="572516">
               <a:spcBef>
@@ -3532,7 +3642,6 @@
             </a:lvl1pPr>
           </a:lstStyle>
           <a:p>
-            <a:pPr/>
             <a:r>
               <a:t>Medical Appointment No Shows</a:t>
             </a:r>
@@ -3558,13 +3667,13 @@
           </a:ln>
           <a:extLst>
             <a:ext uri="{C572A759-6A51-4108-AA02-DFA0A04FC94B}">
-              <ma14:wrappingTextBoxFlag xmlns:ma14="http://schemas.microsoft.com/office/mac/drawingml/2011/main" val="1"/>
+              <ma14:wrappingTextBoxFlag xmlns:ma14="http://schemas.microsoft.com/office/mac/drawingml/2011/main" xmlns:a14="http://schemas.microsoft.com/office/drawing/2010/main" xmlns:m="http://schemas.openxmlformats.org/officeDocument/2006/math" xmlns="" val="1"/>
             </a:ext>
           </a:extLst>
         </p:spPr>
         <p:txBody>
           <a:bodyPr lIns="50800" tIns="50800" rIns="50800" bIns="50800" anchor="ctr">
-            <a:normAutofit fontScale="100000" lnSpcReduction="0"/>
+            <a:normAutofit/>
           </a:bodyPr>
           <a:lstStyle/>
           <a:p>
@@ -3647,7 +3756,7 @@
             <a:blip r:embed="rId2">
               <a:extLst/>
             </a:blip>
-            <a:srcRect l="0" t="15109" r="0" b="15109"/>
+            <a:srcRect t="15109" b="15109"/>
             <a:stretch>
               <a:fillRect/>
             </a:stretch>
@@ -3689,7 +3798,7 @@
             <a:effectLst/>
             <a:extLst>
               <a:ext uri="{C572A759-6A51-4108-AA02-DFA0A04FC94B}">
-                <ma14:wrappingTextBoxFlag xmlns:ma14="http://schemas.microsoft.com/office/mac/drawingml/2011/main" val="1"/>
+                <ma14:wrappingTextBoxFlag xmlns:ma14="http://schemas.microsoft.com/office/mac/drawingml/2011/main" xmlns:a14="http://schemas.microsoft.com/office/drawing/2010/main" xmlns:m="http://schemas.openxmlformats.org/officeDocument/2006/math" xmlns="" val="1"/>
               </a:ext>
             </a:extLst>
           </p:spPr>
@@ -3708,7 +3817,6 @@
               </a:lvl1pPr>
             </a:lstStyle>
             <a:p>
-              <a:pPr/>
               <a:r>
                 <a:t>Type to enter a caption.</a:t>
               </a:r>
@@ -3721,12 +3829,12 @@
   <p:clrMapOvr>
     <a:masterClrMapping/>
   </p:clrMapOvr>
-  <p:transition xmlns:p14="http://schemas.microsoft.com/office/powerpoint/2010/main" spd="med" advClick="1"/>
+  <p:transition spd="med"/>
 </p:sld>
 </file>
 
 <file path=ppt/slides/slide10.xml><?xml version="1.0" encoding="utf-8"?>
-<p:sld xmlns:a="http://schemas.openxmlformats.org/drawingml/2006/main" xmlns:r="http://schemas.openxmlformats.org/officeDocument/2006/relationships" xmlns:p="http://schemas.openxmlformats.org/presentationml/2006/main" xmlns:m="http://schemas.openxmlformats.org/officeDocument/2006/math" xmlns:a14="http://schemas.microsoft.com/office/drawing/2010/main" showMasterSp="1" showMasterPhAnim="1">
+<p:sld xmlns:a="http://schemas.openxmlformats.org/drawingml/2006/main" xmlns:r="http://schemas.openxmlformats.org/officeDocument/2006/relationships" xmlns:p="http://schemas.openxmlformats.org/presentationml/2006/main">
   <p:cSld>
     <p:spTree>
       <p:nvGrpSpPr>
@@ -3745,7 +3853,9 @@
       <p:sp>
         <p:nvSpPr>
           <p:cNvPr id="173" name="Conclusion"/>
-          <p:cNvSpPr txBox="1"/>
+          <p:cNvSpPr txBox="1">
+            <a:spLocks noGrp="1"/>
+          </p:cNvSpPr>
           <p:nvPr>
             <p:ph type="title"/>
           </p:nvPr>
@@ -3759,7 +3869,6 @@
           <a:bodyPr/>
           <a:lstStyle/>
           <a:p>
-            <a:pPr/>
             <a:r>
               <a:t>Conclusion</a:t>
             </a:r>
@@ -3769,7 +3878,9 @@
       <p:sp>
         <p:nvSpPr>
           <p:cNvPr id="174" name="Best model has a accuracy of 80% &amp; precision of 70%.…"/>
-          <p:cNvSpPr txBox="1"/>
+          <p:cNvSpPr txBox="1">
+            <a:spLocks noGrp="1"/>
+          </p:cNvSpPr>
           <p:nvPr>
             <p:ph type="body" idx="1"/>
           </p:nvPr>
@@ -3783,31 +3894,26 @@
           <a:bodyPr/>
           <a:lstStyle/>
           <a:p>
-            <a:pPr/>
             <a:r>
               <a:t>Best model has a accuracy of 80% &amp; precision of 75%.</a:t>
             </a:r>
           </a:p>
           <a:p>
-            <a:pPr/>
             <a:r>
               <a:t>Additional variables that would have helped in model prediction:</a:t>
             </a:r>
           </a:p>
           <a:p>
-            <a:pPr/>
             <a:r>
               <a:t>Appointment Time</a:t>
             </a:r>
           </a:p>
           <a:p>
-            <a:pPr/>
             <a:r>
               <a:t>Type of reminders issued</a:t>
             </a:r>
           </a:p>
           <a:p>
-            <a:pPr/>
             <a:r>
               <a:t>Distance between patient’s house to clinic</a:t>
             </a:r>
@@ -3840,7 +3946,7 @@
             <a:blip r:embed="rId2">
               <a:extLst/>
             </a:blip>
-            <a:srcRect l="0" t="1258" r="0" b="1258"/>
+            <a:srcRect t="1258" b="1258"/>
             <a:stretch>
               <a:fillRect/>
             </a:stretch>
@@ -3882,7 +3988,7 @@
             <a:effectLst/>
             <a:extLst>
               <a:ext uri="{C572A759-6A51-4108-AA02-DFA0A04FC94B}">
-                <ma14:wrappingTextBoxFlag xmlns:ma14="http://schemas.microsoft.com/office/mac/drawingml/2011/main" val="1"/>
+                <ma14:wrappingTextBoxFlag xmlns:ma14="http://schemas.microsoft.com/office/mac/drawingml/2011/main" xmlns:a14="http://schemas.microsoft.com/office/drawing/2010/main" xmlns:m="http://schemas.openxmlformats.org/officeDocument/2006/math" xmlns="" val="1"/>
               </a:ext>
             </a:extLst>
           </p:spPr>
@@ -3901,7 +4007,6 @@
               </a:lvl1pPr>
             </a:lstStyle>
             <a:p>
-              <a:pPr/>
               <a:r>
                 <a:t>Type to enter a caption.</a:t>
               </a:r>
@@ -3914,12 +4019,19 @@
   <p:clrMapOvr>
     <a:masterClrMapping/>
   </p:clrMapOvr>
-  <p:transition xmlns:p14="http://schemas.microsoft.com/office/powerpoint/2010/main" spd="med" advClick="1"/>
+  <p:transition spd="med"/>
+  <p:timing>
+    <p:tnLst>
+      <p:par>
+        <p:cTn id="1" dur="indefinite" restart="never" nodeType="tmRoot"/>
+      </p:par>
+    </p:tnLst>
+  </p:timing>
 </p:sld>
 </file>
 
 <file path=ppt/slides/slide11.xml><?xml version="1.0" encoding="utf-8"?>
-<p:sld xmlns:a="http://schemas.openxmlformats.org/drawingml/2006/main" xmlns:r="http://schemas.openxmlformats.org/officeDocument/2006/relationships" xmlns:p="http://schemas.openxmlformats.org/presentationml/2006/main" xmlns:m="http://schemas.openxmlformats.org/officeDocument/2006/math" xmlns:a14="http://schemas.microsoft.com/office/drawing/2010/main" showMasterSp="1" showMasterPhAnim="1">
+<p:sld xmlns:a="http://schemas.openxmlformats.org/drawingml/2006/main" xmlns:r="http://schemas.openxmlformats.org/officeDocument/2006/relationships" xmlns:p="http://schemas.openxmlformats.org/presentationml/2006/main">
   <p:cSld>
     <p:spTree>
       <p:nvGrpSpPr>
@@ -3938,7 +4050,9 @@
       <p:sp>
         <p:nvSpPr>
           <p:cNvPr id="179" name="Conclusion (Contd….)"/>
-          <p:cNvSpPr txBox="1"/>
+          <p:cNvSpPr txBox="1">
+            <a:spLocks noGrp="1"/>
+          </p:cNvSpPr>
           <p:nvPr>
             <p:ph type="title"/>
           </p:nvPr>
@@ -3954,6 +4068,7 @@
           <a:p>
             <a:pPr lvl="1"/>
             <a:r>
+              <a:rPr dirty="0"/>
               <a:t>Conclusion</a:t>
             </a:r>
           </a:p>
@@ -3962,7 +4077,9 @@
       <p:sp>
         <p:nvSpPr>
           <p:cNvPr id="180" name="Remedial Measures:…"/>
-          <p:cNvSpPr txBox="1"/>
+          <p:cNvSpPr txBox="1">
+            <a:spLocks noGrp="1"/>
+          </p:cNvSpPr>
           <p:nvPr>
             <p:ph type="body" idx="1"/>
           </p:nvPr>
@@ -3973,7 +4090,9 @@
           </a:prstGeom>
         </p:spPr>
         <p:txBody>
-          <a:bodyPr/>
+          <a:bodyPr>
+            <a:normAutofit lnSpcReduction="10000"/>
+          </a:bodyPr>
           <a:lstStyle/>
           <a:p>
             <a:pPr marL="0" indent="0">
@@ -3981,25 +4100,53 @@
               <a:buNone/>
             </a:pPr>
             <a:r>
+              <a:rPr dirty="0"/>
               <a:t>Remedial Measures:</a:t>
             </a:r>
           </a:p>
           <a:p>
-            <a:pPr/>
-            <a:r>
-              <a:t>More booking: Using the predictive model, schedule more appointments</a:t>
-            </a:r>
-          </a:p>
-          <a:p>
-            <a:pPr/>
-            <a:r>
+            <a:r>
+              <a:rPr lang="en-US" dirty="0" smtClean="0"/>
+              <a:t>Give extra reminders to patients the model predicts will be no shows</a:t>
+            </a:r>
+          </a:p>
+          <a:p>
+            <a:r>
+              <a:rPr lang="en-US" dirty="0"/>
+              <a:t>More booking: Using the predictive model, schedule more </a:t>
+            </a:r>
+            <a:r>
+              <a:rPr lang="en-US" dirty="0" smtClean="0"/>
+              <a:t>appointments</a:t>
+            </a:r>
+            <a:endParaRPr dirty="0"/>
+          </a:p>
+          <a:p>
+            <a:r>
+              <a:rPr dirty="0"/>
               <a:t>No-Show fees: Charging fees  for a no-show appointment</a:t>
             </a:r>
           </a:p>
           <a:p>
-            <a:pPr/>
-            <a:r>
-              <a:t>Incentives: by collecting fees upfront might provide an incentive fo a patient to show-up</a:t>
+            <a:r>
+              <a:rPr dirty="0"/>
+              <a:t>Incentives: by collecting fees upfront might provide an incentive </a:t>
+            </a:r>
+            <a:r>
+              <a:rPr dirty="0" smtClean="0"/>
+              <a:t>fo</a:t>
+            </a:r>
+            <a:r>
+              <a:rPr lang="en-US" dirty="0" smtClean="0"/>
+              <a:t>r</a:t>
+            </a:r>
+            <a:r>
+              <a:rPr dirty="0" smtClean="0"/>
+              <a:t> </a:t>
+            </a:r>
+            <a:r>
+              <a:rPr dirty="0"/>
+              <a:t>a patient to show-up</a:t>
             </a:r>
           </a:p>
         </p:txBody>
@@ -4009,12 +4156,12 @@
   <p:clrMapOvr>
     <a:masterClrMapping/>
   </p:clrMapOvr>
-  <p:transition xmlns:p14="http://schemas.microsoft.com/office/powerpoint/2010/main" spd="med" advClick="1"/>
+  <p:transition spd="med"/>
 </p:sld>
 </file>
 
 <file path=ppt/slides/slide2.xml><?xml version="1.0" encoding="utf-8"?>
-<p:sld xmlns:a="http://schemas.openxmlformats.org/drawingml/2006/main" xmlns:r="http://schemas.openxmlformats.org/officeDocument/2006/relationships" xmlns:p="http://schemas.openxmlformats.org/presentationml/2006/main" xmlns:m="http://schemas.openxmlformats.org/officeDocument/2006/math" xmlns:a14="http://schemas.microsoft.com/office/drawing/2010/main" showMasterSp="1" showMasterPhAnim="1">
+<p:sld xmlns:a="http://schemas.openxmlformats.org/drawingml/2006/main" xmlns:r="http://schemas.openxmlformats.org/officeDocument/2006/relationships" xmlns:p="http://schemas.openxmlformats.org/presentationml/2006/main">
   <p:cSld>
     <p:spTree>
       <p:nvGrpSpPr>
@@ -4033,7 +4180,9 @@
       <p:sp>
         <p:nvSpPr>
           <p:cNvPr id="140" name="Introduction"/>
-          <p:cNvSpPr txBox="1"/>
+          <p:cNvSpPr txBox="1">
+            <a:spLocks noGrp="1"/>
+          </p:cNvSpPr>
           <p:nvPr>
             <p:ph type="title"/>
           </p:nvPr>
@@ -4047,7 +4196,6 @@
           <a:bodyPr/>
           <a:lstStyle/>
           <a:p>
-            <a:pPr/>
             <a:r>
               <a:t>Introduction</a:t>
             </a:r>
@@ -4057,7 +4205,9 @@
       <p:sp>
         <p:nvSpPr>
           <p:cNvPr id="141" name="What is No-Show ?…"/>
-          <p:cNvSpPr txBox="1"/>
+          <p:cNvSpPr txBox="1">
+            <a:spLocks noGrp="1"/>
+          </p:cNvSpPr>
           <p:nvPr>
             <p:ph type="body" idx="1"/>
           </p:nvPr>
@@ -4071,19 +4221,16 @@
           <a:bodyPr/>
           <a:lstStyle/>
           <a:p>
-            <a:pPr/>
             <a:r>
               <a:t>What is No-Show ?</a:t>
             </a:r>
           </a:p>
           <a:p>
-            <a:pPr/>
             <a:r>
               <a:t>No-Shows cost the healthcare industry more than $150 billion annually</a:t>
             </a:r>
           </a:p>
           <a:p>
-            <a:pPr/>
             <a:r>
               <a:t>Dataset source (</a:t>
             </a:r>
@@ -4097,7 +4244,7 @@
                     <a:srgbClr val="0000FF"/>
                   </a:solidFill>
                 </a:uFill>
-                <a:hlinkClick r:id="rId2" invalidUrl="" action="" tgtFrame="" tooltip="" history="1" highlightClick="0" endSnd="0"/>
+                <a:hlinkClick r:id="rId2"/>
               </a:rPr>
               <a:t>https://www.kaggle.com/joniarroba/noshowappointments/data</a:t>
             </a:r>
@@ -4106,7 +4253,6 @@
             </a:r>
           </a:p>
           <a:p>
-            <a:pPr/>
             <a:r>
               <a:t>110527 rows x 14 columns</a:t>
             </a:r>
@@ -4118,12 +4264,12 @@
   <p:clrMapOvr>
     <a:masterClrMapping/>
   </p:clrMapOvr>
-  <p:transition xmlns:p14="http://schemas.microsoft.com/office/powerpoint/2010/main" spd="med" advClick="1"/>
+  <p:transition spd="med"/>
 </p:sld>
 </file>
 
 <file path=ppt/slides/slide3.xml><?xml version="1.0" encoding="utf-8"?>
-<p:sld xmlns:a="http://schemas.openxmlformats.org/drawingml/2006/main" xmlns:r="http://schemas.openxmlformats.org/officeDocument/2006/relationships" xmlns:p="http://schemas.openxmlformats.org/presentationml/2006/main" xmlns:m="http://schemas.openxmlformats.org/officeDocument/2006/math" xmlns:a14="http://schemas.microsoft.com/office/drawing/2010/main" showMasterSp="1" showMasterPhAnim="1">
+<p:sld xmlns:a="http://schemas.openxmlformats.org/drawingml/2006/main" xmlns:r="http://schemas.openxmlformats.org/officeDocument/2006/relationships" xmlns:p="http://schemas.openxmlformats.org/presentationml/2006/main">
   <p:cSld>
     <p:spTree>
       <p:nvGrpSpPr>
@@ -4142,7 +4288,9 @@
       <p:sp>
         <p:nvSpPr>
           <p:cNvPr id="143" name="Feature Labels Table"/>
-          <p:cNvSpPr txBox="1"/>
+          <p:cNvSpPr txBox="1">
+            <a:spLocks noGrp="1"/>
+          </p:cNvSpPr>
           <p:nvPr>
             <p:ph type="title"/>
           </p:nvPr>
@@ -4156,12 +4304,8 @@
           <a:bodyPr/>
           <a:lstStyle/>
           <a:p>
-            <a:pPr/>
-            <a:r>
-              <a:t>Feature </a:t>
-            </a:r>
-            <a:r>
-              <a:t>Engineering</a:t>
+            <a:r>
+              <a:t>Feature Engineering</a:t>
             </a:r>
           </a:p>
         </p:txBody>
@@ -4169,7 +4313,9 @@
       <p:sp>
         <p:nvSpPr>
           <p:cNvPr id="144" name="Body"/>
-          <p:cNvSpPr txBox="1"/>
+          <p:cNvSpPr txBox="1">
+            <a:spLocks noGrp="1"/>
+          </p:cNvSpPr>
           <p:nvPr>
             <p:ph type="body" idx="1"/>
           </p:nvPr>
@@ -4183,7 +4329,7 @@
           <a:bodyPr/>
           <a:lstStyle/>
           <a:p>
-            <a:pPr/>
+            <a:endParaRPr/>
           </a:p>
         </p:txBody>
       </p:sp>
@@ -4213,7 +4359,7 @@
             <a:blip r:embed="rId2">
               <a:extLst/>
             </a:blip>
-            <a:srcRect l="0" t="743" r="0" b="743"/>
+            <a:srcRect t="743" b="743"/>
             <a:stretch>
               <a:fillRect/>
             </a:stretch>
@@ -4255,7 +4401,7 @@
             <a:effectLst/>
             <a:extLst>
               <a:ext uri="{C572A759-6A51-4108-AA02-DFA0A04FC94B}">
-                <ma14:wrappingTextBoxFlag xmlns:ma14="http://schemas.microsoft.com/office/mac/drawingml/2011/main" val="1"/>
+                <ma14:wrappingTextBoxFlag xmlns:ma14="http://schemas.microsoft.com/office/mac/drawingml/2011/main" xmlns:a14="http://schemas.microsoft.com/office/drawing/2010/main" xmlns:m="http://schemas.openxmlformats.org/officeDocument/2006/math" xmlns="" val="1"/>
               </a:ext>
             </a:extLst>
           </p:spPr>
@@ -4274,7 +4420,6 @@
               </a:lvl1pPr>
             </a:lstStyle>
             <a:p>
-              <a:pPr/>
               <a:r>
                 <a:t>Feature Labels Table</a:t>
               </a:r>
@@ -4287,12 +4432,12 @@
   <p:clrMapOvr>
     <a:masterClrMapping/>
   </p:clrMapOvr>
-  <p:transition xmlns:p14="http://schemas.microsoft.com/office/powerpoint/2010/main" spd="med" advClick="1"/>
+  <p:transition spd="med"/>
 </p:sld>
 </file>
 
 <file path=ppt/slides/slide4.xml><?xml version="1.0" encoding="utf-8"?>
-<p:sld xmlns:a="http://schemas.openxmlformats.org/drawingml/2006/main" xmlns:r="http://schemas.openxmlformats.org/officeDocument/2006/relationships" xmlns:p="http://schemas.openxmlformats.org/presentationml/2006/main" xmlns:m="http://schemas.openxmlformats.org/officeDocument/2006/math" xmlns:a14="http://schemas.microsoft.com/office/drawing/2010/main" showMasterSp="1" showMasterPhAnim="1">
+<p:sld xmlns:a="http://schemas.openxmlformats.org/drawingml/2006/main" xmlns:r="http://schemas.openxmlformats.org/officeDocument/2006/relationships" xmlns:p="http://schemas.openxmlformats.org/presentationml/2006/main">
   <p:cSld>
     <p:spTree>
       <p:nvGrpSpPr>
@@ -4311,7 +4456,9 @@
       <p:sp>
         <p:nvSpPr>
           <p:cNvPr id="149" name="Feature Labels Table"/>
-          <p:cNvSpPr txBox="1"/>
+          <p:cNvSpPr txBox="1">
+            <a:spLocks noGrp="1"/>
+          </p:cNvSpPr>
           <p:nvPr>
             <p:ph type="title"/>
           </p:nvPr>
@@ -4325,7 +4472,6 @@
           <a:bodyPr/>
           <a:lstStyle/>
           <a:p>
-            <a:pPr/>
             <a:r>
               <a:t>Analysis Correlations</a:t>
             </a:r>
@@ -4335,7 +4481,9 @@
       <p:sp>
         <p:nvSpPr>
           <p:cNvPr id="150" name="Body"/>
-          <p:cNvSpPr txBox="1"/>
+          <p:cNvSpPr txBox="1">
+            <a:spLocks noGrp="1"/>
+          </p:cNvSpPr>
           <p:nvPr>
             <p:ph type="body" idx="1"/>
           </p:nvPr>
@@ -4349,7 +4497,6 @@
           <a:bodyPr/>
           <a:lstStyle/>
           <a:p>
-            <a:pPr/>
             <a:r>
               <a:t>Very poor correlations versus label</a:t>
             </a:r>
@@ -4390,12 +4537,12 @@
   <p:clrMapOvr>
     <a:masterClrMapping/>
   </p:clrMapOvr>
-  <p:transition xmlns:p14="http://schemas.microsoft.com/office/powerpoint/2010/main" spd="med" advClick="1"/>
+  <p:transition spd="med"/>
 </p:sld>
 </file>
 
 <file path=ppt/slides/slide5.xml><?xml version="1.0" encoding="utf-8"?>
-<p:sld xmlns:a="http://schemas.openxmlformats.org/drawingml/2006/main" xmlns:r="http://schemas.openxmlformats.org/officeDocument/2006/relationships" xmlns:p="http://schemas.openxmlformats.org/presentationml/2006/main" xmlns:m="http://schemas.openxmlformats.org/officeDocument/2006/math" xmlns:a14="http://schemas.microsoft.com/office/drawing/2010/main" showMasterSp="1" showMasterPhAnim="1">
+<p:sld xmlns:a="http://schemas.openxmlformats.org/drawingml/2006/main" xmlns:r="http://schemas.openxmlformats.org/officeDocument/2006/relationships" xmlns:p="http://schemas.openxmlformats.org/presentationml/2006/main">
   <p:cSld>
     <p:spTree>
       <p:nvGrpSpPr>
@@ -4414,7 +4561,9 @@
       <p:sp>
         <p:nvSpPr>
           <p:cNvPr id="153" name="Title 1"/>
-          <p:cNvSpPr txBox="1"/>
+          <p:cNvSpPr txBox="1">
+            <a:spLocks noGrp="1"/>
+          </p:cNvSpPr>
           <p:nvPr>
             <p:ph type="title"/>
           </p:nvPr>
@@ -4428,7 +4577,6 @@
           <a:bodyPr/>
           <a:lstStyle/>
           <a:p>
-            <a:pPr/>
             <a:r>
               <a:t>Analysis</a:t>
             </a:r>
@@ -4438,7 +4586,9 @@
       <p:sp>
         <p:nvSpPr>
           <p:cNvPr id="154" name="Text Placeholder 2"/>
-          <p:cNvSpPr txBox="1"/>
+          <p:cNvSpPr txBox="1">
+            <a:spLocks noGrp="1"/>
+          </p:cNvSpPr>
           <p:nvPr>
             <p:ph type="body" idx="1"/>
           </p:nvPr>
@@ -4452,7 +4602,7 @@
           <a:bodyPr/>
           <a:lstStyle/>
           <a:p>
-            <a:pPr/>
+            <a:endParaRPr/>
           </a:p>
         </p:txBody>
       </p:sp>
@@ -4482,7 +4632,7 @@
             <a:blip r:embed="rId2">
               <a:extLst/>
             </a:blip>
-            <a:srcRect l="115" t="0" r="115" b="0"/>
+            <a:srcRect l="115" r="115"/>
             <a:stretch>
               <a:fillRect/>
             </a:stretch>
@@ -4524,7 +4674,7 @@
             <a:effectLst/>
             <a:extLst>
               <a:ext uri="{C572A759-6A51-4108-AA02-DFA0A04FC94B}">
-                <ma14:wrappingTextBoxFlag xmlns:ma14="http://schemas.microsoft.com/office/mac/drawingml/2011/main" val="1"/>
+                <ma14:wrappingTextBoxFlag xmlns:ma14="http://schemas.microsoft.com/office/mac/drawingml/2011/main" xmlns:a14="http://schemas.microsoft.com/office/drawing/2010/main" xmlns:m="http://schemas.openxmlformats.org/officeDocument/2006/math" xmlns="" val="1"/>
               </a:ext>
             </a:extLst>
           </p:spPr>
@@ -4546,7 +4696,6 @@
               </a:lvl1pPr>
             </a:lstStyle>
             <a:p>
-              <a:pPr/>
               <a:r>
                 <a:t>Type to enter a caption.</a:t>
               </a:r>
@@ -4559,12 +4708,12 @@
   <p:clrMapOvr>
     <a:masterClrMapping/>
   </p:clrMapOvr>
-  <p:transition xmlns:p14="http://schemas.microsoft.com/office/powerpoint/2010/main" spd="med" advClick="1"/>
+  <p:transition spd="med"/>
 </p:sld>
 </file>
 
 <file path=ppt/slides/slide6.xml><?xml version="1.0" encoding="utf-8"?>
-<p:sld xmlns:a="http://schemas.openxmlformats.org/drawingml/2006/main" xmlns:r="http://schemas.openxmlformats.org/officeDocument/2006/relationships" xmlns:p="http://schemas.openxmlformats.org/presentationml/2006/main" xmlns:m="http://schemas.openxmlformats.org/officeDocument/2006/math" xmlns:a14="http://schemas.microsoft.com/office/drawing/2010/main" showMasterSp="1" showMasterPhAnim="1">
+<p:sld xmlns:a="http://schemas.openxmlformats.org/drawingml/2006/main" xmlns:r="http://schemas.openxmlformats.org/officeDocument/2006/relationships" xmlns:p="http://schemas.openxmlformats.org/presentationml/2006/main">
   <p:cSld>
     <p:spTree>
       <p:nvGrpSpPr>
@@ -4583,7 +4732,9 @@
       <p:sp>
         <p:nvSpPr>
           <p:cNvPr id="159" name="Title 1"/>
-          <p:cNvSpPr txBox="1"/>
+          <p:cNvSpPr txBox="1">
+            <a:spLocks noGrp="1"/>
+          </p:cNvSpPr>
           <p:nvPr>
             <p:ph type="title"/>
           </p:nvPr>
@@ -4597,7 +4748,6 @@
           <a:bodyPr/>
           <a:lstStyle/>
           <a:p>
-            <a:pPr/>
             <a:r>
               <a:t>Model Selection</a:t>
             </a:r>
@@ -4607,7 +4757,9 @@
       <p:sp>
         <p:nvSpPr>
           <p:cNvPr id="160" name="Text Placeholder 4"/>
-          <p:cNvSpPr txBox="1"/>
+          <p:cNvSpPr txBox="1">
+            <a:spLocks noGrp="1"/>
+          </p:cNvSpPr>
           <p:nvPr>
             <p:ph type="body" idx="1"/>
           </p:nvPr>
@@ -4621,7 +4773,7 @@
           <a:bodyPr/>
           <a:lstStyle/>
           <a:p>
-            <a:pPr/>
+            <a:endParaRPr/>
           </a:p>
         </p:txBody>
       </p:sp>
@@ -4659,12 +4811,12 @@
   <p:clrMapOvr>
     <a:masterClrMapping/>
   </p:clrMapOvr>
-  <p:transition xmlns:p14="http://schemas.microsoft.com/office/powerpoint/2010/main" spd="med" advClick="1"/>
+  <p:transition spd="med"/>
 </p:sld>
 </file>
 
 <file path=ppt/slides/slide7.xml><?xml version="1.0" encoding="utf-8"?>
-<p:sld xmlns:a="http://schemas.openxmlformats.org/drawingml/2006/main" xmlns:r="http://schemas.openxmlformats.org/officeDocument/2006/relationships" xmlns:p="http://schemas.openxmlformats.org/presentationml/2006/main" xmlns:m="http://schemas.openxmlformats.org/officeDocument/2006/math" xmlns:a14="http://schemas.microsoft.com/office/drawing/2010/main" showMasterSp="1" showMasterPhAnim="1">
+<p:sld xmlns:a="http://schemas.openxmlformats.org/drawingml/2006/main" xmlns:r="http://schemas.openxmlformats.org/officeDocument/2006/relationships" xmlns:p="http://schemas.openxmlformats.org/presentationml/2006/main">
   <p:cSld>
     <p:spTree>
       <p:nvGrpSpPr>
@@ -4683,7 +4835,9 @@
       <p:sp>
         <p:nvSpPr>
           <p:cNvPr id="163" name="Title 1"/>
-          <p:cNvSpPr txBox="1"/>
+          <p:cNvSpPr txBox="1">
+            <a:spLocks noGrp="1"/>
+          </p:cNvSpPr>
           <p:nvPr>
             <p:ph type="title"/>
           </p:nvPr>
@@ -4697,7 +4851,6 @@
           <a:bodyPr/>
           <a:lstStyle/>
           <a:p>
-            <a:pPr/>
             <a:r>
               <a:t>Model Selection</a:t>
             </a:r>
@@ -4707,7 +4860,9 @@
       <p:sp>
         <p:nvSpPr>
           <p:cNvPr id="164" name="Text Placeholder 2"/>
-          <p:cNvSpPr txBox="1"/>
+          <p:cNvSpPr txBox="1">
+            <a:spLocks noGrp="1"/>
+          </p:cNvSpPr>
           <p:nvPr>
             <p:ph type="body" idx="1"/>
           </p:nvPr>
@@ -4731,20 +4886,21 @@
               <a:defRPr sz="2175"/>
             </a:pPr>
             <a:r>
+              <a:rPr dirty="0"/>
               <a:t>Individual models - </a:t>
             </a:r>
             <a:r>
-              <a:rPr sz="1566"/>
+              <a:rPr sz="1566" dirty="0"/>
               <a:t>LOG,DTC,RFC,KNN,XGB,</a:t>
             </a:r>
             <a:r>
-              <a:rPr sz="1653"/>
+              <a:rPr sz="1653" dirty="0"/>
               <a:t> SGD,SVC</a:t>
             </a:r>
-            <a:endParaRPr sz="2262"/>
-          </a:p>
-          <a:p>
-            <a:pPr lvl="1" marL="817625" indent="-408812" defTabSz="508254">
+            <a:endParaRPr sz="2262" dirty="0"/>
+          </a:p>
+          <a:p>
+            <a:pPr marL="817625" lvl="1" indent="-408812" defTabSz="508254">
               <a:lnSpc>
                 <a:spcPct val="80000"/>
               </a:lnSpc>
@@ -4754,11 +4910,17 @@
               <a:defRPr sz="2175"/>
             </a:pPr>
             <a:r>
-              <a:t>Best individual model - XGBoost</a:t>
-            </a:r>
-          </a:p>
-          <a:p>
-            <a:pPr lvl="2" marL="1226438" indent="-408812" defTabSz="508254">
+              <a:rPr dirty="0"/>
+              <a:t>Best individual model - </a:t>
+            </a:r>
+            <a:r>
+              <a:rPr dirty="0" err="1"/>
+              <a:t>XGBoost</a:t>
+            </a:r>
+            <a:endParaRPr dirty="0"/>
+          </a:p>
+          <a:p>
+            <a:pPr marL="1226438" lvl="2" indent="-408812" defTabSz="508254">
               <a:lnSpc>
                 <a:spcPct val="80000"/>
               </a:lnSpc>
@@ -4768,29 +4930,31 @@
               <a:defRPr sz="2175"/>
             </a:pPr>
             <a:r>
+              <a:rPr dirty="0"/>
               <a:t>Accuracy: 0.80</a:t>
             </a:r>
           </a:p>
           <a:p>
-            <a:pPr lvl="2" marL="1226438" indent="-408812" defTabSz="508254">
+            <a:pPr marL="1226438" lvl="2" indent="-408812" defTabSz="508254">
               <a:lnSpc>
                 <a:spcPct val="80000"/>
               </a:lnSpc>
               <a:spcBef>
                 <a:spcPts val="2000"/>
               </a:spcBef>
-              <a:defRPr b="1" sz="2175"/>
+              <a:defRPr sz="2175" b="1"/>
             </a:pPr>
             <a:r>
+              <a:rPr dirty="0"/>
               <a:t>Precision</a:t>
             </a:r>
             <a:r>
-              <a:rPr b="0"/>
+              <a:rPr b="0" dirty="0"/>
               <a:t>:  0.61</a:t>
             </a:r>
           </a:p>
           <a:p>
-            <a:pPr lvl="2" marL="1226438" indent="-408812" defTabSz="508254">
+            <a:pPr marL="1226438" lvl="2" indent="-408812" defTabSz="508254">
               <a:lnSpc>
                 <a:spcPct val="80000"/>
               </a:lnSpc>
@@ -4800,6 +4964,7 @@
               <a:defRPr sz="2175"/>
             </a:pPr>
             <a:r>
+              <a:rPr dirty="0"/>
               <a:t>Recall:  0.02</a:t>
             </a:r>
           </a:p>
@@ -4814,15 +4979,32 @@
               <a:defRPr sz="2175"/>
             </a:pPr>
             <a:r>
-              <a:t>Best model - </a:t>
-            </a:r>
-            <a:r>
-              <a:rPr sz="1653"/>
+              <a:rPr b="1" dirty="0"/>
+              <a:t>Best </a:t>
+            </a:r>
+            <a:r>
+              <a:rPr b="1" dirty="0" smtClean="0"/>
+              <a:t>model</a:t>
+            </a:r>
+            <a:r>
+              <a:rPr lang="en-US" b="1" dirty="0" smtClean="0"/>
+              <a:t> overall</a:t>
+            </a:r>
+            <a:r>
+              <a:rPr b="1" dirty="0" smtClean="0"/>
+              <a:t> </a:t>
+            </a:r>
+            <a:r>
+              <a:rPr b="1" dirty="0"/>
+              <a:t>- </a:t>
+            </a:r>
+            <a:r>
+              <a:rPr sz="1653" dirty="0"/>
               <a:t>Voting Classifier (LOG, KNN,XGB,RFC)</a:t>
             </a:r>
           </a:p>
           <a:p>
-            <a:pPr lvl="1" marL="817625" indent="-408812" defTabSz="508254">
+            <a:pPr marL="817625" lvl="1" indent="-408812" defTabSz="508254">
               <a:lnSpc>
                 <a:spcPct val="80000"/>
               </a:lnSpc>
@@ -4832,11 +5014,12 @@
               <a:defRPr sz="2175"/>
             </a:pPr>
             <a:r>
+              <a:rPr dirty="0"/>
               <a:t>Scores</a:t>
             </a:r>
           </a:p>
           <a:p>
-            <a:pPr lvl="2" marL="1226438" indent="-408812" defTabSz="508254">
+            <a:pPr marL="1226438" lvl="2" indent="-408812" defTabSz="508254">
               <a:lnSpc>
                 <a:spcPct val="80000"/>
               </a:lnSpc>
@@ -4846,29 +5029,31 @@
               <a:defRPr sz="2175"/>
             </a:pPr>
             <a:r>
+              <a:rPr dirty="0"/>
               <a:t>Accuracy: 0.80</a:t>
             </a:r>
           </a:p>
           <a:p>
-            <a:pPr lvl="2" marL="1226438" indent="-408812" defTabSz="508254">
+            <a:pPr marL="1226438" lvl="2" indent="-408812" defTabSz="508254">
               <a:lnSpc>
                 <a:spcPct val="80000"/>
               </a:lnSpc>
               <a:spcBef>
                 <a:spcPts val="2000"/>
               </a:spcBef>
-              <a:defRPr b="1" sz="2175"/>
+              <a:defRPr sz="2175" b="1"/>
             </a:pPr>
             <a:r>
+              <a:rPr dirty="0"/>
               <a:t>Precision</a:t>
             </a:r>
             <a:r>
-              <a:rPr b="0"/>
+              <a:rPr b="0" dirty="0"/>
               <a:t>:  0.75</a:t>
             </a:r>
           </a:p>
           <a:p>
-            <a:pPr lvl="2" marL="1226438" indent="-408812" defTabSz="508254">
+            <a:pPr marL="1226438" lvl="2" indent="-408812" defTabSz="508254">
               <a:lnSpc>
                 <a:spcPct val="80000"/>
               </a:lnSpc>
@@ -4878,6 +5063,7 @@
               <a:defRPr sz="2175"/>
             </a:pPr>
             <a:r>
+              <a:rPr dirty="0"/>
               <a:t>Recall:  0.01</a:t>
             </a:r>
           </a:p>
@@ -4888,12 +5074,19 @@
   <p:clrMapOvr>
     <a:masterClrMapping/>
   </p:clrMapOvr>
-  <p:transition xmlns:p14="http://schemas.microsoft.com/office/powerpoint/2010/main" spd="med" advClick="1"/>
+  <p:transition spd="med"/>
+  <p:timing>
+    <p:tnLst>
+      <p:par>
+        <p:cTn id="1" dur="indefinite" restart="never" nodeType="tmRoot"/>
+      </p:par>
+    </p:tnLst>
+  </p:timing>
 </p:sld>
 </file>
 
 <file path=ppt/slides/slide8.xml><?xml version="1.0" encoding="utf-8"?>
-<p:sld xmlns:a="http://schemas.openxmlformats.org/drawingml/2006/main" xmlns:r="http://schemas.openxmlformats.org/officeDocument/2006/relationships" xmlns:p="http://schemas.openxmlformats.org/presentationml/2006/main" xmlns:m="http://schemas.openxmlformats.org/officeDocument/2006/math" xmlns:a14="http://schemas.microsoft.com/office/drawing/2010/main" showMasterSp="1" showMasterPhAnim="1">
+<p:sld xmlns:a="http://schemas.openxmlformats.org/drawingml/2006/main" xmlns:r="http://schemas.openxmlformats.org/officeDocument/2006/relationships" xmlns:p="http://schemas.openxmlformats.org/presentationml/2006/main">
   <p:cSld>
     <p:spTree>
       <p:nvGrpSpPr>
@@ -4912,7 +5105,9 @@
       <p:sp>
         <p:nvSpPr>
           <p:cNvPr id="166" name="Current Model"/>
-          <p:cNvSpPr txBox="1"/>
+          <p:cNvSpPr txBox="1">
+            <a:spLocks noGrp="1"/>
+          </p:cNvSpPr>
           <p:nvPr>
             <p:ph type="title"/>
           </p:nvPr>
@@ -4926,8 +5121,8 @@
           <a:bodyPr/>
           <a:lstStyle/>
           <a:p>
-            <a:pPr/>
-            <a:r>
+            <a:r>
+              <a:rPr dirty="0"/>
               <a:t>Current Model</a:t>
             </a:r>
           </a:p>
@@ -4936,7 +5131,9 @@
       <p:sp>
         <p:nvSpPr>
           <p:cNvPr id="167" name="Body"/>
-          <p:cNvSpPr txBox="1"/>
+          <p:cNvSpPr txBox="1">
+            <a:spLocks noGrp="1"/>
+          </p:cNvSpPr>
           <p:nvPr>
             <p:ph type="body" idx="1"/>
           </p:nvPr>
@@ -4950,7 +5147,7 @@
           <a:bodyPr/>
           <a:lstStyle/>
           <a:p>
-            <a:pPr/>
+            <a:endParaRPr dirty="0"/>
           </a:p>
         </p:txBody>
       </p:sp>
@@ -4988,12 +5185,19 @@
   <p:clrMapOvr>
     <a:masterClrMapping/>
   </p:clrMapOvr>
-  <p:transition xmlns:p14="http://schemas.microsoft.com/office/powerpoint/2010/main" spd="med" advClick="1"/>
+  <p:transition spd="med"/>
+  <p:timing>
+    <p:tnLst>
+      <p:par>
+        <p:cTn id="1" dur="indefinite" restart="never" nodeType="tmRoot"/>
+      </p:par>
+    </p:tnLst>
+  </p:timing>
 </p:sld>
 </file>
 
 <file path=ppt/slides/slide9.xml><?xml version="1.0" encoding="utf-8"?>
-<p:sld xmlns:a="http://schemas.openxmlformats.org/drawingml/2006/main" xmlns:r="http://schemas.openxmlformats.org/officeDocument/2006/relationships" xmlns:p="http://schemas.openxmlformats.org/presentationml/2006/main" xmlns:m="http://schemas.openxmlformats.org/officeDocument/2006/math" xmlns:a14="http://schemas.microsoft.com/office/drawing/2010/main" showMasterSp="1" showMasterPhAnim="1">
+<p:sld xmlns:a="http://schemas.openxmlformats.org/drawingml/2006/main" xmlns:r="http://schemas.openxmlformats.org/officeDocument/2006/relationships" xmlns:p="http://schemas.openxmlformats.org/presentationml/2006/main">
   <p:cSld>
     <p:spTree>
       <p:nvGrpSpPr>
@@ -5012,7 +5216,9 @@
       <p:sp>
         <p:nvSpPr>
           <p:cNvPr id="170" name="Conclusion"/>
-          <p:cNvSpPr txBox="1"/>
+          <p:cNvSpPr txBox="1">
+            <a:spLocks noGrp="1"/>
+          </p:cNvSpPr>
           <p:nvPr>
             <p:ph type="title"/>
           </p:nvPr>
@@ -5026,7 +5232,6 @@
           <a:bodyPr/>
           <a:lstStyle/>
           <a:p>
-            <a:pPr/>
             <a:r>
               <a:t>Implementation</a:t>
             </a:r>
@@ -5036,7 +5241,9 @@
       <p:sp>
         <p:nvSpPr>
           <p:cNvPr id="171" name="Best model has a accuracy of 80% &amp; precision of 70%.…"/>
-          <p:cNvSpPr txBox="1"/>
+          <p:cNvSpPr txBox="1">
+            <a:spLocks noGrp="1"/>
+          </p:cNvSpPr>
           <p:nvPr>
             <p:ph type="body" idx="1"/>
           </p:nvPr>
@@ -5050,8 +5257,8 @@
           <a:bodyPr/>
           <a:lstStyle/>
           <a:p>
-            <a:pPr/>
-            <a:r>
+            <a:r>
+              <a:rPr dirty="0"/>
               <a:t>Send extra reminders to the predicted no shows.</a:t>
             </a:r>
           </a:p>
@@ -5062,16 +5269,17 @@
               <a:defRPr b="1"/>
             </a:pPr>
             <a:r>
+              <a:rPr dirty="0"/>
               <a:t>Potential Savings</a:t>
             </a:r>
           </a:p>
           <a:p>
-            <a:pPr/>
-            <a:r>
+            <a:r>
+              <a:rPr dirty="0"/>
               <a:t>Every 2 months the model predicts </a:t>
             </a:r>
             <a:r>
-              <a:rPr>
+              <a:rPr dirty="0">
                 <a:solidFill>
                   <a:srgbClr val="00B0F0"/>
                 </a:solidFill>
@@ -5079,16 +5287,26 @@
               <a:t>150</a:t>
             </a:r>
             <a:r>
-              <a:t> no shows</a:t>
-            </a:r>
-          </a:p>
-          <a:p>
-            <a:pPr/>
-            <a:r>
+              <a:rPr dirty="0"/>
+              <a:t> no </a:t>
+            </a:r>
+            <a:r>
+              <a:rPr dirty="0" smtClean="0"/>
+              <a:t>shows</a:t>
+            </a:r>
+            <a:r>
+              <a:rPr lang="en-US" dirty="0" smtClean="0"/>
+              <a:t> correctly</a:t>
+            </a:r>
+            <a:endParaRPr dirty="0"/>
+          </a:p>
+          <a:p>
+            <a:r>
+              <a:rPr dirty="0"/>
               <a:t>Assume $</a:t>
             </a:r>
             <a:r>
-              <a:rPr>
+              <a:rPr dirty="0">
                 <a:solidFill>
                   <a:srgbClr val="00B050"/>
                 </a:solidFill>
@@ -5096,16 +5314,17 @@
               <a:t>50 </a:t>
             </a:r>
             <a:r>
+              <a:rPr dirty="0"/>
               <a:t>per visit</a:t>
             </a:r>
           </a:p>
           <a:p>
-            <a:pPr/>
-            <a:r>
+            <a:r>
+              <a:rPr dirty="0"/>
               <a:t>These extra reminders could save up to </a:t>
             </a:r>
             <a:r>
-              <a:rPr>
+              <a:rPr dirty="0">
                 <a:solidFill>
                   <a:srgbClr val="00B0F0"/>
                 </a:solidFill>
@@ -5113,10 +5332,11 @@
               <a:t>150</a:t>
             </a:r>
             <a:r>
+              <a:rPr dirty="0"/>
               <a:t>*</a:t>
             </a:r>
             <a:r>
-              <a:rPr>
+              <a:rPr dirty="0">
                 <a:solidFill>
                   <a:srgbClr val="00B050"/>
                 </a:solidFill>
@@ -5124,13 +5344,15 @@
               <a:t>50</a:t>
             </a:r>
             <a:r>
+              <a:rPr dirty="0"/>
               <a:t> = </a:t>
             </a:r>
             <a:r>
-              <a:rPr b="1"/>
+              <a:rPr b="1" dirty="0"/>
               <a:t>$7500 </a:t>
             </a:r>
             <a:r>
+              <a:rPr dirty="0"/>
               <a:t>per quarter</a:t>
             </a:r>
           </a:p>
@@ -5141,12 +5363,19 @@
   <p:clrMapOvr>
     <a:masterClrMapping/>
   </p:clrMapOvr>
-  <p:transition xmlns:p14="http://schemas.microsoft.com/office/powerpoint/2010/main" spd="med" advClick="1"/>
+  <p:transition spd="med"/>
+  <p:timing>
+    <p:tnLst>
+      <p:par>
+        <p:cTn id="1" dur="indefinite" restart="never" nodeType="tmRoot"/>
+      </p:par>
+    </p:tnLst>
+  </p:timing>
 </p:sld>
 </file>
 
 <file path=ppt/theme/theme1.xml><?xml version="1.0" encoding="utf-8"?>
-<a:theme xmlns:a="http://schemas.openxmlformats.org/drawingml/2006/main" xmlns:r="http://schemas.openxmlformats.org/officeDocument/2006/relationships" name="New_Template4">
+<a:theme xmlns:a="http://schemas.openxmlformats.org/drawingml/2006/main" name="New_Template4">
   <a:themeElements>
     <a:clrScheme name="New_Template4">
       <a:dk1>
@@ -5348,7 +5577,7 @@
         <a:effectLst/>
         <a:sp3d/>
       </a:spPr>
-      <a:bodyPr rot="0" spcFirstLastPara="1" vertOverflow="overflow" horzOverflow="overflow" vert="horz" wrap="square" lIns="50800" tIns="50800" rIns="50800" bIns="50800" numCol="1" spcCol="38100" rtlCol="0" anchor="ctr" upright="0">
+      <a:bodyPr rot="0" spcFirstLastPara="1" vertOverflow="overflow" horzOverflow="overflow" vert="horz" wrap="square" lIns="50800" tIns="50800" rIns="50800" bIns="50800" numCol="1" spcCol="38100" rtlCol="0" anchor="ctr">
         <a:spAutoFit/>
       </a:bodyPr>
       <a:lstStyle>
@@ -5367,7 +5596,7 @@
           <a:buFontTx/>
           <a:buNone/>
           <a:tabLst/>
-          <a:defRPr b="0" baseline="0" cap="none" i="0" spc="0" strike="noStrike" sz="2400" u="none" kumimoji="0" normalizeH="0">
+          <a:defRPr kumimoji="0" sz="2400" b="0" i="0" u="none" strike="noStrike" cap="none" spc="0" normalizeH="0" baseline="0">
             <a:ln>
               <a:noFill/>
             </a:ln>
@@ -5397,7 +5626,7 @@
           <a:buFontTx/>
           <a:buNone/>
           <a:tabLst/>
-          <a:defRPr b="0" baseline="0" cap="none" i="0" spc="0" strike="noStrike" sz="1800" u="none" kumimoji="0" normalizeH="0">
+          <a:defRPr kumimoji="0" sz="1800" b="0" i="0" u="none" strike="noStrike" cap="none" spc="0" normalizeH="0" baseline="0">
             <a:ln>
               <a:noFill/>
             </a:ln>
@@ -5423,7 +5652,7 @@
           <a:buFontTx/>
           <a:buNone/>
           <a:tabLst/>
-          <a:defRPr b="0" baseline="0" cap="none" i="0" spc="0" strike="noStrike" sz="1800" u="none" kumimoji="0" normalizeH="0">
+          <a:defRPr kumimoji="0" sz="1800" b="0" i="0" u="none" strike="noStrike" cap="none" spc="0" normalizeH="0" baseline="0">
             <a:ln>
               <a:noFill/>
             </a:ln>
@@ -5449,7 +5678,7 @@
           <a:buFontTx/>
           <a:buNone/>
           <a:tabLst/>
-          <a:defRPr b="0" baseline="0" cap="none" i="0" spc="0" strike="noStrike" sz="1800" u="none" kumimoji="0" normalizeH="0">
+          <a:defRPr kumimoji="0" sz="1800" b="0" i="0" u="none" strike="noStrike" cap="none" spc="0" normalizeH="0" baseline="0">
             <a:ln>
               <a:noFill/>
             </a:ln>
@@ -5475,7 +5704,7 @@
           <a:buFontTx/>
           <a:buNone/>
           <a:tabLst/>
-          <a:defRPr b="0" baseline="0" cap="none" i="0" spc="0" strike="noStrike" sz="1800" u="none" kumimoji="0" normalizeH="0">
+          <a:defRPr kumimoji="0" sz="1800" b="0" i="0" u="none" strike="noStrike" cap="none" spc="0" normalizeH="0" baseline="0">
             <a:ln>
               <a:noFill/>
             </a:ln>
@@ -5501,7 +5730,7 @@
           <a:buFontTx/>
           <a:buNone/>
           <a:tabLst/>
-          <a:defRPr b="0" baseline="0" cap="none" i="0" spc="0" strike="noStrike" sz="1800" u="none" kumimoji="0" normalizeH="0">
+          <a:defRPr kumimoji="0" sz="1800" b="0" i="0" u="none" strike="noStrike" cap="none" spc="0" normalizeH="0" baseline="0">
             <a:ln>
               <a:noFill/>
             </a:ln>
@@ -5527,7 +5756,7 @@
           <a:buFontTx/>
           <a:buNone/>
           <a:tabLst/>
-          <a:defRPr b="0" baseline="0" cap="none" i="0" spc="0" strike="noStrike" sz="1800" u="none" kumimoji="0" normalizeH="0">
+          <a:defRPr kumimoji="0" sz="1800" b="0" i="0" u="none" strike="noStrike" cap="none" spc="0" normalizeH="0" baseline="0">
             <a:ln>
               <a:noFill/>
             </a:ln>
@@ -5553,7 +5782,7 @@
           <a:buFontTx/>
           <a:buNone/>
           <a:tabLst/>
-          <a:defRPr b="0" baseline="0" cap="none" i="0" spc="0" strike="noStrike" sz="1800" u="none" kumimoji="0" normalizeH="0">
+          <a:defRPr kumimoji="0" sz="1800" b="0" i="0" u="none" strike="noStrike" cap="none" spc="0" normalizeH="0" baseline="0">
             <a:ln>
               <a:noFill/>
             </a:ln>
@@ -5579,7 +5808,7 @@
           <a:buFontTx/>
           <a:buNone/>
           <a:tabLst/>
-          <a:defRPr b="0" baseline="0" cap="none" i="0" spc="0" strike="noStrike" sz="1800" u="none" kumimoji="0" normalizeH="0">
+          <a:defRPr kumimoji="0" sz="1800" b="0" i="0" u="none" strike="noStrike" cap="none" spc="0" normalizeH="0" baseline="0">
             <a:ln>
               <a:noFill/>
             </a:ln>
@@ -5605,7 +5834,7 @@
           <a:buFontTx/>
           <a:buNone/>
           <a:tabLst/>
-          <a:defRPr b="0" baseline="0" cap="none" i="0" spc="0" strike="noStrike" sz="1800" u="none" kumimoji="0" normalizeH="0">
+          <a:defRPr kumimoji="0" sz="1800" b="0" i="0" u="none" strike="noStrike" cap="none" spc="0" normalizeH="0" baseline="0">
             <a:ln>
               <a:noFill/>
             </a:ln>
@@ -5618,9 +5847,15 @@
         </a:lvl9pPr>
       </a:lstStyle>
       <a:style>
-        <a:lnRef idx="0"/>
-        <a:fillRef idx="0"/>
-        <a:effectRef idx="0"/>
+        <a:lnRef idx="0">
+          <a:scrgbClr r="0" g="0" b="0"/>
+        </a:lnRef>
+        <a:fillRef idx="0">
+          <a:scrgbClr r="0" g="0" b="0"/>
+        </a:fillRef>
+        <a:effectRef idx="0">
+          <a:scrgbClr r="0" g="0" b="0"/>
+        </a:effectRef>
         <a:fontRef idx="none"/>
       </a:style>
     </a:spDef>
@@ -5637,7 +5872,7 @@
         <a:effectLst/>
         <a:sp3d/>
       </a:spPr>
-      <a:bodyPr rot="0" spcFirstLastPara="1" vertOverflow="overflow" horzOverflow="overflow" vert="horz" wrap="square" lIns="91439" tIns="45719" rIns="91439" bIns="45719" numCol="1" spcCol="38100" rtlCol="0" anchor="t" upright="0">
+      <a:bodyPr rot="0" spcFirstLastPara="1" vertOverflow="overflow" horzOverflow="overflow" vert="horz" wrap="square" lIns="91439" tIns="45719" rIns="91439" bIns="45719" numCol="1" spcCol="38100" rtlCol="0" anchor="t">
         <a:noAutofit/>
       </a:bodyPr>
       <a:lstStyle>
@@ -5656,7 +5891,7 @@
           <a:buFontTx/>
           <a:buNone/>
           <a:tabLst/>
-          <a:defRPr b="0" baseline="0" cap="none" i="0" spc="0" strike="noStrike" sz="1800" u="none" kumimoji="0" normalizeH="0">
+          <a:defRPr kumimoji="0" sz="1800" b="0" i="0" u="none" strike="noStrike" cap="none" spc="0" normalizeH="0" baseline="0">
             <a:ln>
               <a:noFill/>
             </a:ln>
@@ -5682,7 +5917,7 @@
           <a:buFontTx/>
           <a:buNone/>
           <a:tabLst/>
-          <a:defRPr b="0" baseline="0" cap="none" i="0" spc="0" strike="noStrike" sz="1800" u="none" kumimoji="0" normalizeH="0">
+          <a:defRPr kumimoji="0" sz="1800" b="0" i="0" u="none" strike="noStrike" cap="none" spc="0" normalizeH="0" baseline="0">
             <a:ln>
               <a:noFill/>
             </a:ln>
@@ -5708,7 +5943,7 @@
           <a:buFontTx/>
           <a:buNone/>
           <a:tabLst/>
-          <a:defRPr b="0" baseline="0" cap="none" i="0" spc="0" strike="noStrike" sz="1800" u="none" kumimoji="0" normalizeH="0">
+          <a:defRPr kumimoji="0" sz="1800" b="0" i="0" u="none" strike="noStrike" cap="none" spc="0" normalizeH="0" baseline="0">
             <a:ln>
               <a:noFill/>
             </a:ln>
@@ -5734,7 +5969,7 @@
           <a:buFontTx/>
           <a:buNone/>
           <a:tabLst/>
-          <a:defRPr b="0" baseline="0" cap="none" i="0" spc="0" strike="noStrike" sz="1800" u="none" kumimoji="0" normalizeH="0">
+          <a:defRPr kumimoji="0" sz="1800" b="0" i="0" u="none" strike="noStrike" cap="none" spc="0" normalizeH="0" baseline="0">
             <a:ln>
               <a:noFill/>
             </a:ln>
@@ -5760,7 +5995,7 @@
           <a:buFontTx/>
           <a:buNone/>
           <a:tabLst/>
-          <a:defRPr b="0" baseline="0" cap="none" i="0" spc="0" strike="noStrike" sz="1800" u="none" kumimoji="0" normalizeH="0">
+          <a:defRPr kumimoji="0" sz="1800" b="0" i="0" u="none" strike="noStrike" cap="none" spc="0" normalizeH="0" baseline="0">
             <a:ln>
               <a:noFill/>
             </a:ln>
@@ -5786,7 +6021,7 @@
           <a:buFontTx/>
           <a:buNone/>
           <a:tabLst/>
-          <a:defRPr b="0" baseline="0" cap="none" i="0" spc="0" strike="noStrike" sz="1800" u="none" kumimoji="0" normalizeH="0">
+          <a:defRPr kumimoji="0" sz="1800" b="0" i="0" u="none" strike="noStrike" cap="none" spc="0" normalizeH="0" baseline="0">
             <a:ln>
               <a:noFill/>
             </a:ln>
@@ -5812,7 +6047,7 @@
           <a:buFontTx/>
           <a:buNone/>
           <a:tabLst/>
-          <a:defRPr b="0" baseline="0" cap="none" i="0" spc="0" strike="noStrike" sz="1800" u="none" kumimoji="0" normalizeH="0">
+          <a:defRPr kumimoji="0" sz="1800" b="0" i="0" u="none" strike="noStrike" cap="none" spc="0" normalizeH="0" baseline="0">
             <a:ln>
               <a:noFill/>
             </a:ln>
@@ -5838,7 +6073,7 @@
           <a:buFontTx/>
           <a:buNone/>
           <a:tabLst/>
-          <a:defRPr b="0" baseline="0" cap="none" i="0" spc="0" strike="noStrike" sz="1800" u="none" kumimoji="0" normalizeH="0">
+          <a:defRPr kumimoji="0" sz="1800" b="0" i="0" u="none" strike="noStrike" cap="none" spc="0" normalizeH="0" baseline="0">
             <a:ln>
               <a:noFill/>
             </a:ln>
@@ -5864,7 +6099,7 @@
           <a:buFontTx/>
           <a:buNone/>
           <a:tabLst/>
-          <a:defRPr b="0" baseline="0" cap="none" i="0" spc="0" strike="noStrike" sz="1800" u="none" kumimoji="0" normalizeH="0">
+          <a:defRPr kumimoji="0" sz="1800" b="0" i="0" u="none" strike="noStrike" cap="none" spc="0" normalizeH="0" baseline="0">
             <a:ln>
               <a:noFill/>
             </a:ln>
@@ -5890,7 +6125,7 @@
           <a:buFontTx/>
           <a:buNone/>
           <a:tabLst/>
-          <a:defRPr b="0" baseline="0" cap="none" i="0" spc="0" strike="noStrike" sz="1800" u="none" kumimoji="0" normalizeH="0">
+          <a:defRPr kumimoji="0" sz="1800" b="0" i="0" u="none" strike="noStrike" cap="none" spc="0" normalizeH="0" baseline="0">
             <a:ln>
               <a:noFill/>
             </a:ln>
@@ -5903,9 +6138,15 @@
         </a:lvl9pPr>
       </a:lstStyle>
       <a:style>
-        <a:lnRef idx="0"/>
-        <a:fillRef idx="0"/>
-        <a:effectRef idx="0"/>
+        <a:lnRef idx="0">
+          <a:scrgbClr r="0" g="0" b="0"/>
+        </a:lnRef>
+        <a:fillRef idx="0">
+          <a:scrgbClr r="0" g="0" b="0"/>
+        </a:fillRef>
+        <a:effectRef idx="0">
+          <a:scrgbClr r="0" g="0" b="0"/>
+        </a:effectRef>
         <a:fontRef idx="none"/>
       </a:style>
     </a:lnDef>
@@ -5919,7 +6160,7 @@
         <a:effectLst/>
         <a:sp3d/>
       </a:spPr>
-      <a:bodyPr rot="0" spcFirstLastPara="1" vertOverflow="overflow" horzOverflow="overflow" vert="horz" wrap="square" lIns="50800" tIns="50800" rIns="50800" bIns="50800" numCol="1" spcCol="38100" rtlCol="0" anchor="ctr" upright="0">
+      <a:bodyPr rot="0" spcFirstLastPara="1" vertOverflow="overflow" horzOverflow="overflow" vert="horz" wrap="square" lIns="50800" tIns="50800" rIns="50800" bIns="50800" numCol="1" spcCol="38100" rtlCol="0" anchor="ctr">
         <a:spAutoFit/>
       </a:bodyPr>
       <a:lstStyle>
@@ -5938,7 +6179,7 @@
           <a:buFontTx/>
           <a:buNone/>
           <a:tabLst/>
-          <a:defRPr b="0" baseline="0" cap="none" i="0" spc="0" strike="noStrike" sz="2400" u="none" kumimoji="0" normalizeH="0">
+          <a:defRPr kumimoji="0" sz="2400" b="0" i="0" u="none" strike="noStrike" cap="none" spc="0" normalizeH="0" baseline="0">
             <a:ln>
               <a:noFill/>
             </a:ln>
@@ -5968,7 +6209,7 @@
           <a:buFontTx/>
           <a:buNone/>
           <a:tabLst/>
-          <a:defRPr b="0" baseline="0" cap="none" i="0" spc="0" strike="noStrike" sz="1800" u="none" kumimoji="0" normalizeH="0">
+          <a:defRPr kumimoji="0" sz="1800" b="0" i="0" u="none" strike="noStrike" cap="none" spc="0" normalizeH="0" baseline="0">
             <a:ln>
               <a:noFill/>
             </a:ln>
@@ -5994,7 +6235,7 @@
           <a:buFontTx/>
           <a:buNone/>
           <a:tabLst/>
-          <a:defRPr b="0" baseline="0" cap="none" i="0" spc="0" strike="noStrike" sz="1800" u="none" kumimoji="0" normalizeH="0">
+          <a:defRPr kumimoji="0" sz="1800" b="0" i="0" u="none" strike="noStrike" cap="none" spc="0" normalizeH="0" baseline="0">
             <a:ln>
               <a:noFill/>
             </a:ln>
@@ -6020,7 +6261,7 @@
           <a:buFontTx/>
           <a:buNone/>
           <a:tabLst/>
-          <a:defRPr b="0" baseline="0" cap="none" i="0" spc="0" strike="noStrike" sz="1800" u="none" kumimoji="0" normalizeH="0">
+          <a:defRPr kumimoji="0" sz="1800" b="0" i="0" u="none" strike="noStrike" cap="none" spc="0" normalizeH="0" baseline="0">
             <a:ln>
               <a:noFill/>
             </a:ln>
@@ -6046,7 +6287,7 @@
           <a:buFontTx/>
           <a:buNone/>
           <a:tabLst/>
-          <a:defRPr b="0" baseline="0" cap="none" i="0" spc="0" strike="noStrike" sz="1800" u="none" kumimoji="0" normalizeH="0">
+          <a:defRPr kumimoji="0" sz="1800" b="0" i="0" u="none" strike="noStrike" cap="none" spc="0" normalizeH="0" baseline="0">
             <a:ln>
               <a:noFill/>
             </a:ln>
@@ -6072,7 +6313,7 @@
           <a:buFontTx/>
           <a:buNone/>
           <a:tabLst/>
-          <a:defRPr b="0" baseline="0" cap="none" i="0" spc="0" strike="noStrike" sz="1800" u="none" kumimoji="0" normalizeH="0">
+          <a:defRPr kumimoji="0" sz="1800" b="0" i="0" u="none" strike="noStrike" cap="none" spc="0" normalizeH="0" baseline="0">
             <a:ln>
               <a:noFill/>
             </a:ln>
@@ -6098,7 +6339,7 @@
           <a:buFontTx/>
           <a:buNone/>
           <a:tabLst/>
-          <a:defRPr b="0" baseline="0" cap="none" i="0" spc="0" strike="noStrike" sz="1800" u="none" kumimoji="0" normalizeH="0">
+          <a:defRPr kumimoji="0" sz="1800" b="0" i="0" u="none" strike="noStrike" cap="none" spc="0" normalizeH="0" baseline="0">
             <a:ln>
               <a:noFill/>
             </a:ln>
@@ -6124,7 +6365,7 @@
           <a:buFontTx/>
           <a:buNone/>
           <a:tabLst/>
-          <a:defRPr b="0" baseline="0" cap="none" i="0" spc="0" strike="noStrike" sz="1800" u="none" kumimoji="0" normalizeH="0">
+          <a:defRPr kumimoji="0" sz="1800" b="0" i="0" u="none" strike="noStrike" cap="none" spc="0" normalizeH="0" baseline="0">
             <a:ln>
               <a:noFill/>
             </a:ln>
@@ -6150,7 +6391,7 @@
           <a:buFontTx/>
           <a:buNone/>
           <a:tabLst/>
-          <a:defRPr b="0" baseline="0" cap="none" i="0" spc="0" strike="noStrike" sz="1800" u="none" kumimoji="0" normalizeH="0">
+          <a:defRPr kumimoji="0" sz="1800" b="0" i="0" u="none" strike="noStrike" cap="none" spc="0" normalizeH="0" baseline="0">
             <a:ln>
               <a:noFill/>
             </a:ln>
@@ -6176,7 +6417,7 @@
           <a:buFontTx/>
           <a:buNone/>
           <a:tabLst/>
-          <a:defRPr b="0" baseline="0" cap="none" i="0" spc="0" strike="noStrike" sz="1800" u="none" kumimoji="0" normalizeH="0">
+          <a:defRPr kumimoji="0" sz="1800" b="0" i="0" u="none" strike="noStrike" cap="none" spc="0" normalizeH="0" baseline="0">
             <a:ln>
               <a:noFill/>
             </a:ln>
@@ -6189,18 +6430,25 @@
         </a:lvl9pPr>
       </a:lstStyle>
       <a:style>
-        <a:lnRef idx="0"/>
-        <a:fillRef idx="0"/>
-        <a:effectRef idx="0"/>
+        <a:lnRef idx="0">
+          <a:scrgbClr r="0" g="0" b="0"/>
+        </a:lnRef>
+        <a:fillRef idx="0">
+          <a:scrgbClr r="0" g="0" b="0"/>
+        </a:fillRef>
+        <a:effectRef idx="0">
+          <a:scrgbClr r="0" g="0" b="0"/>
+        </a:effectRef>
         <a:fontRef idx="none"/>
       </a:style>
     </a:txDef>
   </a:objectDefaults>
+  <a:extraClrSchemeLst/>
 </a:theme>
 </file>
 
 <file path=ppt/theme/theme2.xml><?xml version="1.0" encoding="utf-8"?>
-<a:theme xmlns:a="http://schemas.openxmlformats.org/drawingml/2006/main" xmlns:r="http://schemas.openxmlformats.org/officeDocument/2006/relationships" name="New_Template4">
+<a:theme xmlns:a="http://schemas.openxmlformats.org/drawingml/2006/main" name="New_Template4">
   <a:themeElements>
     <a:clrScheme name="New_Template4">
       <a:dk1>
@@ -6402,7 +6650,7 @@
         <a:effectLst/>
         <a:sp3d/>
       </a:spPr>
-      <a:bodyPr rot="0" spcFirstLastPara="1" vertOverflow="overflow" horzOverflow="overflow" vert="horz" wrap="square" lIns="50800" tIns="50800" rIns="50800" bIns="50800" numCol="1" spcCol="38100" rtlCol="0" anchor="ctr" upright="0">
+      <a:bodyPr rot="0" spcFirstLastPara="1" vertOverflow="overflow" horzOverflow="overflow" vert="horz" wrap="square" lIns="50800" tIns="50800" rIns="50800" bIns="50800" numCol="1" spcCol="38100" rtlCol="0" anchor="ctr">
         <a:spAutoFit/>
       </a:bodyPr>
       <a:lstStyle>
@@ -6421,7 +6669,7 @@
           <a:buFontTx/>
           <a:buNone/>
           <a:tabLst/>
-          <a:defRPr b="0" baseline="0" cap="none" i="0" spc="0" strike="noStrike" sz="2400" u="none" kumimoji="0" normalizeH="0">
+          <a:defRPr kumimoji="0" sz="2400" b="0" i="0" u="none" strike="noStrike" cap="none" spc="0" normalizeH="0" baseline="0">
             <a:ln>
               <a:noFill/>
             </a:ln>
@@ -6451,7 +6699,7 @@
           <a:buFontTx/>
           <a:buNone/>
           <a:tabLst/>
-          <a:defRPr b="0" baseline="0" cap="none" i="0" spc="0" strike="noStrike" sz="1800" u="none" kumimoji="0" normalizeH="0">
+          <a:defRPr kumimoji="0" sz="1800" b="0" i="0" u="none" strike="noStrike" cap="none" spc="0" normalizeH="0" baseline="0">
             <a:ln>
               <a:noFill/>
             </a:ln>
@@ -6477,7 +6725,7 @@
           <a:buFontTx/>
           <a:buNone/>
           <a:tabLst/>
-          <a:defRPr b="0" baseline="0" cap="none" i="0" spc="0" strike="noStrike" sz="1800" u="none" kumimoji="0" normalizeH="0">
+          <a:defRPr kumimoji="0" sz="1800" b="0" i="0" u="none" strike="noStrike" cap="none" spc="0" normalizeH="0" baseline="0">
             <a:ln>
               <a:noFill/>
             </a:ln>
@@ -6503,7 +6751,7 @@
           <a:buFontTx/>
           <a:buNone/>
           <a:tabLst/>
-          <a:defRPr b="0" baseline="0" cap="none" i="0" spc="0" strike="noStrike" sz="1800" u="none" kumimoji="0" normalizeH="0">
+          <a:defRPr kumimoji="0" sz="1800" b="0" i="0" u="none" strike="noStrike" cap="none" spc="0" normalizeH="0" baseline="0">
             <a:ln>
               <a:noFill/>
             </a:ln>
@@ -6529,7 +6777,7 @@
           <a:buFontTx/>
           <a:buNone/>
           <a:tabLst/>
-          <a:defRPr b="0" baseline="0" cap="none" i="0" spc="0" strike="noStrike" sz="1800" u="none" kumimoji="0" normalizeH="0">
+          <a:defRPr kumimoji="0" sz="1800" b="0" i="0" u="none" strike="noStrike" cap="none" spc="0" normalizeH="0" baseline="0">
             <a:ln>
               <a:noFill/>
             </a:ln>
@@ -6555,7 +6803,7 @@
           <a:buFontTx/>
           <a:buNone/>
           <a:tabLst/>
-          <a:defRPr b="0" baseline="0" cap="none" i="0" spc="0" strike="noStrike" sz="1800" u="none" kumimoji="0" normalizeH="0">
+          <a:defRPr kumimoji="0" sz="1800" b="0" i="0" u="none" strike="noStrike" cap="none" spc="0" normalizeH="0" baseline="0">
             <a:ln>
               <a:noFill/>
             </a:ln>
@@ -6581,7 +6829,7 @@
           <a:buFontTx/>
           <a:buNone/>
           <a:tabLst/>
-          <a:defRPr b="0" baseline="0" cap="none" i="0" spc="0" strike="noStrike" sz="1800" u="none" kumimoji="0" normalizeH="0">
+          <a:defRPr kumimoji="0" sz="1800" b="0" i="0" u="none" strike="noStrike" cap="none" spc="0" normalizeH="0" baseline="0">
             <a:ln>
               <a:noFill/>
             </a:ln>
@@ -6607,7 +6855,7 @@
           <a:buFontTx/>
           <a:buNone/>
           <a:tabLst/>
-          <a:defRPr b="0" baseline="0" cap="none" i="0" spc="0" strike="noStrike" sz="1800" u="none" kumimoji="0" normalizeH="0">
+          <a:defRPr kumimoji="0" sz="1800" b="0" i="0" u="none" strike="noStrike" cap="none" spc="0" normalizeH="0" baseline="0">
             <a:ln>
               <a:noFill/>
             </a:ln>
@@ -6633,7 +6881,7 @@
           <a:buFontTx/>
           <a:buNone/>
           <a:tabLst/>
-          <a:defRPr b="0" baseline="0" cap="none" i="0" spc="0" strike="noStrike" sz="1800" u="none" kumimoji="0" normalizeH="0">
+          <a:defRPr kumimoji="0" sz="1800" b="0" i="0" u="none" strike="noStrike" cap="none" spc="0" normalizeH="0" baseline="0">
             <a:ln>
               <a:noFill/>
             </a:ln>
@@ -6659,7 +6907,7 @@
           <a:buFontTx/>
           <a:buNone/>
           <a:tabLst/>
-          <a:defRPr b="0" baseline="0" cap="none" i="0" spc="0" strike="noStrike" sz="1800" u="none" kumimoji="0" normalizeH="0">
+          <a:defRPr kumimoji="0" sz="1800" b="0" i="0" u="none" strike="noStrike" cap="none" spc="0" normalizeH="0" baseline="0">
             <a:ln>
               <a:noFill/>
             </a:ln>
@@ -6672,9 +6920,15 @@
         </a:lvl9pPr>
       </a:lstStyle>
       <a:style>
-        <a:lnRef idx="0"/>
-        <a:fillRef idx="0"/>
-        <a:effectRef idx="0"/>
+        <a:lnRef idx="0">
+          <a:scrgbClr r="0" g="0" b="0"/>
+        </a:lnRef>
+        <a:fillRef idx="0">
+          <a:scrgbClr r="0" g="0" b="0"/>
+        </a:fillRef>
+        <a:effectRef idx="0">
+          <a:scrgbClr r="0" g="0" b="0"/>
+        </a:effectRef>
         <a:fontRef idx="none"/>
       </a:style>
     </a:spDef>
@@ -6691,7 +6945,7 @@
         <a:effectLst/>
         <a:sp3d/>
       </a:spPr>
-      <a:bodyPr rot="0" spcFirstLastPara="1" vertOverflow="overflow" horzOverflow="overflow" vert="horz" wrap="square" lIns="91439" tIns="45719" rIns="91439" bIns="45719" numCol="1" spcCol="38100" rtlCol="0" anchor="t" upright="0">
+      <a:bodyPr rot="0" spcFirstLastPara="1" vertOverflow="overflow" horzOverflow="overflow" vert="horz" wrap="square" lIns="91439" tIns="45719" rIns="91439" bIns="45719" numCol="1" spcCol="38100" rtlCol="0" anchor="t">
         <a:noAutofit/>
       </a:bodyPr>
       <a:lstStyle>
@@ -6710,7 +6964,7 @@
           <a:buFontTx/>
           <a:buNone/>
           <a:tabLst/>
-          <a:defRPr b="0" baseline="0" cap="none" i="0" spc="0" strike="noStrike" sz="1800" u="none" kumimoji="0" normalizeH="0">
+          <a:defRPr kumimoji="0" sz="1800" b="0" i="0" u="none" strike="noStrike" cap="none" spc="0" normalizeH="0" baseline="0">
             <a:ln>
               <a:noFill/>
             </a:ln>
@@ -6736,7 +6990,7 @@
           <a:buFontTx/>
           <a:buNone/>
           <a:tabLst/>
-          <a:defRPr b="0" baseline="0" cap="none" i="0" spc="0" strike="noStrike" sz="1800" u="none" kumimoji="0" normalizeH="0">
+          <a:defRPr kumimoji="0" sz="1800" b="0" i="0" u="none" strike="noStrike" cap="none" spc="0" normalizeH="0" baseline="0">
             <a:ln>
               <a:noFill/>
             </a:ln>
@@ -6762,7 +7016,7 @@
           <a:buFontTx/>
           <a:buNone/>
           <a:tabLst/>
-          <a:defRPr b="0" baseline="0" cap="none" i="0" spc="0" strike="noStrike" sz="1800" u="none" kumimoji="0" normalizeH="0">
+          <a:defRPr kumimoji="0" sz="1800" b="0" i="0" u="none" strike="noStrike" cap="none" spc="0" normalizeH="0" baseline="0">
             <a:ln>
               <a:noFill/>
             </a:ln>
@@ -6788,7 +7042,7 @@
           <a:buFontTx/>
           <a:buNone/>
           <a:tabLst/>
-          <a:defRPr b="0" baseline="0" cap="none" i="0" spc="0" strike="noStrike" sz="1800" u="none" kumimoji="0" normalizeH="0">
+          <a:defRPr kumimoji="0" sz="1800" b="0" i="0" u="none" strike="noStrike" cap="none" spc="0" normalizeH="0" baseline="0">
             <a:ln>
               <a:noFill/>
             </a:ln>
@@ -6814,7 +7068,7 @@
           <a:buFontTx/>
           <a:buNone/>
           <a:tabLst/>
-          <a:defRPr b="0" baseline="0" cap="none" i="0" spc="0" strike="noStrike" sz="1800" u="none" kumimoji="0" normalizeH="0">
+          <a:defRPr kumimoji="0" sz="1800" b="0" i="0" u="none" strike="noStrike" cap="none" spc="0" normalizeH="0" baseline="0">
             <a:ln>
               <a:noFill/>
             </a:ln>
@@ -6840,7 +7094,7 @@
           <a:buFontTx/>
           <a:buNone/>
           <a:tabLst/>
-          <a:defRPr b="0" baseline="0" cap="none" i="0" spc="0" strike="noStrike" sz="1800" u="none" kumimoji="0" normalizeH="0">
+          <a:defRPr kumimoji="0" sz="1800" b="0" i="0" u="none" strike="noStrike" cap="none" spc="0" normalizeH="0" baseline="0">
             <a:ln>
               <a:noFill/>
             </a:ln>
@@ -6866,7 +7120,7 @@
           <a:buFontTx/>
           <a:buNone/>
           <a:tabLst/>
-          <a:defRPr b="0" baseline="0" cap="none" i="0" spc="0" strike="noStrike" sz="1800" u="none" kumimoji="0" normalizeH="0">
+          <a:defRPr kumimoji="0" sz="1800" b="0" i="0" u="none" strike="noStrike" cap="none" spc="0" normalizeH="0" baseline="0">
             <a:ln>
               <a:noFill/>
             </a:ln>
@@ -6892,7 +7146,7 @@
           <a:buFontTx/>
           <a:buNone/>
           <a:tabLst/>
-          <a:defRPr b="0" baseline="0" cap="none" i="0" spc="0" strike="noStrike" sz="1800" u="none" kumimoji="0" normalizeH="0">
+          <a:defRPr kumimoji="0" sz="1800" b="0" i="0" u="none" strike="noStrike" cap="none" spc="0" normalizeH="0" baseline="0">
             <a:ln>
               <a:noFill/>
             </a:ln>
@@ -6918,7 +7172,7 @@
           <a:buFontTx/>
           <a:buNone/>
           <a:tabLst/>
-          <a:defRPr b="0" baseline="0" cap="none" i="0" spc="0" strike="noStrike" sz="1800" u="none" kumimoji="0" normalizeH="0">
+          <a:defRPr kumimoji="0" sz="1800" b="0" i="0" u="none" strike="noStrike" cap="none" spc="0" normalizeH="0" baseline="0">
             <a:ln>
               <a:noFill/>
             </a:ln>
@@ -6944,7 +7198,7 @@
           <a:buFontTx/>
           <a:buNone/>
           <a:tabLst/>
-          <a:defRPr b="0" baseline="0" cap="none" i="0" spc="0" strike="noStrike" sz="1800" u="none" kumimoji="0" normalizeH="0">
+          <a:defRPr kumimoji="0" sz="1800" b="0" i="0" u="none" strike="noStrike" cap="none" spc="0" normalizeH="0" baseline="0">
             <a:ln>
               <a:noFill/>
             </a:ln>
@@ -6957,9 +7211,15 @@
         </a:lvl9pPr>
       </a:lstStyle>
       <a:style>
-        <a:lnRef idx="0"/>
-        <a:fillRef idx="0"/>
-        <a:effectRef idx="0"/>
+        <a:lnRef idx="0">
+          <a:scrgbClr r="0" g="0" b="0"/>
+        </a:lnRef>
+        <a:fillRef idx="0">
+          <a:scrgbClr r="0" g="0" b="0"/>
+        </a:fillRef>
+        <a:effectRef idx="0">
+          <a:scrgbClr r="0" g="0" b="0"/>
+        </a:effectRef>
         <a:fontRef idx="none"/>
       </a:style>
     </a:lnDef>
@@ -6973,7 +7233,7 @@
         <a:effectLst/>
         <a:sp3d/>
       </a:spPr>
-      <a:bodyPr rot="0" spcFirstLastPara="1" vertOverflow="overflow" horzOverflow="overflow" vert="horz" wrap="square" lIns="50800" tIns="50800" rIns="50800" bIns="50800" numCol="1" spcCol="38100" rtlCol="0" anchor="ctr" upright="0">
+      <a:bodyPr rot="0" spcFirstLastPara="1" vertOverflow="overflow" horzOverflow="overflow" vert="horz" wrap="square" lIns="50800" tIns="50800" rIns="50800" bIns="50800" numCol="1" spcCol="38100" rtlCol="0" anchor="ctr">
         <a:spAutoFit/>
       </a:bodyPr>
       <a:lstStyle>
@@ -6992,7 +7252,7 @@
           <a:buFontTx/>
           <a:buNone/>
           <a:tabLst/>
-          <a:defRPr b="0" baseline="0" cap="none" i="0" spc="0" strike="noStrike" sz="2400" u="none" kumimoji="0" normalizeH="0">
+          <a:defRPr kumimoji="0" sz="2400" b="0" i="0" u="none" strike="noStrike" cap="none" spc="0" normalizeH="0" baseline="0">
             <a:ln>
               <a:noFill/>
             </a:ln>
@@ -7022,7 +7282,7 @@
           <a:buFontTx/>
           <a:buNone/>
           <a:tabLst/>
-          <a:defRPr b="0" baseline="0" cap="none" i="0" spc="0" strike="noStrike" sz="1800" u="none" kumimoji="0" normalizeH="0">
+          <a:defRPr kumimoji="0" sz="1800" b="0" i="0" u="none" strike="noStrike" cap="none" spc="0" normalizeH="0" baseline="0">
             <a:ln>
               <a:noFill/>
             </a:ln>
@@ -7048,7 +7308,7 @@
           <a:buFontTx/>
           <a:buNone/>
           <a:tabLst/>
-          <a:defRPr b="0" baseline="0" cap="none" i="0" spc="0" strike="noStrike" sz="1800" u="none" kumimoji="0" normalizeH="0">
+          <a:defRPr kumimoji="0" sz="1800" b="0" i="0" u="none" strike="noStrike" cap="none" spc="0" normalizeH="0" baseline="0">
             <a:ln>
               <a:noFill/>
             </a:ln>
@@ -7074,7 +7334,7 @@
           <a:buFontTx/>
           <a:buNone/>
           <a:tabLst/>
-          <a:defRPr b="0" baseline="0" cap="none" i="0" spc="0" strike="noStrike" sz="1800" u="none" kumimoji="0" normalizeH="0">
+          <a:defRPr kumimoji="0" sz="1800" b="0" i="0" u="none" strike="noStrike" cap="none" spc="0" normalizeH="0" baseline="0">
             <a:ln>
               <a:noFill/>
             </a:ln>
@@ -7100,7 +7360,7 @@
           <a:buFontTx/>
           <a:buNone/>
           <a:tabLst/>
-          <a:defRPr b="0" baseline="0" cap="none" i="0" spc="0" strike="noStrike" sz="1800" u="none" kumimoji="0" normalizeH="0">
+          <a:defRPr kumimoji="0" sz="1800" b="0" i="0" u="none" strike="noStrike" cap="none" spc="0" normalizeH="0" baseline="0">
             <a:ln>
               <a:noFill/>
             </a:ln>
@@ -7126,7 +7386,7 @@
           <a:buFontTx/>
           <a:buNone/>
           <a:tabLst/>
-          <a:defRPr b="0" baseline="0" cap="none" i="0" spc="0" strike="noStrike" sz="1800" u="none" kumimoji="0" normalizeH="0">
+          <a:defRPr kumimoji="0" sz="1800" b="0" i="0" u="none" strike="noStrike" cap="none" spc="0" normalizeH="0" baseline="0">
             <a:ln>
               <a:noFill/>
             </a:ln>
@@ -7152,7 +7412,7 @@
           <a:buFontTx/>
           <a:buNone/>
           <a:tabLst/>
-          <a:defRPr b="0" baseline="0" cap="none" i="0" spc="0" strike="noStrike" sz="1800" u="none" kumimoji="0" normalizeH="0">
+          <a:defRPr kumimoji="0" sz="1800" b="0" i="0" u="none" strike="noStrike" cap="none" spc="0" normalizeH="0" baseline="0">
             <a:ln>
               <a:noFill/>
             </a:ln>
@@ -7178,7 +7438,7 @@
           <a:buFontTx/>
           <a:buNone/>
           <a:tabLst/>
-          <a:defRPr b="0" baseline="0" cap="none" i="0" spc="0" strike="noStrike" sz="1800" u="none" kumimoji="0" normalizeH="0">
+          <a:defRPr kumimoji="0" sz="1800" b="0" i="0" u="none" strike="noStrike" cap="none" spc="0" normalizeH="0" baseline="0">
             <a:ln>
               <a:noFill/>
             </a:ln>
@@ -7204,7 +7464,7 @@
           <a:buFontTx/>
           <a:buNone/>
           <a:tabLst/>
-          <a:defRPr b="0" baseline="0" cap="none" i="0" spc="0" strike="noStrike" sz="1800" u="none" kumimoji="0" normalizeH="0">
+          <a:defRPr kumimoji="0" sz="1800" b="0" i="0" u="none" strike="noStrike" cap="none" spc="0" normalizeH="0" baseline="0">
             <a:ln>
               <a:noFill/>
             </a:ln>
@@ -7230,7 +7490,7 @@
           <a:buFontTx/>
           <a:buNone/>
           <a:tabLst/>
-          <a:defRPr b="0" baseline="0" cap="none" i="0" spc="0" strike="noStrike" sz="1800" u="none" kumimoji="0" normalizeH="0">
+          <a:defRPr kumimoji="0" sz="1800" b="0" i="0" u="none" strike="noStrike" cap="none" spc="0" normalizeH="0" baseline="0">
             <a:ln>
               <a:noFill/>
             </a:ln>
@@ -7243,12 +7503,19 @@
         </a:lvl9pPr>
       </a:lstStyle>
       <a:style>
-        <a:lnRef idx="0"/>
-        <a:fillRef idx="0"/>
-        <a:effectRef idx="0"/>
+        <a:lnRef idx="0">
+          <a:scrgbClr r="0" g="0" b="0"/>
+        </a:lnRef>
+        <a:fillRef idx="0">
+          <a:scrgbClr r="0" g="0" b="0"/>
+        </a:fillRef>
+        <a:effectRef idx="0">
+          <a:scrgbClr r="0" g="0" b="0"/>
+        </a:effectRef>
         <a:fontRef idx="none"/>
       </a:style>
     </a:txDef>
   </a:objectDefaults>
+  <a:extraClrSchemeLst/>
 </a:theme>
 </file>
--- a/Team4_PPT_01.pptx
+++ b/Team4_PPT_01.pptx
@@ -10,15 +10,15 @@
   <p:sldIdLst>
     <p:sldId id="256" r:id="rId2"/>
     <p:sldId id="257" r:id="rId3"/>
-    <p:sldId id="258" r:id="rId4"/>
-    <p:sldId id="259" r:id="rId5"/>
-    <p:sldId id="260" r:id="rId6"/>
-    <p:sldId id="261" r:id="rId7"/>
-    <p:sldId id="262" r:id="rId8"/>
-    <p:sldId id="263" r:id="rId9"/>
-    <p:sldId id="264" r:id="rId10"/>
-    <p:sldId id="265" r:id="rId11"/>
-    <p:sldId id="266" r:id="rId12"/>
+    <p:sldId id="259" r:id="rId4"/>
+    <p:sldId id="268" r:id="rId5"/>
+    <p:sldId id="264" r:id="rId6"/>
+    <p:sldId id="269" r:id="rId7"/>
+    <p:sldId id="265" r:id="rId8"/>
+    <p:sldId id="260" r:id="rId9"/>
+    <p:sldId id="261" r:id="rId10"/>
+    <p:sldId id="267" r:id="rId11"/>
+    <p:sldId id="262" r:id="rId12"/>
   </p:sldIdLst>
   <p:sldSz cx="13004800" cy="9753600"/>
   <p:notesSz cx="6858000" cy="9144000"/>
@@ -73,10 +73,10 @@
         </a:solidFill>
         <a:effectLst/>
         <a:uFillTx/>
-        <a:latin typeface="Bodoni SvtyTwo ITC TT-Book"/>
-        <a:ea typeface="Bodoni SvtyTwo ITC TT-Book"/>
-        <a:cs typeface="Bodoni SvtyTwo ITC TT-Book"/>
-        <a:sym typeface="Bodoni SvtyTwo ITC TT-Book"/>
+        <a:latin typeface="Palatino"/>
+        <a:ea typeface="Palatino"/>
+        <a:cs typeface="Palatino"/>
+        <a:sym typeface="Palatino"/>
       </a:defRPr>
     </a:lvl1pPr>
     <a:lvl2pPr marL="0" marR="0" indent="0" algn="ctr" defTabSz="584200" rtl="0" fontAlgn="auto" latinLnBrk="0" hangingPunct="0">
@@ -103,10 +103,10 @@
         </a:solidFill>
         <a:effectLst/>
         <a:uFillTx/>
-        <a:latin typeface="Bodoni SvtyTwo ITC TT-Book"/>
-        <a:ea typeface="Bodoni SvtyTwo ITC TT-Book"/>
-        <a:cs typeface="Bodoni SvtyTwo ITC TT-Book"/>
-        <a:sym typeface="Bodoni SvtyTwo ITC TT-Book"/>
+        <a:latin typeface="Palatino"/>
+        <a:ea typeface="Palatino"/>
+        <a:cs typeface="Palatino"/>
+        <a:sym typeface="Palatino"/>
       </a:defRPr>
     </a:lvl2pPr>
     <a:lvl3pPr marL="0" marR="0" indent="0" algn="ctr" defTabSz="584200" rtl="0" fontAlgn="auto" latinLnBrk="0" hangingPunct="0">
@@ -133,10 +133,10 @@
         </a:solidFill>
         <a:effectLst/>
         <a:uFillTx/>
-        <a:latin typeface="Bodoni SvtyTwo ITC TT-Book"/>
-        <a:ea typeface="Bodoni SvtyTwo ITC TT-Book"/>
-        <a:cs typeface="Bodoni SvtyTwo ITC TT-Book"/>
-        <a:sym typeface="Bodoni SvtyTwo ITC TT-Book"/>
+        <a:latin typeface="Palatino"/>
+        <a:ea typeface="Palatino"/>
+        <a:cs typeface="Palatino"/>
+        <a:sym typeface="Palatino"/>
       </a:defRPr>
     </a:lvl3pPr>
     <a:lvl4pPr marL="0" marR="0" indent="0" algn="ctr" defTabSz="584200" rtl="0" fontAlgn="auto" latinLnBrk="0" hangingPunct="0">
@@ -163,10 +163,10 @@
         </a:solidFill>
         <a:effectLst/>
         <a:uFillTx/>
-        <a:latin typeface="Bodoni SvtyTwo ITC TT-Book"/>
-        <a:ea typeface="Bodoni SvtyTwo ITC TT-Book"/>
-        <a:cs typeface="Bodoni SvtyTwo ITC TT-Book"/>
-        <a:sym typeface="Bodoni SvtyTwo ITC TT-Book"/>
+        <a:latin typeface="Palatino"/>
+        <a:ea typeface="Palatino"/>
+        <a:cs typeface="Palatino"/>
+        <a:sym typeface="Palatino"/>
       </a:defRPr>
     </a:lvl4pPr>
     <a:lvl5pPr marL="0" marR="0" indent="0" algn="ctr" defTabSz="584200" rtl="0" fontAlgn="auto" latinLnBrk="0" hangingPunct="0">
@@ -193,10 +193,10 @@
         </a:solidFill>
         <a:effectLst/>
         <a:uFillTx/>
-        <a:latin typeface="Bodoni SvtyTwo ITC TT-Book"/>
-        <a:ea typeface="Bodoni SvtyTwo ITC TT-Book"/>
-        <a:cs typeface="Bodoni SvtyTwo ITC TT-Book"/>
-        <a:sym typeface="Bodoni SvtyTwo ITC TT-Book"/>
+        <a:latin typeface="Palatino"/>
+        <a:ea typeface="Palatino"/>
+        <a:cs typeface="Palatino"/>
+        <a:sym typeface="Palatino"/>
       </a:defRPr>
     </a:lvl5pPr>
     <a:lvl6pPr marL="0" marR="0" indent="0" algn="ctr" defTabSz="584200" rtl="0" fontAlgn="auto" latinLnBrk="0" hangingPunct="0">
@@ -223,10 +223,10 @@
         </a:solidFill>
         <a:effectLst/>
         <a:uFillTx/>
-        <a:latin typeface="Bodoni SvtyTwo ITC TT-Book"/>
-        <a:ea typeface="Bodoni SvtyTwo ITC TT-Book"/>
-        <a:cs typeface="Bodoni SvtyTwo ITC TT-Book"/>
-        <a:sym typeface="Bodoni SvtyTwo ITC TT-Book"/>
+        <a:latin typeface="Palatino"/>
+        <a:ea typeface="Palatino"/>
+        <a:cs typeface="Palatino"/>
+        <a:sym typeface="Palatino"/>
       </a:defRPr>
     </a:lvl6pPr>
     <a:lvl7pPr marL="0" marR="0" indent="0" algn="ctr" defTabSz="584200" rtl="0" fontAlgn="auto" latinLnBrk="0" hangingPunct="0">
@@ -253,10 +253,10 @@
         </a:solidFill>
         <a:effectLst/>
         <a:uFillTx/>
-        <a:latin typeface="Bodoni SvtyTwo ITC TT-Book"/>
-        <a:ea typeface="Bodoni SvtyTwo ITC TT-Book"/>
-        <a:cs typeface="Bodoni SvtyTwo ITC TT-Book"/>
-        <a:sym typeface="Bodoni SvtyTwo ITC TT-Book"/>
+        <a:latin typeface="Palatino"/>
+        <a:ea typeface="Palatino"/>
+        <a:cs typeface="Palatino"/>
+        <a:sym typeface="Palatino"/>
       </a:defRPr>
     </a:lvl7pPr>
     <a:lvl8pPr marL="0" marR="0" indent="0" algn="ctr" defTabSz="584200" rtl="0" fontAlgn="auto" latinLnBrk="0" hangingPunct="0">
@@ -283,10 +283,10 @@
         </a:solidFill>
         <a:effectLst/>
         <a:uFillTx/>
-        <a:latin typeface="Bodoni SvtyTwo ITC TT-Book"/>
-        <a:ea typeface="Bodoni SvtyTwo ITC TT-Book"/>
-        <a:cs typeface="Bodoni SvtyTwo ITC TT-Book"/>
-        <a:sym typeface="Bodoni SvtyTwo ITC TT-Book"/>
+        <a:latin typeface="Palatino"/>
+        <a:ea typeface="Palatino"/>
+        <a:cs typeface="Palatino"/>
+        <a:sym typeface="Palatino"/>
       </a:defRPr>
     </a:lvl8pPr>
     <a:lvl9pPr marL="0" marR="0" indent="0" algn="ctr" defTabSz="584200" rtl="0" fontAlgn="auto" latinLnBrk="0" hangingPunct="0">
@@ -313,14 +313,38 @@
         </a:solidFill>
         <a:effectLst/>
         <a:uFillTx/>
-        <a:latin typeface="Bodoni SvtyTwo ITC TT-Book"/>
-        <a:ea typeface="Bodoni SvtyTwo ITC TT-Book"/>
-        <a:cs typeface="Bodoni SvtyTwo ITC TT-Book"/>
-        <a:sym typeface="Bodoni SvtyTwo ITC TT-Book"/>
+        <a:latin typeface="Palatino"/>
+        <a:ea typeface="Palatino"/>
+        <a:cs typeface="Palatino"/>
+        <a:sym typeface="Palatino"/>
       </a:defRPr>
     </a:lvl9pPr>
   </p:defaultTextStyle>
+  <p:extLst>
+    <p:ext uri="{EFAFB233-063F-42B5-8137-9DF3F51BA10A}">
+      <p15:sldGuideLst xmlns:p15="http://schemas.microsoft.com/office/powerpoint/2012/main" xmlns="">
+        <p15:guide id="1" orient="horz" pos="3072">
+          <p15:clr>
+            <a:srgbClr val="A4A3A4"/>
+          </p15:clr>
+        </p15:guide>
+        <p15:guide id="2" pos="4096">
+          <p15:clr>
+            <a:srgbClr val="A4A3A4"/>
+          </p15:clr>
+        </p15:guide>
+      </p15:sldGuideLst>
+    </p:ext>
+  </p:extLst>
 </p:presentation>
+</file>
+
+<file path=ppt/revisionInfo.xml><?xml version="1.0" encoding="utf-8"?>
+<p1510:revInfo xmlns:a="http://schemas.openxmlformats.org/drawingml/2006/main" xmlns:r="http://schemas.openxmlformats.org/officeDocument/2006/relationships" xmlns:p1510="http://schemas.microsoft.com/office/powerpoint/2015/10/main">
+  <p1510:revLst>
+    <p1510:client id="{996C133D-7B88-4245-B702-8A6C7CE2F7BE}" v="38" dt="2019-12-02T01:39:24.085"/>
+  </p1510:revLst>
+</p1510:revInfo>
 </file>
 
 <file path=ppt/notesMasters/notesMaster1.xml><?xml version="1.0" encoding="utf-8"?>
@@ -402,7 +426,7 @@
     </p:spTree>
     <p:extLst>
       <p:ext uri="{BB962C8B-B14F-4D97-AF65-F5344CB8AC3E}">
-        <p14:creationId xmlns:p14="http://schemas.microsoft.com/office/powerpoint/2010/main" val="4128431248"/>
+        <p14:creationId xmlns:p14="http://schemas.microsoft.com/office/powerpoint/2010/main" val="1645565496"/>
       </p:ext>
     </p:extLst>
   </p:cSld>
@@ -413,9 +437,9 @@
         <a:spcPct val="117999"/>
       </a:lnSpc>
       <a:defRPr sz="2200">
-        <a:latin typeface="+mn-lt"/>
-        <a:ea typeface="+mn-ea"/>
-        <a:cs typeface="+mn-cs"/>
+        <a:latin typeface="Helvetica Neue"/>
+        <a:ea typeface="Helvetica Neue"/>
+        <a:cs typeface="Helvetica Neue"/>
         <a:sym typeface="Helvetica Neue"/>
       </a:defRPr>
     </a:lvl1pPr>
@@ -424,9 +448,9 @@
         <a:spcPct val="117999"/>
       </a:lnSpc>
       <a:defRPr sz="2200">
-        <a:latin typeface="+mn-lt"/>
-        <a:ea typeface="+mn-ea"/>
-        <a:cs typeface="+mn-cs"/>
+        <a:latin typeface="Helvetica Neue"/>
+        <a:ea typeface="Helvetica Neue"/>
+        <a:cs typeface="Helvetica Neue"/>
         <a:sym typeface="Helvetica Neue"/>
       </a:defRPr>
     </a:lvl2pPr>
@@ -435,9 +459,9 @@
         <a:spcPct val="117999"/>
       </a:lnSpc>
       <a:defRPr sz="2200">
-        <a:latin typeface="+mn-lt"/>
-        <a:ea typeface="+mn-ea"/>
-        <a:cs typeface="+mn-cs"/>
+        <a:latin typeface="Helvetica Neue"/>
+        <a:ea typeface="Helvetica Neue"/>
+        <a:cs typeface="Helvetica Neue"/>
         <a:sym typeface="Helvetica Neue"/>
       </a:defRPr>
     </a:lvl3pPr>
@@ -446,9 +470,9 @@
         <a:spcPct val="117999"/>
       </a:lnSpc>
       <a:defRPr sz="2200">
-        <a:latin typeface="+mn-lt"/>
-        <a:ea typeface="+mn-ea"/>
-        <a:cs typeface="+mn-cs"/>
+        <a:latin typeface="Helvetica Neue"/>
+        <a:ea typeface="Helvetica Neue"/>
+        <a:cs typeface="Helvetica Neue"/>
         <a:sym typeface="Helvetica Neue"/>
       </a:defRPr>
     </a:lvl4pPr>
@@ -457,9 +481,9 @@
         <a:spcPct val="117999"/>
       </a:lnSpc>
       <a:defRPr sz="2200">
-        <a:latin typeface="+mn-lt"/>
-        <a:ea typeface="+mn-ea"/>
-        <a:cs typeface="+mn-cs"/>
+        <a:latin typeface="Helvetica Neue"/>
+        <a:ea typeface="Helvetica Neue"/>
+        <a:cs typeface="Helvetica Neue"/>
         <a:sym typeface="Helvetica Neue"/>
       </a:defRPr>
     </a:lvl5pPr>
@@ -468,9 +492,9 @@
         <a:spcPct val="117999"/>
       </a:lnSpc>
       <a:defRPr sz="2200">
-        <a:latin typeface="+mn-lt"/>
-        <a:ea typeface="+mn-ea"/>
-        <a:cs typeface="+mn-cs"/>
+        <a:latin typeface="Helvetica Neue"/>
+        <a:ea typeface="Helvetica Neue"/>
+        <a:cs typeface="Helvetica Neue"/>
         <a:sym typeface="Helvetica Neue"/>
       </a:defRPr>
     </a:lvl6pPr>
@@ -479,9 +503,9 @@
         <a:spcPct val="117999"/>
       </a:lnSpc>
       <a:defRPr sz="2200">
-        <a:latin typeface="+mn-lt"/>
-        <a:ea typeface="+mn-ea"/>
-        <a:cs typeface="+mn-cs"/>
+        <a:latin typeface="Helvetica Neue"/>
+        <a:ea typeface="Helvetica Neue"/>
+        <a:cs typeface="Helvetica Neue"/>
         <a:sym typeface="Helvetica Neue"/>
       </a:defRPr>
     </a:lvl7pPr>
@@ -490,9 +514,9 @@
         <a:spcPct val="117999"/>
       </a:lnSpc>
       <a:defRPr sz="2200">
-        <a:latin typeface="+mn-lt"/>
-        <a:ea typeface="+mn-ea"/>
-        <a:cs typeface="+mn-cs"/>
+        <a:latin typeface="Helvetica Neue"/>
+        <a:ea typeface="Helvetica Neue"/>
+        <a:cs typeface="Helvetica Neue"/>
         <a:sym typeface="Helvetica Neue"/>
       </a:defRPr>
     </a:lvl8pPr>
@@ -501,9 +525,9 @@
         <a:spcPct val="117999"/>
       </a:lnSpc>
       <a:defRPr sz="2200">
-        <a:latin typeface="+mn-lt"/>
-        <a:ea typeface="+mn-ea"/>
-        <a:cs typeface="+mn-cs"/>
+        <a:latin typeface="Helvetica Neue"/>
+        <a:ea typeface="Helvetica Neue"/>
+        <a:cs typeface="Helvetica Neue"/>
         <a:sym typeface="Helvetica Neue"/>
       </a:defRPr>
     </a:lvl9pPr>
@@ -512,7 +536,7 @@
 </file>
 
 <file path=ppt/slideLayouts/slideLayout1.xml><?xml version="1.0" encoding="utf-8"?>
-<p:sldLayout xmlns:a="http://schemas.openxmlformats.org/drawingml/2006/main" xmlns:r="http://schemas.openxmlformats.org/officeDocument/2006/relationships" xmlns:p="http://schemas.openxmlformats.org/presentationml/2006/main" showMasterSp="0" type="tx">
+<p:sldLayout xmlns:a="http://schemas.openxmlformats.org/drawingml/2006/main" xmlns:r="http://schemas.openxmlformats.org/officeDocument/2006/relationships" xmlns:p="http://schemas.openxmlformats.org/presentationml/2006/main" showMasterSp="0" type="title">
   <p:cSld name="Title &amp; Subtitle">
     <p:spTree>
       <p:nvGrpSpPr>
@@ -537,7 +561,7 @@
         <p:spPr>
           <a:xfrm>
             <a:off x="508000" y="6591300"/>
-            <a:ext cx="11999454" cy="0"/>
+            <a:ext cx="11999453" cy="0"/>
           </a:xfrm>
           <a:prstGeom prst="line">
             <a:avLst/>
@@ -552,9 +576,20 @@
           </a:ln>
         </p:spPr>
         <p:txBody>
-          <a:bodyPr lIns="45718" tIns="45718" rIns="45718" bIns="45718"/>
+          <a:bodyPr lIns="50800" tIns="50800" rIns="50800" bIns="50800" anchor="ctr"/>
           <a:lstStyle/>
           <a:p>
+            <a:pPr algn="l" defTabSz="457200">
+              <a:defRPr sz="1200">
+                <a:solidFill>
+                  <a:srgbClr val="000000"/>
+                </a:solidFill>
+                <a:latin typeface="Helvetica"/>
+                <a:ea typeface="Helvetica"/>
+                <a:cs typeface="Helvetica"/>
+                <a:sym typeface="Helvetica"/>
+              </a:defRPr>
+            </a:pPr>
             <a:endParaRPr/>
           </a:p>
         </p:txBody>
@@ -567,8 +602,8 @@
         </p:nvSpPr>
         <p:spPr>
           <a:xfrm>
-            <a:off x="507999" y="4089400"/>
-            <a:ext cx="12000020" cy="0"/>
+            <a:off x="508000" y="4089400"/>
+            <a:ext cx="12000019" cy="0"/>
           </a:xfrm>
           <a:prstGeom prst="line">
             <a:avLst/>
@@ -583,9 +618,20 @@
           </a:ln>
         </p:spPr>
         <p:txBody>
-          <a:bodyPr lIns="45718" tIns="45718" rIns="45718" bIns="45718"/>
+          <a:bodyPr lIns="50800" tIns="50800" rIns="50800" bIns="50800" anchor="ctr"/>
           <a:lstStyle/>
           <a:p>
+            <a:pPr algn="l" defTabSz="457200">
+              <a:defRPr sz="1200">
+                <a:solidFill>
+                  <a:srgbClr val="000000"/>
+                </a:solidFill>
+                <a:latin typeface="Helvetica"/>
+                <a:ea typeface="Helvetica"/>
+                <a:cs typeface="Helvetica"/>
+                <a:sym typeface="Helvetica"/>
+              </a:defRPr>
+            </a:pPr>
             <a:endParaRPr/>
           </a:p>
         </p:txBody>
@@ -598,8 +644,8 @@
         </p:nvSpPr>
         <p:spPr>
           <a:xfrm flipV="1">
-            <a:off x="7994301" y="4526255"/>
-            <a:ext cx="2" cy="1642760"/>
+            <a:off x="7994302" y="4526255"/>
+            <a:ext cx="1" cy="1642759"/>
           </a:xfrm>
           <a:prstGeom prst="line">
             <a:avLst/>
@@ -614,21 +660,32 @@
           </a:ln>
         </p:spPr>
         <p:txBody>
-          <a:bodyPr lIns="45718" tIns="45718" rIns="45718" bIns="45718"/>
+          <a:bodyPr lIns="50800" tIns="50800" rIns="50800" bIns="50800" anchor="ctr"/>
           <a:lstStyle/>
           <a:p>
+            <a:pPr algn="l" defTabSz="457200">
+              <a:defRPr sz="1200">
+                <a:solidFill>
+                  <a:srgbClr val="000000"/>
+                </a:solidFill>
+                <a:latin typeface="Helvetica"/>
+                <a:ea typeface="Helvetica"/>
+                <a:cs typeface="Helvetica"/>
+                <a:sym typeface="Helvetica"/>
+              </a:defRPr>
+            </a:pPr>
             <a:endParaRPr/>
           </a:p>
         </p:txBody>
       </p:sp>
       <p:sp>
         <p:nvSpPr>
-          <p:cNvPr id="16" name="Body Level One…"/>
+          <p:cNvPr id="16" name="Lorem Ipsum Dolor"/>
           <p:cNvSpPr txBox="1">
             <a:spLocks noGrp="1"/>
           </p:cNvSpPr>
           <p:nvPr>
-            <p:ph type="body" sz="quarter" idx="1"/>
+            <p:ph type="body" sz="quarter" idx="13"/>
           </p:nvPr>
         </p:nvSpPr>
         <p:spPr>
@@ -641,7 +698,9 @@
           </a:prstGeom>
         </p:spPr>
         <p:txBody>
-          <a:bodyPr/>
+          <a:bodyPr>
+            <a:spAutoFit/>
+          </a:bodyPr>
           <a:lstStyle>
             <a:lvl1pPr marL="0" indent="0">
               <a:lnSpc>
@@ -656,78 +715,10 @@
               <a:buNone/>
               <a:defRPr sz="2400" i="1"/>
             </a:lvl1pPr>
-            <a:lvl2pPr marL="783166" indent="-313266">
-              <a:lnSpc>
-                <a:spcPct val="110000"/>
-              </a:lnSpc>
-              <a:spcBef>
-                <a:spcPts val="0"/>
-              </a:spcBef>
-              <a:buClrTx/>
-              <a:buFontTx/>
-              <a:defRPr sz="2400" i="1"/>
-            </a:lvl2pPr>
-            <a:lvl3pPr marL="1253066" indent="-313266">
-              <a:lnSpc>
-                <a:spcPct val="110000"/>
-              </a:lnSpc>
-              <a:spcBef>
-                <a:spcPts val="0"/>
-              </a:spcBef>
-              <a:buClrTx/>
-              <a:buFontTx/>
-              <a:defRPr sz="2400" i="1"/>
-            </a:lvl3pPr>
-            <a:lvl4pPr marL="1722966" indent="-313266">
-              <a:lnSpc>
-                <a:spcPct val="110000"/>
-              </a:lnSpc>
-              <a:spcBef>
-                <a:spcPts val="0"/>
-              </a:spcBef>
-              <a:buClrTx/>
-              <a:buFontTx/>
-              <a:defRPr sz="2400" i="1"/>
-            </a:lvl4pPr>
-            <a:lvl5pPr marL="2192866" indent="-313266">
-              <a:lnSpc>
-                <a:spcPct val="110000"/>
-              </a:lnSpc>
-              <a:spcBef>
-                <a:spcPts val="0"/>
-              </a:spcBef>
-              <a:buClrTx/>
-              <a:buFontTx/>
-              <a:defRPr sz="2400" i="1"/>
-            </a:lvl5pPr>
           </a:lstStyle>
           <a:p>
             <a:r>
-              <a:t>Body Level One</a:t>
-            </a:r>
-          </a:p>
-          <a:p>
-            <a:pPr lvl="1"/>
-            <a:r>
-              <a:t>Body Level Two</a:t>
-            </a:r>
-          </a:p>
-          <a:p>
-            <a:pPr lvl="2"/>
-            <a:r>
-              <a:t>Body Level Three</a:t>
-            </a:r>
-          </a:p>
-          <a:p>
-            <a:pPr lvl="3"/>
-            <a:r>
-              <a:t>Body Level Four</a:t>
-            </a:r>
-          </a:p>
-          <a:p>
-            <a:pPr lvl="4"/>
-            <a:r>
-              <a:t>Body Level Five</a:t>
+              <a:t>Lorem Ipsum Dolor</a:t>
             </a:r>
           </a:p>
         </p:txBody>
@@ -770,7 +761,7 @@
             <a:spLocks noGrp="1"/>
           </p:cNvSpPr>
           <p:nvPr>
-            <p:ph type="body" sz="quarter" idx="13"/>
+            <p:ph type="body" sz="quarter" idx="1"/>
           </p:nvPr>
         </p:nvSpPr>
         <p:spPr>
@@ -784,9 +775,8 @@
         </p:spPr>
         <p:txBody>
           <a:bodyPr/>
-          <a:lstStyle/>
-          <a:p>
-            <a:pPr marL="0" indent="0">
+          <a:lstStyle>
+            <a:lvl1pPr marL="0" indent="0">
               <a:spcBef>
                 <a:spcPts val="0"/>
               </a:spcBef>
@@ -795,8 +785,76 @@
               <a:buFontTx/>
               <a:buNone/>
               <a:defRPr sz="2400"/>
-            </a:pPr>
-            <a:endParaRPr/>
+            </a:lvl1pPr>
+            <a:lvl2pPr marL="0" indent="0">
+              <a:spcBef>
+                <a:spcPts val="0"/>
+              </a:spcBef>
+              <a:buClrTx/>
+              <a:buSzTx/>
+              <a:buFontTx/>
+              <a:buNone/>
+              <a:defRPr sz="2400"/>
+            </a:lvl2pPr>
+            <a:lvl3pPr marL="0" indent="0">
+              <a:spcBef>
+                <a:spcPts val="0"/>
+              </a:spcBef>
+              <a:buClrTx/>
+              <a:buSzTx/>
+              <a:buFontTx/>
+              <a:buNone/>
+              <a:defRPr sz="2400"/>
+            </a:lvl3pPr>
+            <a:lvl4pPr marL="0" indent="0">
+              <a:spcBef>
+                <a:spcPts val="0"/>
+              </a:spcBef>
+              <a:buClrTx/>
+              <a:buSzTx/>
+              <a:buFontTx/>
+              <a:buNone/>
+              <a:defRPr sz="2400"/>
+            </a:lvl4pPr>
+            <a:lvl5pPr marL="0" indent="0">
+              <a:spcBef>
+                <a:spcPts val="0"/>
+              </a:spcBef>
+              <a:buClrTx/>
+              <a:buSzTx/>
+              <a:buFontTx/>
+              <a:buNone/>
+              <a:defRPr sz="2400"/>
+            </a:lvl5pPr>
+          </a:lstStyle>
+          <a:p>
+            <a:r>
+              <a:t>Body Level One</a:t>
+            </a:r>
+          </a:p>
+          <a:p>
+            <a:pPr lvl="1"/>
+            <a:r>
+              <a:t>Body Level Two</a:t>
+            </a:r>
+          </a:p>
+          <a:p>
+            <a:pPr lvl="2"/>
+            <a:r>
+              <a:t>Body Level Three</a:t>
+            </a:r>
+          </a:p>
+          <a:p>
+            <a:pPr lvl="3"/>
+            <a:r>
+              <a:t>Body Level Four</a:t>
+            </a:r>
+          </a:p>
+          <a:p>
+            <a:pPr lvl="4"/>
+            <a:r>
+              <a:t>Body Level Five</a:t>
+            </a:r>
           </a:p>
         </p:txBody>
       </p:sp>
@@ -854,12 +912,12 @@
       </p:grpSpPr>
       <p:sp>
         <p:nvSpPr>
-          <p:cNvPr id="107" name="Body Level One…"/>
+          <p:cNvPr id="107" name="–Johnny Appleseed"/>
           <p:cNvSpPr txBox="1">
             <a:spLocks noGrp="1"/>
           </p:cNvSpPr>
           <p:nvPr>
-            <p:ph type="body" sz="quarter" idx="1"/>
+            <p:ph type="body" sz="quarter" idx="13"/>
           </p:nvPr>
         </p:nvSpPr>
         <p:spPr>
@@ -872,7 +930,9 @@
           </a:prstGeom>
         </p:spPr>
         <p:txBody>
-          <a:bodyPr anchor="t"/>
+          <a:bodyPr anchor="t">
+            <a:spAutoFit/>
+          </a:bodyPr>
           <a:lstStyle>
             <a:lvl1pPr marL="0" indent="0" algn="ctr">
               <a:spcBef>
@@ -884,66 +944,10 @@
               <a:buNone/>
               <a:defRPr sz="3000" i="1"/>
             </a:lvl1pPr>
-            <a:lvl2pPr marL="861483" indent="-391583" algn="ctr">
-              <a:spcBef>
-                <a:spcPts val="1200"/>
-              </a:spcBef>
-              <a:buClrTx/>
-              <a:buFontTx/>
-              <a:defRPr sz="3000" i="1"/>
-            </a:lvl2pPr>
-            <a:lvl3pPr marL="1331383" indent="-391583" algn="ctr">
-              <a:spcBef>
-                <a:spcPts val="1200"/>
-              </a:spcBef>
-              <a:buClrTx/>
-              <a:buFontTx/>
-              <a:defRPr sz="3000" i="1"/>
-            </a:lvl3pPr>
-            <a:lvl4pPr marL="1801283" indent="-391583" algn="ctr">
-              <a:spcBef>
-                <a:spcPts val="1200"/>
-              </a:spcBef>
-              <a:buClrTx/>
-              <a:buFontTx/>
-              <a:defRPr sz="3000" i="1"/>
-            </a:lvl4pPr>
-            <a:lvl5pPr marL="2271183" indent="-391583" algn="ctr">
-              <a:spcBef>
-                <a:spcPts val="1200"/>
-              </a:spcBef>
-              <a:buClrTx/>
-              <a:buFontTx/>
-              <a:defRPr sz="3000" i="1"/>
-            </a:lvl5pPr>
           </a:lstStyle>
           <a:p>
             <a:r>
-              <a:t>Body Level One</a:t>
-            </a:r>
-          </a:p>
-          <a:p>
-            <a:pPr lvl="1"/>
-            <a:r>
-              <a:t>Body Level Two</a:t>
-            </a:r>
-          </a:p>
-          <a:p>
-            <a:pPr lvl="2"/>
-            <a:r>
-              <a:t>Body Level Three</a:t>
-            </a:r>
-          </a:p>
-          <a:p>
-            <a:pPr lvl="3"/>
-            <a:r>
-              <a:t>Body Level Four</a:t>
-            </a:r>
-          </a:p>
-          <a:p>
-            <a:pPr lvl="4"/>
-            <a:r>
-              <a:t>Body Level Five</a:t>
+              <a:t>–Johnny Appleseed</a:t>
             </a:r>
           </a:p>
         </p:txBody>
@@ -955,7 +959,7 @@
             <a:spLocks noGrp="1"/>
           </p:cNvSpPr>
           <p:nvPr>
-            <p:ph type="body" sz="quarter" idx="13"/>
+            <p:ph type="body" sz="quarter" idx="14"/>
           </p:nvPr>
         </p:nvSpPr>
         <p:spPr>
@@ -968,10 +972,11 @@
           </a:prstGeom>
         </p:spPr>
         <p:txBody>
-          <a:bodyPr/>
-          <a:lstStyle/>
-          <a:p>
-            <a:pPr marL="0" indent="0" algn="ctr">
+          <a:bodyPr>
+            <a:spAutoFit/>
+          </a:bodyPr>
+          <a:lstStyle>
+            <a:lvl1pPr marL="0" indent="0" algn="ctr">
               <a:spcBef>
                 <a:spcPts val="0"/>
               </a:spcBef>
@@ -979,8 +984,12 @@
               <a:buSzTx/>
               <a:buFontTx/>
               <a:buNone/>
-            </a:pPr>
-            <a:endParaRPr/>
+            </a:lvl1pPr>
+          </a:lstStyle>
+          <a:p>
+            <a:r>
+              <a:t>“Type a quote here.” </a:t>
+            </a:r>
           </a:p>
         </p:txBody>
       </p:sp>
@@ -1177,8 +1186,8 @@
         </p:nvSpPr>
         <p:spPr>
           <a:xfrm flipV="1">
-            <a:off x="7994301" y="7053554"/>
-            <a:ext cx="2" cy="1642760"/>
+            <a:off x="7994302" y="7053555"/>
+            <a:ext cx="1" cy="1642759"/>
           </a:xfrm>
           <a:prstGeom prst="line">
             <a:avLst/>
@@ -1193,9 +1202,20 @@
           </a:ln>
         </p:spPr>
         <p:txBody>
-          <a:bodyPr lIns="45718" tIns="45718" rIns="45718" bIns="45718"/>
+          <a:bodyPr lIns="50800" tIns="50800" rIns="50800" bIns="50800" anchor="ctr"/>
           <a:lstStyle/>
           <a:p>
+            <a:pPr algn="l" defTabSz="457200">
+              <a:defRPr sz="1200">
+                <a:solidFill>
+                  <a:srgbClr val="000000"/>
+                </a:solidFill>
+                <a:latin typeface="Helvetica"/>
+                <a:ea typeface="Helvetica"/>
+                <a:cs typeface="Helvetica"/>
+                <a:sym typeface="Helvetica"/>
+              </a:defRPr>
+            </a:pPr>
             <a:endParaRPr/>
           </a:p>
         </p:txBody>
@@ -1209,7 +1229,7 @@
         <p:spPr>
           <a:xfrm>
             <a:off x="508000" y="9131300"/>
-            <a:ext cx="11999454" cy="0"/>
+            <a:ext cx="11999453" cy="0"/>
           </a:xfrm>
           <a:prstGeom prst="line">
             <a:avLst/>
@@ -1224,9 +1244,20 @@
           </a:ln>
         </p:spPr>
         <p:txBody>
-          <a:bodyPr lIns="45718" tIns="45718" rIns="45718" bIns="45718"/>
+          <a:bodyPr lIns="50800" tIns="50800" rIns="50800" bIns="50800" anchor="ctr"/>
           <a:lstStyle/>
           <a:p>
+            <a:pPr algn="l" defTabSz="457200">
+              <a:defRPr sz="1200">
+                <a:solidFill>
+                  <a:srgbClr val="000000"/>
+                </a:solidFill>
+                <a:latin typeface="Helvetica"/>
+                <a:ea typeface="Helvetica"/>
+                <a:cs typeface="Helvetica"/>
+                <a:sym typeface="Helvetica"/>
+              </a:defRPr>
+            </a:pPr>
             <a:endParaRPr/>
           </a:p>
         </p:txBody>
@@ -1239,8 +1270,8 @@
         </p:nvSpPr>
         <p:spPr>
           <a:xfrm>
-            <a:off x="507999" y="6629400"/>
-            <a:ext cx="12000020" cy="0"/>
+            <a:off x="508000" y="6629400"/>
+            <a:ext cx="12000019" cy="0"/>
           </a:xfrm>
           <a:prstGeom prst="line">
             <a:avLst/>
@@ -1255,9 +1286,20 @@
           </a:ln>
         </p:spPr>
         <p:txBody>
-          <a:bodyPr lIns="45718" tIns="45718" rIns="45718" bIns="45718"/>
+          <a:bodyPr lIns="50800" tIns="50800" rIns="50800" bIns="50800" anchor="ctr"/>
           <a:lstStyle/>
           <a:p>
+            <a:pPr algn="l" defTabSz="457200">
+              <a:defRPr sz="1200">
+                <a:solidFill>
+                  <a:srgbClr val="000000"/>
+                </a:solidFill>
+                <a:latin typeface="Helvetica"/>
+                <a:ea typeface="Helvetica"/>
+                <a:cs typeface="Helvetica"/>
+                <a:sym typeface="Helvetica"/>
+              </a:defRPr>
+            </a:pPr>
             <a:endParaRPr/>
           </a:p>
         </p:txBody>
@@ -1270,8 +1312,8 @@
         </p:nvSpPr>
         <p:spPr>
           <a:xfrm flipV="1">
-            <a:off x="7994301" y="7053554"/>
-            <a:ext cx="2" cy="1642760"/>
+            <a:off x="7994302" y="7053555"/>
+            <a:ext cx="1" cy="1642759"/>
           </a:xfrm>
           <a:prstGeom prst="line">
             <a:avLst/>
@@ -1286,21 +1328,32 @@
           </a:ln>
         </p:spPr>
         <p:txBody>
-          <a:bodyPr lIns="45718" tIns="45718" rIns="45718" bIns="45718"/>
+          <a:bodyPr lIns="50800" tIns="50800" rIns="50800" bIns="50800" anchor="ctr"/>
           <a:lstStyle/>
           <a:p>
+            <a:pPr algn="l" defTabSz="457200">
+              <a:defRPr sz="1200">
+                <a:solidFill>
+                  <a:srgbClr val="000000"/>
+                </a:solidFill>
+                <a:latin typeface="Helvetica"/>
+                <a:ea typeface="Helvetica"/>
+                <a:cs typeface="Helvetica"/>
+                <a:sym typeface="Helvetica"/>
+              </a:defRPr>
+            </a:pPr>
             <a:endParaRPr/>
           </a:p>
         </p:txBody>
       </p:sp>
       <p:sp>
         <p:nvSpPr>
-          <p:cNvPr id="30" name="Body Level One…"/>
+          <p:cNvPr id="30" name="Lorem Ipsum Dolor"/>
           <p:cNvSpPr txBox="1">
             <a:spLocks noGrp="1"/>
           </p:cNvSpPr>
           <p:nvPr>
-            <p:ph type="body" sz="quarter" idx="1"/>
+            <p:ph type="body" sz="quarter" idx="13"/>
           </p:nvPr>
         </p:nvSpPr>
         <p:spPr>
@@ -1313,7 +1366,9 @@
           </a:prstGeom>
         </p:spPr>
         <p:txBody>
-          <a:bodyPr/>
+          <a:bodyPr>
+            <a:spAutoFit/>
+          </a:bodyPr>
           <a:lstStyle>
             <a:lvl1pPr marL="0" indent="0">
               <a:lnSpc>
@@ -1328,78 +1383,10 @@
               <a:buNone/>
               <a:defRPr sz="2400" i="1"/>
             </a:lvl1pPr>
-            <a:lvl2pPr marL="783166" indent="-313266">
-              <a:lnSpc>
-                <a:spcPct val="110000"/>
-              </a:lnSpc>
-              <a:spcBef>
-                <a:spcPts val="0"/>
-              </a:spcBef>
-              <a:buClrTx/>
-              <a:buFontTx/>
-              <a:defRPr sz="2400" i="1"/>
-            </a:lvl2pPr>
-            <a:lvl3pPr marL="1253066" indent="-313266">
-              <a:lnSpc>
-                <a:spcPct val="110000"/>
-              </a:lnSpc>
-              <a:spcBef>
-                <a:spcPts val="0"/>
-              </a:spcBef>
-              <a:buClrTx/>
-              <a:buFontTx/>
-              <a:defRPr sz="2400" i="1"/>
-            </a:lvl3pPr>
-            <a:lvl4pPr marL="1722966" indent="-313266">
-              <a:lnSpc>
-                <a:spcPct val="110000"/>
-              </a:lnSpc>
-              <a:spcBef>
-                <a:spcPts val="0"/>
-              </a:spcBef>
-              <a:buClrTx/>
-              <a:buFontTx/>
-              <a:defRPr sz="2400" i="1"/>
-            </a:lvl4pPr>
-            <a:lvl5pPr marL="2192866" indent="-313266">
-              <a:lnSpc>
-                <a:spcPct val="110000"/>
-              </a:lnSpc>
-              <a:spcBef>
-                <a:spcPts val="0"/>
-              </a:spcBef>
-              <a:buClrTx/>
-              <a:buFontTx/>
-              <a:defRPr sz="2400" i="1"/>
-            </a:lvl5pPr>
           </a:lstStyle>
           <a:p>
             <a:r>
-              <a:t>Body Level One</a:t>
-            </a:r>
-          </a:p>
-          <a:p>
-            <a:pPr lvl="1"/>
-            <a:r>
-              <a:t>Body Level Two</a:t>
-            </a:r>
-          </a:p>
-          <a:p>
-            <a:pPr lvl="2"/>
-            <a:r>
-              <a:t>Body Level Three</a:t>
-            </a:r>
-          </a:p>
-          <a:p>
-            <a:pPr lvl="3"/>
-            <a:r>
-              <a:t>Body Level Four</a:t>
-            </a:r>
-          </a:p>
-          <a:p>
-            <a:pPr lvl="4"/>
-            <a:r>
-              <a:t>Body Level Five</a:t>
+              <a:t>Lorem Ipsum Dolor</a:t>
             </a:r>
           </a:p>
         </p:txBody>
@@ -1411,7 +1398,7 @@
             <a:spLocks noGrp="1"/>
           </p:cNvSpPr>
           <p:nvPr>
-            <p:ph type="pic" idx="13"/>
+            <p:ph type="pic" idx="14"/>
           </p:nvPr>
         </p:nvSpPr>
         <p:spPr>
@@ -1422,6 +1409,9 @@
           <a:prstGeom prst="rect">
             <a:avLst/>
           </a:prstGeom>
+          <a:ln w="9525">
+            <a:round/>
+          </a:ln>
         </p:spPr>
         <p:txBody>
           <a:bodyPr lIns="91439" tIns="45719" rIns="91439" bIns="45719" anchor="t">
@@ -1471,7 +1461,7 @@
             <a:spLocks noGrp="1"/>
           </p:cNvSpPr>
           <p:nvPr>
-            <p:ph type="body" sz="quarter" idx="14"/>
+            <p:ph type="body" sz="quarter" idx="1"/>
           </p:nvPr>
         </p:nvSpPr>
         <p:spPr>
@@ -1485,9 +1475,8 @@
         </p:spPr>
         <p:txBody>
           <a:bodyPr/>
-          <a:lstStyle/>
-          <a:p>
-            <a:pPr marL="0" indent="0">
+          <a:lstStyle>
+            <a:lvl1pPr marL="0" indent="0">
               <a:spcBef>
                 <a:spcPts val="0"/>
               </a:spcBef>
@@ -1496,8 +1485,76 @@
               <a:buFontTx/>
               <a:buNone/>
               <a:defRPr sz="2400"/>
-            </a:pPr>
-            <a:endParaRPr/>
+            </a:lvl1pPr>
+            <a:lvl2pPr marL="0" indent="0">
+              <a:spcBef>
+                <a:spcPts val="0"/>
+              </a:spcBef>
+              <a:buClrTx/>
+              <a:buSzTx/>
+              <a:buFontTx/>
+              <a:buNone/>
+              <a:defRPr sz="2400"/>
+            </a:lvl2pPr>
+            <a:lvl3pPr marL="0" indent="0">
+              <a:spcBef>
+                <a:spcPts val="0"/>
+              </a:spcBef>
+              <a:buClrTx/>
+              <a:buSzTx/>
+              <a:buFontTx/>
+              <a:buNone/>
+              <a:defRPr sz="2400"/>
+            </a:lvl3pPr>
+            <a:lvl4pPr marL="0" indent="0">
+              <a:spcBef>
+                <a:spcPts val="0"/>
+              </a:spcBef>
+              <a:buClrTx/>
+              <a:buSzTx/>
+              <a:buFontTx/>
+              <a:buNone/>
+              <a:defRPr sz="2400"/>
+            </a:lvl4pPr>
+            <a:lvl5pPr marL="0" indent="0">
+              <a:spcBef>
+                <a:spcPts val="0"/>
+              </a:spcBef>
+              <a:buClrTx/>
+              <a:buSzTx/>
+              <a:buFontTx/>
+              <a:buNone/>
+              <a:defRPr sz="2400"/>
+            </a:lvl5pPr>
+          </a:lstStyle>
+          <a:p>
+            <a:r>
+              <a:t>Body Level One</a:t>
+            </a:r>
+          </a:p>
+          <a:p>
+            <a:pPr lvl="1"/>
+            <a:r>
+              <a:t>Body Level Two</a:t>
+            </a:r>
+          </a:p>
+          <a:p>
+            <a:pPr lvl="2"/>
+            <a:r>
+              <a:t>Body Level Three</a:t>
+            </a:r>
+          </a:p>
+          <a:p>
+            <a:pPr lvl="3"/>
+            <a:r>
+              <a:t>Body Level Four</a:t>
+            </a:r>
+          </a:p>
+          <a:p>
+            <a:pPr lvl="4"/>
+            <a:r>
+              <a:t>Body Level Five</a:t>
+            </a:r>
           </a:p>
         </p:txBody>
       </p:sp>
@@ -1642,8 +1699,8 @@
         </p:nvSpPr>
         <p:spPr>
           <a:xfrm>
-            <a:off x="507999" y="4876800"/>
-            <a:ext cx="5676376" cy="0"/>
+            <a:off x="508000" y="4876800"/>
+            <a:ext cx="5676374" cy="0"/>
           </a:xfrm>
           <a:prstGeom prst="line">
             <a:avLst/>
@@ -1658,9 +1715,20 @@
           </a:ln>
         </p:spPr>
         <p:txBody>
-          <a:bodyPr lIns="45718" tIns="45718" rIns="45718" bIns="45718"/>
+          <a:bodyPr lIns="50800" tIns="50800" rIns="50800" bIns="50800" anchor="ctr"/>
           <a:lstStyle/>
           <a:p>
+            <a:pPr algn="l" defTabSz="457200">
+              <a:defRPr sz="1200">
+                <a:solidFill>
+                  <a:srgbClr val="000000"/>
+                </a:solidFill>
+                <a:latin typeface="Helvetica"/>
+                <a:ea typeface="Helvetica"/>
+                <a:cs typeface="Helvetica"/>
+                <a:sym typeface="Helvetica"/>
+              </a:defRPr>
+            </a:pPr>
             <a:endParaRPr/>
           </a:p>
         </p:txBody>
@@ -1674,7 +1742,7 @@
         <p:spPr>
           <a:xfrm>
             <a:off x="508000" y="2768600"/>
-            <a:ext cx="5676317" cy="0"/>
+            <a:ext cx="5676316" cy="0"/>
           </a:xfrm>
           <a:prstGeom prst="line">
             <a:avLst/>
@@ -1689,21 +1757,32 @@
           </a:ln>
         </p:spPr>
         <p:txBody>
-          <a:bodyPr lIns="45718" tIns="45718" rIns="45718" bIns="45718"/>
+          <a:bodyPr lIns="50800" tIns="50800" rIns="50800" bIns="50800" anchor="ctr"/>
           <a:lstStyle/>
           <a:p>
+            <a:pPr algn="l" defTabSz="457200">
+              <a:defRPr sz="1200">
+                <a:solidFill>
+                  <a:srgbClr val="000000"/>
+                </a:solidFill>
+                <a:latin typeface="Helvetica"/>
+                <a:ea typeface="Helvetica"/>
+                <a:cs typeface="Helvetica"/>
+                <a:sym typeface="Helvetica"/>
+              </a:defRPr>
+            </a:pPr>
             <a:endParaRPr/>
           </a:p>
         </p:txBody>
       </p:sp>
       <p:sp>
         <p:nvSpPr>
-          <p:cNvPr id="51" name="Body Level One…"/>
+          <p:cNvPr id="51" name="Lorem Ipsum Dolor"/>
           <p:cNvSpPr txBox="1">
             <a:spLocks noGrp="1"/>
           </p:cNvSpPr>
           <p:nvPr>
-            <p:ph type="body" sz="quarter" idx="1"/>
+            <p:ph type="body" sz="quarter" idx="13"/>
           </p:nvPr>
         </p:nvSpPr>
         <p:spPr>
@@ -1716,7 +1795,9 @@
           </a:prstGeom>
         </p:spPr>
         <p:txBody>
-          <a:bodyPr anchor="b"/>
+          <a:bodyPr anchor="b">
+            <a:spAutoFit/>
+          </a:bodyPr>
           <a:lstStyle>
             <a:lvl1pPr marL="0" indent="0">
               <a:lnSpc>
@@ -1731,78 +1812,10 @@
               <a:buNone/>
               <a:defRPr sz="2400" i="1"/>
             </a:lvl1pPr>
-            <a:lvl2pPr marL="783166" indent="-313266">
-              <a:lnSpc>
-                <a:spcPct val="110000"/>
-              </a:lnSpc>
-              <a:spcBef>
-                <a:spcPts val="0"/>
-              </a:spcBef>
-              <a:buClrTx/>
-              <a:buFontTx/>
-              <a:defRPr sz="2400" i="1"/>
-            </a:lvl2pPr>
-            <a:lvl3pPr marL="1253066" indent="-313266">
-              <a:lnSpc>
-                <a:spcPct val="110000"/>
-              </a:lnSpc>
-              <a:spcBef>
-                <a:spcPts val="0"/>
-              </a:spcBef>
-              <a:buClrTx/>
-              <a:buFontTx/>
-              <a:defRPr sz="2400" i="1"/>
-            </a:lvl3pPr>
-            <a:lvl4pPr marL="1722966" indent="-313266">
-              <a:lnSpc>
-                <a:spcPct val="110000"/>
-              </a:lnSpc>
-              <a:spcBef>
-                <a:spcPts val="0"/>
-              </a:spcBef>
-              <a:buClrTx/>
-              <a:buFontTx/>
-              <a:defRPr sz="2400" i="1"/>
-            </a:lvl4pPr>
-            <a:lvl5pPr marL="2192866" indent="-313266">
-              <a:lnSpc>
-                <a:spcPct val="110000"/>
-              </a:lnSpc>
-              <a:spcBef>
-                <a:spcPts val="0"/>
-              </a:spcBef>
-              <a:buClrTx/>
-              <a:buFontTx/>
-              <a:defRPr sz="2400" i="1"/>
-            </a:lvl5pPr>
           </a:lstStyle>
           <a:p>
             <a:r>
-              <a:t>Body Level One</a:t>
-            </a:r>
-          </a:p>
-          <a:p>
-            <a:pPr lvl="1"/>
-            <a:r>
-              <a:t>Body Level Two</a:t>
-            </a:r>
-          </a:p>
-          <a:p>
-            <a:pPr lvl="2"/>
-            <a:r>
-              <a:t>Body Level Three</a:t>
-            </a:r>
-          </a:p>
-          <a:p>
-            <a:pPr lvl="3"/>
-            <a:r>
-              <a:t>Body Level Four</a:t>
-            </a:r>
-          </a:p>
-          <a:p>
-            <a:pPr lvl="4"/>
-            <a:r>
-              <a:t>Body Level Five</a:t>
+              <a:t>Lorem Ipsum Dolor</a:t>
             </a:r>
           </a:p>
         </p:txBody>
@@ -1814,17 +1827,20 @@
             <a:spLocks noGrp="1"/>
           </p:cNvSpPr>
           <p:nvPr>
-            <p:ph type="pic" sz="half" idx="13"/>
+            <p:ph type="pic" sz="half" idx="14"/>
           </p:nvPr>
         </p:nvSpPr>
         <p:spPr>
           <a:xfrm>
-            <a:off x="6704697" y="590550"/>
-            <a:ext cx="5806885" cy="8509000"/>
+            <a:off x="6704698" y="590550"/>
+            <a:ext cx="5806884" cy="8509000"/>
           </a:xfrm>
           <a:prstGeom prst="rect">
             <a:avLst/>
           </a:prstGeom>
+          <a:ln w="9525">
+            <a:round/>
+          </a:ln>
         </p:spPr>
         <p:txBody>
           <a:bodyPr lIns="91439" tIns="45719" rIns="91439" bIns="45719" anchor="t">
@@ -1876,7 +1892,7 @@
             <a:spLocks noGrp="1"/>
           </p:cNvSpPr>
           <p:nvPr>
-            <p:ph type="body" sz="quarter" idx="14"/>
+            <p:ph type="body" sz="quarter" idx="1"/>
           </p:nvPr>
         </p:nvSpPr>
         <p:spPr>
@@ -1890,9 +1906,8 @@
         </p:spPr>
         <p:txBody>
           <a:bodyPr anchor="t"/>
-          <a:lstStyle/>
-          <a:p>
-            <a:pPr marL="0" indent="0">
+          <a:lstStyle>
+            <a:lvl1pPr marL="0" indent="0">
               <a:spcBef>
                 <a:spcPts val="0"/>
               </a:spcBef>
@@ -1901,8 +1916,76 @@
               <a:buFontTx/>
               <a:buNone/>
               <a:defRPr sz="2400"/>
-            </a:pPr>
-            <a:endParaRPr/>
+            </a:lvl1pPr>
+            <a:lvl2pPr marL="0" indent="0">
+              <a:spcBef>
+                <a:spcPts val="0"/>
+              </a:spcBef>
+              <a:buClrTx/>
+              <a:buSzTx/>
+              <a:buFontTx/>
+              <a:buNone/>
+              <a:defRPr sz="2400"/>
+            </a:lvl2pPr>
+            <a:lvl3pPr marL="0" indent="0">
+              <a:spcBef>
+                <a:spcPts val="0"/>
+              </a:spcBef>
+              <a:buClrTx/>
+              <a:buSzTx/>
+              <a:buFontTx/>
+              <a:buNone/>
+              <a:defRPr sz="2400"/>
+            </a:lvl3pPr>
+            <a:lvl4pPr marL="0" indent="0">
+              <a:spcBef>
+                <a:spcPts val="0"/>
+              </a:spcBef>
+              <a:buClrTx/>
+              <a:buSzTx/>
+              <a:buFontTx/>
+              <a:buNone/>
+              <a:defRPr sz="2400"/>
+            </a:lvl4pPr>
+            <a:lvl5pPr marL="0" indent="0">
+              <a:spcBef>
+                <a:spcPts val="0"/>
+              </a:spcBef>
+              <a:buClrTx/>
+              <a:buSzTx/>
+              <a:buFontTx/>
+              <a:buNone/>
+              <a:defRPr sz="2400"/>
+            </a:lvl5pPr>
+          </a:lstStyle>
+          <a:p>
+            <a:r>
+              <a:t>Body Level One</a:t>
+            </a:r>
+          </a:p>
+          <a:p>
+            <a:pPr lvl="1"/>
+            <a:r>
+              <a:t>Body Level Two</a:t>
+            </a:r>
+          </a:p>
+          <a:p>
+            <a:pPr lvl="2"/>
+            <a:r>
+              <a:t>Body Level Three</a:t>
+            </a:r>
+          </a:p>
+          <a:p>
+            <a:pPr lvl="3"/>
+            <a:r>
+              <a:t>Body Level Four</a:t>
+            </a:r>
+          </a:p>
+          <a:p>
+            <a:pPr lvl="4"/>
+            <a:r>
+              <a:t>Body Level Five</a:t>
+            </a:r>
           </a:p>
         </p:txBody>
       </p:sp>
@@ -2179,6 +2262,9 @@
           <a:prstGeom prst="rect">
             <a:avLst/>
           </a:prstGeom>
+          <a:ln w="9525">
+            <a:round/>
+          </a:ln>
         </p:spPr>
         <p:txBody>
           <a:bodyPr lIns="91439" tIns="45719" rIns="91439" bIns="45719" anchor="t">
@@ -2479,6 +2565,9 @@
           <a:prstGeom prst="rect">
             <a:avLst/>
           </a:prstGeom>
+          <a:ln w="9525">
+            <a:round/>
+          </a:ln>
         </p:spPr>
         <p:txBody>
           <a:bodyPr lIns="91439" tIns="45719" rIns="91439" bIns="45719" anchor="t">
@@ -2503,11 +2592,14 @@
         <p:spPr>
           <a:xfrm>
             <a:off x="6680200" y="635000"/>
-            <a:ext cx="5829302" cy="3517900"/>
+            <a:ext cx="5829301" cy="3517900"/>
           </a:xfrm>
           <a:prstGeom prst="rect">
             <a:avLst/>
           </a:prstGeom>
+          <a:ln w="9525">
+            <a:round/>
+          </a:ln>
         </p:spPr>
         <p:txBody>
           <a:bodyPr lIns="91439" tIns="45719" rIns="91439" bIns="45719" anchor="t">
@@ -2537,6 +2629,9 @@
           <a:prstGeom prst="rect">
             <a:avLst/>
           </a:prstGeom>
+          <a:ln w="9525">
+            <a:round/>
+          </a:ln>
         </p:spPr>
         <p:txBody>
           <a:bodyPr lIns="91439" tIns="45719" rIns="91439" bIns="45719" anchor="t">
@@ -2620,8 +2715,8 @@
         </p:nvSpPr>
         <p:spPr>
           <a:xfrm>
-            <a:off x="507999" y="2171700"/>
-            <a:ext cx="11997293" cy="0"/>
+            <a:off x="508000" y="2171700"/>
+            <a:ext cx="11997292" cy="0"/>
           </a:xfrm>
           <a:prstGeom prst="line">
             <a:avLst/>
@@ -2636,9 +2731,20 @@
           </a:ln>
         </p:spPr>
         <p:txBody>
-          <a:bodyPr lIns="45718" tIns="45718" rIns="45718" bIns="45718"/>
+          <a:bodyPr lIns="50800" tIns="50800" rIns="50800" bIns="50800" anchor="ctr"/>
           <a:lstStyle/>
           <a:p>
+            <a:pPr algn="l" defTabSz="457200">
+              <a:defRPr sz="1200">
+                <a:solidFill>
+                  <a:srgbClr val="000000"/>
+                </a:solidFill>
+                <a:latin typeface="Helvetica"/>
+                <a:ea typeface="Helvetica"/>
+                <a:cs typeface="Helvetica"/>
+                <a:sym typeface="Helvetica"/>
+              </a:defRPr>
+            </a:pPr>
             <a:endParaRPr/>
           </a:p>
         </p:txBody>
@@ -2651,8 +2757,8 @@
         </p:nvSpPr>
         <p:spPr>
           <a:xfrm>
-            <a:off x="507999" y="635000"/>
-            <a:ext cx="11997293" cy="0"/>
+            <a:off x="508000" y="635000"/>
+            <a:ext cx="11997292" cy="0"/>
           </a:xfrm>
           <a:prstGeom prst="line">
             <a:avLst/>
@@ -2667,9 +2773,20 @@
           </a:ln>
         </p:spPr>
         <p:txBody>
-          <a:bodyPr lIns="45718" tIns="45718" rIns="45718" bIns="45718"/>
+          <a:bodyPr lIns="50800" tIns="50800" rIns="50800" bIns="50800" anchor="ctr"/>
           <a:lstStyle/>
           <a:p>
+            <a:pPr algn="l" defTabSz="457200">
+              <a:defRPr sz="1200">
+                <a:solidFill>
+                  <a:srgbClr val="000000"/>
+                </a:solidFill>
+                <a:latin typeface="Helvetica"/>
+                <a:ea typeface="Helvetica"/>
+                <a:cs typeface="Helvetica"/>
+                <a:sym typeface="Helvetica"/>
+              </a:defRPr>
+            </a:pPr>
             <a:endParaRPr/>
           </a:p>
         </p:txBody>
@@ -2697,7 +2814,7 @@
           </a:ln>
           <a:extLst>
             <a:ext uri="{C572A759-6A51-4108-AA02-DFA0A04FC94B}">
-              <ma14:wrappingTextBoxFlag xmlns:ma14="http://schemas.microsoft.com/office/mac/drawingml/2011/main" xmlns:a14="http://schemas.microsoft.com/office/drawing/2010/main" xmlns:m="http://schemas.openxmlformats.org/officeDocument/2006/math" xmlns="" val="1"/>
+              <ma14:wrappingTextBoxFlag xmlns="" xmlns:m="http://schemas.openxmlformats.org/officeDocument/2006/math" xmlns:a14="http://schemas.microsoft.com/office/drawing/2010/main" xmlns:ma14="http://schemas.microsoft.com/office/mac/drawingml/2011/main" val="1"/>
             </a:ext>
           </a:extLst>
         </p:spPr>
@@ -2736,7 +2853,7 @@
           </a:ln>
           <a:extLst>
             <a:ext uri="{C572A759-6A51-4108-AA02-DFA0A04FC94B}">
-              <ma14:wrappingTextBoxFlag xmlns:ma14="http://schemas.microsoft.com/office/mac/drawingml/2011/main" xmlns:a14="http://schemas.microsoft.com/office/drawing/2010/main" xmlns:m="http://schemas.openxmlformats.org/officeDocument/2006/math" xmlns="" val="1"/>
+              <ma14:wrappingTextBoxFlag xmlns="" xmlns:m="http://schemas.openxmlformats.org/officeDocument/2006/math" xmlns:a14="http://schemas.microsoft.com/office/drawing/2010/main" xmlns:ma14="http://schemas.microsoft.com/office/mac/drawingml/2011/main" val="1"/>
             </a:ext>
           </a:extLst>
         </p:spPr>
@@ -2808,10 +2925,6 @@
                 <a:solidFill>
                   <a:srgbClr val="4C4946"/>
                 </a:solidFill>
-                <a:latin typeface="Palatino"/>
-                <a:ea typeface="Palatino"/>
-                <a:cs typeface="Palatino"/>
-                <a:sym typeface="Palatino"/>
               </a:defRPr>
             </a:lvl1pPr>
           </a:lstStyle>
@@ -2863,9 +2976,9 @@
             <a:srgbClr val="D93E2B"/>
           </a:solidFill>
           <a:uFillTx/>
-          <a:latin typeface="Bodoni SvtyTwo ITC TT-Book"/>
-          <a:ea typeface="Bodoni SvtyTwo ITC TT-Book"/>
-          <a:cs typeface="Bodoni SvtyTwo ITC TT-Book"/>
+          <a:latin typeface="+mn-lt"/>
+          <a:ea typeface="+mn-ea"/>
+          <a:cs typeface="+mn-cs"/>
           <a:sym typeface="Bodoni SvtyTwo ITC TT-Book"/>
         </a:defRPr>
       </a:lvl1pPr>
@@ -2889,9 +3002,9 @@
             <a:srgbClr val="D93E2B"/>
           </a:solidFill>
           <a:uFillTx/>
-          <a:latin typeface="Bodoni SvtyTwo ITC TT-Book"/>
-          <a:ea typeface="Bodoni SvtyTwo ITC TT-Book"/>
-          <a:cs typeface="Bodoni SvtyTwo ITC TT-Book"/>
+          <a:latin typeface="+mn-lt"/>
+          <a:ea typeface="+mn-ea"/>
+          <a:cs typeface="+mn-cs"/>
           <a:sym typeface="Bodoni SvtyTwo ITC TT-Book"/>
         </a:defRPr>
       </a:lvl2pPr>
@@ -2915,9 +3028,9 @@
             <a:srgbClr val="D93E2B"/>
           </a:solidFill>
           <a:uFillTx/>
-          <a:latin typeface="Bodoni SvtyTwo ITC TT-Book"/>
-          <a:ea typeface="Bodoni SvtyTwo ITC TT-Book"/>
-          <a:cs typeface="Bodoni SvtyTwo ITC TT-Book"/>
+          <a:latin typeface="+mn-lt"/>
+          <a:ea typeface="+mn-ea"/>
+          <a:cs typeface="+mn-cs"/>
           <a:sym typeface="Bodoni SvtyTwo ITC TT-Book"/>
         </a:defRPr>
       </a:lvl3pPr>
@@ -2941,9 +3054,9 @@
             <a:srgbClr val="D93E2B"/>
           </a:solidFill>
           <a:uFillTx/>
-          <a:latin typeface="Bodoni SvtyTwo ITC TT-Book"/>
-          <a:ea typeface="Bodoni SvtyTwo ITC TT-Book"/>
-          <a:cs typeface="Bodoni SvtyTwo ITC TT-Book"/>
+          <a:latin typeface="+mn-lt"/>
+          <a:ea typeface="+mn-ea"/>
+          <a:cs typeface="+mn-cs"/>
           <a:sym typeface="Bodoni SvtyTwo ITC TT-Book"/>
         </a:defRPr>
       </a:lvl4pPr>
@@ -2967,9 +3080,9 @@
             <a:srgbClr val="D93E2B"/>
           </a:solidFill>
           <a:uFillTx/>
-          <a:latin typeface="Bodoni SvtyTwo ITC TT-Book"/>
-          <a:ea typeface="Bodoni SvtyTwo ITC TT-Book"/>
-          <a:cs typeface="Bodoni SvtyTwo ITC TT-Book"/>
+          <a:latin typeface="+mn-lt"/>
+          <a:ea typeface="+mn-ea"/>
+          <a:cs typeface="+mn-cs"/>
           <a:sym typeface="Bodoni SvtyTwo ITC TT-Book"/>
         </a:defRPr>
       </a:lvl5pPr>
@@ -2993,9 +3106,9 @@
             <a:srgbClr val="D93E2B"/>
           </a:solidFill>
           <a:uFillTx/>
-          <a:latin typeface="Bodoni SvtyTwo ITC TT-Book"/>
-          <a:ea typeface="Bodoni SvtyTwo ITC TT-Book"/>
-          <a:cs typeface="Bodoni SvtyTwo ITC TT-Book"/>
+          <a:latin typeface="+mn-lt"/>
+          <a:ea typeface="+mn-ea"/>
+          <a:cs typeface="+mn-cs"/>
           <a:sym typeface="Bodoni SvtyTwo ITC TT-Book"/>
         </a:defRPr>
       </a:lvl6pPr>
@@ -3019,9 +3132,9 @@
             <a:srgbClr val="D93E2B"/>
           </a:solidFill>
           <a:uFillTx/>
-          <a:latin typeface="Bodoni SvtyTwo ITC TT-Book"/>
-          <a:ea typeface="Bodoni SvtyTwo ITC TT-Book"/>
-          <a:cs typeface="Bodoni SvtyTwo ITC TT-Book"/>
+          <a:latin typeface="+mn-lt"/>
+          <a:ea typeface="+mn-ea"/>
+          <a:cs typeface="+mn-cs"/>
           <a:sym typeface="Bodoni SvtyTwo ITC TT-Book"/>
         </a:defRPr>
       </a:lvl7pPr>
@@ -3045,9 +3158,9 @@
             <a:srgbClr val="D93E2B"/>
           </a:solidFill>
           <a:uFillTx/>
-          <a:latin typeface="Bodoni SvtyTwo ITC TT-Book"/>
-          <a:ea typeface="Bodoni SvtyTwo ITC TT-Book"/>
-          <a:cs typeface="Bodoni SvtyTwo ITC TT-Book"/>
+          <a:latin typeface="+mn-lt"/>
+          <a:ea typeface="+mn-ea"/>
+          <a:cs typeface="+mn-cs"/>
           <a:sym typeface="Bodoni SvtyTwo ITC TT-Book"/>
         </a:defRPr>
       </a:lvl8pPr>
@@ -3071,9 +3184,9 @@
             <a:srgbClr val="D93E2B"/>
           </a:solidFill>
           <a:uFillTx/>
-          <a:latin typeface="Bodoni SvtyTwo ITC TT-Book"/>
-          <a:ea typeface="Bodoni SvtyTwo ITC TT-Book"/>
-          <a:cs typeface="Bodoni SvtyTwo ITC TT-Book"/>
+          <a:latin typeface="+mn-lt"/>
+          <a:ea typeface="+mn-ea"/>
+          <a:cs typeface="+mn-cs"/>
           <a:sym typeface="Bodoni SvtyTwo ITC TT-Book"/>
         </a:defRPr>
       </a:lvl9pPr>
@@ -3333,7 +3446,7 @@
       </a:lvl9pPr>
     </p:bodyStyle>
     <p:otherStyle>
-      <a:lvl1pPr marL="0" marR="0" indent="0" algn="ctr" defTabSz="584200" rtl="0" latinLnBrk="0">
+      <a:lvl1pPr marL="0" marR="0" indent="0" algn="ctr" defTabSz="584200" latinLnBrk="0">
         <a:lnSpc>
           <a:spcPct val="100000"/>
         </a:lnSpc>
@@ -3359,7 +3472,7 @@
           <a:sym typeface="Palatino"/>
         </a:defRPr>
       </a:lvl1pPr>
-      <a:lvl2pPr marL="0" marR="0" indent="0" algn="ctr" defTabSz="584200" rtl="0" latinLnBrk="0">
+      <a:lvl2pPr marL="0" marR="0" indent="228600" algn="ctr" defTabSz="584200" latinLnBrk="0">
         <a:lnSpc>
           <a:spcPct val="100000"/>
         </a:lnSpc>
@@ -3385,7 +3498,7 @@
           <a:sym typeface="Palatino"/>
         </a:defRPr>
       </a:lvl2pPr>
-      <a:lvl3pPr marL="0" marR="0" indent="0" algn="ctr" defTabSz="584200" rtl="0" latinLnBrk="0">
+      <a:lvl3pPr marL="0" marR="0" indent="457200" algn="ctr" defTabSz="584200" latinLnBrk="0">
         <a:lnSpc>
           <a:spcPct val="100000"/>
         </a:lnSpc>
@@ -3411,7 +3524,7 @@
           <a:sym typeface="Palatino"/>
         </a:defRPr>
       </a:lvl3pPr>
-      <a:lvl4pPr marL="0" marR="0" indent="0" algn="ctr" defTabSz="584200" rtl="0" latinLnBrk="0">
+      <a:lvl4pPr marL="0" marR="0" indent="685800" algn="ctr" defTabSz="584200" latinLnBrk="0">
         <a:lnSpc>
           <a:spcPct val="100000"/>
         </a:lnSpc>
@@ -3437,7 +3550,7 @@
           <a:sym typeface="Palatino"/>
         </a:defRPr>
       </a:lvl4pPr>
-      <a:lvl5pPr marL="0" marR="0" indent="0" algn="ctr" defTabSz="584200" rtl="0" latinLnBrk="0">
+      <a:lvl5pPr marL="0" marR="0" indent="914400" algn="ctr" defTabSz="584200" latinLnBrk="0">
         <a:lnSpc>
           <a:spcPct val="100000"/>
         </a:lnSpc>
@@ -3463,7 +3576,7 @@
           <a:sym typeface="Palatino"/>
         </a:defRPr>
       </a:lvl5pPr>
-      <a:lvl6pPr marL="0" marR="0" indent="0" algn="ctr" defTabSz="584200" rtl="0" latinLnBrk="0">
+      <a:lvl6pPr marL="0" marR="0" indent="1143000" algn="ctr" defTabSz="584200" latinLnBrk="0">
         <a:lnSpc>
           <a:spcPct val="100000"/>
         </a:lnSpc>
@@ -3489,7 +3602,7 @@
           <a:sym typeface="Palatino"/>
         </a:defRPr>
       </a:lvl6pPr>
-      <a:lvl7pPr marL="0" marR="0" indent="0" algn="ctr" defTabSz="584200" rtl="0" latinLnBrk="0">
+      <a:lvl7pPr marL="0" marR="0" indent="1371600" algn="ctr" defTabSz="584200" latinLnBrk="0">
         <a:lnSpc>
           <a:spcPct val="100000"/>
         </a:lnSpc>
@@ -3515,7 +3628,7 @@
           <a:sym typeface="Palatino"/>
         </a:defRPr>
       </a:lvl7pPr>
-      <a:lvl8pPr marL="0" marR="0" indent="0" algn="ctr" defTabSz="584200" rtl="0" latinLnBrk="0">
+      <a:lvl8pPr marL="0" marR="0" indent="1600200" algn="ctr" defTabSz="584200" latinLnBrk="0">
         <a:lnSpc>
           <a:spcPct val="100000"/>
         </a:lnSpc>
@@ -3541,7 +3654,7 @@
           <a:sym typeface="Palatino"/>
         </a:defRPr>
       </a:lvl8pPr>
-      <a:lvl9pPr marL="0" marR="0" indent="0" algn="ctr" defTabSz="584200" rtl="0" latinLnBrk="0">
+      <a:lvl9pPr marL="0" marR="0" indent="1828800" algn="ctr" defTabSz="584200" latinLnBrk="0">
         <a:lnSpc>
           <a:spcPct val="100000"/>
         </a:lnSpc>
@@ -3596,7 +3709,7 @@
             <a:spLocks noGrp="1"/>
           </p:cNvSpPr>
           <p:nvPr>
-            <p:ph type="body" sz="quarter" idx="1"/>
+            <p:ph type="body" idx="13"/>
           </p:nvPr>
         </p:nvSpPr>
         <p:spPr>
@@ -3621,7 +3734,7 @@
             <a:spLocks noGrp="1"/>
           </p:cNvSpPr>
           <p:nvPr>
-            <p:ph type="title"/>
+            <p:ph type="ctrTitle"/>
           </p:nvPr>
         </p:nvSpPr>
         <p:spPr>
@@ -3638,7 +3751,7 @@
               <a:spcBef>
                 <a:spcPts val="1500"/>
               </a:spcBef>
-              <a:defRPr sz="6100"/>
+              <a:defRPr sz="6860"/>
             </a:lvl1pPr>
           </a:lstStyle>
           <a:p>
@@ -3651,79 +3764,37 @@
       <p:sp>
         <p:nvSpPr>
           <p:cNvPr id="135" name="Arthur Sowinski…"/>
-          <p:cNvSpPr txBox="1"/>
-          <p:nvPr/>
+          <p:cNvSpPr txBox="1">
+            <a:spLocks noGrp="1"/>
+          </p:cNvSpPr>
+          <p:nvPr>
+            <p:ph type="subTitle" sz="quarter" idx="1"/>
+          </p:nvPr>
         </p:nvSpPr>
         <p:spPr>
-          <a:xfrm>
-            <a:off x="8280400" y="4140200"/>
-            <a:ext cx="4241800" cy="2413000"/>
-          </a:xfrm>
           <a:prstGeom prst="rect">
             <a:avLst/>
           </a:prstGeom>
-          <a:ln w="12700">
-            <a:miter lim="400000"/>
-          </a:ln>
-          <a:extLst>
-            <a:ext uri="{C572A759-6A51-4108-AA02-DFA0A04FC94B}">
-              <ma14:wrappingTextBoxFlag xmlns:ma14="http://schemas.microsoft.com/office/mac/drawingml/2011/main" xmlns:a14="http://schemas.microsoft.com/office/drawing/2010/main" xmlns:m="http://schemas.openxmlformats.org/officeDocument/2006/math" xmlns="" val="1"/>
-            </a:ext>
-          </a:extLst>
         </p:spPr>
         <p:txBody>
-          <a:bodyPr lIns="50800" tIns="50800" rIns="50800" bIns="50800" anchor="ctr">
-            <a:normAutofit/>
-          </a:bodyPr>
+          <a:bodyPr/>
           <a:lstStyle/>
           <a:p>
-            <a:pPr algn="l">
-              <a:defRPr>
-                <a:latin typeface="Palatino"/>
-                <a:ea typeface="Palatino"/>
-                <a:cs typeface="Palatino"/>
-                <a:sym typeface="Palatino"/>
-              </a:defRPr>
-            </a:pPr>
             <a:r>
               <a:t>Arthur Sowinski</a:t>
             </a:r>
           </a:p>
           <a:p>
-            <a:pPr algn="l">
-              <a:defRPr>
-                <a:latin typeface="Palatino"/>
-                <a:ea typeface="Palatino"/>
-                <a:cs typeface="Palatino"/>
-                <a:sym typeface="Palatino"/>
-              </a:defRPr>
-            </a:pPr>
             <a:r>
               <a:t>Ibrahim Abu Nameh</a:t>
             </a:r>
           </a:p>
           <a:p>
-            <a:pPr algn="l">
-              <a:defRPr>
-                <a:latin typeface="Palatino"/>
-                <a:ea typeface="Palatino"/>
-                <a:cs typeface="Palatino"/>
-                <a:sym typeface="Palatino"/>
-              </a:defRPr>
-            </a:pPr>
             <a:r>
               <a:t>Michel Tayzon</a:t>
             </a:r>
           </a:p>
           <a:p>
-            <a:pPr algn="l">
-              <a:defRPr>
-                <a:latin typeface="Palatino"/>
-                <a:ea typeface="Palatino"/>
-                <a:cs typeface="Palatino"/>
-                <a:sym typeface="Palatino"/>
-              </a:defRPr>
-            </a:pPr>
             <a:r>
               <a:t>Vishal Valentine</a:t>
             </a:r>
@@ -3738,10 +3809,10 @@
         </p:nvGrpSpPr>
         <p:grpSpPr>
           <a:xfrm>
-            <a:off x="4406899" y="6680199"/>
-            <a:ext cx="4191004" cy="3483326"/>
+            <a:off x="4406900" y="6680200"/>
+            <a:ext cx="4191001" cy="3483325"/>
             <a:chOff x="0" y="0"/>
-            <a:chExt cx="4191002" cy="3483325"/>
+            <a:chExt cx="4191000" cy="3483324"/>
           </a:xfrm>
         </p:grpSpPr>
         <p:pic>
@@ -3753,9 +3824,7 @@
             <p:nvPr/>
           </p:nvPicPr>
           <p:blipFill>
-            <a:blip r:embed="rId2">
-              <a:extLst/>
-            </a:blip>
+            <a:blip r:embed="rId2"/>
             <a:srcRect t="15109" b="15109"/>
             <a:stretch>
               <a:fillRect/>
@@ -3763,8 +3832,8 @@
           </p:blipFill>
           <p:spPr>
             <a:xfrm>
-              <a:off x="-1" y="-1"/>
-              <a:ext cx="4191004" cy="2924527"/>
+              <a:off x="0" y="0"/>
+              <a:ext cx="4191001" cy="2924525"/>
             </a:xfrm>
             <a:prstGeom prst="rect">
               <a:avLst/>
@@ -3779,13 +3848,13 @@
         <p:sp>
           <p:nvSpPr>
             <p:cNvPr id="137" name="Type to enter a caption."/>
-            <p:cNvSpPr txBox="1"/>
+            <p:cNvSpPr/>
             <p:nvPr/>
           </p:nvSpPr>
           <p:spPr>
             <a:xfrm>
-              <a:off x="-1" y="3000724"/>
-              <a:ext cx="4191003" cy="482601"/>
+              <a:off x="0" y="3000724"/>
+              <a:ext cx="4191001" cy="482601"/>
             </a:xfrm>
             <a:prstGeom prst="rect">
               <a:avLst/>
@@ -3798,22 +3867,17 @@
             <a:effectLst/>
             <a:extLst>
               <a:ext uri="{C572A759-6A51-4108-AA02-DFA0A04FC94B}">
-                <ma14:wrappingTextBoxFlag xmlns:ma14="http://schemas.microsoft.com/office/mac/drawingml/2011/main" xmlns:a14="http://schemas.microsoft.com/office/drawing/2010/main" xmlns:m="http://schemas.openxmlformats.org/officeDocument/2006/math" xmlns="" val="1"/>
+                <ma14:wrappingTextBoxFlag xmlns="" xmlns:m="http://schemas.openxmlformats.org/officeDocument/2006/math" xmlns:a14="http://schemas.microsoft.com/office/drawing/2010/main" xmlns:ma14="http://schemas.microsoft.com/office/mac/drawingml/2011/main" val="1"/>
               </a:ext>
             </a:extLst>
           </p:spPr>
           <p:txBody>
             <a:bodyPr wrap="square" lIns="76200" tIns="76200" rIns="76200" bIns="76200" numCol="1" anchor="t">
-              <a:spAutoFit/>
+              <a:noAutofit/>
             </a:bodyPr>
             <a:lstStyle>
               <a:lvl1pPr>
-                <a:defRPr sz="2000">
-                  <a:latin typeface="Palatino"/>
-                  <a:ea typeface="Palatino"/>
-                  <a:cs typeface="Palatino"/>
-                  <a:sym typeface="Palatino"/>
-                </a:defRPr>
+                <a:defRPr sz="2000"/>
               </a:lvl1pPr>
             </a:lstStyle>
             <a:p>
@@ -3852,7 +3916,7 @@
       </p:grpSpPr>
       <p:sp>
         <p:nvSpPr>
-          <p:cNvPr id="173" name="Conclusion"/>
+          <p:cNvPr id="161" name="Conclusion"/>
           <p:cNvSpPr txBox="1">
             <a:spLocks noGrp="1"/>
           </p:cNvSpPr>
@@ -3877,7 +3941,7 @@
       </p:sp>
       <p:sp>
         <p:nvSpPr>
-          <p:cNvPr id="174" name="Best model has a accuracy of 80% &amp; precision of 70%.…"/>
+          <p:cNvPr id="162" name="Best model has a accuracy of 80% &amp; precision of 70%.…"/>
           <p:cNvSpPr txBox="1">
             <a:spLocks noGrp="1"/>
           </p:cNvSpPr>
@@ -3895,26 +3959,31 @@
           <a:lstStyle/>
           <a:p>
             <a:r>
-              <a:t>Best model has a accuracy of 80% &amp; precision of 75%.</a:t>
-            </a:r>
-          </a:p>
-          <a:p>
-            <a:r>
+              <a:rPr dirty="0"/>
+              <a:t>Best model has a accuracy of 80% &amp; precision of 70%.</a:t>
+            </a:r>
+          </a:p>
+          <a:p>
+            <a:r>
+              <a:rPr dirty="0"/>
               <a:t>Additional variables that would have helped in model prediction:</a:t>
             </a:r>
           </a:p>
           <a:p>
             <a:r>
+              <a:rPr dirty="0"/>
               <a:t>Appointment Time</a:t>
             </a:r>
           </a:p>
           <a:p>
             <a:r>
+              <a:rPr dirty="0"/>
               <a:t>Type of reminders issued</a:t>
             </a:r>
           </a:p>
           <a:p>
             <a:r>
+              <a:rPr dirty="0"/>
               <a:t>Distance between patient’s house to clinic</a:t>
             </a:r>
           </a:p>
@@ -3922,30 +3991,28 @@
       </p:sp>
       <p:grpSp>
         <p:nvGrpSpPr>
-          <p:cNvPr id="177" name="Image Gallery"/>
+          <p:cNvPr id="165" name="Image Gallery"/>
           <p:cNvGrpSpPr/>
           <p:nvPr/>
         </p:nvGrpSpPr>
         <p:grpSpPr>
           <a:xfrm>
-            <a:off x="7790859" y="5109933"/>
-            <a:ext cx="3834006" cy="2436897"/>
+            <a:off x="7790859" y="5109934"/>
+            <a:ext cx="3834004" cy="2436896"/>
             <a:chOff x="0" y="0"/>
-            <a:chExt cx="3834005" cy="2436895"/>
+            <a:chExt cx="3834003" cy="2436895"/>
           </a:xfrm>
         </p:grpSpPr>
         <p:pic>
           <p:nvPicPr>
-            <p:cNvPr id="175" name="patient-no-show-cost-400x201.jpg" descr="patient-no-show-cost-400x201.jpg"/>
+            <p:cNvPr id="163" name="patient-no-show-cost-400x201.jpg" descr="patient-no-show-cost-400x201.jpg"/>
             <p:cNvPicPr>
               <a:picLocks noChangeAspect="1"/>
             </p:cNvPicPr>
             <p:nvPr/>
           </p:nvPicPr>
           <p:blipFill>
-            <a:blip r:embed="rId2">
-              <a:extLst/>
-            </a:blip>
+            <a:blip r:embed="rId2"/>
             <a:srcRect t="1258" b="1258"/>
             <a:stretch>
               <a:fillRect/>
@@ -3953,8 +4020,8 @@
           </p:blipFill>
           <p:spPr>
             <a:xfrm>
-              <a:off x="-1" y="0"/>
-              <a:ext cx="3834007" cy="1878097"/>
+              <a:off x="0" y="0"/>
+              <a:ext cx="3834004" cy="1878096"/>
             </a:xfrm>
             <a:prstGeom prst="rect">
               <a:avLst/>
@@ -3968,14 +4035,14 @@
         </p:pic>
         <p:sp>
           <p:nvSpPr>
-            <p:cNvPr id="176" name="Type to enter a caption."/>
-            <p:cNvSpPr txBox="1"/>
+            <p:cNvPr id="164" name="Type to enter a caption."/>
+            <p:cNvSpPr/>
             <p:nvPr/>
           </p:nvSpPr>
           <p:spPr>
             <a:xfrm>
-              <a:off x="-1" y="1954295"/>
-              <a:ext cx="3834006" cy="482601"/>
+              <a:off x="0" y="1954295"/>
+              <a:ext cx="3834004" cy="482601"/>
             </a:xfrm>
             <a:prstGeom prst="rect">
               <a:avLst/>
@@ -3988,22 +4055,17 @@
             <a:effectLst/>
             <a:extLst>
               <a:ext uri="{C572A759-6A51-4108-AA02-DFA0A04FC94B}">
-                <ma14:wrappingTextBoxFlag xmlns:ma14="http://schemas.microsoft.com/office/mac/drawingml/2011/main" xmlns:a14="http://schemas.microsoft.com/office/drawing/2010/main" xmlns:m="http://schemas.openxmlformats.org/officeDocument/2006/math" xmlns="" val="1"/>
+                <ma14:wrappingTextBoxFlag xmlns="" xmlns:m="http://schemas.openxmlformats.org/officeDocument/2006/math" xmlns:a14="http://schemas.microsoft.com/office/drawing/2010/main" xmlns:ma14="http://schemas.microsoft.com/office/mac/drawingml/2011/main" val="1"/>
               </a:ext>
             </a:extLst>
           </p:spPr>
           <p:txBody>
             <a:bodyPr wrap="square" lIns="76200" tIns="76200" rIns="76200" bIns="76200" numCol="1" anchor="t">
-              <a:spAutoFit/>
+              <a:noAutofit/>
             </a:bodyPr>
             <a:lstStyle>
               <a:lvl1pPr>
-                <a:defRPr sz="2000">
-                  <a:latin typeface="Palatino"/>
-                  <a:ea typeface="Palatino"/>
-                  <a:cs typeface="Palatino"/>
-                  <a:sym typeface="Palatino"/>
-                </a:defRPr>
+                <a:defRPr sz="2000"/>
               </a:lvl1pPr>
             </a:lstStyle>
             <a:p>
@@ -4015,18 +4077,16 @@
         </p:sp>
       </p:grpSp>
     </p:spTree>
+    <p:extLst>
+      <p:ext uri="{BB962C8B-B14F-4D97-AF65-F5344CB8AC3E}">
+        <p14:creationId xmlns:p14="http://schemas.microsoft.com/office/powerpoint/2010/main" val="2534794392"/>
+      </p:ext>
+    </p:extLst>
   </p:cSld>
   <p:clrMapOvr>
     <a:masterClrMapping/>
   </p:clrMapOvr>
   <p:transition spd="med"/>
-  <p:timing>
-    <p:tnLst>
-      <p:par>
-        <p:cTn id="1" dur="indefinite" restart="never" nodeType="tmRoot"/>
-      </p:par>
-    </p:tnLst>
-  </p:timing>
 </p:sld>
 </file>
 
@@ -4049,7 +4109,7 @@
       </p:grpSpPr>
       <p:sp>
         <p:nvSpPr>
-          <p:cNvPr id="179" name="Conclusion (Contd….)"/>
+          <p:cNvPr id="167" name="Conclusion (Contd….)"/>
           <p:cNvSpPr txBox="1">
             <a:spLocks noGrp="1"/>
           </p:cNvSpPr>
@@ -4076,7 +4136,7 @@
       </p:sp>
       <p:sp>
         <p:nvSpPr>
-          <p:cNvPr id="180" name="Remedial Measures:…"/>
+          <p:cNvPr id="168" name="Remedial Measures:…"/>
           <p:cNvSpPr txBox="1">
             <a:spLocks noGrp="1"/>
           </p:cNvSpPr>
@@ -4090,9 +4150,7 @@
           </a:prstGeom>
         </p:spPr>
         <p:txBody>
-          <a:bodyPr>
-            <a:normAutofit lnSpcReduction="10000"/>
-          </a:bodyPr>
+          <a:bodyPr/>
           <a:lstStyle/>
           <a:p>
             <a:pPr marL="0" indent="0">
@@ -4100,53 +4158,22 @@
               <a:buNone/>
             </a:pPr>
             <a:r>
-              <a:rPr dirty="0"/>
               <a:t>Remedial Measures:</a:t>
             </a:r>
           </a:p>
           <a:p>
             <a:r>
-              <a:rPr lang="en-US" dirty="0" smtClean="0"/>
-              <a:t>Give extra reminders to patients the model predicts will be no shows</a:t>
-            </a:r>
-          </a:p>
-          <a:p>
-            <a:r>
-              <a:rPr lang="en-US" dirty="0"/>
-              <a:t>More booking: Using the predictive model, schedule more </a:t>
-            </a:r>
-            <a:r>
-              <a:rPr lang="en-US" dirty="0" smtClean="0"/>
-              <a:t>appointments</a:t>
-            </a:r>
-            <a:endParaRPr dirty="0"/>
-          </a:p>
-          <a:p>
-            <a:r>
-              <a:rPr dirty="0"/>
+              <a:t>More booking: Using the predictive model, schedule more appointments</a:t>
+            </a:r>
+          </a:p>
+          <a:p>
+            <a:r>
               <a:t>No-Show fees: Charging fees  for a no-show appointment</a:t>
             </a:r>
           </a:p>
           <a:p>
             <a:r>
-              <a:rPr dirty="0"/>
-              <a:t>Incentives: by collecting fees upfront might provide an incentive </a:t>
-            </a:r>
-            <a:r>
-              <a:rPr dirty="0" smtClean="0"/>
-              <a:t>fo</a:t>
-            </a:r>
-            <a:r>
-              <a:rPr lang="en-US" dirty="0" smtClean="0"/>
-              <a:t>r</a:t>
-            </a:r>
-            <a:r>
-              <a:rPr dirty="0" smtClean="0"/>
-              <a:t> </a:t>
-            </a:r>
-            <a:r>
-              <a:rPr dirty="0"/>
-              <a:t>a patient to show-up</a:t>
+              <a:t>Incentives: by collecting fees upfront might provide an incentive fo a patient to show-up</a:t>
             </a:r>
           </a:p>
         </p:txBody>
@@ -4222,38 +4249,47 @@
           <a:lstStyle/>
           <a:p>
             <a:r>
-              <a:t>What is No-Show ?</a:t>
-            </a:r>
-          </a:p>
-          <a:p>
-            <a:r>
+              <a:rPr dirty="0"/>
+              <a:t>What is </a:t>
+            </a:r>
+            <a:r>
+              <a:rPr lang="en-US" dirty="0" smtClean="0"/>
+              <a:t>a </a:t>
+            </a:r>
+            <a:r>
+              <a:rPr dirty="0" smtClean="0"/>
+              <a:t>No-Show </a:t>
+            </a:r>
+            <a:r>
+              <a:rPr dirty="0"/>
+              <a:t>?</a:t>
+            </a:r>
+          </a:p>
+          <a:p>
+            <a:r>
+              <a:rPr dirty="0"/>
               <a:t>No-Shows cost the healthcare industry more than $150 billion annually</a:t>
             </a:r>
           </a:p>
           <a:p>
             <a:r>
+              <a:rPr dirty="0"/>
               <a:t>Dataset source (</a:t>
             </a:r>
             <a:r>
-              <a:rPr u="sng">
-                <a:solidFill>
-                  <a:srgbClr val="0000FF"/>
-                </a:solidFill>
-                <a:uFill>
-                  <a:solidFill>
-                    <a:srgbClr val="0000FF"/>
-                  </a:solidFill>
-                </a:uFill>
+              <a:rPr u="sng" dirty="0">
                 <a:hlinkClick r:id="rId2"/>
               </a:rPr>
               <a:t>https://www.kaggle.com/joniarroba/noshowappointments/data</a:t>
             </a:r>
             <a:r>
+              <a:rPr dirty="0"/>
               <a:t>)</a:t>
             </a:r>
           </a:p>
           <a:p>
             <a:r>
+              <a:rPr dirty="0"/>
               <a:t>110527 rows x 14 columns</a:t>
             </a:r>
           </a:p>
@@ -4265,178 +4301,17 @@
     <a:masterClrMapping/>
   </p:clrMapOvr>
   <p:transition spd="med"/>
+  <p:timing>
+    <p:tnLst>
+      <p:par>
+        <p:cTn id="1" dur="indefinite" restart="never" nodeType="tmRoot"/>
+      </p:par>
+    </p:tnLst>
+  </p:timing>
 </p:sld>
 </file>
 
 <file path=ppt/slides/slide3.xml><?xml version="1.0" encoding="utf-8"?>
-<p:sld xmlns:a="http://schemas.openxmlformats.org/drawingml/2006/main" xmlns:r="http://schemas.openxmlformats.org/officeDocument/2006/relationships" xmlns:p="http://schemas.openxmlformats.org/presentationml/2006/main">
-  <p:cSld>
-    <p:spTree>
-      <p:nvGrpSpPr>
-        <p:cNvPr id="1" name=""/>
-        <p:cNvGrpSpPr/>
-        <p:nvPr/>
-      </p:nvGrpSpPr>
-      <p:grpSpPr>
-        <a:xfrm>
-          <a:off x="0" y="0"/>
-          <a:ext cx="0" cy="0"/>
-          <a:chOff x="0" y="0"/>
-          <a:chExt cx="0" cy="0"/>
-        </a:xfrm>
-      </p:grpSpPr>
-      <p:sp>
-        <p:nvSpPr>
-          <p:cNvPr id="143" name="Feature Labels Table"/>
-          <p:cNvSpPr txBox="1">
-            <a:spLocks noGrp="1"/>
-          </p:cNvSpPr>
-          <p:nvPr>
-            <p:ph type="title"/>
-          </p:nvPr>
-        </p:nvSpPr>
-        <p:spPr>
-          <a:prstGeom prst="rect">
-            <a:avLst/>
-          </a:prstGeom>
-        </p:spPr>
-        <p:txBody>
-          <a:bodyPr/>
-          <a:lstStyle/>
-          <a:p>
-            <a:r>
-              <a:t>Feature Engineering</a:t>
-            </a:r>
-          </a:p>
-        </p:txBody>
-      </p:sp>
-      <p:sp>
-        <p:nvSpPr>
-          <p:cNvPr id="144" name="Body"/>
-          <p:cNvSpPr txBox="1">
-            <a:spLocks noGrp="1"/>
-          </p:cNvSpPr>
-          <p:nvPr>
-            <p:ph type="body" idx="1"/>
-          </p:nvPr>
-        </p:nvSpPr>
-        <p:spPr>
-          <a:prstGeom prst="rect">
-            <a:avLst/>
-          </a:prstGeom>
-        </p:spPr>
-        <p:txBody>
-          <a:bodyPr/>
-          <a:lstStyle/>
-          <a:p>
-            <a:endParaRPr/>
-          </a:p>
-        </p:txBody>
-      </p:sp>
-      <p:grpSp>
-        <p:nvGrpSpPr>
-          <p:cNvPr id="147" name="Image Gallery"/>
-          <p:cNvGrpSpPr/>
-          <p:nvPr/>
-        </p:nvGrpSpPr>
-        <p:grpSpPr>
-          <a:xfrm>
-            <a:off x="319218" y="3924600"/>
-            <a:ext cx="13403059" cy="4876501"/>
-            <a:chOff x="0" y="0"/>
-            <a:chExt cx="13403057" cy="4876500"/>
-          </a:xfrm>
-        </p:grpSpPr>
-        <p:pic>
-          <p:nvPicPr>
-            <p:cNvPr id="145" name="features_labels_table.png" descr="features_labels_table.png"/>
-            <p:cNvPicPr>
-              <a:picLocks noChangeAspect="1"/>
-            </p:cNvPicPr>
-            <p:nvPr/>
-          </p:nvPicPr>
-          <p:blipFill>
-            <a:blip r:embed="rId2">
-              <a:extLst/>
-            </a:blip>
-            <a:srcRect t="743" b="743"/>
-            <a:stretch>
-              <a:fillRect/>
-            </a:stretch>
-          </p:blipFill>
-          <p:spPr>
-            <a:xfrm>
-              <a:off x="-1" y="0"/>
-              <a:ext cx="13403059" cy="4317702"/>
-            </a:xfrm>
-            <a:prstGeom prst="rect">
-              <a:avLst/>
-            </a:prstGeom>
-            <a:ln w="12700" cap="flat">
-              <a:noFill/>
-              <a:miter lim="400000"/>
-            </a:ln>
-            <a:effectLst/>
-          </p:spPr>
-        </p:pic>
-        <p:sp>
-          <p:nvSpPr>
-            <p:cNvPr id="146" name="Feature Labels Table"/>
-            <p:cNvSpPr txBox="1"/>
-            <p:nvPr/>
-          </p:nvSpPr>
-          <p:spPr>
-            <a:xfrm>
-              <a:off x="-1" y="4393901"/>
-              <a:ext cx="13403059" cy="482601"/>
-            </a:xfrm>
-            <a:prstGeom prst="rect">
-              <a:avLst/>
-            </a:prstGeom>
-            <a:noFill/>
-            <a:ln w="12700" cap="flat">
-              <a:noFill/>
-              <a:miter lim="400000"/>
-            </a:ln>
-            <a:effectLst/>
-            <a:extLst>
-              <a:ext uri="{C572A759-6A51-4108-AA02-DFA0A04FC94B}">
-                <ma14:wrappingTextBoxFlag xmlns:ma14="http://schemas.microsoft.com/office/mac/drawingml/2011/main" xmlns:a14="http://schemas.microsoft.com/office/drawing/2010/main" xmlns:m="http://schemas.openxmlformats.org/officeDocument/2006/math" xmlns="" val="1"/>
-              </a:ext>
-            </a:extLst>
-          </p:spPr>
-          <p:txBody>
-            <a:bodyPr wrap="square" lIns="76200" tIns="76200" rIns="76200" bIns="76200" numCol="1" anchor="t">
-              <a:spAutoFit/>
-            </a:bodyPr>
-            <a:lstStyle>
-              <a:lvl1pPr>
-                <a:defRPr sz="2000">
-                  <a:latin typeface="Palatino"/>
-                  <a:ea typeface="Palatino"/>
-                  <a:cs typeface="Palatino"/>
-                  <a:sym typeface="Palatino"/>
-                </a:defRPr>
-              </a:lvl1pPr>
-            </a:lstStyle>
-            <a:p>
-              <a:r>
-                <a:t>Feature Labels Table</a:t>
-              </a:r>
-            </a:p>
-          </p:txBody>
-        </p:sp>
-      </p:grpSp>
-    </p:spTree>
-  </p:cSld>
-  <p:clrMapOvr>
-    <a:masterClrMapping/>
-  </p:clrMapOvr>
-  <p:transition spd="med"/>
-</p:sld>
-</file>
-
-<file path=ppt/slides/slide4.xml><?xml version="1.0" encoding="utf-8"?>
 <p:sld xmlns:a="http://schemas.openxmlformats.org/drawingml/2006/main" xmlns:r="http://schemas.openxmlformats.org/officeDocument/2006/relationships" xmlns:p="http://schemas.openxmlformats.org/presentationml/2006/main">
   <p:cSld>
     <p:spTree>
@@ -4473,8 +4348,14 @@
           <a:lstStyle/>
           <a:p>
             <a:r>
-              <a:t>Analysis Correlations</a:t>
-            </a:r>
+              <a:rPr dirty="0"/>
+              <a:t>Feature </a:t>
+            </a:r>
+            <a:r>
+              <a:rPr lang="en-US" dirty="0"/>
+              <a:t>Engineering</a:t>
+            </a:r>
+            <a:endParaRPr dirty="0"/>
           </a:p>
         </p:txBody>
       </p:sp>
@@ -4497,15 +4378,161 @@
           <a:bodyPr/>
           <a:lstStyle/>
           <a:p>
-            <a:r>
-              <a:t>Very poor correlations versus label</a:t>
+            <a:endParaRPr dirty="0"/>
+          </a:p>
+        </p:txBody>
+      </p:sp>
+      <p:grpSp>
+        <p:nvGrpSpPr>
+          <p:cNvPr id="153" name="Image Gallery"/>
+          <p:cNvGrpSpPr/>
+          <p:nvPr/>
+        </p:nvGrpSpPr>
+        <p:grpSpPr>
+          <a:xfrm>
+            <a:off x="319219" y="3924600"/>
+            <a:ext cx="13403056" cy="4876501"/>
+            <a:chOff x="0" y="0"/>
+            <a:chExt cx="13403054" cy="4876499"/>
+          </a:xfrm>
+        </p:grpSpPr>
+        <p:pic>
+          <p:nvPicPr>
+            <p:cNvPr id="151" name="features_labels_table.png" descr="features_labels_table.png"/>
+            <p:cNvPicPr>
+              <a:picLocks noChangeAspect="1"/>
+            </p:cNvPicPr>
+            <p:nvPr/>
+          </p:nvPicPr>
+          <p:blipFill>
+            <a:blip r:embed="rId2"/>
+            <a:srcRect t="743" b="743"/>
+            <a:stretch>
+              <a:fillRect/>
+            </a:stretch>
+          </p:blipFill>
+          <p:spPr>
+            <a:xfrm>
+              <a:off x="0" y="0"/>
+              <a:ext cx="13403055" cy="4317700"/>
+            </a:xfrm>
+            <a:prstGeom prst="rect">
+              <a:avLst/>
+            </a:prstGeom>
+            <a:ln w="12700" cap="flat">
+              <a:noFill/>
+              <a:miter lim="400000"/>
+            </a:ln>
+            <a:effectLst/>
+          </p:spPr>
+        </p:pic>
+        <p:sp>
+          <p:nvSpPr>
+            <p:cNvPr id="152" name="Feature Labels Table"/>
+            <p:cNvSpPr/>
+            <p:nvPr/>
+          </p:nvSpPr>
+          <p:spPr>
+            <a:xfrm>
+              <a:off x="0" y="4393899"/>
+              <a:ext cx="13403055" cy="482601"/>
+            </a:xfrm>
+            <a:prstGeom prst="rect">
+              <a:avLst/>
+            </a:prstGeom>
+            <a:noFill/>
+            <a:ln w="12700" cap="flat">
+              <a:noFill/>
+              <a:miter lim="400000"/>
+            </a:ln>
+            <a:effectLst/>
+            <a:extLst>
+              <a:ext uri="{C572A759-6A51-4108-AA02-DFA0A04FC94B}">
+                <ma14:wrappingTextBoxFlag xmlns="" xmlns:m="http://schemas.openxmlformats.org/officeDocument/2006/math" xmlns:a14="http://schemas.microsoft.com/office/drawing/2010/main" xmlns:ma14="http://schemas.microsoft.com/office/mac/drawingml/2011/main" val="1"/>
+              </a:ext>
+            </a:extLst>
+          </p:spPr>
+          <p:txBody>
+            <a:bodyPr wrap="square" lIns="76200" tIns="76200" rIns="76200" bIns="76200" numCol="1" anchor="t">
+              <a:noAutofit/>
+            </a:bodyPr>
+            <a:lstStyle>
+              <a:lvl1pPr>
+                <a:defRPr sz="2000"/>
+              </a:lvl1pPr>
+            </a:lstStyle>
+            <a:p>
+              <a:r>
+                <a:rPr dirty="0"/>
+                <a:t>Feature Labels Table</a:t>
+              </a:r>
+            </a:p>
+          </p:txBody>
+        </p:sp>
+      </p:grpSp>
+    </p:spTree>
+  </p:cSld>
+  <p:clrMapOvr>
+    <a:masterClrMapping/>
+  </p:clrMapOvr>
+  <p:transition spd="med"/>
+  <p:timing>
+    <p:tnLst>
+      <p:par>
+        <p:cTn id="1" dur="indefinite" restart="never" nodeType="tmRoot"/>
+      </p:par>
+    </p:tnLst>
+  </p:timing>
+</p:sld>
+</file>
+
+<file path=ppt/slides/slide4.xml><?xml version="1.0" encoding="utf-8"?>
+<p:sld xmlns:a="http://schemas.openxmlformats.org/drawingml/2006/main" xmlns:r="http://schemas.openxmlformats.org/officeDocument/2006/relationships" xmlns:p="http://schemas.openxmlformats.org/presentationml/2006/main">
+  <p:cSld>
+    <p:spTree>
+      <p:nvGrpSpPr>
+        <p:cNvPr id="1" name=""/>
+        <p:cNvGrpSpPr/>
+        <p:nvPr/>
+      </p:nvGrpSpPr>
+      <p:grpSpPr>
+        <a:xfrm>
+          <a:off x="0" y="0"/>
+          <a:ext cx="0" cy="0"/>
+          <a:chOff x="0" y="0"/>
+          <a:chExt cx="0" cy="0"/>
+        </a:xfrm>
+      </p:grpSpPr>
+      <p:sp>
+        <p:nvSpPr>
+          <p:cNvPr id="2" name="Title 1"/>
+          <p:cNvSpPr>
+            <a:spLocks noGrp="1"/>
+          </p:cNvSpPr>
+          <p:nvPr>
+            <p:ph type="title"/>
+          </p:nvPr>
+        </p:nvSpPr>
+        <p:spPr>
+          <a:xfrm>
+            <a:off x="482600" y="-76200"/>
+            <a:ext cx="11988800" cy="1219200"/>
+          </a:xfrm>
+        </p:spPr>
+        <p:txBody>
+          <a:bodyPr/>
+          <a:lstStyle/>
+          <a:p>
+            <a:r>
+              <a:rPr lang="en-US" dirty="0"/>
+              <a:t>Analysis</a:t>
             </a:r>
           </a:p>
         </p:txBody>
       </p:sp>
       <p:pic>
         <p:nvPicPr>
-          <p:cNvPr id="151" name="Picture 2" descr="Picture 2"/>
+          <p:cNvPr id="6" name="Picture 5"/>
           <p:cNvPicPr>
             <a:picLocks noChangeAspect="1"/>
           </p:cNvPicPr>
@@ -4513,7 +4540,11 @@
         </p:nvPicPr>
         <p:blipFill>
           <a:blip r:embed="rId2">
-            <a:extLst/>
+            <a:extLst>
+              <a:ext uri="{28A0092B-C50C-407E-A947-70E740481C1C}">
+                <a14:useLocalDpi xmlns:a14="http://schemas.microsoft.com/office/drawing/2010/main" val="0"/>
+              </a:ext>
+            </a:extLst>
           </a:blip>
           <a:stretch>
             <a:fillRect/>
@@ -4521,23 +4552,122 @@
         </p:blipFill>
         <p:spPr>
           <a:xfrm>
-            <a:off x="8102600" y="2659379"/>
-            <a:ext cx="4360946" cy="6172201"/>
+            <a:off x="767080" y="990448"/>
+            <a:ext cx="5257800" cy="4267352"/>
           </a:xfrm>
           <a:prstGeom prst="rect">
             <a:avLst/>
           </a:prstGeom>
-          <a:ln w="12700">
-            <a:miter lim="400000"/>
-          </a:ln>
+        </p:spPr>
+      </p:pic>
+      <p:pic>
+        <p:nvPicPr>
+          <p:cNvPr id="8" name="Picture 7"/>
+          <p:cNvPicPr>
+            <a:picLocks noChangeAspect="1"/>
+          </p:cNvPicPr>
+          <p:nvPr/>
+        </p:nvPicPr>
+        <p:blipFill>
+          <a:blip r:embed="rId3">
+            <a:extLst>
+              <a:ext uri="{28A0092B-C50C-407E-A947-70E740481C1C}">
+                <a14:useLocalDpi xmlns:a14="http://schemas.microsoft.com/office/drawing/2010/main" val="0"/>
+              </a:ext>
+            </a:extLst>
+          </a:blip>
+          <a:stretch>
+            <a:fillRect/>
+          </a:stretch>
+        </p:blipFill>
+        <p:spPr>
+          <a:xfrm>
+            <a:off x="6350000" y="990600"/>
+            <a:ext cx="5181600" cy="4205507"/>
+          </a:xfrm>
+          <a:prstGeom prst="rect">
+            <a:avLst/>
+          </a:prstGeom>
+        </p:spPr>
+      </p:pic>
+      <p:pic>
+        <p:nvPicPr>
+          <p:cNvPr id="9" name="Picture 8"/>
+          <p:cNvPicPr>
+            <a:picLocks noChangeAspect="1"/>
+          </p:cNvPicPr>
+          <p:nvPr/>
+        </p:nvPicPr>
+        <p:blipFill>
+          <a:blip r:embed="rId4">
+            <a:extLst>
+              <a:ext uri="{28A0092B-C50C-407E-A947-70E740481C1C}">
+                <a14:useLocalDpi xmlns:a14="http://schemas.microsoft.com/office/drawing/2010/main" val="0"/>
+              </a:ext>
+            </a:extLst>
+          </a:blip>
+          <a:stretch>
+            <a:fillRect/>
+          </a:stretch>
+        </p:blipFill>
+        <p:spPr>
+          <a:xfrm>
+            <a:off x="939800" y="5562600"/>
+            <a:ext cx="5085080" cy="4053910"/>
+          </a:xfrm>
+          <a:prstGeom prst="rect">
+            <a:avLst/>
+          </a:prstGeom>
+        </p:spPr>
+      </p:pic>
+      <p:pic>
+        <p:nvPicPr>
+          <p:cNvPr id="10" name="Picture 9"/>
+          <p:cNvPicPr>
+            <a:picLocks noChangeAspect="1"/>
+          </p:cNvPicPr>
+          <p:nvPr/>
+        </p:nvPicPr>
+        <p:blipFill>
+          <a:blip r:embed="rId5">
+            <a:extLst>
+              <a:ext uri="{28A0092B-C50C-407E-A947-70E740481C1C}">
+                <a14:useLocalDpi xmlns:a14="http://schemas.microsoft.com/office/drawing/2010/main" val="0"/>
+              </a:ext>
+            </a:extLst>
+          </a:blip>
+          <a:stretch>
+            <a:fillRect/>
+          </a:stretch>
+        </p:blipFill>
+        <p:spPr>
+          <a:xfrm>
+            <a:off x="6350000" y="5562600"/>
+            <a:ext cx="5334000" cy="4221450"/>
+          </a:xfrm>
+          <a:prstGeom prst="rect">
+            <a:avLst/>
+          </a:prstGeom>
         </p:spPr>
       </p:pic>
     </p:spTree>
+    <p:extLst>
+      <p:ext uri="{BB962C8B-B14F-4D97-AF65-F5344CB8AC3E}">
+        <p14:creationId xmlns:p14="http://schemas.microsoft.com/office/powerpoint/2010/main" val="1324395071"/>
+      </p:ext>
+    </p:extLst>
   </p:cSld>
   <p:clrMapOvr>
     <a:masterClrMapping/>
   </p:clrMapOvr>
   <p:transition spd="med"/>
+  <p:timing>
+    <p:tnLst>
+      <p:par>
+        <p:cTn id="1" dur="indefinite" restart="never" nodeType="tmRoot"/>
+      </p:par>
+    </p:tnLst>
+  </p:timing>
 </p:sld>
 </file>
 
@@ -4560,7 +4690,7 @@
       </p:grpSpPr>
       <p:sp>
         <p:nvSpPr>
-          <p:cNvPr id="153" name="Title 1"/>
+          <p:cNvPr id="149" name="Feature Labels Table"/>
           <p:cNvSpPr txBox="1">
             <a:spLocks noGrp="1"/>
           </p:cNvSpPr>
@@ -4578,14 +4708,16 @@
           <a:lstStyle/>
           <a:p>
             <a:r>
+              <a:rPr lang="en-US" dirty="0" smtClean="0"/>
               <a:t>Analysis</a:t>
             </a:r>
+            <a:endParaRPr dirty="0"/>
           </a:p>
         </p:txBody>
       </p:sp>
       <p:sp>
         <p:nvSpPr>
-          <p:cNvPr id="154" name="Text Placeholder 2"/>
+          <p:cNvPr id="150" name="Body"/>
           <p:cNvSpPr txBox="1">
             <a:spLocks noGrp="1"/>
           </p:cNvSpPr>
@@ -4602,113 +4734,96 @@
           <a:bodyPr/>
           <a:lstStyle/>
           <a:p>
-            <a:endParaRPr/>
+            <a:r>
+              <a:rPr lang="en-US" dirty="0"/>
+              <a:t>Very poor correlations versus label</a:t>
+            </a:r>
+            <a:endParaRPr dirty="0"/>
           </a:p>
         </p:txBody>
       </p:sp>
-      <p:grpSp>
-        <p:nvGrpSpPr>
-          <p:cNvPr id="157" name="Image Gallery"/>
-          <p:cNvGrpSpPr/>
+      <p:pic>
+        <p:nvPicPr>
+          <p:cNvPr id="1026" name="Picture 2"/>
+          <p:cNvPicPr>
+            <a:picLocks noChangeAspect="1" noChangeArrowheads="1"/>
+          </p:cNvPicPr>
           <p:nvPr/>
-        </p:nvGrpSpPr>
-        <p:grpSpPr>
-          <a:xfrm>
-            <a:off x="609805" y="1770164"/>
-            <a:ext cx="11997294" cy="8550072"/>
-            <a:chOff x="0" y="0"/>
-            <a:chExt cx="11997292" cy="8550070"/>
-          </a:xfrm>
-        </p:grpSpPr>
-        <p:pic>
-          <p:nvPicPr>
-            <p:cNvPr id="155" name="Screen Shot 2019-12-02 at 3.48.52 PM.png" descr="Screen Shot 2019-12-02 at 3.48.52 PM.png"/>
-            <p:cNvPicPr>
-              <a:picLocks noChangeAspect="1"/>
-            </p:cNvPicPr>
-            <p:nvPr/>
-          </p:nvPicPr>
-          <p:blipFill>
-            <a:blip r:embed="rId2">
-              <a:extLst/>
-            </a:blip>
-            <a:srcRect l="115" r="115"/>
-            <a:stretch>
-              <a:fillRect/>
-            </a:stretch>
-          </p:blipFill>
-          <p:spPr>
-            <a:xfrm>
-              <a:off x="0" y="0"/>
-              <a:ext cx="11997293" cy="8016671"/>
-            </a:xfrm>
-            <a:prstGeom prst="rect">
-              <a:avLst/>
-            </a:prstGeom>
-            <a:ln w="12700" cap="flat">
-              <a:noFill/>
-              <a:miter lim="400000"/>
-            </a:ln>
-            <a:effectLst/>
-          </p:spPr>
-        </p:pic>
-        <p:sp>
-          <p:nvSpPr>
-            <p:cNvPr id="156" name="Type to enter a caption."/>
-            <p:cNvSpPr/>
-            <p:nvPr/>
-          </p:nvSpPr>
-          <p:spPr>
-            <a:xfrm>
-              <a:off x="0" y="8092870"/>
-              <a:ext cx="11997293" cy="457201"/>
-            </a:xfrm>
-            <a:prstGeom prst="rect">
-              <a:avLst/>
-            </a:prstGeom>
-            <a:noFill/>
-            <a:ln w="12700" cap="flat">
-              <a:noFill/>
-              <a:miter lim="400000"/>
-            </a:ln>
-            <a:effectLst/>
+        </p:nvPicPr>
+        <p:blipFill>
+          <a:blip r:embed="rId2">
             <a:extLst>
-              <a:ext uri="{C572A759-6A51-4108-AA02-DFA0A04FC94B}">
-                <ma14:wrappingTextBoxFlag xmlns:ma14="http://schemas.microsoft.com/office/mac/drawingml/2011/main" xmlns:a14="http://schemas.microsoft.com/office/drawing/2010/main" xmlns:m="http://schemas.openxmlformats.org/officeDocument/2006/math" xmlns="" val="1"/>
+              <a:ext uri="{28A0092B-C50C-407E-A947-70E740481C1C}">
+                <a14:useLocalDpi xmlns:a14="http://schemas.microsoft.com/office/drawing/2010/main" val="0"/>
               </a:ext>
             </a:extLst>
-          </p:spPr>
-          <p:txBody>
-            <a:bodyPr wrap="square" lIns="76200" tIns="76200" rIns="76200" bIns="76200" numCol="1" anchor="t">
-              <a:noAutofit/>
-            </a:bodyPr>
-            <a:lstStyle>
-              <a:lvl1pPr>
-                <a:defRPr sz="1800">
-                  <a:solidFill>
-                    <a:srgbClr val="4C4946"/>
-                  </a:solidFill>
-                  <a:latin typeface="Palatino"/>
-                  <a:ea typeface="Palatino"/>
-                  <a:cs typeface="Palatino"/>
-                  <a:sym typeface="Palatino"/>
-                </a:defRPr>
-              </a:lvl1pPr>
-            </a:lstStyle>
-            <a:p>
-              <a:r>
-                <a:t>Type to enter a caption.</a:t>
-              </a:r>
-            </a:p>
-          </p:txBody>
-        </p:sp>
-      </p:grpSp>
+          </a:blip>
+          <a:srcRect/>
+          <a:stretch>
+            <a:fillRect/>
+          </a:stretch>
+        </p:blipFill>
+        <p:spPr bwMode="auto">
+          <a:xfrm>
+            <a:off x="8102600" y="2659380"/>
+            <a:ext cx="4360945" cy="6172200"/>
+          </a:xfrm>
+          <a:prstGeom prst="rect">
+            <a:avLst/>
+          </a:prstGeom>
+          <a:noFill/>
+          <a:ln>
+            <a:noFill/>
+          </a:ln>
+          <a:effectLst/>
+          <a:extLst>
+            <a:ext uri="{909E8E84-426E-40DD-AFC4-6F175D3DCCD1}">
+              <a14:hiddenFill xmlns:a14="http://schemas.microsoft.com/office/drawing/2010/main">
+                <a:solidFill>
+                  <a:schemeClr val="accent1"/>
+                </a:solidFill>
+              </a14:hiddenFill>
+            </a:ext>
+            <a:ext uri="{91240B29-F687-4F45-9708-019B960494DF}">
+              <a14:hiddenLine xmlns:a14="http://schemas.microsoft.com/office/drawing/2010/main" w="9525">
+                <a:solidFill>
+                  <a:schemeClr val="tx1"/>
+                </a:solidFill>
+                <a:miter lim="800000"/>
+                <a:headEnd/>
+                <a:tailEnd/>
+              </a14:hiddenLine>
+            </a:ext>
+            <a:ext uri="{AF507438-7753-43E0-B8FC-AC1667EBCBE1}">
+              <a14:hiddenEffects xmlns:a14="http://schemas.microsoft.com/office/drawing/2010/main">
+                <a:effectLst>
+                  <a:outerShdw dist="35921" dir="2700000" algn="ctr" rotWithShape="0">
+                    <a:schemeClr val="bg2"/>
+                  </a:outerShdw>
+                </a:effectLst>
+              </a14:hiddenEffects>
+            </a:ext>
+          </a:extLst>
+        </p:spPr>
+      </p:pic>
     </p:spTree>
+    <p:extLst>
+      <p:ext uri="{BB962C8B-B14F-4D97-AF65-F5344CB8AC3E}">
+        <p14:creationId xmlns:p14="http://schemas.microsoft.com/office/powerpoint/2010/main" val="131258133"/>
+      </p:ext>
+    </p:extLst>
   </p:cSld>
   <p:clrMapOvr>
     <a:masterClrMapping/>
   </p:clrMapOvr>
   <p:transition spd="med"/>
+  <p:timing>
+    <p:tnLst>
+      <p:par>
+        <p:cTn id="1" dur="indefinite" restart="never" nodeType="tmRoot"/>
+      </p:par>
+    </p:tnLst>
+  </p:timing>
 </p:sld>
 </file>
 
@@ -4731,24 +4846,21 @@
       </p:grpSpPr>
       <p:sp>
         <p:nvSpPr>
-          <p:cNvPr id="159" name="Title 1"/>
-          <p:cNvSpPr txBox="1">
+          <p:cNvPr id="2" name="Title 1"/>
+          <p:cNvSpPr>
             <a:spLocks noGrp="1"/>
           </p:cNvSpPr>
           <p:nvPr>
             <p:ph type="title"/>
           </p:nvPr>
         </p:nvSpPr>
-        <p:spPr>
-          <a:prstGeom prst="rect">
-            <a:avLst/>
-          </a:prstGeom>
-        </p:spPr>
+        <p:spPr/>
         <p:txBody>
           <a:bodyPr/>
           <a:lstStyle/>
           <a:p>
             <a:r>
+              <a:rPr lang="en-US" dirty="0"/>
               <a:t>Model Selection</a:t>
             </a:r>
           </a:p>
@@ -4756,62 +4868,77 @@
       </p:sp>
       <p:sp>
         <p:nvSpPr>
-          <p:cNvPr id="160" name="Text Placeholder 4"/>
-          <p:cNvSpPr txBox="1">
+          <p:cNvPr id="5" name="Text Placeholder 4">
+            <a:extLst>
+              <a:ext uri="{FF2B5EF4-FFF2-40B4-BE49-F238E27FC236}">
+                <a16:creationId xmlns:a16="http://schemas.microsoft.com/office/drawing/2014/main" xmlns="" id="{43EB0AD5-CC77-47D5-90FE-336430362165}"/>
+              </a:ext>
+            </a:extLst>
+          </p:cNvPr>
+          <p:cNvSpPr>
             <a:spLocks noGrp="1"/>
           </p:cNvSpPr>
           <p:nvPr>
             <p:ph type="body" idx="1"/>
           </p:nvPr>
         </p:nvSpPr>
-        <p:spPr>
-          <a:prstGeom prst="rect">
-            <a:avLst/>
-          </a:prstGeom>
-        </p:spPr>
+        <p:spPr/>
         <p:txBody>
           <a:bodyPr/>
           <a:lstStyle/>
           <a:p>
-            <a:endParaRPr/>
+            <a:endParaRPr lang="en-US"/>
           </a:p>
         </p:txBody>
       </p:sp>
       <p:pic>
         <p:nvPicPr>
-          <p:cNvPr id="161" name="Picture 6" descr="Picture 6"/>
+          <p:cNvPr id="6" name="Picture 6" descr="A screenshot of a cell phone&#10;&#10;Description generated with high confidence">
+            <a:extLst>
+              <a:ext uri="{FF2B5EF4-FFF2-40B4-BE49-F238E27FC236}">
+                <a16:creationId xmlns:a16="http://schemas.microsoft.com/office/drawing/2014/main" xmlns="" id="{BDC737AB-EAC6-4491-93F2-78DB69C37BD8}"/>
+              </a:ext>
+            </a:extLst>
+          </p:cNvPr>
           <p:cNvPicPr>
             <a:picLocks noChangeAspect="1"/>
           </p:cNvPicPr>
           <p:nvPr/>
         </p:nvPicPr>
         <p:blipFill>
-          <a:blip r:embed="rId2">
-            <a:extLst/>
-          </a:blip>
+          <a:blip r:embed="rId2"/>
           <a:stretch>
             <a:fillRect/>
           </a:stretch>
         </p:blipFill>
         <p:spPr>
           <a:xfrm>
-            <a:off x="319302" y="2917109"/>
-            <a:ext cx="12374114" cy="4982362"/>
+            <a:off x="319303" y="2917110"/>
+            <a:ext cx="12374112" cy="4982361"/>
           </a:xfrm>
           <a:prstGeom prst="rect">
             <a:avLst/>
           </a:prstGeom>
-          <a:ln w="12700">
-            <a:miter lim="400000"/>
-          </a:ln>
         </p:spPr>
       </p:pic>
     </p:spTree>
+    <p:extLst>
+      <p:ext uri="{BB962C8B-B14F-4D97-AF65-F5344CB8AC3E}">
+        <p14:creationId xmlns:p14="http://schemas.microsoft.com/office/powerpoint/2010/main" val="592215413"/>
+      </p:ext>
+    </p:extLst>
   </p:cSld>
   <p:clrMapOvr>
     <a:masterClrMapping/>
   </p:clrMapOvr>
   <p:transition spd="med"/>
+  <p:timing>
+    <p:tnLst>
+      <p:par>
+        <p:cTn id="1" dur="indefinite" restart="never" nodeType="tmRoot"/>
+      </p:par>
+    </p:tnLst>
+  </p:timing>
 </p:sld>
 </file>
 
@@ -4834,24 +4961,21 @@
       </p:grpSpPr>
       <p:sp>
         <p:nvSpPr>
-          <p:cNvPr id="163" name="Title 1"/>
-          <p:cNvSpPr txBox="1">
+          <p:cNvPr id="2" name="Title 1"/>
+          <p:cNvSpPr>
             <a:spLocks noGrp="1"/>
           </p:cNvSpPr>
           <p:nvPr>
             <p:ph type="title"/>
           </p:nvPr>
         </p:nvSpPr>
-        <p:spPr>
-          <a:prstGeom prst="rect">
-            <a:avLst/>
-          </a:prstGeom>
-        </p:spPr>
+        <p:spPr/>
         <p:txBody>
           <a:bodyPr/>
           <a:lstStyle/>
           <a:p>
             <a:r>
+              <a:rPr lang="en-US" dirty="0"/>
               <a:t>Model Selection</a:t>
             </a:r>
           </a:p>
@@ -4859,229 +4983,129 @@
       </p:sp>
       <p:sp>
         <p:nvSpPr>
-          <p:cNvPr id="164" name="Text Placeholder 2"/>
-          <p:cNvSpPr txBox="1">
+          <p:cNvPr id="3" name="Text Placeholder 2"/>
+          <p:cNvSpPr>
             <a:spLocks noGrp="1"/>
           </p:cNvSpPr>
           <p:nvPr>
             <p:ph type="body" idx="1"/>
           </p:nvPr>
         </p:nvSpPr>
-        <p:spPr>
-          <a:prstGeom prst="rect">
-            <a:avLst/>
-          </a:prstGeom>
-        </p:spPr>
+        <p:spPr/>
         <p:txBody>
-          <a:bodyPr/>
+          <a:bodyPr>
+            <a:normAutofit fontScale="70000" lnSpcReduction="20000"/>
+          </a:bodyPr>
           <a:lstStyle/>
           <a:p>
-            <a:pPr marL="408812" indent="-408812" defTabSz="508254">
-              <a:lnSpc>
-                <a:spcPct val="80000"/>
-              </a:lnSpc>
-              <a:spcBef>
-                <a:spcPts val="2000"/>
-              </a:spcBef>
-              <a:defRPr sz="2175"/>
-            </a:pPr>
-            <a:r>
-              <a:rPr dirty="0"/>
+            <a:r>
+              <a:rPr lang="en-US" dirty="0"/>
               <a:t>Individual models - </a:t>
             </a:r>
             <a:r>
-              <a:rPr sz="1566" dirty="0"/>
+              <a:rPr lang="en-US" sz="2600" dirty="0"/>
               <a:t>LOG,DTC,RFC,KNN,XGB,</a:t>
             </a:r>
             <a:r>
-              <a:rPr sz="1653" dirty="0"/>
+              <a:rPr lang="en-US" sz="2800" dirty="0"/>
               <a:t> SGD,SVC</a:t>
             </a:r>
-            <a:endParaRPr sz="2262" dirty="0"/>
-          </a:p>
-          <a:p>
-            <a:pPr marL="817625" lvl="1" indent="-408812" defTabSz="508254">
-              <a:lnSpc>
-                <a:spcPct val="80000"/>
-              </a:lnSpc>
-              <a:spcBef>
-                <a:spcPts val="2000"/>
-              </a:spcBef>
-              <a:defRPr sz="2175"/>
-            </a:pPr>
-            <a:r>
-              <a:rPr dirty="0"/>
+            <a:endParaRPr lang="en-US" sz="2600" dirty="0"/>
+          </a:p>
+          <a:p>
+            <a:pPr lvl="1"/>
+            <a:r>
+              <a:rPr lang="en-US" dirty="0"/>
               <a:t>Best individual model - </a:t>
             </a:r>
             <a:r>
-              <a:rPr dirty="0" err="1"/>
+              <a:rPr lang="en-US" dirty="0" err="1"/>
               <a:t>XGBoost</a:t>
             </a:r>
-            <a:endParaRPr dirty="0"/>
-          </a:p>
-          <a:p>
-            <a:pPr marL="1226438" lvl="2" indent="-408812" defTabSz="508254">
-              <a:lnSpc>
-                <a:spcPct val="80000"/>
-              </a:lnSpc>
-              <a:spcBef>
-                <a:spcPts val="2000"/>
-              </a:spcBef>
-              <a:defRPr sz="2175"/>
-            </a:pPr>
-            <a:r>
-              <a:rPr dirty="0"/>
+          </a:p>
+          <a:p>
+            <a:pPr lvl="2"/>
+            <a:r>
+              <a:rPr lang="en-US" dirty="0"/>
               <a:t>Accuracy: 0.80</a:t>
             </a:r>
           </a:p>
           <a:p>
-            <a:pPr marL="1226438" lvl="2" indent="-408812" defTabSz="508254">
-              <a:lnSpc>
-                <a:spcPct val="80000"/>
-              </a:lnSpc>
-              <a:spcBef>
-                <a:spcPts val="2000"/>
-              </a:spcBef>
-              <a:defRPr sz="2175" b="1"/>
-            </a:pPr>
-            <a:r>
-              <a:rPr dirty="0"/>
+            <a:pPr lvl="2"/>
+            <a:r>
+              <a:rPr lang="en-US" b="1" dirty="0"/>
               <a:t>Precision</a:t>
             </a:r>
             <a:r>
-              <a:rPr b="0" dirty="0"/>
+              <a:rPr lang="en-US" dirty="0"/>
               <a:t>:  0.61</a:t>
             </a:r>
           </a:p>
           <a:p>
-            <a:pPr marL="1226438" lvl="2" indent="-408812" defTabSz="508254">
-              <a:lnSpc>
-                <a:spcPct val="80000"/>
-              </a:lnSpc>
-              <a:spcBef>
-                <a:spcPts val="2000"/>
-              </a:spcBef>
-              <a:defRPr sz="2175"/>
-            </a:pPr>
-            <a:r>
-              <a:rPr dirty="0"/>
+            <a:pPr lvl="2"/>
+            <a:r>
+              <a:rPr lang="en-US" dirty="0"/>
               <a:t>Recall:  0.02</a:t>
             </a:r>
           </a:p>
           <a:p>
-            <a:pPr marL="408812" indent="-408812" defTabSz="508254">
-              <a:lnSpc>
-                <a:spcPct val="80000"/>
-              </a:lnSpc>
-              <a:spcBef>
-                <a:spcPts val="2000"/>
-              </a:spcBef>
-              <a:defRPr sz="2175"/>
-            </a:pPr>
-            <a:r>
-              <a:rPr b="1" dirty="0"/>
-              <a:t>Best </a:t>
-            </a:r>
-            <a:r>
-              <a:rPr b="1" dirty="0" smtClean="0"/>
-              <a:t>model</a:t>
-            </a:r>
-            <a:r>
-              <a:rPr lang="en-US" b="1" dirty="0" smtClean="0"/>
-              <a:t> overall</a:t>
-            </a:r>
-            <a:r>
-              <a:rPr b="1" dirty="0" smtClean="0"/>
-              <a:t> </a:t>
-            </a:r>
-            <a:r>
-              <a:rPr b="1" dirty="0"/>
-              <a:t>- </a:t>
-            </a:r>
-            <a:r>
-              <a:rPr sz="1653" dirty="0"/>
+            <a:r>
+              <a:rPr lang="en-US" dirty="0"/>
+              <a:t>Best model - </a:t>
+            </a:r>
+            <a:r>
+              <a:rPr lang="en-US" sz="2800" dirty="0"/>
               <a:t>Voting Classifier (LOG, KNN,XGB,RFC)</a:t>
             </a:r>
           </a:p>
           <a:p>
-            <a:pPr marL="817625" lvl="1" indent="-408812" defTabSz="508254">
-              <a:lnSpc>
-                <a:spcPct val="80000"/>
-              </a:lnSpc>
-              <a:spcBef>
-                <a:spcPts val="2000"/>
-              </a:spcBef>
-              <a:defRPr sz="2175"/>
-            </a:pPr>
-            <a:r>
-              <a:rPr dirty="0"/>
+            <a:pPr lvl="1"/>
+            <a:r>
+              <a:rPr lang="en-US" dirty="0"/>
               <a:t>Scores</a:t>
             </a:r>
           </a:p>
           <a:p>
-            <a:pPr marL="1226438" lvl="2" indent="-408812" defTabSz="508254">
-              <a:lnSpc>
-                <a:spcPct val="80000"/>
-              </a:lnSpc>
-              <a:spcBef>
-                <a:spcPts val="2000"/>
-              </a:spcBef>
-              <a:defRPr sz="2175"/>
-            </a:pPr>
-            <a:r>
-              <a:rPr dirty="0"/>
+            <a:pPr lvl="2"/>
+            <a:r>
+              <a:rPr lang="en-US" dirty="0"/>
               <a:t>Accuracy: 0.80</a:t>
             </a:r>
           </a:p>
           <a:p>
-            <a:pPr marL="1226438" lvl="2" indent="-408812" defTabSz="508254">
-              <a:lnSpc>
-                <a:spcPct val="80000"/>
-              </a:lnSpc>
-              <a:spcBef>
-                <a:spcPts val="2000"/>
-              </a:spcBef>
-              <a:defRPr sz="2175" b="1"/>
-            </a:pPr>
-            <a:r>
-              <a:rPr dirty="0"/>
+            <a:pPr lvl="2"/>
+            <a:r>
+              <a:rPr lang="en-US" b="1" dirty="0"/>
               <a:t>Precision</a:t>
             </a:r>
             <a:r>
-              <a:rPr b="0" dirty="0"/>
+              <a:rPr lang="en-US" dirty="0"/>
               <a:t>:  0.75</a:t>
             </a:r>
           </a:p>
           <a:p>
-            <a:pPr marL="1226438" lvl="2" indent="-408812" defTabSz="508254">
-              <a:lnSpc>
-                <a:spcPct val="80000"/>
-              </a:lnSpc>
-              <a:spcBef>
-                <a:spcPts val="2000"/>
-              </a:spcBef>
-              <a:defRPr sz="2175"/>
-            </a:pPr>
-            <a:r>
-              <a:rPr dirty="0"/>
+            <a:pPr lvl="2"/>
+            <a:r>
+              <a:rPr lang="en-US" dirty="0"/>
               <a:t>Recall:  0.01</a:t>
             </a:r>
+          </a:p>
+          <a:p>
+            <a:endParaRPr lang="en-US" dirty="0"/>
           </a:p>
         </p:txBody>
       </p:sp>
     </p:spTree>
+    <p:extLst>
+      <p:ext uri="{BB962C8B-B14F-4D97-AF65-F5344CB8AC3E}">
+        <p14:creationId xmlns:p14="http://schemas.microsoft.com/office/powerpoint/2010/main" val="2683268282"/>
+      </p:ext>
+    </p:extLst>
   </p:cSld>
   <p:clrMapOvr>
     <a:masterClrMapping/>
   </p:clrMapOvr>
   <p:transition spd="med"/>
-  <p:timing>
-    <p:tnLst>
-      <p:par>
-        <p:cTn id="1" dur="indefinite" restart="never" nodeType="tmRoot"/>
-      </p:par>
-    </p:tnLst>
-  </p:timing>
 </p:sld>
 </file>
 
@@ -5104,7 +5128,7 @@
       </p:grpSpPr>
       <p:sp>
         <p:nvSpPr>
-          <p:cNvPr id="166" name="Current Model"/>
+          <p:cNvPr id="155" name="Current Model"/>
           <p:cNvSpPr txBox="1">
             <a:spLocks noGrp="1"/>
           </p:cNvSpPr>
@@ -5122,7 +5146,6 @@
           <a:lstStyle/>
           <a:p>
             <a:r>
-              <a:rPr dirty="0"/>
               <a:t>Current Model</a:t>
             </a:r>
           </a:p>
@@ -5130,7 +5153,7 @@
       </p:sp>
       <p:sp>
         <p:nvSpPr>
-          <p:cNvPr id="167" name="Body"/>
+          <p:cNvPr id="156" name="Body"/>
           <p:cNvSpPr txBox="1">
             <a:spLocks noGrp="1"/>
           </p:cNvSpPr>
@@ -5147,22 +5170,26 @@
           <a:bodyPr/>
           <a:lstStyle/>
           <a:p>
-            <a:endParaRPr dirty="0"/>
+            <a:endParaRPr/>
           </a:p>
         </p:txBody>
       </p:sp>
       <p:pic>
         <p:nvPicPr>
-          <p:cNvPr id="168" name="Picture 2" descr="Picture 2"/>
+          <p:cNvPr id="2" name="Picture 2" descr="A screenshot of a cell phone&#10;&#10;Description generated with very high confidence">
+            <a:extLst>
+              <a:ext uri="{FF2B5EF4-FFF2-40B4-BE49-F238E27FC236}">
+                <a16:creationId xmlns:a16="http://schemas.microsoft.com/office/drawing/2014/main" xmlns="" id="{2D87B5F1-6CDE-4652-B58D-E3EDF17D9CA2}"/>
+              </a:ext>
+            </a:extLst>
+          </p:cNvPr>
           <p:cNvPicPr>
             <a:picLocks noChangeAspect="1"/>
           </p:cNvPicPr>
           <p:nvPr/>
         </p:nvPicPr>
         <p:blipFill>
-          <a:blip r:embed="rId2">
-            <a:extLst/>
-          </a:blip>
+          <a:blip r:embed="rId2"/>
           <a:stretch>
             <a:fillRect/>
           </a:stretch>
@@ -5175,9 +5202,6 @@
           <a:prstGeom prst="rect">
             <a:avLst/>
           </a:prstGeom>
-          <a:ln w="12700">
-            <a:miter lim="400000"/>
-          </a:ln>
         </p:spPr>
       </p:pic>
     </p:spTree>
@@ -5186,13 +5210,6 @@
     <a:masterClrMapping/>
   </p:clrMapOvr>
   <p:transition spd="med"/>
-  <p:timing>
-    <p:tnLst>
-      <p:par>
-        <p:cTn id="1" dur="indefinite" restart="never" nodeType="tmRoot"/>
-      </p:par>
-    </p:tnLst>
-  </p:timing>
 </p:sld>
 </file>
 
@@ -5215,7 +5232,7 @@
       </p:grpSpPr>
       <p:sp>
         <p:nvSpPr>
-          <p:cNvPr id="170" name="Conclusion"/>
+          <p:cNvPr id="161" name="Conclusion"/>
           <p:cNvSpPr txBox="1">
             <a:spLocks noGrp="1"/>
           </p:cNvSpPr>
@@ -5233,14 +5250,16 @@
           <a:lstStyle/>
           <a:p>
             <a:r>
+              <a:rPr lang="en-US" dirty="0"/>
               <a:t>Implementation</a:t>
             </a:r>
+            <a:endParaRPr dirty="0"/>
           </a:p>
         </p:txBody>
       </p:sp>
       <p:sp>
         <p:nvSpPr>
-          <p:cNvPr id="171" name="Best model has a accuracy of 80% &amp; precision of 70%.…"/>
+          <p:cNvPr id="162" name="Best model has a accuracy of 80% &amp; precision of 70%.…"/>
           <p:cNvSpPr txBox="1">
             <a:spLocks noGrp="1"/>
           </p:cNvSpPr>
@@ -5258,28 +5277,26 @@
           <a:lstStyle/>
           <a:p>
             <a:r>
-              <a:rPr dirty="0"/>
+              <a:rPr lang="en-US" dirty="0"/>
               <a:t>Send extra reminders to the predicted no shows.</a:t>
             </a:r>
           </a:p>
           <a:p>
             <a:pPr marL="0" indent="0">
-              <a:buSzTx/>
               <a:buNone/>
-              <a:defRPr b="1"/>
             </a:pPr>
             <a:r>
-              <a:rPr dirty="0"/>
+              <a:rPr lang="en-US" b="1" dirty="0"/>
               <a:t>Potential Savings</a:t>
             </a:r>
           </a:p>
           <a:p>
             <a:r>
-              <a:rPr dirty="0"/>
+              <a:rPr lang="en-US" dirty="0"/>
               <a:t>Every 2 months the model predicts </a:t>
             </a:r>
             <a:r>
-              <a:rPr dirty="0">
+              <a:rPr lang="en-US" dirty="0">
                 <a:solidFill>
                   <a:srgbClr val="00B0F0"/>
                 </a:solidFill>
@@ -5287,26 +5304,17 @@
               <a:t>150</a:t>
             </a:r>
             <a:r>
-              <a:rPr dirty="0"/>
-              <a:t> no </a:t>
-            </a:r>
-            <a:r>
-              <a:rPr dirty="0" smtClean="0"/>
-              <a:t>shows</a:t>
-            </a:r>
-            <a:r>
-              <a:rPr lang="en-US" dirty="0" smtClean="0"/>
-              <a:t> correctly</a:t>
-            </a:r>
-            <a:endParaRPr dirty="0"/>
-          </a:p>
-          <a:p>
-            <a:r>
-              <a:rPr dirty="0"/>
+              <a:rPr lang="en-US" dirty="0"/>
+              <a:t> no shows</a:t>
+            </a:r>
+          </a:p>
+          <a:p>
+            <a:r>
+              <a:rPr lang="en-US" dirty="0"/>
               <a:t>Assume $</a:t>
             </a:r>
             <a:r>
-              <a:rPr dirty="0">
+              <a:rPr lang="en-US" dirty="0">
                 <a:solidFill>
                   <a:srgbClr val="00B050"/>
                 </a:solidFill>
@@ -5314,17 +5322,17 @@
               <a:t>50 </a:t>
             </a:r>
             <a:r>
-              <a:rPr dirty="0"/>
+              <a:rPr lang="en-US" dirty="0"/>
               <a:t>per visit</a:t>
             </a:r>
           </a:p>
           <a:p>
             <a:r>
-              <a:rPr dirty="0"/>
+              <a:rPr lang="en-US" dirty="0"/>
               <a:t>These extra reminders could save up to </a:t>
             </a:r>
             <a:r>
-              <a:rPr dirty="0">
+              <a:rPr lang="en-US" dirty="0">
                 <a:solidFill>
                   <a:srgbClr val="00B0F0"/>
                 </a:solidFill>
@@ -5332,11 +5340,11 @@
               <a:t>150</a:t>
             </a:r>
             <a:r>
-              <a:rPr dirty="0"/>
+              <a:rPr lang="en-US" dirty="0"/>
               <a:t>*</a:t>
             </a:r>
             <a:r>
-              <a:rPr dirty="0">
+              <a:rPr lang="en-US" dirty="0">
                 <a:solidFill>
                   <a:srgbClr val="00B050"/>
                 </a:solidFill>
@@ -5344,17 +5352,18 @@
               <a:t>50</a:t>
             </a:r>
             <a:r>
-              <a:rPr dirty="0"/>
+              <a:rPr lang="en-US" dirty="0"/>
               <a:t> = </a:t>
             </a:r>
             <a:r>
-              <a:rPr b="1" dirty="0"/>
+              <a:rPr lang="en-US" b="1" dirty="0"/>
               <a:t>$7500 </a:t>
             </a:r>
             <a:r>
-              <a:rPr dirty="0"/>
+              <a:rPr lang="en-US" dirty="0"/>
               <a:t>per quarter</a:t>
             </a:r>
+            <a:endParaRPr b="1" dirty="0"/>
           </a:p>
         </p:txBody>
       </p:sp>
@@ -5364,13 +5373,6 @@
     <a:masterClrMapping/>
   </p:clrMapOvr>
   <p:transition spd="med"/>
-  <p:timing>
-    <p:tnLst>
-      <p:par>
-        <p:cTn id="1" dur="indefinite" restart="never" nodeType="tmRoot"/>
-      </p:par>
-    </p:tnLst>
-  </p:timing>
 </p:sld>
 </file>
 
@@ -5382,13 +5384,13 @@
         <a:srgbClr val="414141"/>
       </a:dk1>
       <a:lt1>
-        <a:srgbClr val="FFFFFF"/>
+        <a:srgbClr val="004141"/>
       </a:lt1>
       <a:dk2>
-        <a:srgbClr val="A7A7A7"/>
+        <a:srgbClr val="66635F"/>
       </a:dk2>
       <a:lt2>
-        <a:srgbClr val="535353"/>
+        <a:srgbClr val="C9C3BA"/>
       </a:lt2>
       <a:accent1>
         <a:srgbClr val="738FAF"/>
@@ -5417,14 +5419,14 @@
     </a:clrScheme>
     <a:fontScheme name="New_Template4">
       <a:majorFont>
-        <a:latin typeface="Helvetica"/>
-        <a:ea typeface="Helvetica"/>
-        <a:cs typeface="Helvetica"/>
+        <a:latin typeface="Bodoni SvtyTwo ITC TT-Book"/>
+        <a:ea typeface="Bodoni SvtyTwo ITC TT-Book"/>
+        <a:cs typeface="Bodoni SvtyTwo ITC TT-Book"/>
       </a:majorFont>
       <a:minorFont>
-        <a:latin typeface="Helvetica Neue"/>
-        <a:ea typeface="Helvetica Neue"/>
-        <a:cs typeface="Helvetica Neue"/>
+        <a:latin typeface="Bodoni SvtyTwo ITC TT-Book"/>
+        <a:ea typeface="Bodoni SvtyTwo ITC TT-Book"/>
+        <a:cs typeface="Bodoni SvtyTwo ITC TT-Book"/>
       </a:minorFont>
     </a:fontScheme>
     <a:fmtScheme name="New_Template4">
@@ -5564,15 +5566,14 @@
   <a:objectDefaults>
     <a:spDef>
       <a:spPr>
-        <a:solidFill>
-          <a:srgbClr val="004141"/>
-        </a:solidFill>
-        <a:ln w="25400" cap="flat">
-          <a:solidFill>
-            <a:schemeClr val="accent1"/>
-          </a:solidFill>
-          <a:prstDash val="solid"/>
-          <a:round/>
+        <a:blipFill rotWithShape="1">
+          <a:blip xmlns:r="http://schemas.openxmlformats.org/officeDocument/2006/relationships" r:embed="rId1"/>
+          <a:srcRect/>
+          <a:tile tx="0" ty="0" sx="100000" sy="100000" flip="none" algn="tl"/>
+        </a:blipFill>
+        <a:ln w="12700" cap="flat">
+          <a:noFill/>
+          <a:miter lim="400000"/>
         </a:ln>
         <a:effectLst/>
         <a:sp3d/>
@@ -5596,19 +5597,23 @@
           <a:buFontTx/>
           <a:buNone/>
           <a:tabLst/>
-          <a:defRPr kumimoji="0" sz="2400" b="0" i="0" u="none" strike="noStrike" cap="none" spc="0" normalizeH="0" baseline="0">
+          <a:defRPr kumimoji="0" sz="3200" b="0" i="0" u="none" strike="noStrike" cap="none" spc="0" normalizeH="0" baseline="0">
             <a:ln>
               <a:noFill/>
             </a:ln>
             <a:solidFill>
-              <a:srgbClr val="414141"/>
+              <a:srgbClr val="FFFFFF"/>
             </a:solidFill>
-            <a:effectLst/>
+            <a:effectLst>
+              <a:outerShdw blurRad="25400" dist="33948" dir="2700000" rotWithShape="0">
+                <a:srgbClr val="3B3936"/>
+              </a:outerShdw>
+            </a:effectLst>
             <a:uFillTx/>
-            <a:latin typeface="Bodoni SvtyTwo ITC TT-Book"/>
-            <a:ea typeface="Bodoni SvtyTwo ITC TT-Book"/>
-            <a:cs typeface="Bodoni SvtyTwo ITC TT-Book"/>
-            <a:sym typeface="Bodoni SvtyTwo ITC TT-Book"/>
+            <a:latin typeface="Palatino"/>
+            <a:ea typeface="Palatino"/>
+            <a:cs typeface="Palatino"/>
+            <a:sym typeface="Palatino"/>
           </a:defRPr>
         </a:defPPr>
         <a:lvl1pPr marL="0" marR="0" indent="0" algn="l" defTabSz="914400" rtl="0" fontAlgn="auto" latinLnBrk="1" hangingPunct="0">
@@ -5864,10 +5869,10 @@
         <a:noFill/>
         <a:ln w="25400" cap="flat">
           <a:solidFill>
-            <a:schemeClr val="accent1"/>
+            <a:srgbClr val="414141"/>
           </a:solidFill>
           <a:prstDash val="solid"/>
-          <a:round/>
+          <a:miter lim="400000"/>
         </a:ln>
         <a:effectLst/>
         <a:sp3d/>
@@ -6188,10 +6193,10 @@
             </a:solidFill>
             <a:effectLst/>
             <a:uFillTx/>
-            <a:latin typeface="Bodoni SvtyTwo ITC TT-Book"/>
-            <a:ea typeface="Bodoni SvtyTwo ITC TT-Book"/>
-            <a:cs typeface="Bodoni SvtyTwo ITC TT-Book"/>
-            <a:sym typeface="Bodoni SvtyTwo ITC TT-Book"/>
+            <a:latin typeface="Palatino"/>
+            <a:ea typeface="Palatino"/>
+            <a:cs typeface="Palatino"/>
+            <a:sym typeface="Palatino"/>
           </a:defRPr>
         </a:defPPr>
         <a:lvl1pPr marL="0" marR="0" indent="0" algn="l" defTabSz="914400" rtl="0" fontAlgn="auto" latinLnBrk="1" hangingPunct="0">
@@ -6458,10 +6463,10 @@
         <a:srgbClr val="FFFFFF"/>
       </a:lt1>
       <a:dk2>
-        <a:srgbClr val="A7A7A7"/>
+        <a:srgbClr val="66635F"/>
       </a:dk2>
       <a:lt2>
-        <a:srgbClr val="535353"/>
+        <a:srgbClr val="C9C3BA"/>
       </a:lt2>
       <a:accent1>
         <a:srgbClr val="738FAF"/>
@@ -6490,14 +6495,14 @@
     </a:clrScheme>
     <a:fontScheme name="New_Template4">
       <a:majorFont>
-        <a:latin typeface="Helvetica"/>
-        <a:ea typeface="Helvetica"/>
-        <a:cs typeface="Helvetica"/>
+        <a:latin typeface="Bodoni SvtyTwo ITC TT-Book"/>
+        <a:ea typeface="Bodoni SvtyTwo ITC TT-Book"/>
+        <a:cs typeface="Bodoni SvtyTwo ITC TT-Book"/>
       </a:majorFont>
       <a:minorFont>
-        <a:latin typeface="Helvetica Neue"/>
-        <a:ea typeface="Helvetica Neue"/>
-        <a:cs typeface="Helvetica Neue"/>
+        <a:latin typeface="Bodoni SvtyTwo ITC TT-Book"/>
+        <a:ea typeface="Bodoni SvtyTwo ITC TT-Book"/>
+        <a:cs typeface="Bodoni SvtyTwo ITC TT-Book"/>
       </a:minorFont>
     </a:fontScheme>
     <a:fmtScheme name="New_Template4">
@@ -6637,15 +6642,14 @@
   <a:objectDefaults>
     <a:spDef>
       <a:spPr>
-        <a:solidFill>
-          <a:srgbClr val="004141"/>
-        </a:solidFill>
-        <a:ln w="25400" cap="flat">
-          <a:solidFill>
-            <a:schemeClr val="accent1"/>
-          </a:solidFill>
-          <a:prstDash val="solid"/>
-          <a:round/>
+        <a:blipFill rotWithShape="1">
+          <a:blip xmlns:r="http://schemas.openxmlformats.org/officeDocument/2006/relationships" r:embed="rId1"/>
+          <a:srcRect/>
+          <a:tile tx="0" ty="0" sx="100000" sy="100000" flip="none" algn="tl"/>
+        </a:blipFill>
+        <a:ln w="12700" cap="flat">
+          <a:noFill/>
+          <a:miter lim="400000"/>
         </a:ln>
         <a:effectLst/>
         <a:sp3d/>
@@ -6669,19 +6673,23 @@
           <a:buFontTx/>
           <a:buNone/>
           <a:tabLst/>
-          <a:defRPr kumimoji="0" sz="2400" b="0" i="0" u="none" strike="noStrike" cap="none" spc="0" normalizeH="0" baseline="0">
+          <a:defRPr kumimoji="0" sz="3200" b="0" i="0" u="none" strike="noStrike" cap="none" spc="0" normalizeH="0" baseline="0">
             <a:ln>
               <a:noFill/>
             </a:ln>
             <a:solidFill>
-              <a:srgbClr val="414141"/>
+              <a:srgbClr val="FFFFFF"/>
             </a:solidFill>
-            <a:effectLst/>
+            <a:effectLst>
+              <a:outerShdw blurRad="25400" dist="33948" dir="2700000" rotWithShape="0">
+                <a:srgbClr val="3B3936"/>
+              </a:outerShdw>
+            </a:effectLst>
             <a:uFillTx/>
-            <a:latin typeface="Bodoni SvtyTwo ITC TT-Book"/>
-            <a:ea typeface="Bodoni SvtyTwo ITC TT-Book"/>
-            <a:cs typeface="Bodoni SvtyTwo ITC TT-Book"/>
-            <a:sym typeface="Bodoni SvtyTwo ITC TT-Book"/>
+            <a:latin typeface="Palatino"/>
+            <a:ea typeface="Palatino"/>
+            <a:cs typeface="Palatino"/>
+            <a:sym typeface="Palatino"/>
           </a:defRPr>
         </a:defPPr>
         <a:lvl1pPr marL="0" marR="0" indent="0" algn="l" defTabSz="914400" rtl="0" fontAlgn="auto" latinLnBrk="1" hangingPunct="0">
@@ -6937,10 +6945,10 @@
         <a:noFill/>
         <a:ln w="25400" cap="flat">
           <a:solidFill>
-            <a:schemeClr val="accent1"/>
+            <a:srgbClr val="414141"/>
           </a:solidFill>
           <a:prstDash val="solid"/>
-          <a:round/>
+          <a:miter lim="400000"/>
         </a:ln>
         <a:effectLst/>
         <a:sp3d/>
@@ -7261,10 +7269,10 @@
             </a:solidFill>
             <a:effectLst/>
             <a:uFillTx/>
-            <a:latin typeface="Bodoni SvtyTwo ITC TT-Book"/>
-            <a:ea typeface="Bodoni SvtyTwo ITC TT-Book"/>
-            <a:cs typeface="Bodoni SvtyTwo ITC TT-Book"/>
-            <a:sym typeface="Bodoni SvtyTwo ITC TT-Book"/>
+            <a:latin typeface="Palatino"/>
+            <a:ea typeface="Palatino"/>
+            <a:cs typeface="Palatino"/>
+            <a:sym typeface="Palatino"/>
           </a:defRPr>
         </a:defPPr>
         <a:lvl1pPr marL="0" marR="0" indent="0" algn="l" defTabSz="914400" rtl="0" fontAlgn="auto" latinLnBrk="1" hangingPunct="0">
